--- a/web-pg-performance/webpgperformance.pptx
+++ b/web-pg-performance/webpgperformance.pptx
@@ -5,7 +5,7 @@
     <p:sldMasterId id="2147483648" r:id="rId1"/>
   </p:sldMasterIdLst>
   <p:notesMasterIdLst>
-    <p:notesMasterId r:id="rId18"/>
+    <p:notesMasterId r:id="rId23"/>
   </p:notesMasterIdLst>
   <p:sldIdLst>
     <p:sldId id="256" r:id="rId2"/>
@@ -23,7 +23,12 @@
     <p:sldId id="284" r:id="rId14"/>
     <p:sldId id="278" r:id="rId15"/>
     <p:sldId id="285" r:id="rId16"/>
-    <p:sldId id="271" r:id="rId17"/>
+    <p:sldId id="286" r:id="rId17"/>
+    <p:sldId id="287" r:id="rId18"/>
+    <p:sldId id="288" r:id="rId19"/>
+    <p:sldId id="289" r:id="rId20"/>
+    <p:sldId id="290" r:id="rId21"/>
+    <p:sldId id="271" r:id="rId22"/>
   </p:sldIdLst>
   <p:sldSz cx="9144000" cy="6858000" type="screen4x3"/>
   <p:notesSz cx="6858000" cy="9144000"/>
@@ -5503,9 +5508,196 @@
             <a:pPr algn="l"/>
             <a:r>
               <a:rPr lang="en-US" sz="4000" dirty="0" smtClean="0"/>
-              <a:t>xxx</a:t>
+              <a:t>5. Minify </a:t>
+            </a:r>
+            <a:r>
+              <a:rPr lang="en-US" sz="4000" dirty="0"/>
+              <a:t>JS &amp; </a:t>
+            </a:r>
+            <a:r>
+              <a:rPr lang="en-US" sz="4000" dirty="0" smtClean="0"/>
+              <a:t>CSS</a:t>
             </a:r>
             <a:endParaRPr lang="en-US" sz="4000" dirty="0"/>
+          </a:p>
+        </p:txBody>
+      </p:sp>
+      <p:sp>
+        <p:nvSpPr>
+          <p:cNvPr id="8" name="Subtitle 2"/>
+          <p:cNvSpPr>
+            <a:spLocks noGrp="1"/>
+          </p:cNvSpPr>
+          <p:nvPr>
+            <p:ph type="subTitle" idx="1"/>
+          </p:nvPr>
+        </p:nvSpPr>
+        <p:spPr>
+          <a:xfrm>
+            <a:off x="363415" y="914400"/>
+            <a:ext cx="8648053" cy="2895600"/>
+          </a:xfrm>
+        </p:spPr>
+        <p:txBody>
+          <a:bodyPr>
+            <a:noAutofit/>
+          </a:bodyPr>
+          <a:lstStyle/>
+          <a:p>
+            <a:pPr marL="457200" indent="-457200" algn="l">
+              <a:buFont typeface="Arial" panose="020B0604020202020204" pitchFamily="34" charset="0"/>
+              <a:buChar char="•"/>
+            </a:pPr>
+            <a:r>
+              <a:rPr lang="en-US" sz="3200" dirty="0" smtClean="0"/>
+              <a:t>Eliminates nonessential characters (</a:t>
+            </a:r>
+            <a:r>
+              <a:rPr lang="en-US" sz="3200" dirty="0" err="1" smtClean="0"/>
+              <a:t>eg</a:t>
+            </a:r>
+            <a:r>
+              <a:rPr lang="en-US" sz="3200" dirty="0" smtClean="0"/>
+              <a:t> newline, spaces, tabs, comments)</a:t>
+            </a:r>
+          </a:p>
+          <a:p>
+            <a:pPr marL="457200" indent="-457200" algn="l">
+              <a:buFont typeface="Arial" panose="020B0604020202020204" pitchFamily="34" charset="0"/>
+              <a:buChar char="•"/>
+            </a:pPr>
+            <a:r>
+              <a:rPr lang="en-US" sz="3200" dirty="0" smtClean="0"/>
+              <a:t>Saving 20-40% in size reduction.</a:t>
+            </a:r>
+          </a:p>
+          <a:p>
+            <a:pPr marL="457200" indent="-457200" algn="l">
+              <a:buFont typeface="Arial" panose="020B0604020202020204" pitchFamily="34" charset="0"/>
+              <a:buChar char="•"/>
+            </a:pPr>
+            <a:r>
+              <a:rPr lang="en-US" sz="3200" dirty="0"/>
+              <a:t>o</a:t>
+            </a:r>
+            <a:r>
+              <a:rPr lang="en-US" sz="3200" dirty="0" smtClean="0"/>
+              <a:t>wf-server.js (5.3MB)</a:t>
+            </a:r>
+          </a:p>
+          <a:p>
+            <a:pPr algn="l"/>
+            <a:r>
+              <a:rPr lang="en-US" sz="3200" dirty="0" smtClean="0"/>
+              <a:t>    owf-server.min.js (2.6MB) – 50% reduction</a:t>
+            </a:r>
+          </a:p>
+          <a:p>
+            <a:pPr algn="l"/>
+            <a:endParaRPr lang="en-US" dirty="0"/>
+          </a:p>
+          <a:p>
+            <a:pPr algn="l"/>
+            <a:endParaRPr lang="en-US" dirty="0"/>
+          </a:p>
+          <a:p>
+            <a:pPr algn="l"/>
+            <a:endParaRPr lang="en-US" sz="3200" dirty="0" smtClean="0"/>
+          </a:p>
+          <a:p>
+            <a:pPr marL="342900" indent="-342900" algn="l">
+              <a:buFont typeface="Arial" panose="020B0604020202020204" pitchFamily="34" charset="0"/>
+              <a:buChar char="•"/>
+            </a:pPr>
+            <a:endParaRPr lang="en-US" sz="3200" dirty="0"/>
+          </a:p>
+        </p:txBody>
+      </p:sp>
+      <p:pic>
+        <p:nvPicPr>
+          <p:cNvPr id="2" name="Picture 1"/>
+          <p:cNvPicPr>
+            <a:picLocks noChangeAspect="1"/>
+          </p:cNvPicPr>
+          <p:nvPr/>
+        </p:nvPicPr>
+        <p:blipFill>
+          <a:blip r:embed="rId2"/>
+          <a:stretch>
+            <a:fillRect/>
+          </a:stretch>
+        </p:blipFill>
+        <p:spPr>
+          <a:xfrm>
+            <a:off x="0" y="4042059"/>
+            <a:ext cx="4267200" cy="2528182"/>
+          </a:xfrm>
+          <a:prstGeom prst="rect">
+            <a:avLst/>
+          </a:prstGeom>
+        </p:spPr>
+      </p:pic>
+      <p:pic>
+        <p:nvPicPr>
+          <p:cNvPr id="3" name="Picture 2"/>
+          <p:cNvPicPr>
+            <a:picLocks noChangeAspect="1"/>
+          </p:cNvPicPr>
+          <p:nvPr/>
+        </p:nvPicPr>
+        <p:blipFill>
+          <a:blip r:embed="rId3"/>
+          <a:stretch>
+            <a:fillRect/>
+          </a:stretch>
+        </p:blipFill>
+        <p:spPr>
+          <a:xfrm>
+            <a:off x="4876800" y="4042059"/>
+            <a:ext cx="4188783" cy="2434941"/>
+          </a:xfrm>
+          <a:prstGeom prst="rect">
+            <a:avLst/>
+          </a:prstGeom>
+        </p:spPr>
+      </p:pic>
+      <p:sp>
+        <p:nvSpPr>
+          <p:cNvPr id="9" name="Right Arrow 8"/>
+          <p:cNvSpPr/>
+          <p:nvPr/>
+        </p:nvSpPr>
+        <p:spPr>
+          <a:xfrm>
+            <a:off x="3962400" y="4953000"/>
+            <a:ext cx="914400" cy="533400"/>
+          </a:xfrm>
+          <a:prstGeom prst="rightArrow">
+            <a:avLst/>
+          </a:prstGeom>
+        </p:spPr>
+        <p:style>
+          <a:lnRef idx="2">
+            <a:schemeClr val="accent1">
+              <a:shade val="50000"/>
+            </a:schemeClr>
+          </a:lnRef>
+          <a:fillRef idx="1">
+            <a:schemeClr val="accent1"/>
+          </a:fillRef>
+          <a:effectRef idx="0">
+            <a:schemeClr val="accent1"/>
+          </a:effectRef>
+          <a:fontRef idx="minor">
+            <a:schemeClr val="lt1"/>
+          </a:fontRef>
+        </p:style>
+        <p:txBody>
+          <a:bodyPr rtlCol="0" anchor="ctr"/>
+          <a:lstStyle/>
+          <a:p>
+            <a:pPr algn="ctr"/>
+            <a:endParaRPr lang="en-US"/>
           </a:p>
         </p:txBody>
       </p:sp>
@@ -5549,14 +5741,19 @@
             <p:ph type="dt" sz="half" idx="10"/>
           </p:nvPr>
         </p:nvSpPr>
-        <p:spPr/>
+        <p:spPr>
+          <a:xfrm>
+            <a:off x="6363347" y="6492875"/>
+            <a:ext cx="2085975" cy="365125"/>
+          </a:xfrm>
+        </p:spPr>
         <p:txBody>
           <a:bodyPr/>
           <a:lstStyle/>
           <a:p>
             <a:fld id="{216C5678-EE20-4FA5-88E2-6E0BD67A2E26}" type="datetime1">
               <a:rPr lang="en-US" smtClean="0"/>
-              <a:t>11/25/2017</a:t>
+              <a:t>11/26/2017</a:t>
             </a:fld>
             <a:endParaRPr lang="en-US" dirty="0"/>
           </a:p>
@@ -5572,7 +5769,12 @@
             <p:ph type="sldNum" sz="quarter" idx="11"/>
           </p:nvPr>
         </p:nvSpPr>
-        <p:spPr/>
+        <p:spPr>
+          <a:xfrm>
+            <a:off x="8543278" y="6492875"/>
+            <a:ext cx="561975" cy="365125"/>
+          </a:xfrm>
+        </p:spPr>
         <p:txBody>
           <a:bodyPr/>
           <a:lstStyle/>
@@ -5596,7 +5798,12 @@
             <p:ph type="ftr" sz="quarter" idx="12"/>
           </p:nvPr>
         </p:nvSpPr>
-        <p:spPr/>
+        <p:spPr>
+          <a:xfrm>
+            <a:off x="659165" y="6492875"/>
+            <a:ext cx="2847975" cy="365125"/>
+          </a:xfrm>
+        </p:spPr>
         <p:txBody>
           <a:bodyPr/>
           <a:lstStyle/>
@@ -5632,9 +5839,587 @@
             <a:pPr algn="l"/>
             <a:r>
               <a:rPr lang="en-US" sz="4000" dirty="0" smtClean="0"/>
-              <a:t>xxx</a:t>
+              <a:t>6. Compression Text</a:t>
             </a:r>
             <a:endParaRPr lang="en-US" sz="4000" dirty="0"/>
+          </a:p>
+        </p:txBody>
+      </p:sp>
+      <p:sp>
+        <p:nvSpPr>
+          <p:cNvPr id="8" name="Subtitle 2"/>
+          <p:cNvSpPr>
+            <a:spLocks noGrp="1"/>
+          </p:cNvSpPr>
+          <p:nvPr>
+            <p:ph type="subTitle" idx="1"/>
+          </p:nvPr>
+        </p:nvSpPr>
+        <p:spPr>
+          <a:xfrm>
+            <a:off x="363415" y="914399"/>
+            <a:ext cx="8648053" cy="4135681"/>
+          </a:xfrm>
+        </p:spPr>
+        <p:txBody>
+          <a:bodyPr>
+            <a:noAutofit/>
+          </a:bodyPr>
+          <a:lstStyle/>
+          <a:p>
+            <a:pPr marL="457200" indent="-457200" algn="l">
+              <a:buFont typeface="Arial" panose="020B0604020202020204" pitchFamily="34" charset="0"/>
+              <a:buChar char="•"/>
+            </a:pPr>
+            <a:r>
+              <a:rPr lang="en-US" sz="3200" dirty="0" smtClean="0"/>
+              <a:t>Compression of text-bases HTTP response (e.g. JS, CSS, JSON, HTML)</a:t>
+            </a:r>
+          </a:p>
+          <a:p>
+            <a:pPr marL="457200" indent="-457200" algn="l">
+              <a:buFont typeface="Arial" panose="020B0604020202020204" pitchFamily="34" charset="0"/>
+              <a:buChar char="•"/>
+            </a:pPr>
+            <a:r>
+              <a:rPr lang="en-US" sz="3200" dirty="0" smtClean="0"/>
+              <a:t>Reduce response as much as 70% as the cost of compression at server and decompression as browser.</a:t>
+            </a:r>
+          </a:p>
+          <a:p>
+            <a:pPr marL="457200" indent="-457200" algn="l">
+              <a:buFont typeface="Arial" panose="020B0604020202020204" pitchFamily="34" charset="0"/>
+              <a:buChar char="•"/>
+            </a:pPr>
+            <a:r>
+              <a:rPr lang="en-US" sz="3200" dirty="0" err="1" smtClean="0"/>
+              <a:t>gzip</a:t>
+            </a:r>
+            <a:r>
+              <a:rPr lang="en-US" sz="3200" dirty="0"/>
+              <a:t> (Lempel-Ziv </a:t>
+            </a:r>
+            <a:r>
+              <a:rPr lang="en-US" sz="3200" dirty="0" smtClean="0"/>
+              <a:t>coding), deflate (</a:t>
+            </a:r>
+            <a:r>
+              <a:rPr lang="en-US" sz="3200" dirty="0" err="1" smtClean="0"/>
+              <a:t>zlib</a:t>
+            </a:r>
+            <a:r>
+              <a:rPr lang="en-US" sz="3200" dirty="0" smtClean="0"/>
+              <a:t>), </a:t>
+            </a:r>
+            <a:r>
+              <a:rPr lang="en-US" sz="3200" dirty="0" err="1" smtClean="0"/>
+              <a:t>br</a:t>
+            </a:r>
+            <a:r>
+              <a:rPr lang="en-US" sz="3200" dirty="0"/>
+              <a:t> (</a:t>
+            </a:r>
+            <a:r>
+              <a:rPr lang="en-US" sz="3200" dirty="0" err="1"/>
+              <a:t>Brotli</a:t>
+            </a:r>
+            <a:r>
+              <a:rPr lang="en-US" sz="3200" dirty="0"/>
+              <a:t> </a:t>
+            </a:r>
+            <a:r>
+              <a:rPr lang="en-US" sz="3200" dirty="0" smtClean="0"/>
+              <a:t>algorithm), </a:t>
+            </a:r>
+            <a:r>
+              <a:rPr lang="en-US" sz="3200" dirty="0"/>
+              <a:t>compress (</a:t>
+            </a:r>
+            <a:r>
+              <a:rPr lang="en-US" sz="3200" dirty="0" smtClean="0"/>
+              <a:t>Lempel-Ziv-Welch)</a:t>
+            </a:r>
+            <a:endParaRPr lang="en-US" sz="2000" dirty="0"/>
+          </a:p>
+          <a:p>
+            <a:pPr algn="l"/>
+            <a:endParaRPr lang="en-US" sz="2000" dirty="0" smtClean="0"/>
+          </a:p>
+          <a:p>
+            <a:pPr algn="l"/>
+            <a:endParaRPr lang="en-US" sz="3200" dirty="0" smtClean="0"/>
+          </a:p>
+          <a:p>
+            <a:pPr algn="l"/>
+            <a:endParaRPr lang="en-US" dirty="0"/>
+          </a:p>
+          <a:p>
+            <a:pPr marL="342900" indent="-342900" algn="l">
+              <a:buFont typeface="Arial" panose="020B0604020202020204" pitchFamily="34" charset="0"/>
+              <a:buChar char="•"/>
+            </a:pPr>
+            <a:endParaRPr lang="en-US" sz="3200" dirty="0"/>
+          </a:p>
+        </p:txBody>
+      </p:sp>
+      <p:sp>
+        <p:nvSpPr>
+          <p:cNvPr id="3" name="Rectangle 2"/>
+          <p:cNvSpPr>
+            <a:spLocks noChangeArrowheads="1"/>
+          </p:cNvSpPr>
+          <p:nvPr/>
+        </p:nvSpPr>
+        <p:spPr bwMode="auto">
+          <a:xfrm>
+            <a:off x="0" y="90100"/>
+            <a:ext cx="65" cy="276999"/>
+          </a:xfrm>
+          <a:prstGeom prst="rect">
+            <a:avLst/>
+          </a:prstGeom>
+          <a:solidFill>
+            <a:srgbClr val="EEEEEE"/>
+          </a:solidFill>
+          <a:ln>
+            <a:noFill/>
+          </a:ln>
+          <a:effectLst/>
+          <a:extLst>
+            <a:ext uri="{91240B29-F687-4F45-9708-019B960494DF}">
+              <a14:hiddenLine xmlns:a14="http://schemas.microsoft.com/office/drawing/2010/main" w="9525">
+                <a:solidFill>
+                  <a:schemeClr val="tx1"/>
+                </a:solidFill>
+                <a:miter lim="800000"/>
+                <a:headEnd/>
+                <a:tailEnd/>
+              </a14:hiddenLine>
+            </a:ext>
+            <a:ext uri="{AF507438-7753-43E0-B8FC-AC1667EBCBE1}">
+              <a14:hiddenEffects xmlns:a14="http://schemas.microsoft.com/office/drawing/2010/main">
+                <a:effectLst>
+                  <a:outerShdw dist="35921" dir="2700000" algn="ctr" rotWithShape="0">
+                    <a:schemeClr val="bg2"/>
+                  </a:outerShdw>
+                </a:effectLst>
+              </a14:hiddenEffects>
+            </a:ext>
+          </a:extLst>
+        </p:spPr>
+        <p:txBody>
+          <a:bodyPr vert="horz" wrap="none" lIns="0" tIns="0" rIns="0" bIns="0" numCol="1" anchor="ctr" anchorCtr="0" compatLnSpc="1">
+            <a:prstTxWarp prst="textNoShape">
+              <a:avLst/>
+            </a:prstTxWarp>
+            <a:spAutoFit/>
+          </a:bodyPr>
+          <a:lstStyle/>
+          <a:p>
+            <a:pPr marL="0" marR="0" lvl="0" indent="0" algn="l" defTabSz="914400" rtl="0" eaLnBrk="0" fontAlgn="base" latinLnBrk="0" hangingPunct="0">
+              <a:lnSpc>
+                <a:spcPct val="100000"/>
+              </a:lnSpc>
+              <a:spcBef>
+                <a:spcPct val="0"/>
+              </a:spcBef>
+              <a:spcAft>
+                <a:spcPct val="0"/>
+              </a:spcAft>
+              <a:buClrTx/>
+              <a:buSzTx/>
+              <a:buFontTx/>
+              <a:buNone/>
+              <a:tabLst/>
+            </a:pPr>
+            <a:endParaRPr kumimoji="0" lang="en-US" altLang="en-US" sz="1800" b="0" i="0" u="none" strike="noStrike" cap="none" normalizeH="0" baseline="0" dirty="0" smtClean="0">
+              <a:ln>
+                <a:noFill/>
+              </a:ln>
+              <a:solidFill>
+                <a:schemeClr val="tx1"/>
+              </a:solidFill>
+              <a:effectLst/>
+              <a:latin typeface="Arial" panose="020B0604020202020204" pitchFamily="34" charset="0"/>
+            </a:endParaRPr>
+          </a:p>
+        </p:txBody>
+      </p:sp>
+      <p:sp>
+        <p:nvSpPr>
+          <p:cNvPr id="9" name="Rectangle 8"/>
+          <p:cNvSpPr/>
+          <p:nvPr/>
+        </p:nvSpPr>
+        <p:spPr>
+          <a:xfrm>
+            <a:off x="1219200" y="5241925"/>
+            <a:ext cx="1295400" cy="1524000"/>
+          </a:xfrm>
+          <a:prstGeom prst="rect">
+            <a:avLst/>
+          </a:prstGeom>
+        </p:spPr>
+        <p:style>
+          <a:lnRef idx="2">
+            <a:schemeClr val="accent1">
+              <a:shade val="50000"/>
+            </a:schemeClr>
+          </a:lnRef>
+          <a:fillRef idx="1">
+            <a:schemeClr val="accent1"/>
+          </a:fillRef>
+          <a:effectRef idx="0">
+            <a:schemeClr val="accent1"/>
+          </a:effectRef>
+          <a:fontRef idx="minor">
+            <a:schemeClr val="lt1"/>
+          </a:fontRef>
+        </p:style>
+        <p:txBody>
+          <a:bodyPr rtlCol="0" anchor="ctr"/>
+          <a:lstStyle/>
+          <a:p>
+            <a:pPr algn="ctr"/>
+            <a:r>
+              <a:rPr lang="en-US" dirty="0" smtClean="0"/>
+              <a:t>Browser</a:t>
+            </a:r>
+            <a:endParaRPr lang="en-US" dirty="0"/>
+          </a:p>
+        </p:txBody>
+      </p:sp>
+      <p:sp>
+        <p:nvSpPr>
+          <p:cNvPr id="10" name="Rectangle 9"/>
+          <p:cNvSpPr/>
+          <p:nvPr/>
+        </p:nvSpPr>
+        <p:spPr>
+          <a:xfrm>
+            <a:off x="6791325" y="5241925"/>
+            <a:ext cx="1751953" cy="1524000"/>
+          </a:xfrm>
+          <a:prstGeom prst="rect">
+            <a:avLst/>
+          </a:prstGeom>
+        </p:spPr>
+        <p:style>
+          <a:lnRef idx="2">
+            <a:schemeClr val="accent1">
+              <a:shade val="50000"/>
+            </a:schemeClr>
+          </a:lnRef>
+          <a:fillRef idx="1">
+            <a:schemeClr val="accent1"/>
+          </a:fillRef>
+          <a:effectRef idx="0">
+            <a:schemeClr val="accent1"/>
+          </a:effectRef>
+          <a:fontRef idx="minor">
+            <a:schemeClr val="lt1"/>
+          </a:fontRef>
+        </p:style>
+        <p:txBody>
+          <a:bodyPr rtlCol="0" anchor="ctr"/>
+          <a:lstStyle/>
+          <a:p>
+            <a:pPr algn="ctr"/>
+            <a:r>
+              <a:rPr lang="en-US" dirty="0" smtClean="0"/>
+              <a:t>Web Server</a:t>
+            </a:r>
+            <a:endParaRPr lang="en-US" dirty="0"/>
+          </a:p>
+        </p:txBody>
+      </p:sp>
+      <p:cxnSp>
+        <p:nvCxnSpPr>
+          <p:cNvPr id="12" name="Straight Arrow Connector 11"/>
+          <p:cNvCxnSpPr/>
+          <p:nvPr/>
+        </p:nvCxnSpPr>
+        <p:spPr>
+          <a:xfrm>
+            <a:off x="2590799" y="5699125"/>
+            <a:ext cx="4200526" cy="32238"/>
+          </a:xfrm>
+          <a:prstGeom prst="straightConnector1">
+            <a:avLst/>
+          </a:prstGeom>
+          <a:ln w="38100">
+            <a:tailEnd type="triangle"/>
+          </a:ln>
+        </p:spPr>
+        <p:style>
+          <a:lnRef idx="1">
+            <a:schemeClr val="accent1"/>
+          </a:lnRef>
+          <a:fillRef idx="0">
+            <a:schemeClr val="accent1"/>
+          </a:fillRef>
+          <a:effectRef idx="0">
+            <a:schemeClr val="accent1"/>
+          </a:effectRef>
+          <a:fontRef idx="minor">
+            <a:schemeClr val="tx1"/>
+          </a:fontRef>
+        </p:style>
+      </p:cxnSp>
+      <p:sp>
+        <p:nvSpPr>
+          <p:cNvPr id="14" name="Rectangle 13"/>
+          <p:cNvSpPr/>
+          <p:nvPr/>
+        </p:nvSpPr>
+        <p:spPr>
+          <a:xfrm>
+            <a:off x="2667000" y="5068913"/>
+            <a:ext cx="3384260" cy="646331"/>
+          </a:xfrm>
+          <a:prstGeom prst="rect">
+            <a:avLst/>
+          </a:prstGeom>
+        </p:spPr>
+        <p:txBody>
+          <a:bodyPr wrap="none">
+            <a:spAutoFit/>
+          </a:bodyPr>
+          <a:lstStyle/>
+          <a:p>
+            <a:r>
+              <a:rPr lang="en-US" dirty="0" smtClean="0"/>
+              <a:t>HTTP Request:</a:t>
+            </a:r>
+          </a:p>
+          <a:p>
+            <a:r>
+              <a:rPr lang="en-US" dirty="0" smtClean="0"/>
+              <a:t>Accept-Encoding</a:t>
+            </a:r>
+            <a:r>
+              <a:rPr lang="en-US" dirty="0"/>
+              <a:t>: </a:t>
+            </a:r>
+            <a:r>
+              <a:rPr lang="en-US" dirty="0" err="1"/>
+              <a:t>gzip</a:t>
+            </a:r>
+            <a:r>
+              <a:rPr lang="en-US" dirty="0"/>
+              <a:t>, deflate </a:t>
+            </a:r>
+            <a:endParaRPr lang="en-US" dirty="0"/>
+          </a:p>
+        </p:txBody>
+      </p:sp>
+      <p:cxnSp>
+        <p:nvCxnSpPr>
+          <p:cNvPr id="16" name="Straight Arrow Connector 15"/>
+          <p:cNvCxnSpPr/>
+          <p:nvPr/>
+        </p:nvCxnSpPr>
+        <p:spPr>
+          <a:xfrm flipH="1">
+            <a:off x="2590799" y="6675437"/>
+            <a:ext cx="4124327" cy="0"/>
+          </a:xfrm>
+          <a:prstGeom prst="straightConnector1">
+            <a:avLst/>
+          </a:prstGeom>
+          <a:ln w="38100">
+            <a:tailEnd type="triangle"/>
+          </a:ln>
+        </p:spPr>
+        <p:style>
+          <a:lnRef idx="1">
+            <a:schemeClr val="accent1"/>
+          </a:lnRef>
+          <a:fillRef idx="0">
+            <a:schemeClr val="accent1"/>
+          </a:fillRef>
+          <a:effectRef idx="0">
+            <a:schemeClr val="accent1"/>
+          </a:effectRef>
+          <a:fontRef idx="minor">
+            <a:schemeClr val="tx1"/>
+          </a:fontRef>
+        </p:style>
+      </p:cxnSp>
+      <p:sp>
+        <p:nvSpPr>
+          <p:cNvPr id="20" name="Rectangle 4"/>
+          <p:cNvSpPr>
+            <a:spLocks noChangeArrowheads="1"/>
+          </p:cNvSpPr>
+          <p:nvPr/>
+        </p:nvSpPr>
+        <p:spPr bwMode="auto">
+          <a:xfrm>
+            <a:off x="0" y="90100"/>
+            <a:ext cx="65" cy="276999"/>
+          </a:xfrm>
+          <a:prstGeom prst="rect">
+            <a:avLst/>
+          </a:prstGeom>
+          <a:solidFill>
+            <a:srgbClr val="EEEEEE"/>
+          </a:solidFill>
+          <a:ln>
+            <a:noFill/>
+          </a:ln>
+          <a:effectLst/>
+          <a:extLst>
+            <a:ext uri="{91240B29-F687-4F45-9708-019B960494DF}">
+              <a14:hiddenLine xmlns:a14="http://schemas.microsoft.com/office/drawing/2010/main" w="9525">
+                <a:solidFill>
+                  <a:schemeClr val="tx1"/>
+                </a:solidFill>
+                <a:miter lim="800000"/>
+                <a:headEnd/>
+                <a:tailEnd/>
+              </a14:hiddenLine>
+            </a:ext>
+            <a:ext uri="{AF507438-7753-43E0-B8FC-AC1667EBCBE1}">
+              <a14:hiddenEffects xmlns:a14="http://schemas.microsoft.com/office/drawing/2010/main">
+                <a:effectLst>
+                  <a:outerShdw dist="35921" dir="2700000" algn="ctr" rotWithShape="0">
+                    <a:schemeClr val="bg2"/>
+                  </a:outerShdw>
+                </a:effectLst>
+              </a14:hiddenEffects>
+            </a:ext>
+          </a:extLst>
+        </p:spPr>
+        <p:txBody>
+          <a:bodyPr vert="horz" wrap="none" lIns="0" tIns="0" rIns="0" bIns="0" numCol="1" anchor="ctr" anchorCtr="0" compatLnSpc="1">
+            <a:prstTxWarp prst="textNoShape">
+              <a:avLst/>
+            </a:prstTxWarp>
+            <a:spAutoFit/>
+          </a:bodyPr>
+          <a:lstStyle/>
+          <a:p>
+            <a:pPr marL="0" marR="0" lvl="0" indent="0" algn="l" defTabSz="914400" rtl="0" eaLnBrk="0" fontAlgn="base" latinLnBrk="0" hangingPunct="0">
+              <a:lnSpc>
+                <a:spcPct val="100000"/>
+              </a:lnSpc>
+              <a:spcBef>
+                <a:spcPct val="0"/>
+              </a:spcBef>
+              <a:spcAft>
+                <a:spcPct val="0"/>
+              </a:spcAft>
+              <a:buClrTx/>
+              <a:buSzTx/>
+              <a:buFontTx/>
+              <a:buNone/>
+              <a:tabLst/>
+            </a:pPr>
+            <a:endParaRPr kumimoji="0" lang="en-US" altLang="en-US" sz="1800" b="0" i="0" u="none" strike="noStrike" cap="none" normalizeH="0" baseline="0" dirty="0" smtClean="0">
+              <a:ln>
+                <a:noFill/>
+              </a:ln>
+              <a:solidFill>
+                <a:schemeClr val="tx1"/>
+              </a:solidFill>
+              <a:effectLst/>
+              <a:latin typeface="Arial" panose="020B0604020202020204" pitchFamily="34" charset="0"/>
+            </a:endParaRPr>
+          </a:p>
+        </p:txBody>
+      </p:sp>
+      <p:sp>
+        <p:nvSpPr>
+          <p:cNvPr id="21" name="Rectangle 20"/>
+          <p:cNvSpPr/>
+          <p:nvPr/>
+        </p:nvSpPr>
+        <p:spPr>
+          <a:xfrm>
+            <a:off x="2667000" y="6064275"/>
+            <a:ext cx="4136069" cy="646331"/>
+          </a:xfrm>
+          <a:prstGeom prst="rect">
+            <a:avLst/>
+          </a:prstGeom>
+        </p:spPr>
+        <p:txBody>
+          <a:bodyPr wrap="none">
+            <a:spAutoFit/>
+          </a:bodyPr>
+          <a:lstStyle/>
+          <a:p>
+            <a:pPr lvl="0" eaLnBrk="0" fontAlgn="base" hangingPunct="0">
+              <a:spcBef>
+                <a:spcPct val="0"/>
+              </a:spcBef>
+              <a:spcAft>
+                <a:spcPct val="0"/>
+              </a:spcAft>
+            </a:pPr>
+            <a:r>
+              <a:rPr lang="en-US" altLang="en-US" dirty="0" smtClean="0">
+                <a:solidFill>
+                  <a:srgbClr val="333333"/>
+                </a:solidFill>
+                <a:latin typeface="Consolas" panose="020B0609020204030204" pitchFamily="49" charset="0"/>
+              </a:rPr>
+              <a:t>HTTP Response:</a:t>
+            </a:r>
+          </a:p>
+          <a:p>
+            <a:pPr lvl="0" eaLnBrk="0" fontAlgn="base" hangingPunct="0">
+              <a:spcBef>
+                <a:spcPct val="0"/>
+              </a:spcBef>
+              <a:spcAft>
+                <a:spcPct val="0"/>
+              </a:spcAft>
+            </a:pPr>
+            <a:r>
+              <a:rPr lang="en-US" altLang="en-US" dirty="0" smtClean="0">
+                <a:solidFill>
+                  <a:srgbClr val="333333"/>
+                </a:solidFill>
+                <a:latin typeface="Consolas" panose="020B0609020204030204" pitchFamily="49" charset="0"/>
+              </a:rPr>
+              <a:t>Content-Encoding</a:t>
+            </a:r>
+            <a:r>
+              <a:rPr lang="en-US" altLang="en-US" dirty="0">
+                <a:solidFill>
+                  <a:srgbClr val="333333"/>
+                </a:solidFill>
+                <a:latin typeface="Consolas" panose="020B0609020204030204" pitchFamily="49" charset="0"/>
+              </a:rPr>
+              <a:t>: </a:t>
+            </a:r>
+            <a:r>
+              <a:rPr lang="en-US" altLang="en-US" dirty="0" smtClean="0">
+                <a:solidFill>
+                  <a:srgbClr val="333333"/>
+                </a:solidFill>
+                <a:latin typeface="Consolas" panose="020B0609020204030204" pitchFamily="49" charset="0"/>
+              </a:rPr>
+              <a:t>deflate, </a:t>
+            </a:r>
+            <a:r>
+              <a:rPr lang="en-US" altLang="en-US" dirty="0" err="1" smtClean="0">
+                <a:solidFill>
+                  <a:srgbClr val="333333"/>
+                </a:solidFill>
+                <a:latin typeface="Consolas" panose="020B0609020204030204" pitchFamily="49" charset="0"/>
+              </a:rPr>
+              <a:t>gzip</a:t>
+            </a:r>
+            <a:r>
+              <a:rPr lang="en-US" altLang="en-US" sz="800" dirty="0" smtClean="0"/>
+              <a:t> </a:t>
+            </a:r>
+            <a:endParaRPr lang="en-US" altLang="en-US" sz="4000" dirty="0">
+              <a:latin typeface="Arial" panose="020B0604020202020204" pitchFamily="34" charset="0"/>
+            </a:endParaRPr>
           </a:p>
         </p:txBody>
       </p:sp>
@@ -5670,7 +6455,77 @@
       </p:grpSpPr>
       <p:sp>
         <p:nvSpPr>
-          <p:cNvPr id="2" name="Title 1"/>
+          <p:cNvPr id="4" name="Date Placeholder 3"/>
+          <p:cNvSpPr>
+            <a:spLocks noGrp="1"/>
+          </p:cNvSpPr>
+          <p:nvPr>
+            <p:ph type="dt" sz="half" idx="10"/>
+          </p:nvPr>
+        </p:nvSpPr>
+        <p:spPr/>
+        <p:txBody>
+          <a:bodyPr/>
+          <a:lstStyle/>
+          <a:p>
+            <a:fld id="{216C5678-EE20-4FA5-88E2-6E0BD67A2E26}" type="datetime1">
+              <a:rPr lang="en-US" smtClean="0"/>
+              <a:t>11/25/2017</a:t>
+            </a:fld>
+            <a:endParaRPr lang="en-US" dirty="0"/>
+          </a:p>
+        </p:txBody>
+      </p:sp>
+      <p:sp>
+        <p:nvSpPr>
+          <p:cNvPr id="5" name="Slide Number Placeholder 4"/>
+          <p:cNvSpPr>
+            <a:spLocks noGrp="1"/>
+          </p:cNvSpPr>
+          <p:nvPr>
+            <p:ph type="sldNum" sz="quarter" idx="11"/>
+          </p:nvPr>
+        </p:nvSpPr>
+        <p:spPr/>
+        <p:txBody>
+          <a:bodyPr/>
+          <a:lstStyle/>
+          <a:p>
+            <a:fld id="{BA9B540C-44DA-4F69-89C9-7C84606640D3}" type="slidenum">
+              <a:rPr lang="en-US" smtClean="0"/>
+              <a:pPr/>
+              <a:t>16</a:t>
+            </a:fld>
+            <a:endParaRPr lang="en-US" dirty="0"/>
+          </a:p>
+        </p:txBody>
+      </p:sp>
+      <p:sp>
+        <p:nvSpPr>
+          <p:cNvPr id="6" name="Footer Placeholder 5"/>
+          <p:cNvSpPr>
+            <a:spLocks noGrp="1"/>
+          </p:cNvSpPr>
+          <p:nvPr>
+            <p:ph type="ftr" sz="quarter" idx="12"/>
+          </p:nvPr>
+        </p:nvSpPr>
+        <p:spPr/>
+        <p:txBody>
+          <a:bodyPr/>
+          <a:lstStyle/>
+          <a:p>
+            <a:r>
+              <a:rPr lang="en-US" smtClean="0"/>
+              <a:t>Footer Text</a:t>
+            </a:r>
+            <a:endParaRPr lang="en-US" dirty="0"/>
+          </a:p>
+        </p:txBody>
+      </p:sp>
+      <p:sp>
+        <p:nvSpPr>
+          <p:cNvPr id="7" name="Title 1"/>
           <p:cNvSpPr>
             <a:spLocks noGrp="1"/>
           </p:cNvSpPr>
@@ -5680,8 +6535,8 @@
         </p:nvSpPr>
         <p:spPr>
           <a:xfrm>
-            <a:off x="685800" y="228600"/>
-            <a:ext cx="7772400" cy="685800"/>
+            <a:off x="380999" y="228600"/>
+            <a:ext cx="8724253" cy="685800"/>
           </a:xfrm>
         </p:spPr>
         <p:txBody>
@@ -5690,16 +6545,16 @@
           <a:p>
             <a:pPr algn="l"/>
             <a:r>
-              <a:rPr lang="en-US" sz="4400" dirty="0" smtClean="0"/>
-              <a:t>Conclusion</a:t>
-            </a:r>
-            <a:endParaRPr lang="en-US" sz="4400" dirty="0"/>
-          </a:p>
-        </p:txBody>
-      </p:sp>
-      <p:sp>
-        <p:nvSpPr>
-          <p:cNvPr id="3" name="Subtitle 2"/>
+              <a:rPr lang="en-US" sz="4000" dirty="0" smtClean="0"/>
+              <a:t>7. Image Compression &amp; Reformat</a:t>
+            </a:r>
+            <a:endParaRPr lang="en-US" sz="4000" dirty="0"/>
+          </a:p>
+        </p:txBody>
+      </p:sp>
+      <p:sp>
+        <p:nvSpPr>
+          <p:cNvPr id="8" name="Subtitle 2"/>
           <p:cNvSpPr>
             <a:spLocks noGrp="1"/>
           </p:cNvSpPr>
@@ -5709,8 +6564,8 @@
         </p:nvSpPr>
         <p:spPr>
           <a:xfrm>
-            <a:off x="659165" y="1143000"/>
-            <a:ext cx="7315200" cy="1676400"/>
+            <a:off x="363415" y="914399"/>
+            <a:ext cx="8648053" cy="5334001"/>
           </a:xfrm>
         </p:spPr>
         <p:txBody>
@@ -5718,45 +6573,121 @@
             <a:noAutofit/>
           </a:bodyPr>
           <a:lstStyle/>
+          <a:p>
+            <a:pPr marL="457200" indent="-457200" algn="l">
+              <a:buFont typeface="Arial" panose="020B0604020202020204" pitchFamily="34" charset="0"/>
+              <a:buChar char="•"/>
+            </a:pPr>
+            <a:r>
+              <a:rPr lang="en-US" sz="3200" dirty="0" smtClean="0"/>
+              <a:t>Choose format that minimize size w/out degrading quality.</a:t>
+            </a:r>
+          </a:p>
+          <a:p>
+            <a:pPr marL="457200" indent="-457200" algn="l">
+              <a:buFont typeface="Arial" panose="020B0604020202020204" pitchFamily="34" charset="0"/>
+              <a:buChar char="•"/>
+            </a:pPr>
+            <a:r>
+              <a:rPr lang="en-US" sz="3200" dirty="0" smtClean="0"/>
+              <a:t>Poorly chosen high-res image results in wasted bandwidth, processing time and cache space.</a:t>
+            </a:r>
+          </a:p>
+          <a:p>
+            <a:pPr marL="457200" indent="-457200" algn="l">
+              <a:buFont typeface="Arial" panose="020B0604020202020204" pitchFamily="34" charset="0"/>
+              <a:buChar char="•"/>
+            </a:pPr>
+            <a:r>
+              <a:rPr lang="en-US" sz="3200" dirty="0" smtClean="0"/>
+              <a:t>Photos – JPEG, PNG (larger size)</a:t>
+            </a:r>
+          </a:p>
+          <a:p>
+            <a:pPr algn="l"/>
+            <a:r>
+              <a:rPr lang="en-US" sz="3200" dirty="0"/>
+              <a:t> </a:t>
+            </a:r>
+            <a:r>
+              <a:rPr lang="en-US" sz="3200" dirty="0" smtClean="0"/>
+              <a:t>   Low complexity – GIF (smaller size – use </a:t>
+            </a:r>
+          </a:p>
+          <a:p>
+            <a:pPr algn="l"/>
+            <a:r>
+              <a:rPr lang="en-US" sz="3200" dirty="0"/>
+              <a:t> </a:t>
+            </a:r>
+            <a:r>
+              <a:rPr lang="en-US" sz="3200" dirty="0" smtClean="0"/>
+              <a:t>                                          in thumbnail pic)</a:t>
+            </a:r>
+          </a:p>
+          <a:p>
+            <a:pPr algn="l"/>
+            <a:r>
+              <a:rPr lang="en-US" sz="3200" dirty="0"/>
+              <a:t> </a:t>
+            </a:r>
+            <a:r>
+              <a:rPr lang="en-US" sz="3200" dirty="0" smtClean="0"/>
+              <a:t>   Line Art - SVG</a:t>
+            </a:r>
+            <a:endParaRPr lang="en-US" sz="2000" dirty="0"/>
+          </a:p>
+          <a:p>
+            <a:pPr algn="l"/>
+            <a:endParaRPr lang="en-US" sz="2000" dirty="0" smtClean="0"/>
+          </a:p>
+          <a:p>
+            <a:pPr algn="l"/>
+            <a:endParaRPr lang="en-US" sz="3200" dirty="0" smtClean="0"/>
+          </a:p>
+          <a:p>
+            <a:pPr algn="l"/>
+            <a:endParaRPr lang="en-US" dirty="0"/>
+          </a:p>
           <a:p>
             <a:pPr marL="342900" indent="-342900" algn="l">
               <a:buFont typeface="Arial" panose="020B0604020202020204" pitchFamily="34" charset="0"/>
               <a:buChar char="•"/>
             </a:pPr>
-            <a:r>
-              <a:rPr lang="en-US" sz="3200" dirty="0" smtClean="0"/>
-              <a:t>Live-Server: </a:t>
-            </a:r>
-          </a:p>
-          <a:p>
-            <a:pPr marL="800100" lvl="1" indent="-342900" algn="l">
-              <a:buFontTx/>
-              <a:buChar char="-"/>
-            </a:pPr>
-            <a:r>
-              <a:rPr lang="en-US" sz="2400" dirty="0" smtClean="0"/>
-              <a:t>auto browser reload</a:t>
-            </a:r>
-          </a:p>
-          <a:p>
-            <a:pPr marL="800100" lvl="1" indent="-342900" algn="l">
-              <a:buFontTx/>
-              <a:buChar char="-"/>
-            </a:pPr>
-            <a:r>
-              <a:rPr lang="en-US" sz="2400" dirty="0" smtClean="0"/>
-              <a:t>Developer does not leave IDE</a:t>
-            </a:r>
-          </a:p>
-          <a:p>
-            <a:pPr marL="800100" lvl="1" indent="-342900" algn="l">
-              <a:buFontTx/>
-              <a:buChar char="-"/>
-            </a:pPr>
-            <a:endParaRPr lang="en-US" sz="2400" dirty="0"/>
-          </a:p>
-        </p:txBody>
-      </p:sp>
+            <a:endParaRPr lang="en-US" sz="3200" dirty="0"/>
+          </a:p>
+        </p:txBody>
+      </p:sp>
+    </p:spTree>
+    <p:extLst>
+      <p:ext uri="{BB962C8B-B14F-4D97-AF65-F5344CB8AC3E}">
+        <p14:creationId xmlns:p14="http://schemas.microsoft.com/office/powerpoint/2010/main" val="4017084757"/>
+      </p:ext>
+    </p:extLst>
+  </p:cSld>
+  <p:clrMapOvr>
+    <a:masterClrMapping/>
+  </p:clrMapOvr>
+</p:sld>
+</file>
+
+<file path=ppt/slides/slide17.xml><?xml version="1.0" encoding="utf-8"?>
+<p:sld xmlns:a="http://schemas.openxmlformats.org/drawingml/2006/main" xmlns:r="http://schemas.openxmlformats.org/officeDocument/2006/relationships" xmlns:p="http://schemas.openxmlformats.org/presentationml/2006/main">
+  <p:cSld>
+    <p:spTree>
+      <p:nvGrpSpPr>
+        <p:cNvPr id="1" name=""/>
+        <p:cNvGrpSpPr/>
+        <p:nvPr/>
+      </p:nvGrpSpPr>
+      <p:grpSpPr>
+        <a:xfrm>
+          <a:off x="0" y="0"/>
+          <a:ext cx="0" cy="0"/>
+          <a:chOff x="0" y="0"/>
+          <a:chExt cx="0" cy="0"/>
+        </a:xfrm>
+      </p:grpSpPr>
       <p:sp>
         <p:nvSpPr>
           <p:cNvPr id="4" name="Date Placeholder 3"/>
@@ -5798,7 +6729,7 @@
             <a:fld id="{BA9B540C-44DA-4F69-89C9-7C84606640D3}" type="slidenum">
               <a:rPr lang="en-US" smtClean="0"/>
               <a:pPr/>
-              <a:t>16</a:t>
+              <a:t>17</a:t>
             </a:fld>
             <a:endParaRPr lang="en-US" dirty="0"/>
           </a:p>
@@ -5829,438 +6760,314 @@
       </p:sp>
       <p:sp>
         <p:nvSpPr>
-          <p:cNvPr id="7" name="Subtitle 2"/>
-          <p:cNvSpPr txBox="1">
-            <a:spLocks/>
-          </p:cNvSpPr>
-          <p:nvPr/>
+          <p:cNvPr id="7" name="Title 1"/>
+          <p:cNvSpPr>
+            <a:spLocks noGrp="1"/>
+          </p:cNvSpPr>
+          <p:nvPr>
+            <p:ph type="ctrTitle"/>
+          </p:nvPr>
         </p:nvSpPr>
         <p:spPr>
           <a:xfrm>
-            <a:off x="685800" y="2667000"/>
-            <a:ext cx="7315200" cy="1676400"/>
+            <a:off x="381000" y="228600"/>
+            <a:ext cx="7772400" cy="685800"/>
           </a:xfrm>
-          <a:prstGeom prst="rect">
-            <a:avLst/>
-          </a:prstGeom>
         </p:spPr>
         <p:txBody>
-          <a:bodyPr vert="horz" lIns="91440" tIns="45720" rIns="91440" bIns="45720" rtlCol="0">
-            <a:noAutofit/>
-          </a:bodyPr>
-          <a:lstStyle>
-            <a:lvl1pPr marL="0" indent="0" algn="ctr" defTabSz="914400" rtl="0" eaLnBrk="1" latinLnBrk="0" hangingPunct="1">
-              <a:spcBef>
-                <a:spcPct val="20000"/>
-              </a:spcBef>
-              <a:buFont typeface="Arial" pitchFamily="34" charset="0"/>
-              <a:buNone/>
-              <a:defRPr sz="2400" kern="1200">
-                <a:solidFill>
-                  <a:schemeClr val="tx1">
-                    <a:tint val="75000"/>
-                  </a:schemeClr>
-                </a:solidFill>
-                <a:latin typeface="+mj-lt"/>
-                <a:ea typeface="+mn-ea"/>
-                <a:cs typeface="+mn-cs"/>
-              </a:defRPr>
-            </a:lvl1pPr>
-            <a:lvl2pPr marL="457200" indent="0" algn="ctr" defTabSz="914400" rtl="0" eaLnBrk="1" latinLnBrk="0" hangingPunct="1">
-              <a:spcBef>
-                <a:spcPct val="20000"/>
-              </a:spcBef>
-              <a:buFont typeface="Courier New" pitchFamily="49" charset="0"/>
-              <a:buNone/>
-              <a:defRPr sz="1600" kern="1200">
-                <a:solidFill>
-                  <a:schemeClr val="tx1">
-                    <a:tint val="75000"/>
-                  </a:schemeClr>
-                </a:solidFill>
-                <a:latin typeface="+mj-lt"/>
-                <a:ea typeface="+mn-ea"/>
-                <a:cs typeface="+mn-cs"/>
-              </a:defRPr>
-            </a:lvl2pPr>
-            <a:lvl3pPr marL="914400" indent="0" algn="ctr" defTabSz="914400" rtl="0" eaLnBrk="1" latinLnBrk="0" hangingPunct="1">
-              <a:spcBef>
-                <a:spcPct val="20000"/>
-              </a:spcBef>
-              <a:buFont typeface="Arial" pitchFamily="34" charset="0"/>
-              <a:buNone/>
-              <a:defRPr sz="1600" kern="1200">
-                <a:solidFill>
-                  <a:schemeClr val="tx1">
-                    <a:tint val="75000"/>
-                  </a:schemeClr>
-                </a:solidFill>
-                <a:latin typeface="+mj-lt"/>
-                <a:ea typeface="+mn-ea"/>
-                <a:cs typeface="+mn-cs"/>
-              </a:defRPr>
-            </a:lvl3pPr>
-            <a:lvl4pPr marL="1371600" indent="0" algn="ctr" defTabSz="914400" rtl="0" eaLnBrk="1" latinLnBrk="0" hangingPunct="1">
-              <a:spcBef>
-                <a:spcPct val="20000"/>
-              </a:spcBef>
-              <a:buFont typeface="Courier New" pitchFamily="49" charset="0"/>
-              <a:buNone/>
-              <a:defRPr sz="1600" kern="1200">
-                <a:solidFill>
-                  <a:schemeClr val="tx1">
-                    <a:tint val="75000"/>
-                  </a:schemeClr>
-                </a:solidFill>
-                <a:latin typeface="+mj-lt"/>
-                <a:ea typeface="+mn-ea"/>
-                <a:cs typeface="+mn-cs"/>
-              </a:defRPr>
-            </a:lvl4pPr>
-            <a:lvl5pPr marL="1828800" indent="0" algn="ctr" defTabSz="914400" rtl="0" eaLnBrk="1" latinLnBrk="0" hangingPunct="1">
-              <a:spcBef>
-                <a:spcPct val="20000"/>
-              </a:spcBef>
-              <a:buFont typeface="Arial" pitchFamily="34" charset="0"/>
-              <a:buNone/>
-              <a:defRPr sz="1600" kern="1200">
-                <a:solidFill>
-                  <a:schemeClr val="tx1">
-                    <a:tint val="75000"/>
-                  </a:schemeClr>
-                </a:solidFill>
-                <a:latin typeface="+mj-lt"/>
-                <a:ea typeface="+mn-ea"/>
-                <a:cs typeface="+mn-cs"/>
-              </a:defRPr>
-            </a:lvl5pPr>
-            <a:lvl6pPr marL="2286000" indent="0" algn="ctr" defTabSz="914400" rtl="0" eaLnBrk="1" latinLnBrk="0" hangingPunct="1">
-              <a:spcBef>
-                <a:spcPct val="20000"/>
-              </a:spcBef>
-              <a:buFont typeface="Courier New" pitchFamily="49" charset="0"/>
-              <a:buNone/>
-              <a:defRPr sz="1600" kern="1200">
-                <a:solidFill>
-                  <a:schemeClr val="tx1">
-                    <a:tint val="75000"/>
-                  </a:schemeClr>
-                </a:solidFill>
-                <a:latin typeface="+mj-lt"/>
-                <a:ea typeface="+mn-ea"/>
-                <a:cs typeface="+mn-cs"/>
-              </a:defRPr>
-            </a:lvl6pPr>
-            <a:lvl7pPr marL="2743200" indent="0" algn="ctr" defTabSz="914400" rtl="0" eaLnBrk="1" latinLnBrk="0" hangingPunct="1">
-              <a:spcBef>
-                <a:spcPct val="20000"/>
-              </a:spcBef>
-              <a:buFont typeface="Arial" pitchFamily="34" charset="0"/>
-              <a:buNone/>
-              <a:defRPr sz="1600" kern="1200">
-                <a:solidFill>
-                  <a:schemeClr val="tx1">
-                    <a:tint val="75000"/>
-                  </a:schemeClr>
-                </a:solidFill>
-                <a:latin typeface="+mj-lt"/>
-                <a:ea typeface="+mn-ea"/>
-                <a:cs typeface="+mn-cs"/>
-              </a:defRPr>
-            </a:lvl7pPr>
-            <a:lvl8pPr marL="3200400" indent="0" algn="ctr" defTabSz="914400" rtl="0" eaLnBrk="1" latinLnBrk="0" hangingPunct="1">
-              <a:spcBef>
-                <a:spcPct val="20000"/>
-              </a:spcBef>
-              <a:buFont typeface="Courier New" pitchFamily="49" charset="0"/>
-              <a:buNone/>
-              <a:defRPr sz="1600" kern="1200">
-                <a:solidFill>
-                  <a:schemeClr val="tx1">
-                    <a:tint val="75000"/>
-                  </a:schemeClr>
-                </a:solidFill>
-                <a:latin typeface="+mj-lt"/>
-                <a:ea typeface="+mn-ea"/>
-                <a:cs typeface="+mn-cs"/>
-              </a:defRPr>
-            </a:lvl8pPr>
-            <a:lvl9pPr marL="3657600" indent="0" algn="ctr" defTabSz="914400" rtl="0" eaLnBrk="1" latinLnBrk="0" hangingPunct="1">
-              <a:spcBef>
-                <a:spcPct val="20000"/>
-              </a:spcBef>
-              <a:buFont typeface="Arial" pitchFamily="34" charset="0"/>
-              <a:buNone/>
-              <a:defRPr sz="1600" kern="1200">
-                <a:solidFill>
-                  <a:schemeClr val="tx1">
-                    <a:tint val="75000"/>
-                  </a:schemeClr>
-                </a:solidFill>
-                <a:latin typeface="+mj-lt"/>
-                <a:ea typeface="+mn-ea"/>
-                <a:cs typeface="+mn-cs"/>
-              </a:defRPr>
-            </a:lvl9pPr>
-          </a:lstStyle>
-          <a:p>
-            <a:pPr marL="342900" indent="-342900" algn="l">
-              <a:buFont typeface="Arial" panose="020B0604020202020204" pitchFamily="34" charset="0"/>
-              <a:buChar char="•"/>
-            </a:pPr>
-            <a:r>
-              <a:rPr lang="en-US" sz="3200" dirty="0" smtClean="0"/>
-              <a:t>Browser-Sync: </a:t>
-            </a:r>
-          </a:p>
-          <a:p>
-            <a:pPr marL="800100" lvl="1" indent="-342900" algn="l">
-              <a:buFontTx/>
-              <a:buChar char="-"/>
-            </a:pPr>
-            <a:r>
-              <a:rPr lang="en-US" sz="2400" dirty="0" smtClean="0"/>
-              <a:t>Improve multi-browser testing.</a:t>
-            </a:r>
-          </a:p>
-          <a:p>
-            <a:pPr marL="800100" lvl="1" indent="-342900" algn="l">
-              <a:buFontTx/>
-              <a:buChar char="-"/>
-            </a:pPr>
-            <a:r>
-              <a:rPr lang="en-US" sz="2400" dirty="0" smtClean="0"/>
-              <a:t>Not 100% mature</a:t>
-            </a:r>
-          </a:p>
-          <a:p>
-            <a:pPr marL="800100" lvl="1" indent="-342900" algn="l">
-              <a:buFontTx/>
-              <a:buChar char="-"/>
-            </a:pPr>
-            <a:endParaRPr lang="en-US" sz="2400" dirty="0"/>
-          </a:p>
-        </p:txBody>
-      </p:sp>
-      <p:sp>
-        <p:nvSpPr>
-          <p:cNvPr id="8" name="Subtitle 2"/>
-          <p:cNvSpPr txBox="1">
-            <a:spLocks/>
-          </p:cNvSpPr>
-          <p:nvPr/>
-        </p:nvSpPr>
-        <p:spPr>
-          <a:xfrm>
-            <a:off x="661088" y="4451350"/>
-            <a:ext cx="7315200" cy="1676400"/>
-          </a:xfrm>
-          <a:prstGeom prst="rect">
-            <a:avLst/>
-          </a:prstGeom>
-        </p:spPr>
-        <p:txBody>
-          <a:bodyPr vert="horz" lIns="91440" tIns="45720" rIns="91440" bIns="45720" rtlCol="0">
-            <a:noAutofit/>
-          </a:bodyPr>
-          <a:lstStyle>
-            <a:lvl1pPr marL="0" indent="0" algn="ctr" defTabSz="914400" rtl="0" eaLnBrk="1" latinLnBrk="0" hangingPunct="1">
-              <a:spcBef>
-                <a:spcPct val="20000"/>
-              </a:spcBef>
-              <a:buFont typeface="Arial" pitchFamily="34" charset="0"/>
-              <a:buNone/>
-              <a:defRPr sz="2400" kern="1200">
-                <a:solidFill>
-                  <a:schemeClr val="tx1">
-                    <a:tint val="75000"/>
-                  </a:schemeClr>
-                </a:solidFill>
-                <a:latin typeface="+mj-lt"/>
-                <a:ea typeface="+mn-ea"/>
-                <a:cs typeface="+mn-cs"/>
-              </a:defRPr>
-            </a:lvl1pPr>
-            <a:lvl2pPr marL="457200" indent="0" algn="ctr" defTabSz="914400" rtl="0" eaLnBrk="1" latinLnBrk="0" hangingPunct="1">
-              <a:spcBef>
-                <a:spcPct val="20000"/>
-              </a:spcBef>
-              <a:buFont typeface="Courier New" pitchFamily="49" charset="0"/>
-              <a:buNone/>
-              <a:defRPr sz="1600" kern="1200">
-                <a:solidFill>
-                  <a:schemeClr val="tx1">
-                    <a:tint val="75000"/>
-                  </a:schemeClr>
-                </a:solidFill>
-                <a:latin typeface="+mj-lt"/>
-                <a:ea typeface="+mn-ea"/>
-                <a:cs typeface="+mn-cs"/>
-              </a:defRPr>
-            </a:lvl2pPr>
-            <a:lvl3pPr marL="914400" indent="0" algn="ctr" defTabSz="914400" rtl="0" eaLnBrk="1" latinLnBrk="0" hangingPunct="1">
-              <a:spcBef>
-                <a:spcPct val="20000"/>
-              </a:spcBef>
-              <a:buFont typeface="Arial" pitchFamily="34" charset="0"/>
-              <a:buNone/>
-              <a:defRPr sz="1600" kern="1200">
-                <a:solidFill>
-                  <a:schemeClr val="tx1">
-                    <a:tint val="75000"/>
-                  </a:schemeClr>
-                </a:solidFill>
-                <a:latin typeface="+mj-lt"/>
-                <a:ea typeface="+mn-ea"/>
-                <a:cs typeface="+mn-cs"/>
-              </a:defRPr>
-            </a:lvl3pPr>
-            <a:lvl4pPr marL="1371600" indent="0" algn="ctr" defTabSz="914400" rtl="0" eaLnBrk="1" latinLnBrk="0" hangingPunct="1">
-              <a:spcBef>
-                <a:spcPct val="20000"/>
-              </a:spcBef>
-              <a:buFont typeface="Courier New" pitchFamily="49" charset="0"/>
-              <a:buNone/>
-              <a:defRPr sz="1600" kern="1200">
-                <a:solidFill>
-                  <a:schemeClr val="tx1">
-                    <a:tint val="75000"/>
-                  </a:schemeClr>
-                </a:solidFill>
-                <a:latin typeface="+mj-lt"/>
-                <a:ea typeface="+mn-ea"/>
-                <a:cs typeface="+mn-cs"/>
-              </a:defRPr>
-            </a:lvl4pPr>
-            <a:lvl5pPr marL="1828800" indent="0" algn="ctr" defTabSz="914400" rtl="0" eaLnBrk="1" latinLnBrk="0" hangingPunct="1">
-              <a:spcBef>
-                <a:spcPct val="20000"/>
-              </a:spcBef>
-              <a:buFont typeface="Arial" pitchFamily="34" charset="0"/>
-              <a:buNone/>
-              <a:defRPr sz="1600" kern="1200">
-                <a:solidFill>
-                  <a:schemeClr val="tx1">
-                    <a:tint val="75000"/>
-                  </a:schemeClr>
-                </a:solidFill>
-                <a:latin typeface="+mj-lt"/>
-                <a:ea typeface="+mn-ea"/>
-                <a:cs typeface="+mn-cs"/>
-              </a:defRPr>
-            </a:lvl5pPr>
-            <a:lvl6pPr marL="2286000" indent="0" algn="ctr" defTabSz="914400" rtl="0" eaLnBrk="1" latinLnBrk="0" hangingPunct="1">
-              <a:spcBef>
-                <a:spcPct val="20000"/>
-              </a:spcBef>
-              <a:buFont typeface="Courier New" pitchFamily="49" charset="0"/>
-              <a:buNone/>
-              <a:defRPr sz="1600" kern="1200">
-                <a:solidFill>
-                  <a:schemeClr val="tx1">
-                    <a:tint val="75000"/>
-                  </a:schemeClr>
-                </a:solidFill>
-                <a:latin typeface="+mj-lt"/>
-                <a:ea typeface="+mn-ea"/>
-                <a:cs typeface="+mn-cs"/>
-              </a:defRPr>
-            </a:lvl6pPr>
-            <a:lvl7pPr marL="2743200" indent="0" algn="ctr" defTabSz="914400" rtl="0" eaLnBrk="1" latinLnBrk="0" hangingPunct="1">
-              <a:spcBef>
-                <a:spcPct val="20000"/>
-              </a:spcBef>
-              <a:buFont typeface="Arial" pitchFamily="34" charset="0"/>
-              <a:buNone/>
-              <a:defRPr sz="1600" kern="1200">
-                <a:solidFill>
-                  <a:schemeClr val="tx1">
-                    <a:tint val="75000"/>
-                  </a:schemeClr>
-                </a:solidFill>
-                <a:latin typeface="+mj-lt"/>
-                <a:ea typeface="+mn-ea"/>
-                <a:cs typeface="+mn-cs"/>
-              </a:defRPr>
-            </a:lvl7pPr>
-            <a:lvl8pPr marL="3200400" indent="0" algn="ctr" defTabSz="914400" rtl="0" eaLnBrk="1" latinLnBrk="0" hangingPunct="1">
-              <a:spcBef>
-                <a:spcPct val="20000"/>
-              </a:spcBef>
-              <a:buFont typeface="Courier New" pitchFamily="49" charset="0"/>
-              <a:buNone/>
-              <a:defRPr sz="1600" kern="1200">
-                <a:solidFill>
-                  <a:schemeClr val="tx1">
-                    <a:tint val="75000"/>
-                  </a:schemeClr>
-                </a:solidFill>
-                <a:latin typeface="+mj-lt"/>
-                <a:ea typeface="+mn-ea"/>
-                <a:cs typeface="+mn-cs"/>
-              </a:defRPr>
-            </a:lvl8pPr>
-            <a:lvl9pPr marL="3657600" indent="0" algn="ctr" defTabSz="914400" rtl="0" eaLnBrk="1" latinLnBrk="0" hangingPunct="1">
-              <a:spcBef>
-                <a:spcPct val="20000"/>
-              </a:spcBef>
-              <a:buFont typeface="Arial" pitchFamily="34" charset="0"/>
-              <a:buNone/>
-              <a:defRPr sz="1600" kern="1200">
-                <a:solidFill>
-                  <a:schemeClr val="tx1">
-                    <a:tint val="75000"/>
-                  </a:schemeClr>
-                </a:solidFill>
-                <a:latin typeface="+mj-lt"/>
-                <a:ea typeface="+mn-ea"/>
-                <a:cs typeface="+mn-cs"/>
-              </a:defRPr>
-            </a:lvl9pPr>
-          </a:lstStyle>
-          <a:p>
-            <a:pPr marL="342900" indent="-342900" algn="l">
-              <a:buFont typeface="Arial" panose="020B0604020202020204" pitchFamily="34" charset="0"/>
-              <a:buChar char="•"/>
-            </a:pPr>
-            <a:r>
-              <a:rPr lang="en-US" sz="3200" dirty="0" smtClean="0"/>
-              <a:t>JSON Server: </a:t>
-            </a:r>
-          </a:p>
-          <a:p>
-            <a:pPr marL="800100" lvl="1" indent="-342900" algn="l">
-              <a:buFontTx/>
-              <a:buChar char="-"/>
-            </a:pPr>
-            <a:r>
-              <a:rPr lang="en-US" sz="2400" dirty="0" smtClean="0"/>
-              <a:t>Quickly mock REST APIs</a:t>
-            </a:r>
-          </a:p>
-          <a:p>
-            <a:pPr marL="800100" lvl="1" indent="-342900" algn="l">
-              <a:buFontTx/>
-              <a:buChar char="-"/>
-            </a:pPr>
-            <a:r>
-              <a:rPr lang="en-US" sz="2400" dirty="0" smtClean="0"/>
-              <a:t>Allow UI and Service to be develop in parallel</a:t>
-            </a:r>
-          </a:p>
-          <a:p>
-            <a:pPr marL="800100" lvl="1" indent="-342900" algn="l">
-              <a:buFontTx/>
-              <a:buChar char="-"/>
-            </a:pPr>
-            <a:endParaRPr lang="en-US" sz="2400" dirty="0"/>
+          <a:bodyPr/>
+          <a:lstStyle/>
+          <a:p>
+            <a:pPr algn="l"/>
+            <a:r>
+              <a:rPr lang="en-US" sz="4000" dirty="0" smtClean="0"/>
+              <a:t>7. Image </a:t>
+            </a:r>
+            <a:r>
+              <a:rPr lang="en-US" sz="4000" dirty="0"/>
+              <a:t>Formatting</a:t>
+            </a:r>
           </a:p>
         </p:txBody>
       </p:sp>
     </p:spTree>
     <p:extLst>
       <p:ext uri="{BB962C8B-B14F-4D97-AF65-F5344CB8AC3E}">
-        <p14:creationId xmlns:p14="http://schemas.microsoft.com/office/powerpoint/2010/main" val="2740892730"/>
+        <p14:creationId xmlns:p14="http://schemas.microsoft.com/office/powerpoint/2010/main" val="2741674004"/>
+      </p:ext>
+    </p:extLst>
+  </p:cSld>
+  <p:clrMapOvr>
+    <a:masterClrMapping/>
+  </p:clrMapOvr>
+</p:sld>
+</file>
+
+<file path=ppt/slides/slide18.xml><?xml version="1.0" encoding="utf-8"?>
+<p:sld xmlns:a="http://schemas.openxmlformats.org/drawingml/2006/main" xmlns:r="http://schemas.openxmlformats.org/officeDocument/2006/relationships" xmlns:p="http://schemas.openxmlformats.org/presentationml/2006/main">
+  <p:cSld>
+    <p:spTree>
+      <p:nvGrpSpPr>
+        <p:cNvPr id="1" name=""/>
+        <p:cNvGrpSpPr/>
+        <p:nvPr/>
+      </p:nvGrpSpPr>
+      <p:grpSpPr>
+        <a:xfrm>
+          <a:off x="0" y="0"/>
+          <a:ext cx="0" cy="0"/>
+          <a:chOff x="0" y="0"/>
+          <a:chExt cx="0" cy="0"/>
+        </a:xfrm>
+      </p:grpSpPr>
+      <p:sp>
+        <p:nvSpPr>
+          <p:cNvPr id="4" name="Date Placeholder 3"/>
+          <p:cNvSpPr>
+            <a:spLocks noGrp="1"/>
+          </p:cNvSpPr>
+          <p:nvPr>
+            <p:ph type="dt" sz="half" idx="10"/>
+          </p:nvPr>
+        </p:nvSpPr>
+        <p:spPr/>
+        <p:txBody>
+          <a:bodyPr/>
+          <a:lstStyle/>
+          <a:p>
+            <a:fld id="{216C5678-EE20-4FA5-88E2-6E0BD67A2E26}" type="datetime1">
+              <a:rPr lang="en-US" smtClean="0"/>
+              <a:t>11/25/2017</a:t>
+            </a:fld>
+            <a:endParaRPr lang="en-US" dirty="0"/>
+          </a:p>
+        </p:txBody>
+      </p:sp>
+      <p:sp>
+        <p:nvSpPr>
+          <p:cNvPr id="5" name="Slide Number Placeholder 4"/>
+          <p:cNvSpPr>
+            <a:spLocks noGrp="1"/>
+          </p:cNvSpPr>
+          <p:nvPr>
+            <p:ph type="sldNum" sz="quarter" idx="11"/>
+          </p:nvPr>
+        </p:nvSpPr>
+        <p:spPr/>
+        <p:txBody>
+          <a:bodyPr/>
+          <a:lstStyle/>
+          <a:p>
+            <a:fld id="{BA9B540C-44DA-4F69-89C9-7C84606640D3}" type="slidenum">
+              <a:rPr lang="en-US" smtClean="0"/>
+              <a:pPr/>
+              <a:t>18</a:t>
+            </a:fld>
+            <a:endParaRPr lang="en-US" dirty="0"/>
+          </a:p>
+        </p:txBody>
+      </p:sp>
+      <p:sp>
+        <p:nvSpPr>
+          <p:cNvPr id="6" name="Footer Placeholder 5"/>
+          <p:cNvSpPr>
+            <a:spLocks noGrp="1"/>
+          </p:cNvSpPr>
+          <p:nvPr>
+            <p:ph type="ftr" sz="quarter" idx="12"/>
+          </p:nvPr>
+        </p:nvSpPr>
+        <p:spPr/>
+        <p:txBody>
+          <a:bodyPr/>
+          <a:lstStyle/>
+          <a:p>
+            <a:r>
+              <a:rPr lang="en-US" smtClean="0"/>
+              <a:t>Footer Text</a:t>
+            </a:r>
+            <a:endParaRPr lang="en-US" dirty="0"/>
+          </a:p>
+        </p:txBody>
+      </p:sp>
+      <p:sp>
+        <p:nvSpPr>
+          <p:cNvPr id="7" name="Title 1"/>
+          <p:cNvSpPr>
+            <a:spLocks noGrp="1"/>
+          </p:cNvSpPr>
+          <p:nvPr>
+            <p:ph type="ctrTitle"/>
+          </p:nvPr>
+        </p:nvSpPr>
+        <p:spPr>
+          <a:xfrm>
+            <a:off x="381000" y="228600"/>
+            <a:ext cx="7772400" cy="685800"/>
+          </a:xfrm>
+        </p:spPr>
+        <p:txBody>
+          <a:bodyPr/>
+          <a:lstStyle/>
+          <a:p>
+            <a:pPr algn="l"/>
+            <a:r>
+              <a:rPr lang="en-US" sz="4000" dirty="0" smtClean="0"/>
+              <a:t>8. </a:t>
+            </a:r>
+            <a:r>
+              <a:rPr lang="en-US" sz="4000" dirty="0"/>
+              <a:t>Move CSS to &lt;HEAD&gt; </a:t>
+            </a:r>
+            <a:r>
+              <a:rPr lang="en-US" sz="4000" dirty="0" smtClean="0"/>
+              <a:t>section</a:t>
+            </a:r>
+            <a:endParaRPr lang="en-US" sz="4000" dirty="0"/>
+          </a:p>
+        </p:txBody>
+      </p:sp>
+    </p:spTree>
+    <p:extLst>
+      <p:ext uri="{BB962C8B-B14F-4D97-AF65-F5344CB8AC3E}">
+        <p14:creationId xmlns:p14="http://schemas.microsoft.com/office/powerpoint/2010/main" val="1997200173"/>
+      </p:ext>
+    </p:extLst>
+  </p:cSld>
+  <p:clrMapOvr>
+    <a:masterClrMapping/>
+  </p:clrMapOvr>
+</p:sld>
+</file>
+
+<file path=ppt/slides/slide19.xml><?xml version="1.0" encoding="utf-8"?>
+<p:sld xmlns:a="http://schemas.openxmlformats.org/drawingml/2006/main" xmlns:r="http://schemas.openxmlformats.org/officeDocument/2006/relationships" xmlns:p="http://schemas.openxmlformats.org/presentationml/2006/main">
+  <p:cSld>
+    <p:spTree>
+      <p:nvGrpSpPr>
+        <p:cNvPr id="1" name=""/>
+        <p:cNvGrpSpPr/>
+        <p:nvPr/>
+      </p:nvGrpSpPr>
+      <p:grpSpPr>
+        <a:xfrm>
+          <a:off x="0" y="0"/>
+          <a:ext cx="0" cy="0"/>
+          <a:chOff x="0" y="0"/>
+          <a:chExt cx="0" cy="0"/>
+        </a:xfrm>
+      </p:grpSpPr>
+      <p:sp>
+        <p:nvSpPr>
+          <p:cNvPr id="4" name="Date Placeholder 3"/>
+          <p:cNvSpPr>
+            <a:spLocks noGrp="1"/>
+          </p:cNvSpPr>
+          <p:nvPr>
+            <p:ph type="dt" sz="half" idx="10"/>
+          </p:nvPr>
+        </p:nvSpPr>
+        <p:spPr/>
+        <p:txBody>
+          <a:bodyPr/>
+          <a:lstStyle/>
+          <a:p>
+            <a:fld id="{216C5678-EE20-4FA5-88E2-6E0BD67A2E26}" type="datetime1">
+              <a:rPr lang="en-US" smtClean="0"/>
+              <a:t>11/25/2017</a:t>
+            </a:fld>
+            <a:endParaRPr lang="en-US" dirty="0"/>
+          </a:p>
+        </p:txBody>
+      </p:sp>
+      <p:sp>
+        <p:nvSpPr>
+          <p:cNvPr id="5" name="Slide Number Placeholder 4"/>
+          <p:cNvSpPr>
+            <a:spLocks noGrp="1"/>
+          </p:cNvSpPr>
+          <p:nvPr>
+            <p:ph type="sldNum" sz="quarter" idx="11"/>
+          </p:nvPr>
+        </p:nvSpPr>
+        <p:spPr/>
+        <p:txBody>
+          <a:bodyPr/>
+          <a:lstStyle/>
+          <a:p>
+            <a:fld id="{BA9B540C-44DA-4F69-89C9-7C84606640D3}" type="slidenum">
+              <a:rPr lang="en-US" smtClean="0"/>
+              <a:pPr/>
+              <a:t>19</a:t>
+            </a:fld>
+            <a:endParaRPr lang="en-US" dirty="0"/>
+          </a:p>
+        </p:txBody>
+      </p:sp>
+      <p:sp>
+        <p:nvSpPr>
+          <p:cNvPr id="6" name="Footer Placeholder 5"/>
+          <p:cNvSpPr>
+            <a:spLocks noGrp="1"/>
+          </p:cNvSpPr>
+          <p:nvPr>
+            <p:ph type="ftr" sz="quarter" idx="12"/>
+          </p:nvPr>
+        </p:nvSpPr>
+        <p:spPr/>
+        <p:txBody>
+          <a:bodyPr/>
+          <a:lstStyle/>
+          <a:p>
+            <a:r>
+              <a:rPr lang="en-US" smtClean="0"/>
+              <a:t>Footer Text</a:t>
+            </a:r>
+            <a:endParaRPr lang="en-US" dirty="0"/>
+          </a:p>
+        </p:txBody>
+      </p:sp>
+      <p:sp>
+        <p:nvSpPr>
+          <p:cNvPr id="7" name="Title 1"/>
+          <p:cNvSpPr>
+            <a:spLocks noGrp="1"/>
+          </p:cNvSpPr>
+          <p:nvPr>
+            <p:ph type="ctrTitle"/>
+          </p:nvPr>
+        </p:nvSpPr>
+        <p:spPr>
+          <a:xfrm>
+            <a:off x="381000" y="228600"/>
+            <a:ext cx="7772400" cy="685800"/>
+          </a:xfrm>
+        </p:spPr>
+        <p:txBody>
+          <a:bodyPr/>
+          <a:lstStyle/>
+          <a:p>
+            <a:pPr algn="l"/>
+            <a:r>
+              <a:rPr lang="en-US" sz="4000" dirty="0" smtClean="0"/>
+              <a:t>9. Load </a:t>
+            </a:r>
+            <a:r>
+              <a:rPr lang="en-US" sz="4000" dirty="0"/>
+              <a:t>optimized image early</a:t>
+            </a:r>
+            <a:r>
+              <a:rPr lang="en-US" sz="4000" dirty="0" smtClean="0"/>
+              <a:t>.</a:t>
+            </a:r>
+            <a:endParaRPr lang="en-US" sz="4000" dirty="0"/>
+          </a:p>
+        </p:txBody>
+      </p:sp>
+    </p:spTree>
+    <p:extLst>
+      <p:ext uri="{BB962C8B-B14F-4D97-AF65-F5344CB8AC3E}">
+        <p14:creationId xmlns:p14="http://schemas.microsoft.com/office/powerpoint/2010/main" val="2387659383"/>
       </p:ext>
     </p:extLst>
   </p:cSld>
@@ -6396,7 +7203,11 @@
             </a:pPr>
             <a:r>
               <a:rPr lang="en-US" sz="3200" dirty="0" smtClean="0"/>
-              <a:t>Minify JS &amp; CSS</a:t>
+              <a:t>Minify JS </a:t>
+            </a:r>
+            <a:r>
+              <a:rPr lang="en-US" sz="3200" dirty="0" smtClean="0"/>
+              <a:t>&amp; CSS</a:t>
             </a:r>
           </a:p>
           <a:p>
@@ -6513,6 +7324,769 @@
     <p:extLst>
       <p:ext uri="{BB962C8B-B14F-4D97-AF65-F5344CB8AC3E}">
         <p14:creationId xmlns:p14="http://schemas.microsoft.com/office/powerpoint/2010/main" val="1112403685"/>
+      </p:ext>
+    </p:extLst>
+  </p:cSld>
+  <p:clrMapOvr>
+    <a:masterClrMapping/>
+  </p:clrMapOvr>
+</p:sld>
+</file>
+
+<file path=ppt/slides/slide20.xml><?xml version="1.0" encoding="utf-8"?>
+<p:sld xmlns:a="http://schemas.openxmlformats.org/drawingml/2006/main" xmlns:r="http://schemas.openxmlformats.org/officeDocument/2006/relationships" xmlns:p="http://schemas.openxmlformats.org/presentationml/2006/main">
+  <p:cSld>
+    <p:spTree>
+      <p:nvGrpSpPr>
+        <p:cNvPr id="1" name=""/>
+        <p:cNvGrpSpPr/>
+        <p:nvPr/>
+      </p:nvGrpSpPr>
+      <p:grpSpPr>
+        <a:xfrm>
+          <a:off x="0" y="0"/>
+          <a:ext cx="0" cy="0"/>
+          <a:chOff x="0" y="0"/>
+          <a:chExt cx="0" cy="0"/>
+        </a:xfrm>
+      </p:grpSpPr>
+      <p:sp>
+        <p:nvSpPr>
+          <p:cNvPr id="4" name="Date Placeholder 3"/>
+          <p:cNvSpPr>
+            <a:spLocks noGrp="1"/>
+          </p:cNvSpPr>
+          <p:nvPr>
+            <p:ph type="dt" sz="half" idx="10"/>
+          </p:nvPr>
+        </p:nvSpPr>
+        <p:spPr/>
+        <p:txBody>
+          <a:bodyPr/>
+          <a:lstStyle/>
+          <a:p>
+            <a:fld id="{216C5678-EE20-4FA5-88E2-6E0BD67A2E26}" type="datetime1">
+              <a:rPr lang="en-US" smtClean="0"/>
+              <a:t>11/25/2017</a:t>
+            </a:fld>
+            <a:endParaRPr lang="en-US" dirty="0"/>
+          </a:p>
+        </p:txBody>
+      </p:sp>
+      <p:sp>
+        <p:nvSpPr>
+          <p:cNvPr id="5" name="Slide Number Placeholder 4"/>
+          <p:cNvSpPr>
+            <a:spLocks noGrp="1"/>
+          </p:cNvSpPr>
+          <p:nvPr>
+            <p:ph type="sldNum" sz="quarter" idx="11"/>
+          </p:nvPr>
+        </p:nvSpPr>
+        <p:spPr/>
+        <p:txBody>
+          <a:bodyPr/>
+          <a:lstStyle/>
+          <a:p>
+            <a:fld id="{BA9B540C-44DA-4F69-89C9-7C84606640D3}" type="slidenum">
+              <a:rPr lang="en-US" smtClean="0"/>
+              <a:pPr/>
+              <a:t>20</a:t>
+            </a:fld>
+            <a:endParaRPr lang="en-US" dirty="0"/>
+          </a:p>
+        </p:txBody>
+      </p:sp>
+      <p:sp>
+        <p:nvSpPr>
+          <p:cNvPr id="6" name="Footer Placeholder 5"/>
+          <p:cNvSpPr>
+            <a:spLocks noGrp="1"/>
+          </p:cNvSpPr>
+          <p:nvPr>
+            <p:ph type="ftr" sz="quarter" idx="12"/>
+          </p:nvPr>
+        </p:nvSpPr>
+        <p:spPr/>
+        <p:txBody>
+          <a:bodyPr/>
+          <a:lstStyle/>
+          <a:p>
+            <a:r>
+              <a:rPr lang="en-US" smtClean="0"/>
+              <a:t>Footer Text</a:t>
+            </a:r>
+            <a:endParaRPr lang="en-US" dirty="0"/>
+          </a:p>
+        </p:txBody>
+      </p:sp>
+      <p:sp>
+        <p:nvSpPr>
+          <p:cNvPr id="7" name="Title 1"/>
+          <p:cNvSpPr>
+            <a:spLocks noGrp="1"/>
+          </p:cNvSpPr>
+          <p:nvPr>
+            <p:ph type="ctrTitle"/>
+          </p:nvPr>
+        </p:nvSpPr>
+        <p:spPr>
+          <a:xfrm>
+            <a:off x="381000" y="228600"/>
+            <a:ext cx="8915400" cy="1447800"/>
+          </a:xfrm>
+        </p:spPr>
+        <p:txBody>
+          <a:bodyPr/>
+          <a:lstStyle/>
+          <a:p>
+            <a:pPr algn="l"/>
+            <a:r>
+              <a:rPr lang="en-US" sz="4000" dirty="0"/>
+              <a:t/>
+            </a:r>
+            <a:br>
+              <a:rPr lang="en-US" sz="4000" dirty="0"/>
+            </a:br>
+            <a:r>
+              <a:rPr lang="en-US" sz="4000" dirty="0"/>
+              <a:t>10. Defer loading non-essential JS (AMD, </a:t>
+            </a:r>
+            <a:r>
+              <a:rPr lang="en-US" sz="4000" dirty="0" err="1"/>
+              <a:t>SystemJS</a:t>
+            </a:r>
+            <a:r>
+              <a:rPr lang="en-US" sz="4000" dirty="0" smtClean="0"/>
+              <a:t>)</a:t>
+            </a:r>
+            <a:endParaRPr lang="en-US" sz="4000" dirty="0"/>
+          </a:p>
+        </p:txBody>
+      </p:sp>
+    </p:spTree>
+    <p:extLst>
+      <p:ext uri="{BB962C8B-B14F-4D97-AF65-F5344CB8AC3E}">
+        <p14:creationId xmlns:p14="http://schemas.microsoft.com/office/powerpoint/2010/main" val="2729324437"/>
+      </p:ext>
+    </p:extLst>
+  </p:cSld>
+  <p:clrMapOvr>
+    <a:masterClrMapping/>
+  </p:clrMapOvr>
+</p:sld>
+</file>
+
+<file path=ppt/slides/slide21.xml><?xml version="1.0" encoding="utf-8"?>
+<p:sld xmlns:a="http://schemas.openxmlformats.org/drawingml/2006/main" xmlns:r="http://schemas.openxmlformats.org/officeDocument/2006/relationships" xmlns:p="http://schemas.openxmlformats.org/presentationml/2006/main">
+  <p:cSld>
+    <p:spTree>
+      <p:nvGrpSpPr>
+        <p:cNvPr id="1" name=""/>
+        <p:cNvGrpSpPr/>
+        <p:nvPr/>
+      </p:nvGrpSpPr>
+      <p:grpSpPr>
+        <a:xfrm>
+          <a:off x="0" y="0"/>
+          <a:ext cx="0" cy="0"/>
+          <a:chOff x="0" y="0"/>
+          <a:chExt cx="0" cy="0"/>
+        </a:xfrm>
+      </p:grpSpPr>
+      <p:sp>
+        <p:nvSpPr>
+          <p:cNvPr id="2" name="Title 1"/>
+          <p:cNvSpPr>
+            <a:spLocks noGrp="1"/>
+          </p:cNvSpPr>
+          <p:nvPr>
+            <p:ph type="ctrTitle"/>
+          </p:nvPr>
+        </p:nvSpPr>
+        <p:spPr>
+          <a:xfrm>
+            <a:off x="685800" y="228600"/>
+            <a:ext cx="7772400" cy="685800"/>
+          </a:xfrm>
+        </p:spPr>
+        <p:txBody>
+          <a:bodyPr/>
+          <a:lstStyle/>
+          <a:p>
+            <a:pPr algn="l"/>
+            <a:r>
+              <a:rPr lang="en-US" sz="4400" dirty="0" smtClean="0"/>
+              <a:t>Conclusion</a:t>
+            </a:r>
+            <a:endParaRPr lang="en-US" sz="4400" dirty="0"/>
+          </a:p>
+        </p:txBody>
+      </p:sp>
+      <p:sp>
+        <p:nvSpPr>
+          <p:cNvPr id="3" name="Subtitle 2"/>
+          <p:cNvSpPr>
+            <a:spLocks noGrp="1"/>
+          </p:cNvSpPr>
+          <p:nvPr>
+            <p:ph type="subTitle" idx="1"/>
+          </p:nvPr>
+        </p:nvSpPr>
+        <p:spPr>
+          <a:xfrm>
+            <a:off x="659165" y="1143000"/>
+            <a:ext cx="7315200" cy="1676400"/>
+          </a:xfrm>
+        </p:spPr>
+        <p:txBody>
+          <a:bodyPr>
+            <a:noAutofit/>
+          </a:bodyPr>
+          <a:lstStyle/>
+          <a:p>
+            <a:pPr marL="342900" indent="-342900" algn="l">
+              <a:buFont typeface="Arial" panose="020B0604020202020204" pitchFamily="34" charset="0"/>
+              <a:buChar char="•"/>
+            </a:pPr>
+            <a:r>
+              <a:rPr lang="en-US" sz="3200" dirty="0" smtClean="0"/>
+              <a:t>Live-Server: </a:t>
+            </a:r>
+          </a:p>
+          <a:p>
+            <a:pPr marL="800100" lvl="1" indent="-342900" algn="l">
+              <a:buFontTx/>
+              <a:buChar char="-"/>
+            </a:pPr>
+            <a:r>
+              <a:rPr lang="en-US" sz="2400" dirty="0" smtClean="0"/>
+              <a:t>auto browser reload</a:t>
+            </a:r>
+          </a:p>
+          <a:p>
+            <a:pPr marL="800100" lvl="1" indent="-342900" algn="l">
+              <a:buFontTx/>
+              <a:buChar char="-"/>
+            </a:pPr>
+            <a:r>
+              <a:rPr lang="en-US" sz="2400" dirty="0" smtClean="0"/>
+              <a:t>Developer does not leave IDE</a:t>
+            </a:r>
+          </a:p>
+          <a:p>
+            <a:pPr marL="800100" lvl="1" indent="-342900" algn="l">
+              <a:buFontTx/>
+              <a:buChar char="-"/>
+            </a:pPr>
+            <a:endParaRPr lang="en-US" sz="2400" dirty="0"/>
+          </a:p>
+        </p:txBody>
+      </p:sp>
+      <p:sp>
+        <p:nvSpPr>
+          <p:cNvPr id="4" name="Date Placeholder 3"/>
+          <p:cNvSpPr>
+            <a:spLocks noGrp="1"/>
+          </p:cNvSpPr>
+          <p:nvPr>
+            <p:ph type="dt" sz="half" idx="10"/>
+          </p:nvPr>
+        </p:nvSpPr>
+        <p:spPr/>
+        <p:txBody>
+          <a:bodyPr/>
+          <a:lstStyle/>
+          <a:p>
+            <a:fld id="{216C5678-EE20-4FA5-88E2-6E0BD67A2E26}" type="datetime1">
+              <a:rPr lang="en-US" smtClean="0"/>
+              <a:t>11/25/2017</a:t>
+            </a:fld>
+            <a:endParaRPr lang="en-US" dirty="0"/>
+          </a:p>
+        </p:txBody>
+      </p:sp>
+      <p:sp>
+        <p:nvSpPr>
+          <p:cNvPr id="5" name="Slide Number Placeholder 4"/>
+          <p:cNvSpPr>
+            <a:spLocks noGrp="1"/>
+          </p:cNvSpPr>
+          <p:nvPr>
+            <p:ph type="sldNum" sz="quarter" idx="11"/>
+          </p:nvPr>
+        </p:nvSpPr>
+        <p:spPr/>
+        <p:txBody>
+          <a:bodyPr/>
+          <a:lstStyle/>
+          <a:p>
+            <a:fld id="{BA9B540C-44DA-4F69-89C9-7C84606640D3}" type="slidenum">
+              <a:rPr lang="en-US" smtClean="0"/>
+              <a:pPr/>
+              <a:t>21</a:t>
+            </a:fld>
+            <a:endParaRPr lang="en-US" dirty="0"/>
+          </a:p>
+        </p:txBody>
+      </p:sp>
+      <p:sp>
+        <p:nvSpPr>
+          <p:cNvPr id="6" name="Footer Placeholder 5"/>
+          <p:cNvSpPr>
+            <a:spLocks noGrp="1"/>
+          </p:cNvSpPr>
+          <p:nvPr>
+            <p:ph type="ftr" sz="quarter" idx="12"/>
+          </p:nvPr>
+        </p:nvSpPr>
+        <p:spPr/>
+        <p:txBody>
+          <a:bodyPr/>
+          <a:lstStyle/>
+          <a:p>
+            <a:r>
+              <a:rPr lang="en-US" smtClean="0"/>
+              <a:t>Footer Text</a:t>
+            </a:r>
+            <a:endParaRPr lang="en-US" dirty="0"/>
+          </a:p>
+        </p:txBody>
+      </p:sp>
+      <p:sp>
+        <p:nvSpPr>
+          <p:cNvPr id="7" name="Subtitle 2"/>
+          <p:cNvSpPr txBox="1">
+            <a:spLocks/>
+          </p:cNvSpPr>
+          <p:nvPr/>
+        </p:nvSpPr>
+        <p:spPr>
+          <a:xfrm>
+            <a:off x="685800" y="2667000"/>
+            <a:ext cx="7315200" cy="1676400"/>
+          </a:xfrm>
+          <a:prstGeom prst="rect">
+            <a:avLst/>
+          </a:prstGeom>
+        </p:spPr>
+        <p:txBody>
+          <a:bodyPr vert="horz" lIns="91440" tIns="45720" rIns="91440" bIns="45720" rtlCol="0">
+            <a:noAutofit/>
+          </a:bodyPr>
+          <a:lstStyle>
+            <a:lvl1pPr marL="0" indent="0" algn="ctr" defTabSz="914400" rtl="0" eaLnBrk="1" latinLnBrk="0" hangingPunct="1">
+              <a:spcBef>
+                <a:spcPct val="20000"/>
+              </a:spcBef>
+              <a:buFont typeface="Arial" pitchFamily="34" charset="0"/>
+              <a:buNone/>
+              <a:defRPr sz="2400" kern="1200">
+                <a:solidFill>
+                  <a:schemeClr val="tx1">
+                    <a:tint val="75000"/>
+                  </a:schemeClr>
+                </a:solidFill>
+                <a:latin typeface="+mj-lt"/>
+                <a:ea typeface="+mn-ea"/>
+                <a:cs typeface="+mn-cs"/>
+              </a:defRPr>
+            </a:lvl1pPr>
+            <a:lvl2pPr marL="457200" indent="0" algn="ctr" defTabSz="914400" rtl="0" eaLnBrk="1" latinLnBrk="0" hangingPunct="1">
+              <a:spcBef>
+                <a:spcPct val="20000"/>
+              </a:spcBef>
+              <a:buFont typeface="Courier New" pitchFamily="49" charset="0"/>
+              <a:buNone/>
+              <a:defRPr sz="1600" kern="1200">
+                <a:solidFill>
+                  <a:schemeClr val="tx1">
+                    <a:tint val="75000"/>
+                  </a:schemeClr>
+                </a:solidFill>
+                <a:latin typeface="+mj-lt"/>
+                <a:ea typeface="+mn-ea"/>
+                <a:cs typeface="+mn-cs"/>
+              </a:defRPr>
+            </a:lvl2pPr>
+            <a:lvl3pPr marL="914400" indent="0" algn="ctr" defTabSz="914400" rtl="0" eaLnBrk="1" latinLnBrk="0" hangingPunct="1">
+              <a:spcBef>
+                <a:spcPct val="20000"/>
+              </a:spcBef>
+              <a:buFont typeface="Arial" pitchFamily="34" charset="0"/>
+              <a:buNone/>
+              <a:defRPr sz="1600" kern="1200">
+                <a:solidFill>
+                  <a:schemeClr val="tx1">
+                    <a:tint val="75000"/>
+                  </a:schemeClr>
+                </a:solidFill>
+                <a:latin typeface="+mj-lt"/>
+                <a:ea typeface="+mn-ea"/>
+                <a:cs typeface="+mn-cs"/>
+              </a:defRPr>
+            </a:lvl3pPr>
+            <a:lvl4pPr marL="1371600" indent="0" algn="ctr" defTabSz="914400" rtl="0" eaLnBrk="1" latinLnBrk="0" hangingPunct="1">
+              <a:spcBef>
+                <a:spcPct val="20000"/>
+              </a:spcBef>
+              <a:buFont typeface="Courier New" pitchFamily="49" charset="0"/>
+              <a:buNone/>
+              <a:defRPr sz="1600" kern="1200">
+                <a:solidFill>
+                  <a:schemeClr val="tx1">
+                    <a:tint val="75000"/>
+                  </a:schemeClr>
+                </a:solidFill>
+                <a:latin typeface="+mj-lt"/>
+                <a:ea typeface="+mn-ea"/>
+                <a:cs typeface="+mn-cs"/>
+              </a:defRPr>
+            </a:lvl4pPr>
+            <a:lvl5pPr marL="1828800" indent="0" algn="ctr" defTabSz="914400" rtl="0" eaLnBrk="1" latinLnBrk="0" hangingPunct="1">
+              <a:spcBef>
+                <a:spcPct val="20000"/>
+              </a:spcBef>
+              <a:buFont typeface="Arial" pitchFamily="34" charset="0"/>
+              <a:buNone/>
+              <a:defRPr sz="1600" kern="1200">
+                <a:solidFill>
+                  <a:schemeClr val="tx1">
+                    <a:tint val="75000"/>
+                  </a:schemeClr>
+                </a:solidFill>
+                <a:latin typeface="+mj-lt"/>
+                <a:ea typeface="+mn-ea"/>
+                <a:cs typeface="+mn-cs"/>
+              </a:defRPr>
+            </a:lvl5pPr>
+            <a:lvl6pPr marL="2286000" indent="0" algn="ctr" defTabSz="914400" rtl="0" eaLnBrk="1" latinLnBrk="0" hangingPunct="1">
+              <a:spcBef>
+                <a:spcPct val="20000"/>
+              </a:spcBef>
+              <a:buFont typeface="Courier New" pitchFamily="49" charset="0"/>
+              <a:buNone/>
+              <a:defRPr sz="1600" kern="1200">
+                <a:solidFill>
+                  <a:schemeClr val="tx1">
+                    <a:tint val="75000"/>
+                  </a:schemeClr>
+                </a:solidFill>
+                <a:latin typeface="+mj-lt"/>
+                <a:ea typeface="+mn-ea"/>
+                <a:cs typeface="+mn-cs"/>
+              </a:defRPr>
+            </a:lvl6pPr>
+            <a:lvl7pPr marL="2743200" indent="0" algn="ctr" defTabSz="914400" rtl="0" eaLnBrk="1" latinLnBrk="0" hangingPunct="1">
+              <a:spcBef>
+                <a:spcPct val="20000"/>
+              </a:spcBef>
+              <a:buFont typeface="Arial" pitchFamily="34" charset="0"/>
+              <a:buNone/>
+              <a:defRPr sz="1600" kern="1200">
+                <a:solidFill>
+                  <a:schemeClr val="tx1">
+                    <a:tint val="75000"/>
+                  </a:schemeClr>
+                </a:solidFill>
+                <a:latin typeface="+mj-lt"/>
+                <a:ea typeface="+mn-ea"/>
+                <a:cs typeface="+mn-cs"/>
+              </a:defRPr>
+            </a:lvl7pPr>
+            <a:lvl8pPr marL="3200400" indent="0" algn="ctr" defTabSz="914400" rtl="0" eaLnBrk="1" latinLnBrk="0" hangingPunct="1">
+              <a:spcBef>
+                <a:spcPct val="20000"/>
+              </a:spcBef>
+              <a:buFont typeface="Courier New" pitchFamily="49" charset="0"/>
+              <a:buNone/>
+              <a:defRPr sz="1600" kern="1200">
+                <a:solidFill>
+                  <a:schemeClr val="tx1">
+                    <a:tint val="75000"/>
+                  </a:schemeClr>
+                </a:solidFill>
+                <a:latin typeface="+mj-lt"/>
+                <a:ea typeface="+mn-ea"/>
+                <a:cs typeface="+mn-cs"/>
+              </a:defRPr>
+            </a:lvl8pPr>
+            <a:lvl9pPr marL="3657600" indent="0" algn="ctr" defTabSz="914400" rtl="0" eaLnBrk="1" latinLnBrk="0" hangingPunct="1">
+              <a:spcBef>
+                <a:spcPct val="20000"/>
+              </a:spcBef>
+              <a:buFont typeface="Arial" pitchFamily="34" charset="0"/>
+              <a:buNone/>
+              <a:defRPr sz="1600" kern="1200">
+                <a:solidFill>
+                  <a:schemeClr val="tx1">
+                    <a:tint val="75000"/>
+                  </a:schemeClr>
+                </a:solidFill>
+                <a:latin typeface="+mj-lt"/>
+                <a:ea typeface="+mn-ea"/>
+                <a:cs typeface="+mn-cs"/>
+              </a:defRPr>
+            </a:lvl9pPr>
+          </a:lstStyle>
+          <a:p>
+            <a:pPr marL="342900" indent="-342900" algn="l">
+              <a:buFont typeface="Arial" panose="020B0604020202020204" pitchFamily="34" charset="0"/>
+              <a:buChar char="•"/>
+            </a:pPr>
+            <a:r>
+              <a:rPr lang="en-US" sz="3200" dirty="0" smtClean="0"/>
+              <a:t>Browser-Sync: </a:t>
+            </a:r>
+          </a:p>
+          <a:p>
+            <a:pPr marL="800100" lvl="1" indent="-342900" algn="l">
+              <a:buFontTx/>
+              <a:buChar char="-"/>
+            </a:pPr>
+            <a:r>
+              <a:rPr lang="en-US" sz="2400" dirty="0" smtClean="0"/>
+              <a:t>Improve multi-browser testing.</a:t>
+            </a:r>
+          </a:p>
+          <a:p>
+            <a:pPr marL="800100" lvl="1" indent="-342900" algn="l">
+              <a:buFontTx/>
+              <a:buChar char="-"/>
+            </a:pPr>
+            <a:r>
+              <a:rPr lang="en-US" sz="2400" dirty="0" smtClean="0"/>
+              <a:t>Not 100% mature</a:t>
+            </a:r>
+          </a:p>
+          <a:p>
+            <a:pPr marL="800100" lvl="1" indent="-342900" algn="l">
+              <a:buFontTx/>
+              <a:buChar char="-"/>
+            </a:pPr>
+            <a:endParaRPr lang="en-US" sz="2400" dirty="0"/>
+          </a:p>
+        </p:txBody>
+      </p:sp>
+      <p:sp>
+        <p:nvSpPr>
+          <p:cNvPr id="8" name="Subtitle 2"/>
+          <p:cNvSpPr txBox="1">
+            <a:spLocks/>
+          </p:cNvSpPr>
+          <p:nvPr/>
+        </p:nvSpPr>
+        <p:spPr>
+          <a:xfrm>
+            <a:off x="661088" y="4451350"/>
+            <a:ext cx="7315200" cy="1676400"/>
+          </a:xfrm>
+          <a:prstGeom prst="rect">
+            <a:avLst/>
+          </a:prstGeom>
+        </p:spPr>
+        <p:txBody>
+          <a:bodyPr vert="horz" lIns="91440" tIns="45720" rIns="91440" bIns="45720" rtlCol="0">
+            <a:noAutofit/>
+          </a:bodyPr>
+          <a:lstStyle>
+            <a:lvl1pPr marL="0" indent="0" algn="ctr" defTabSz="914400" rtl="0" eaLnBrk="1" latinLnBrk="0" hangingPunct="1">
+              <a:spcBef>
+                <a:spcPct val="20000"/>
+              </a:spcBef>
+              <a:buFont typeface="Arial" pitchFamily="34" charset="0"/>
+              <a:buNone/>
+              <a:defRPr sz="2400" kern="1200">
+                <a:solidFill>
+                  <a:schemeClr val="tx1">
+                    <a:tint val="75000"/>
+                  </a:schemeClr>
+                </a:solidFill>
+                <a:latin typeface="+mj-lt"/>
+                <a:ea typeface="+mn-ea"/>
+                <a:cs typeface="+mn-cs"/>
+              </a:defRPr>
+            </a:lvl1pPr>
+            <a:lvl2pPr marL="457200" indent="0" algn="ctr" defTabSz="914400" rtl="0" eaLnBrk="1" latinLnBrk="0" hangingPunct="1">
+              <a:spcBef>
+                <a:spcPct val="20000"/>
+              </a:spcBef>
+              <a:buFont typeface="Courier New" pitchFamily="49" charset="0"/>
+              <a:buNone/>
+              <a:defRPr sz="1600" kern="1200">
+                <a:solidFill>
+                  <a:schemeClr val="tx1">
+                    <a:tint val="75000"/>
+                  </a:schemeClr>
+                </a:solidFill>
+                <a:latin typeface="+mj-lt"/>
+                <a:ea typeface="+mn-ea"/>
+                <a:cs typeface="+mn-cs"/>
+              </a:defRPr>
+            </a:lvl2pPr>
+            <a:lvl3pPr marL="914400" indent="0" algn="ctr" defTabSz="914400" rtl="0" eaLnBrk="1" latinLnBrk="0" hangingPunct="1">
+              <a:spcBef>
+                <a:spcPct val="20000"/>
+              </a:spcBef>
+              <a:buFont typeface="Arial" pitchFamily="34" charset="0"/>
+              <a:buNone/>
+              <a:defRPr sz="1600" kern="1200">
+                <a:solidFill>
+                  <a:schemeClr val="tx1">
+                    <a:tint val="75000"/>
+                  </a:schemeClr>
+                </a:solidFill>
+                <a:latin typeface="+mj-lt"/>
+                <a:ea typeface="+mn-ea"/>
+                <a:cs typeface="+mn-cs"/>
+              </a:defRPr>
+            </a:lvl3pPr>
+            <a:lvl4pPr marL="1371600" indent="0" algn="ctr" defTabSz="914400" rtl="0" eaLnBrk="1" latinLnBrk="0" hangingPunct="1">
+              <a:spcBef>
+                <a:spcPct val="20000"/>
+              </a:spcBef>
+              <a:buFont typeface="Courier New" pitchFamily="49" charset="0"/>
+              <a:buNone/>
+              <a:defRPr sz="1600" kern="1200">
+                <a:solidFill>
+                  <a:schemeClr val="tx1">
+                    <a:tint val="75000"/>
+                  </a:schemeClr>
+                </a:solidFill>
+                <a:latin typeface="+mj-lt"/>
+                <a:ea typeface="+mn-ea"/>
+                <a:cs typeface="+mn-cs"/>
+              </a:defRPr>
+            </a:lvl4pPr>
+            <a:lvl5pPr marL="1828800" indent="0" algn="ctr" defTabSz="914400" rtl="0" eaLnBrk="1" latinLnBrk="0" hangingPunct="1">
+              <a:spcBef>
+                <a:spcPct val="20000"/>
+              </a:spcBef>
+              <a:buFont typeface="Arial" pitchFamily="34" charset="0"/>
+              <a:buNone/>
+              <a:defRPr sz="1600" kern="1200">
+                <a:solidFill>
+                  <a:schemeClr val="tx1">
+                    <a:tint val="75000"/>
+                  </a:schemeClr>
+                </a:solidFill>
+                <a:latin typeface="+mj-lt"/>
+                <a:ea typeface="+mn-ea"/>
+                <a:cs typeface="+mn-cs"/>
+              </a:defRPr>
+            </a:lvl5pPr>
+            <a:lvl6pPr marL="2286000" indent="0" algn="ctr" defTabSz="914400" rtl="0" eaLnBrk="1" latinLnBrk="0" hangingPunct="1">
+              <a:spcBef>
+                <a:spcPct val="20000"/>
+              </a:spcBef>
+              <a:buFont typeface="Courier New" pitchFamily="49" charset="0"/>
+              <a:buNone/>
+              <a:defRPr sz="1600" kern="1200">
+                <a:solidFill>
+                  <a:schemeClr val="tx1">
+                    <a:tint val="75000"/>
+                  </a:schemeClr>
+                </a:solidFill>
+                <a:latin typeface="+mj-lt"/>
+                <a:ea typeface="+mn-ea"/>
+                <a:cs typeface="+mn-cs"/>
+              </a:defRPr>
+            </a:lvl6pPr>
+            <a:lvl7pPr marL="2743200" indent="0" algn="ctr" defTabSz="914400" rtl="0" eaLnBrk="1" latinLnBrk="0" hangingPunct="1">
+              <a:spcBef>
+                <a:spcPct val="20000"/>
+              </a:spcBef>
+              <a:buFont typeface="Arial" pitchFamily="34" charset="0"/>
+              <a:buNone/>
+              <a:defRPr sz="1600" kern="1200">
+                <a:solidFill>
+                  <a:schemeClr val="tx1">
+                    <a:tint val="75000"/>
+                  </a:schemeClr>
+                </a:solidFill>
+                <a:latin typeface="+mj-lt"/>
+                <a:ea typeface="+mn-ea"/>
+                <a:cs typeface="+mn-cs"/>
+              </a:defRPr>
+            </a:lvl7pPr>
+            <a:lvl8pPr marL="3200400" indent="0" algn="ctr" defTabSz="914400" rtl="0" eaLnBrk="1" latinLnBrk="0" hangingPunct="1">
+              <a:spcBef>
+                <a:spcPct val="20000"/>
+              </a:spcBef>
+              <a:buFont typeface="Courier New" pitchFamily="49" charset="0"/>
+              <a:buNone/>
+              <a:defRPr sz="1600" kern="1200">
+                <a:solidFill>
+                  <a:schemeClr val="tx1">
+                    <a:tint val="75000"/>
+                  </a:schemeClr>
+                </a:solidFill>
+                <a:latin typeface="+mj-lt"/>
+                <a:ea typeface="+mn-ea"/>
+                <a:cs typeface="+mn-cs"/>
+              </a:defRPr>
+            </a:lvl8pPr>
+            <a:lvl9pPr marL="3657600" indent="0" algn="ctr" defTabSz="914400" rtl="0" eaLnBrk="1" latinLnBrk="0" hangingPunct="1">
+              <a:spcBef>
+                <a:spcPct val="20000"/>
+              </a:spcBef>
+              <a:buFont typeface="Arial" pitchFamily="34" charset="0"/>
+              <a:buNone/>
+              <a:defRPr sz="1600" kern="1200">
+                <a:solidFill>
+                  <a:schemeClr val="tx1">
+                    <a:tint val="75000"/>
+                  </a:schemeClr>
+                </a:solidFill>
+                <a:latin typeface="+mj-lt"/>
+                <a:ea typeface="+mn-ea"/>
+                <a:cs typeface="+mn-cs"/>
+              </a:defRPr>
+            </a:lvl9pPr>
+          </a:lstStyle>
+          <a:p>
+            <a:pPr marL="342900" indent="-342900" algn="l">
+              <a:buFont typeface="Arial" panose="020B0604020202020204" pitchFamily="34" charset="0"/>
+              <a:buChar char="•"/>
+            </a:pPr>
+            <a:r>
+              <a:rPr lang="en-US" sz="3200" dirty="0" smtClean="0"/>
+              <a:t>JSON Server: </a:t>
+            </a:r>
+          </a:p>
+          <a:p>
+            <a:pPr marL="800100" lvl="1" indent="-342900" algn="l">
+              <a:buFontTx/>
+              <a:buChar char="-"/>
+            </a:pPr>
+            <a:r>
+              <a:rPr lang="en-US" sz="2400" dirty="0" smtClean="0"/>
+              <a:t>Quickly mock REST APIs</a:t>
+            </a:r>
+          </a:p>
+          <a:p>
+            <a:pPr marL="800100" lvl="1" indent="-342900" algn="l">
+              <a:buFontTx/>
+              <a:buChar char="-"/>
+            </a:pPr>
+            <a:r>
+              <a:rPr lang="en-US" sz="2400" dirty="0" smtClean="0"/>
+              <a:t>Allow UI and Service to be develop in parallel</a:t>
+            </a:r>
+          </a:p>
+          <a:p>
+            <a:pPr marL="800100" lvl="1" indent="-342900" algn="l">
+              <a:buFontTx/>
+              <a:buChar char="-"/>
+            </a:pPr>
+            <a:endParaRPr lang="en-US" sz="2400" dirty="0"/>
+          </a:p>
+        </p:txBody>
+      </p:sp>
+    </p:spTree>
+    <p:extLst>
+      <p:ext uri="{BB962C8B-B14F-4D97-AF65-F5344CB8AC3E}">
+        <p14:creationId xmlns:p14="http://schemas.microsoft.com/office/powerpoint/2010/main" val="2740892730"/>
       </p:ext>
     </p:extLst>
   </p:cSld>

--- a/web-pg-performance/webpgperformance.pptx
+++ b/web-pg-performance/webpgperformance.pptx
@@ -24,8 +24,8 @@
     <p:sldId id="278" r:id="rId15"/>
     <p:sldId id="285" r:id="rId16"/>
     <p:sldId id="286" r:id="rId17"/>
-    <p:sldId id="287" r:id="rId18"/>
-    <p:sldId id="288" r:id="rId19"/>
+    <p:sldId id="288" r:id="rId18"/>
+    <p:sldId id="291" r:id="rId19"/>
     <p:sldId id="289" r:id="rId20"/>
     <p:sldId id="290" r:id="rId21"/>
     <p:sldId id="271" r:id="rId22"/>
@@ -228,7 +228,7 @@
           <a:p>
             <a:fld id="{436134EC-835B-48D8-BDB5-96D4A8A8ACE7}" type="datetimeFigureOut">
               <a:rPr lang="en-US" smtClean="0"/>
-              <a:t>11/25/2017</a:t>
+              <a:t>12/3/2017</a:t>
             </a:fld>
             <a:endParaRPr lang="en-US"/>
           </a:p>
@@ -688,7 +688,7 @@
           <a:p>
             <a:fld id="{216C5678-EE20-4FA5-88E2-6E0BD67A2E26}" type="datetime1">
               <a:rPr lang="en-US" smtClean="0"/>
-              <a:t>11/25/2017</a:t>
+              <a:t>12/3/2017</a:t>
             </a:fld>
             <a:endParaRPr lang="en-US" dirty="0"/>
           </a:p>
@@ -858,7 +858,7 @@
           <a:p>
             <a:fld id="{EA051B39-B140-43FE-96DB-472A2B59CE7C}" type="datetime1">
               <a:rPr lang="en-US" smtClean="0"/>
-              <a:t>11/25/2017</a:t>
+              <a:t>12/3/2017</a:t>
             </a:fld>
             <a:endParaRPr lang="en-US"/>
           </a:p>
@@ -1038,7 +1038,7 @@
           <a:p>
             <a:fld id="{DA600BB2-27C5-458B-ABCE-839C88CF47CE}" type="datetime1">
               <a:rPr lang="en-US" smtClean="0"/>
-              <a:t>11/25/2017</a:t>
+              <a:t>12/3/2017</a:t>
             </a:fld>
             <a:endParaRPr lang="en-US"/>
           </a:p>
@@ -1226,7 +1226,7 @@
           <a:p>
             <a:fld id="{B11D738E-8962-435F-8C43-147B8DD7E819}" type="datetime1">
               <a:rPr lang="en-US" smtClean="0"/>
-              <a:t>11/25/2017</a:t>
+              <a:t>12/3/2017</a:t>
             </a:fld>
             <a:endParaRPr lang="en-US"/>
           </a:p>
@@ -1493,7 +1493,7 @@
           <a:p>
             <a:fld id="{09CAEA93-55E7-4DA9-90C2-089A26EEFEC4}" type="datetime1">
               <a:rPr lang="en-US" smtClean="0"/>
-              <a:t>11/25/2017</a:t>
+              <a:t>12/3/2017</a:t>
             </a:fld>
             <a:endParaRPr lang="en-US"/>
           </a:p>
@@ -1846,7 +1846,7 @@
           <a:p>
             <a:fld id="{E34CF3C7-6809-4F39-BD67-A75817BDDE0A}" type="datetime1">
               <a:rPr lang="en-US" smtClean="0"/>
-              <a:t>11/25/2017</a:t>
+              <a:t>12/3/2017</a:t>
             </a:fld>
             <a:endParaRPr lang="en-US"/>
           </a:p>
@@ -2159,7 +2159,7 @@
           <a:p>
             <a:fld id="{F7EAEB24-CE78-465C-A726-91D0868FA48F}" type="datetime1">
               <a:rPr lang="en-US" smtClean="0"/>
-              <a:t>11/25/2017</a:t>
+              <a:t>12/3/2017</a:t>
             </a:fld>
             <a:endParaRPr lang="en-US"/>
           </a:p>
@@ -2391,7 +2391,7 @@
           <a:p>
             <a:fld id="{40BAADF0-1749-4E8B-9691-B44A5F8C0895}" type="datetime1">
               <a:rPr lang="en-US" smtClean="0"/>
-              <a:t>11/25/2017</a:t>
+              <a:t>12/3/2017</a:t>
             </a:fld>
             <a:endParaRPr lang="en-US"/>
           </a:p>
@@ -2486,7 +2486,7 @@
           <a:p>
             <a:fld id="{A8AF628A-A867-4937-BBE5-207DB6F9C51A}" type="datetime1">
               <a:rPr lang="en-US" smtClean="0"/>
-              <a:t>11/25/2017</a:t>
+              <a:t>12/3/2017</a:t>
             </a:fld>
             <a:endParaRPr lang="en-US"/>
           </a:p>
@@ -2779,7 +2779,7 @@
           <a:p>
             <a:fld id="{118BBB94-68E6-4675-A946-F1C5994EDBD7}" type="datetime1">
               <a:rPr lang="en-US" smtClean="0"/>
-              <a:t>11/25/2017</a:t>
+              <a:t>12/3/2017</a:t>
             </a:fld>
             <a:endParaRPr lang="en-US"/>
           </a:p>
@@ -3053,7 +3053,7 @@
           <a:p>
             <a:fld id="{DC3B8377-21E3-4835-B75D-4E2847E2750F}" type="datetime1">
               <a:rPr lang="en-US" smtClean="0"/>
-              <a:t>11/25/2017</a:t>
+              <a:t>12/3/2017</a:t>
             </a:fld>
             <a:endParaRPr lang="en-US"/>
           </a:p>
@@ -3268,7 +3268,7 @@
           <a:p>
             <a:fld id="{B0C4986D-6BE9-4264-908F-02DB36FD8D6C}" type="datetime1">
               <a:rPr lang="en-US" smtClean="0"/>
-              <a:t>11/25/2017</a:t>
+              <a:t>12/3/2017</a:t>
             </a:fld>
             <a:endParaRPr lang="en-US" dirty="0"/>
           </a:p>
@@ -3867,7 +3867,7 @@
           <a:p>
             <a:fld id="{216C5678-EE20-4FA5-88E2-6E0BD67A2E26}" type="datetime1">
               <a:rPr lang="en-US" smtClean="0"/>
-              <a:t>11/25/2017</a:t>
+              <a:t>12/3/2017</a:t>
             </a:fld>
             <a:endParaRPr lang="en-US" dirty="0"/>
           </a:p>
@@ -3967,7 +3967,7 @@
           <a:p>
             <a:fld id="{216C5678-EE20-4FA5-88E2-6E0BD67A2E26}" type="datetime1">
               <a:rPr lang="en-US" smtClean="0"/>
-              <a:t>11/25/2017</a:t>
+              <a:t>12/3/2017</a:t>
             </a:fld>
             <a:endParaRPr lang="en-US" dirty="0"/>
           </a:p>
@@ -4348,7 +4348,7 @@
           <a:p>
             <a:fld id="{216C5678-EE20-4FA5-88E2-6E0BD67A2E26}" type="datetime1">
               <a:rPr lang="en-US" smtClean="0"/>
-              <a:t>11/25/2017</a:t>
+              <a:t>12/3/2017</a:t>
             </a:fld>
             <a:endParaRPr lang="en-US" dirty="0"/>
           </a:p>
@@ -4741,7 +4741,7 @@
           <a:p>
             <a:fld id="{216C5678-EE20-4FA5-88E2-6E0BD67A2E26}" type="datetime1">
               <a:rPr lang="en-US" smtClean="0"/>
-              <a:t>11/25/2017</a:t>
+              <a:t>12/3/2017</a:t>
             </a:fld>
             <a:endParaRPr lang="en-US" dirty="0"/>
           </a:p>
@@ -4946,7 +4946,7 @@
           <a:p>
             <a:fld id="{216C5678-EE20-4FA5-88E2-6E0BD67A2E26}" type="datetime1">
               <a:rPr lang="en-US" smtClean="0"/>
-              <a:t>11/25/2017</a:t>
+              <a:t>12/3/2017</a:t>
             </a:fld>
             <a:endParaRPr lang="en-US" dirty="0"/>
           </a:p>
@@ -5432,7 +5432,7 @@
           <a:p>
             <a:fld id="{216C5678-EE20-4FA5-88E2-6E0BD67A2E26}" type="datetime1">
               <a:rPr lang="en-US" smtClean="0"/>
-              <a:t>11/25/2017</a:t>
+              <a:t>12/3/2017</a:t>
             </a:fld>
             <a:endParaRPr lang="en-US" dirty="0"/>
           </a:p>
@@ -5753,7 +5753,7 @@
           <a:p>
             <a:fld id="{216C5678-EE20-4FA5-88E2-6E0BD67A2E26}" type="datetime1">
               <a:rPr lang="en-US" smtClean="0"/>
-              <a:t>11/26/2017</a:t>
+              <a:t>12/3/2017</a:t>
             </a:fld>
             <a:endParaRPr lang="en-US" dirty="0"/>
           </a:p>
@@ -6209,7 +6209,6 @@
               <a:rPr lang="en-US" dirty="0"/>
               <a:t>, deflate </a:t>
             </a:r>
-            <a:endParaRPr lang="en-US" dirty="0"/>
           </a:p>
         </p:txBody>
       </p:sp>
@@ -6470,7 +6469,7 @@
           <a:p>
             <a:fld id="{216C5678-EE20-4FA5-88E2-6E0BD67A2E26}" type="datetime1">
               <a:rPr lang="en-US" smtClean="0"/>
-              <a:t>11/25/2017</a:t>
+              <a:t>12/3/2017</a:t>
             </a:fld>
             <a:endParaRPr lang="en-US" dirty="0"/>
           </a:p>
@@ -6546,7 +6545,15 @@
             <a:pPr algn="l"/>
             <a:r>
               <a:rPr lang="en-US" sz="4000" dirty="0" smtClean="0"/>
-              <a:t>7. Image Compression &amp; Reformat</a:t>
+              <a:t>7. Image Compression &amp; </a:t>
+            </a:r>
+            <a:r>
+              <a:rPr lang="en-US" sz="4000" dirty="0"/>
+              <a:t>F</a:t>
+            </a:r>
+            <a:r>
+              <a:rPr lang="en-US" sz="4000" dirty="0" smtClean="0"/>
+              <a:t>ormat</a:t>
             </a:r>
             <a:endParaRPr lang="en-US" sz="4000" dirty="0"/>
           </a:p>
@@ -6690,29 +6697,6 @@
       </p:grpSpPr>
       <p:sp>
         <p:nvSpPr>
-          <p:cNvPr id="4" name="Date Placeholder 3"/>
-          <p:cNvSpPr>
-            <a:spLocks noGrp="1"/>
-          </p:cNvSpPr>
-          <p:nvPr>
-            <p:ph type="dt" sz="half" idx="10"/>
-          </p:nvPr>
-        </p:nvSpPr>
-        <p:spPr/>
-        <p:txBody>
-          <a:bodyPr/>
-          <a:lstStyle/>
-          <a:p>
-            <a:fld id="{216C5678-EE20-4FA5-88E2-6E0BD67A2E26}" type="datetime1">
-              <a:rPr lang="en-US" smtClean="0"/>
-              <a:t>11/25/2017</a:t>
-            </a:fld>
-            <a:endParaRPr lang="en-US" dirty="0"/>
-          </a:p>
-        </p:txBody>
-      </p:sp>
-      <p:sp>
-        <p:nvSpPr>
           <p:cNvPr id="5" name="Slide Number Placeholder 4"/>
           <p:cNvSpPr>
             <a:spLocks noGrp="1"/>
@@ -6721,7 +6705,12 @@
             <p:ph type="sldNum" sz="quarter" idx="11"/>
           </p:nvPr>
         </p:nvSpPr>
-        <p:spPr/>
+        <p:spPr>
+          <a:xfrm>
+            <a:off x="8543278" y="6721475"/>
+            <a:ext cx="561975" cy="365125"/>
+          </a:xfrm>
+        </p:spPr>
         <p:txBody>
           <a:bodyPr/>
           <a:lstStyle/>
@@ -6731,29 +6720,6 @@
               <a:pPr/>
               <a:t>17</a:t>
             </a:fld>
-            <a:endParaRPr lang="en-US" dirty="0"/>
-          </a:p>
-        </p:txBody>
-      </p:sp>
-      <p:sp>
-        <p:nvSpPr>
-          <p:cNvPr id="6" name="Footer Placeholder 5"/>
-          <p:cNvSpPr>
-            <a:spLocks noGrp="1"/>
-          </p:cNvSpPr>
-          <p:nvPr>
-            <p:ph type="ftr" sz="quarter" idx="12"/>
-          </p:nvPr>
-        </p:nvSpPr>
-        <p:spPr/>
-        <p:txBody>
-          <a:bodyPr/>
-          <a:lstStyle/>
-          <a:p>
-            <a:r>
-              <a:rPr lang="en-US" smtClean="0"/>
-              <a:t>Footer Text</a:t>
-            </a:r>
             <a:endParaRPr lang="en-US" dirty="0"/>
           </a:p>
         </p:txBody>
@@ -6780,20 +6746,101 @@
           <a:p>
             <a:pPr algn="l"/>
             <a:r>
-              <a:rPr lang="en-US" sz="4000" dirty="0" smtClean="0"/>
-              <a:t>7. Image </a:t>
-            </a:r>
-            <a:r>
-              <a:rPr lang="en-US" sz="4000" dirty="0"/>
-              <a:t>Formatting</a:t>
-            </a:r>
+              <a:rPr lang="en-US" sz="4000" smtClean="0"/>
+              <a:t>8. Move CSS to &lt;HEAD&gt; section</a:t>
+            </a:r>
+            <a:endParaRPr lang="en-US" sz="4000" dirty="0"/>
+          </a:p>
+        </p:txBody>
+      </p:sp>
+      <p:sp>
+        <p:nvSpPr>
+          <p:cNvPr id="8" name="Subtitle 2"/>
+          <p:cNvSpPr>
+            <a:spLocks noGrp="1"/>
+          </p:cNvSpPr>
+          <p:nvPr>
+            <p:ph type="subTitle" idx="1"/>
+          </p:nvPr>
+        </p:nvSpPr>
+        <p:spPr>
+          <a:xfrm>
+            <a:off x="363415" y="914399"/>
+            <a:ext cx="8648053" cy="2971801"/>
+          </a:xfrm>
+        </p:spPr>
+        <p:txBody>
+          <a:bodyPr>
+            <a:noAutofit/>
+          </a:bodyPr>
+          <a:lstStyle/>
+          <a:p>
+            <a:pPr marL="457200" indent="-457200" algn="l">
+              <a:buFont typeface="Arial" panose="020B0604020202020204" pitchFamily="34" charset="0"/>
+              <a:buChar char="•"/>
+            </a:pPr>
+            <a:r>
+              <a:rPr lang="en-US" sz="3200" dirty="0" smtClean="0"/>
+              <a:t>Enable progressive rendering.</a:t>
+            </a:r>
+          </a:p>
+          <a:p>
+            <a:pPr marL="457200" indent="-457200" algn="l">
+              <a:buFont typeface="Arial" panose="020B0604020202020204" pitchFamily="34" charset="0"/>
+              <a:buChar char="•"/>
+            </a:pPr>
+            <a:r>
+              <a:rPr lang="en-US" sz="3200" dirty="0" smtClean="0"/>
+              <a:t>Prevent browser from rendering HTML component twice.</a:t>
+            </a:r>
+            <a:endParaRPr lang="en-US" sz="3200" dirty="0"/>
+          </a:p>
+          <a:p>
+            <a:pPr marL="457200" indent="-457200" algn="l">
+              <a:buFont typeface="Arial" panose="020B0604020202020204" pitchFamily="34" charset="0"/>
+              <a:buChar char="•"/>
+            </a:pPr>
+            <a:r>
+              <a:rPr lang="en-US" sz="3200" dirty="0" smtClean="0"/>
+              <a:t>Prevent page “flickering” when CSS is at the bottom.</a:t>
+            </a:r>
+          </a:p>
+          <a:p>
+            <a:pPr marL="457200" indent="-457200" algn="l">
+              <a:buFont typeface="Arial" panose="020B0604020202020204" pitchFamily="34" charset="0"/>
+              <a:buChar char="•"/>
+            </a:pPr>
+            <a:r>
+              <a:rPr lang="en-US" sz="3200" dirty="0" smtClean="0"/>
+              <a:t>Prevent viewing of “poor layout” on slow network and page with lots of content.</a:t>
+            </a:r>
+            <a:endParaRPr lang="en-US" sz="2000" dirty="0"/>
+          </a:p>
+          <a:p>
+            <a:pPr algn="l"/>
+            <a:endParaRPr lang="en-US" sz="2000" dirty="0" smtClean="0"/>
+          </a:p>
+          <a:p>
+            <a:pPr algn="l"/>
+            <a:endParaRPr lang="en-US" sz="3200" dirty="0" smtClean="0"/>
+          </a:p>
+          <a:p>
+            <a:pPr algn="l"/>
+            <a:endParaRPr lang="en-US" dirty="0"/>
+          </a:p>
+          <a:p>
+            <a:pPr marL="342900" indent="-342900" algn="l">
+              <a:buFont typeface="Arial" panose="020B0604020202020204" pitchFamily="34" charset="0"/>
+              <a:buChar char="•"/>
+            </a:pPr>
+            <a:endParaRPr lang="en-US" sz="3200" dirty="0"/>
           </a:p>
         </p:txBody>
       </p:sp>
     </p:spTree>
     <p:extLst>
       <p:ext uri="{BB962C8B-B14F-4D97-AF65-F5344CB8AC3E}">
-        <p14:creationId xmlns:p14="http://schemas.microsoft.com/office/powerpoint/2010/main" val="2741674004"/>
+        <p14:creationId xmlns:p14="http://schemas.microsoft.com/office/powerpoint/2010/main" val="1997200173"/>
       </p:ext>
     </p:extLst>
   </p:cSld>
@@ -6822,29 +6869,6 @@
       </p:grpSpPr>
       <p:sp>
         <p:nvSpPr>
-          <p:cNvPr id="4" name="Date Placeholder 3"/>
-          <p:cNvSpPr>
-            <a:spLocks noGrp="1"/>
-          </p:cNvSpPr>
-          <p:nvPr>
-            <p:ph type="dt" sz="half" idx="10"/>
-          </p:nvPr>
-        </p:nvSpPr>
-        <p:spPr/>
-        <p:txBody>
-          <a:bodyPr/>
-          <a:lstStyle/>
-          <a:p>
-            <a:fld id="{216C5678-EE20-4FA5-88E2-6E0BD67A2E26}" type="datetime1">
-              <a:rPr lang="en-US" smtClean="0"/>
-              <a:t>11/25/2017</a:t>
-            </a:fld>
-            <a:endParaRPr lang="en-US" dirty="0"/>
-          </a:p>
-        </p:txBody>
-      </p:sp>
-      <p:sp>
-        <p:nvSpPr>
           <p:cNvPr id="5" name="Slide Number Placeholder 4"/>
           <p:cNvSpPr>
             <a:spLocks noGrp="1"/>
@@ -6853,7 +6877,12 @@
             <p:ph type="sldNum" sz="quarter" idx="11"/>
           </p:nvPr>
         </p:nvSpPr>
-        <p:spPr/>
+        <p:spPr>
+          <a:xfrm>
+            <a:off x="8543278" y="6721475"/>
+            <a:ext cx="561975" cy="365125"/>
+          </a:xfrm>
+        </p:spPr>
         <p:txBody>
           <a:bodyPr/>
           <a:lstStyle/>
@@ -6869,29 +6898,6 @@
       </p:sp>
       <p:sp>
         <p:nvSpPr>
-          <p:cNvPr id="6" name="Footer Placeholder 5"/>
-          <p:cNvSpPr>
-            <a:spLocks noGrp="1"/>
-          </p:cNvSpPr>
-          <p:nvPr>
-            <p:ph type="ftr" sz="quarter" idx="12"/>
-          </p:nvPr>
-        </p:nvSpPr>
-        <p:spPr/>
-        <p:txBody>
-          <a:bodyPr/>
-          <a:lstStyle/>
-          <a:p>
-            <a:r>
-              <a:rPr lang="en-US" smtClean="0"/>
-              <a:t>Footer Text</a:t>
-            </a:r>
-            <a:endParaRPr lang="en-US" dirty="0"/>
-          </a:p>
-        </p:txBody>
-      </p:sp>
-      <p:sp>
-        <p:nvSpPr>
           <p:cNvPr id="7" name="Title 1"/>
           <p:cNvSpPr>
             <a:spLocks noGrp="1"/>
@@ -6903,7 +6909,7 @@
         <p:spPr>
           <a:xfrm>
             <a:off x="381000" y="228600"/>
-            <a:ext cx="7772400" cy="685800"/>
+            <a:ext cx="8839200" cy="685800"/>
           </a:xfrm>
         </p:spPr>
         <p:txBody>
@@ -6913,24 +6919,176 @@
             <a:pPr algn="l"/>
             <a:r>
               <a:rPr lang="en-US" sz="4000" dirty="0" smtClean="0"/>
-              <a:t>8. </a:t>
-            </a:r>
-            <a:r>
-              <a:rPr lang="en-US" sz="4000" dirty="0"/>
-              <a:t>Move CSS to &lt;HEAD&gt; </a:t>
+              <a:t>Move CSS to &lt;HEAD&gt; section (</a:t>
+            </a:r>
+            <a:r>
+              <a:rPr lang="en-US" sz="4000" dirty="0" err="1" smtClean="0"/>
+              <a:t>cont</a:t>
             </a:r>
             <a:r>
               <a:rPr lang="en-US" sz="4000" dirty="0" smtClean="0"/>
-              <a:t>section</a:t>
+              <a:t>)</a:t>
             </a:r>
             <a:endParaRPr lang="en-US" sz="4000" dirty="0"/>
           </a:p>
         </p:txBody>
       </p:sp>
+      <p:pic>
+        <p:nvPicPr>
+          <p:cNvPr id="2" name="Picture 1"/>
+          <p:cNvPicPr>
+            <a:picLocks noChangeAspect="1"/>
+          </p:cNvPicPr>
+          <p:nvPr/>
+        </p:nvPicPr>
+        <p:blipFill>
+          <a:blip r:embed="rId2"/>
+          <a:stretch>
+            <a:fillRect/>
+          </a:stretch>
+        </p:blipFill>
+        <p:spPr>
+          <a:xfrm>
+            <a:off x="4965408" y="1307123"/>
+            <a:ext cx="3158684" cy="2166568"/>
+          </a:xfrm>
+          <a:prstGeom prst="rect">
+            <a:avLst/>
+          </a:prstGeom>
+          <a:effectLst>
+            <a:outerShdw blurRad="63500" sx="102000" sy="102000" algn="ctr" rotWithShape="0">
+              <a:prstClr val="black">
+                <a:alpha val="40000"/>
+              </a:prstClr>
+            </a:outerShdw>
+            <a:softEdge rad="12700"/>
+          </a:effectLst>
+        </p:spPr>
+      </p:pic>
+      <p:pic>
+        <p:nvPicPr>
+          <p:cNvPr id="3" name="Picture 2"/>
+          <p:cNvPicPr>
+            <a:picLocks noChangeAspect="1"/>
+          </p:cNvPicPr>
+          <p:nvPr/>
+        </p:nvPicPr>
+        <p:blipFill>
+          <a:blip r:embed="rId3"/>
+          <a:stretch>
+            <a:fillRect/>
+          </a:stretch>
+        </p:blipFill>
+        <p:spPr>
+          <a:xfrm>
+            <a:off x="838200" y="1295400"/>
+            <a:ext cx="3309007" cy="2178291"/>
+          </a:xfrm>
+          <a:prstGeom prst="rect">
+            <a:avLst/>
+          </a:prstGeom>
+          <a:effectLst>
+            <a:outerShdw blurRad="63500" sx="102000" sy="102000" algn="ctr" rotWithShape="0">
+              <a:prstClr val="black">
+                <a:alpha val="40000"/>
+              </a:prstClr>
+            </a:outerShdw>
+          </a:effectLst>
+        </p:spPr>
+      </p:pic>
+      <p:sp>
+        <p:nvSpPr>
+          <p:cNvPr id="9" name="Rectangle 8"/>
+          <p:cNvSpPr/>
+          <p:nvPr/>
+        </p:nvSpPr>
+        <p:spPr>
+          <a:xfrm>
+            <a:off x="1371600" y="913609"/>
+            <a:ext cx="1633781" cy="369332"/>
+          </a:xfrm>
+          <a:prstGeom prst="rect">
+            <a:avLst/>
+          </a:prstGeom>
+        </p:spPr>
+        <p:txBody>
+          <a:bodyPr wrap="none">
+            <a:spAutoFit/>
+          </a:bodyPr>
+          <a:lstStyle/>
+          <a:p>
+            <a:r>
+              <a:rPr lang="en-US" dirty="0" smtClean="0"/>
+              <a:t>CSS at bottom</a:t>
+            </a:r>
+            <a:endParaRPr lang="en-US" dirty="0"/>
+          </a:p>
+        </p:txBody>
+      </p:sp>
+      <p:sp>
+        <p:nvSpPr>
+          <p:cNvPr id="10" name="Rectangle 9"/>
+          <p:cNvSpPr/>
+          <p:nvPr/>
+        </p:nvSpPr>
+        <p:spPr>
+          <a:xfrm>
+            <a:off x="5404978" y="920234"/>
+            <a:ext cx="1239442" cy="369332"/>
+          </a:xfrm>
+          <a:prstGeom prst="rect">
+            <a:avLst/>
+          </a:prstGeom>
+        </p:spPr>
+        <p:txBody>
+          <a:bodyPr wrap="none">
+            <a:spAutoFit/>
+          </a:bodyPr>
+          <a:lstStyle/>
+          <a:p>
+            <a:r>
+              <a:rPr lang="en-US" dirty="0" smtClean="0"/>
+              <a:t>CSS at top</a:t>
+            </a:r>
+            <a:endParaRPr lang="en-US" dirty="0"/>
+          </a:p>
+        </p:txBody>
+      </p:sp>
+      <p:pic>
+        <p:nvPicPr>
+          <p:cNvPr id="11" name="Picture 10"/>
+          <p:cNvPicPr>
+            <a:picLocks noChangeAspect="1"/>
+          </p:cNvPicPr>
+          <p:nvPr/>
+        </p:nvPicPr>
+        <p:blipFill>
+          <a:blip r:embed="rId4"/>
+          <a:stretch>
+            <a:fillRect/>
+          </a:stretch>
+        </p:blipFill>
+        <p:spPr>
+          <a:xfrm>
+            <a:off x="838200" y="3581400"/>
+            <a:ext cx="5105400" cy="3713018"/>
+          </a:xfrm>
+          <a:prstGeom prst="rect">
+            <a:avLst/>
+          </a:prstGeom>
+          <a:effectLst>
+            <a:outerShdw blurRad="63500" sx="102000" sy="102000" algn="ctr" rotWithShape="0">
+              <a:prstClr val="black">
+                <a:alpha val="40000"/>
+              </a:prstClr>
+            </a:outerShdw>
+          </a:effectLst>
+        </p:spPr>
+      </p:pic>
     </p:spTree>
     <p:extLst>
       <p:ext uri="{BB962C8B-B14F-4D97-AF65-F5344CB8AC3E}">
-        <p14:creationId xmlns:p14="http://schemas.microsoft.com/office/powerpoint/2010/main" val="1997200173"/>
+        <p14:creationId xmlns:p14="http://schemas.microsoft.com/office/powerpoint/2010/main" val="4209781363"/>
       </p:ext>
     </p:extLst>
   </p:cSld>
@@ -6974,7 +7132,7 @@
           <a:p>
             <a:fld id="{216C5678-EE20-4FA5-88E2-6E0BD67A2E26}" type="datetime1">
               <a:rPr lang="en-US" smtClean="0"/>
-              <a:t>11/25/2017</a:t>
+              <a:t>12/3/2017</a:t>
             </a:fld>
             <a:endParaRPr lang="en-US" dirty="0"/>
           </a:p>
@@ -7061,6 +7219,113 @@
               <a:t>.</a:t>
             </a:r>
             <a:endParaRPr lang="en-US" sz="4000" dirty="0"/>
+          </a:p>
+        </p:txBody>
+      </p:sp>
+      <p:sp>
+        <p:nvSpPr>
+          <p:cNvPr id="8" name="Subtitle 2"/>
+          <p:cNvSpPr>
+            <a:spLocks noGrp="1"/>
+          </p:cNvSpPr>
+          <p:nvPr>
+            <p:ph type="subTitle" idx="1"/>
+          </p:nvPr>
+        </p:nvSpPr>
+        <p:spPr>
+          <a:xfrm>
+            <a:off x="363415" y="914399"/>
+            <a:ext cx="8648053" cy="4495801"/>
+          </a:xfrm>
+        </p:spPr>
+        <p:txBody>
+          <a:bodyPr>
+            <a:noAutofit/>
+          </a:bodyPr>
+          <a:lstStyle/>
+          <a:p>
+            <a:pPr marL="457200" indent="-457200" algn="l">
+              <a:buFont typeface="Arial" panose="020B0604020202020204" pitchFamily="34" charset="0"/>
+              <a:buChar char="•"/>
+            </a:pPr>
+            <a:r>
+              <a:rPr lang="en-US" sz="3200" dirty="0" smtClean="0"/>
+              <a:t>For image</a:t>
+            </a:r>
+            <a:r>
+              <a:rPr lang="en-US" sz="3200" dirty="0" smtClean="0"/>
+              <a:t>-intensive page, ensure</a:t>
+            </a:r>
+            <a:r>
+              <a:rPr lang="en-US" sz="3200" dirty="0"/>
+              <a:t> </a:t>
+            </a:r>
+            <a:r>
+              <a:rPr lang="en-US" sz="3200" dirty="0" smtClean="0"/>
+              <a:t>main images are optimized (</a:t>
+            </a:r>
+            <a:r>
+              <a:rPr lang="en-US" sz="3200" dirty="0" err="1" smtClean="0"/>
+              <a:t>eg</a:t>
+            </a:r>
+            <a:r>
+              <a:rPr lang="en-US" sz="3200" dirty="0" smtClean="0"/>
+              <a:t> gif or jpeg) and load quickly.</a:t>
+            </a:r>
+          </a:p>
+          <a:p>
+            <a:pPr marL="457200" indent="-457200" algn="l">
+              <a:buFont typeface="Arial" panose="020B0604020202020204" pitchFamily="34" charset="0"/>
+              <a:buChar char="•"/>
+            </a:pPr>
+            <a:r>
+              <a:rPr lang="en-US" sz="3200" dirty="0" smtClean="0"/>
+              <a:t>1-sec load time translates to users spend 20% more on the page.</a:t>
+            </a:r>
+          </a:p>
+          <a:p>
+            <a:pPr marL="457200" indent="-457200" algn="l">
+              <a:buFont typeface="Arial" panose="020B0604020202020204" pitchFamily="34" charset="0"/>
+              <a:buChar char="•"/>
+            </a:pPr>
+            <a:r>
+              <a:rPr lang="en-US" sz="3200" dirty="0" smtClean="0"/>
+              <a:t>8-sec load time means users will leave the blank page.</a:t>
+            </a:r>
+          </a:p>
+          <a:p>
+            <a:pPr marL="457200" indent="-457200" algn="l">
+              <a:buFont typeface="Arial" panose="020B0604020202020204" pitchFamily="34" charset="0"/>
+              <a:buChar char="•"/>
+            </a:pPr>
+            <a:r>
+              <a:rPr lang="en-US" sz="3200" dirty="0" smtClean="0"/>
+              <a:t>Remedy: using loading spinner </a:t>
+            </a:r>
+            <a:r>
+              <a:rPr lang="en-US" sz="3200" smtClean="0"/>
+              <a:t>for progress. </a:t>
+            </a:r>
+            <a:endParaRPr lang="en-US" sz="2000" dirty="0" smtClean="0"/>
+          </a:p>
+          <a:p>
+            <a:pPr algn="l"/>
+            <a:endParaRPr lang="en-US" sz="2000" dirty="0" smtClean="0"/>
+          </a:p>
+          <a:p>
+            <a:pPr algn="l"/>
+            <a:endParaRPr lang="en-US" sz="3200" dirty="0" smtClean="0"/>
+          </a:p>
+          <a:p>
+            <a:pPr algn="l"/>
+            <a:endParaRPr lang="en-US" dirty="0"/>
+          </a:p>
+          <a:p>
+            <a:pPr marL="342900" indent="-342900" algn="l">
+              <a:buFont typeface="Arial" panose="020B0604020202020204" pitchFamily="34" charset="0"/>
+              <a:buChar char="•"/>
+            </a:pPr>
+            <a:endParaRPr lang="en-US" sz="3200" dirty="0"/>
           </a:p>
         </p:txBody>
       </p:sp>
@@ -7136,7 +7401,7 @@
         <p:spPr>
           <a:xfrm>
             <a:off x="304801" y="990600"/>
-            <a:ext cx="8800452" cy="4343400"/>
+            <a:ext cx="8800452" cy="5365750"/>
           </a:xfrm>
         </p:spPr>
         <p:txBody>
@@ -7203,11 +7468,7 @@
             </a:pPr>
             <a:r>
               <a:rPr lang="en-US" sz="3200" dirty="0" smtClean="0"/>
-              <a:t>Minify JS </a:t>
-            </a:r>
-            <a:r>
-              <a:rPr lang="en-US" sz="3200" dirty="0" smtClean="0"/>
-              <a:t>&amp; CSS</a:t>
+              <a:t>Minify JS &amp; CSS</a:t>
             </a:r>
           </a:p>
           <a:p>
@@ -7217,7 +7478,7 @@
             </a:pPr>
             <a:r>
               <a:rPr lang="en-US" sz="3200" dirty="0" smtClean="0"/>
-              <a:t>Compression</a:t>
+              <a:t>Text Compression</a:t>
             </a:r>
           </a:p>
           <a:p>
@@ -7227,7 +7488,7 @@
             </a:pPr>
             <a:r>
               <a:rPr lang="en-US" sz="3200" dirty="0" smtClean="0"/>
-              <a:t>Image Formatting</a:t>
+              <a:t>Image Compression &amp; Formatting</a:t>
             </a:r>
           </a:p>
           <a:p>
@@ -7267,7 +7528,7 @@
           <a:p>
             <a:fld id="{216C5678-EE20-4FA5-88E2-6E0BD67A2E26}" type="datetime1">
               <a:rPr lang="en-US" smtClean="0"/>
-              <a:t>11/25/2017</a:t>
+              <a:t>12/3/2017</a:t>
             </a:fld>
             <a:endParaRPr lang="en-US" dirty="0"/>
           </a:p>
@@ -7367,7 +7628,7 @@
           <a:p>
             <a:fld id="{216C5678-EE20-4FA5-88E2-6E0BD67A2E26}" type="datetime1">
               <a:rPr lang="en-US" smtClean="0"/>
-              <a:t>11/25/2017</a:t>
+              <a:t>12/3/2017</a:t>
             </a:fld>
             <a:endParaRPr lang="en-US" dirty="0"/>
           </a:p>
@@ -7600,7 +7861,7 @@
           <a:p>
             <a:fld id="{216C5678-EE20-4FA5-88E2-6E0BD67A2E26}" type="datetime1">
               <a:rPr lang="en-US" smtClean="0"/>
-              <a:t>11/25/2017</a:t>
+              <a:t>12/3/2017</a:t>
             </a:fld>
             <a:endParaRPr lang="en-US" dirty="0"/>
           </a:p>
@@ -8237,7 +8498,7 @@
           <a:p>
             <a:fld id="{216C5678-EE20-4FA5-88E2-6E0BD67A2E26}" type="datetime1">
               <a:rPr lang="en-US" smtClean="0"/>
-              <a:t>11/25/2017</a:t>
+              <a:t>12/3/2017</a:t>
             </a:fld>
             <a:endParaRPr lang="en-US" dirty="0"/>
           </a:p>
@@ -8337,7 +8598,7 @@
           <a:p>
             <a:fld id="{216C5678-EE20-4FA5-88E2-6E0BD67A2E26}" type="datetime1">
               <a:rPr lang="en-US" smtClean="0"/>
-              <a:t>11/25/2017</a:t>
+              <a:t>12/3/2017</a:t>
             </a:fld>
             <a:endParaRPr lang="en-US" dirty="0"/>
           </a:p>
@@ -8904,7 +9165,7 @@
           <a:p>
             <a:fld id="{216C5678-EE20-4FA5-88E2-6E0BD67A2E26}" type="datetime1">
               <a:rPr lang="en-US" smtClean="0"/>
-              <a:t>11/25/2017</a:t>
+              <a:t>12/3/2017</a:t>
             </a:fld>
             <a:endParaRPr lang="en-US" dirty="0"/>
           </a:p>
@@ -9408,7 +9669,7 @@
           <a:p>
             <a:fld id="{216C5678-EE20-4FA5-88E2-6E0BD67A2E26}" type="datetime1">
               <a:rPr lang="en-US" smtClean="0"/>
-              <a:t>11/25/2017</a:t>
+              <a:t>12/3/2017</a:t>
             </a:fld>
             <a:endParaRPr lang="en-US" dirty="0"/>
           </a:p>
@@ -9569,10 +9830,6 @@
               <a:rPr lang="en-US" sz="1800" dirty="0"/>
               <a:t>#</a:t>
             </a:r>
-            <a:r>
-              <a:rPr lang="en-US" sz="1800" dirty="0"/>
-              <a:t/>
-            </a:r>
             <a:br>
               <a:rPr lang="en-US" sz="1800" dirty="0"/>
             </a:br>
@@ -9588,10 +9845,6 @@
               <a:rPr lang="en-US" sz="1800" dirty="0"/>
               <a:t>: Whether or not to allow persistent connections (more than</a:t>
             </a:r>
-            <a:r>
-              <a:rPr lang="en-US" sz="1800" dirty="0"/>
-              <a:t/>
-            </a:r>
             <a:br>
               <a:rPr lang="en-US" sz="1800" dirty="0"/>
             </a:br>
@@ -9599,20 +9852,12 @@
               <a:rPr lang="en-US" sz="1800" dirty="0"/>
               <a:t># one request per connection). Set to "Off" to deactivate.</a:t>
             </a:r>
-            <a:r>
-              <a:rPr lang="en-US" sz="1800" dirty="0"/>
-              <a:t/>
-            </a:r>
             <a:br>
               <a:rPr lang="en-US" sz="1800" dirty="0"/>
             </a:br>
             <a:r>
               <a:rPr lang="en-US" sz="1800" dirty="0"/>
               <a:t>#</a:t>
-            </a:r>
-            <a:r>
-              <a:rPr lang="en-US" sz="1800" dirty="0"/>
-              <a:t/>
             </a:r>
             <a:br>
               <a:rPr lang="en-US" sz="1800" dirty="0"/>
@@ -9694,7 +9939,7 @@
           <a:p>
             <a:fld id="{216C5678-EE20-4FA5-88E2-6E0BD67A2E26}" type="datetime1">
               <a:rPr lang="en-US" smtClean="0"/>
-              <a:t>11/25/2017</a:t>
+              <a:t>12/3/2017</a:t>
             </a:fld>
             <a:endParaRPr lang="en-US" dirty="0"/>
           </a:p>
@@ -9863,7 +10108,7 @@
           <a:p>
             <a:fld id="{216C5678-EE20-4FA5-88E2-6E0BD67A2E26}" type="datetime1">
               <a:rPr lang="en-US" smtClean="0"/>
-              <a:t>11/25/2017</a:t>
+              <a:t>12/3/2017</a:t>
             </a:fld>
             <a:endParaRPr lang="en-US" dirty="0"/>
           </a:p>
@@ -10258,7 +10503,7 @@
           <a:p>
             <a:fld id="{216C5678-EE20-4FA5-88E2-6E0BD67A2E26}" type="datetime1">
               <a:rPr lang="en-US" smtClean="0"/>
-              <a:t>11/25/2017</a:t>
+              <a:t>12/3/2017</a:t>
             </a:fld>
             <a:endParaRPr lang="en-US" dirty="0"/>
           </a:p>

--- a/web-pg-performance/webpgperformance.pptx
+++ b/web-pg-performance/webpgperformance.pptx
@@ -5,30 +5,32 @@
     <p:sldMasterId id="2147483648" r:id="rId1"/>
   </p:sldMasterIdLst>
   <p:notesMasterIdLst>
-    <p:notesMasterId r:id="rId23"/>
+    <p:notesMasterId r:id="rId25"/>
   </p:notesMasterIdLst>
   <p:sldIdLst>
     <p:sldId id="256" r:id="rId2"/>
     <p:sldId id="257" r:id="rId3"/>
     <p:sldId id="272" r:id="rId4"/>
     <p:sldId id="273" r:id="rId5"/>
-    <p:sldId id="274" r:id="rId6"/>
-    <p:sldId id="275" r:id="rId7"/>
-    <p:sldId id="277" r:id="rId8"/>
-    <p:sldId id="276" r:id="rId9"/>
-    <p:sldId id="281" r:id="rId10"/>
-    <p:sldId id="282" r:id="rId11"/>
-    <p:sldId id="280" r:id="rId12"/>
-    <p:sldId id="279" r:id="rId13"/>
-    <p:sldId id="284" r:id="rId14"/>
-    <p:sldId id="278" r:id="rId15"/>
-    <p:sldId id="285" r:id="rId16"/>
-    <p:sldId id="286" r:id="rId17"/>
-    <p:sldId id="288" r:id="rId18"/>
-    <p:sldId id="291" r:id="rId19"/>
-    <p:sldId id="289" r:id="rId20"/>
-    <p:sldId id="290" r:id="rId21"/>
-    <p:sldId id="271" r:id="rId22"/>
+    <p:sldId id="292" r:id="rId6"/>
+    <p:sldId id="274" r:id="rId7"/>
+    <p:sldId id="275" r:id="rId8"/>
+    <p:sldId id="277" r:id="rId9"/>
+    <p:sldId id="276" r:id="rId10"/>
+    <p:sldId id="281" r:id="rId11"/>
+    <p:sldId id="282" r:id="rId12"/>
+    <p:sldId id="280" r:id="rId13"/>
+    <p:sldId id="279" r:id="rId14"/>
+    <p:sldId id="284" r:id="rId15"/>
+    <p:sldId id="278" r:id="rId16"/>
+    <p:sldId id="285" r:id="rId17"/>
+    <p:sldId id="286" r:id="rId18"/>
+    <p:sldId id="288" r:id="rId19"/>
+    <p:sldId id="291" r:id="rId20"/>
+    <p:sldId id="289" r:id="rId21"/>
+    <p:sldId id="293" r:id="rId22"/>
+    <p:sldId id="290" r:id="rId23"/>
+    <p:sldId id="271" r:id="rId24"/>
   </p:sldIdLst>
   <p:sldSz cx="9144000" cy="6858000" type="screen4x3"/>
   <p:notesSz cx="6858000" cy="9144000"/>
@@ -228,7 +230,7 @@
           <a:p>
             <a:fld id="{436134EC-835B-48D8-BDB5-96D4A8A8ACE7}" type="datetimeFigureOut">
               <a:rPr lang="en-US" smtClean="0"/>
-              <a:t>12/3/2017</a:t>
+              <a:t>12/10/2017</a:t>
             </a:fld>
             <a:endParaRPr lang="en-US"/>
           </a:p>
@@ -688,7 +690,7 @@
           <a:p>
             <a:fld id="{216C5678-EE20-4FA5-88E2-6E0BD67A2E26}" type="datetime1">
               <a:rPr lang="en-US" smtClean="0"/>
-              <a:t>12/3/2017</a:t>
+              <a:t>12/10/2017</a:t>
             </a:fld>
             <a:endParaRPr lang="en-US" dirty="0"/>
           </a:p>
@@ -858,7 +860,7 @@
           <a:p>
             <a:fld id="{EA051B39-B140-43FE-96DB-472A2B59CE7C}" type="datetime1">
               <a:rPr lang="en-US" smtClean="0"/>
-              <a:t>12/3/2017</a:t>
+              <a:t>12/10/2017</a:t>
             </a:fld>
             <a:endParaRPr lang="en-US"/>
           </a:p>
@@ -1038,7 +1040,7 @@
           <a:p>
             <a:fld id="{DA600BB2-27C5-458B-ABCE-839C88CF47CE}" type="datetime1">
               <a:rPr lang="en-US" smtClean="0"/>
-              <a:t>12/3/2017</a:t>
+              <a:t>12/10/2017</a:t>
             </a:fld>
             <a:endParaRPr lang="en-US"/>
           </a:p>
@@ -1226,7 +1228,7 @@
           <a:p>
             <a:fld id="{B11D738E-8962-435F-8C43-147B8DD7E819}" type="datetime1">
               <a:rPr lang="en-US" smtClean="0"/>
-              <a:t>12/3/2017</a:t>
+              <a:t>12/10/2017</a:t>
             </a:fld>
             <a:endParaRPr lang="en-US"/>
           </a:p>
@@ -1493,7 +1495,7 @@
           <a:p>
             <a:fld id="{09CAEA93-55E7-4DA9-90C2-089A26EEFEC4}" type="datetime1">
               <a:rPr lang="en-US" smtClean="0"/>
-              <a:t>12/3/2017</a:t>
+              <a:t>12/10/2017</a:t>
             </a:fld>
             <a:endParaRPr lang="en-US"/>
           </a:p>
@@ -1846,7 +1848,7 @@
           <a:p>
             <a:fld id="{E34CF3C7-6809-4F39-BD67-A75817BDDE0A}" type="datetime1">
               <a:rPr lang="en-US" smtClean="0"/>
-              <a:t>12/3/2017</a:t>
+              <a:t>12/10/2017</a:t>
             </a:fld>
             <a:endParaRPr lang="en-US"/>
           </a:p>
@@ -2159,7 +2161,7 @@
           <a:p>
             <a:fld id="{F7EAEB24-CE78-465C-A726-91D0868FA48F}" type="datetime1">
               <a:rPr lang="en-US" smtClean="0"/>
-              <a:t>12/3/2017</a:t>
+              <a:t>12/10/2017</a:t>
             </a:fld>
             <a:endParaRPr lang="en-US"/>
           </a:p>
@@ -2391,7 +2393,7 @@
           <a:p>
             <a:fld id="{40BAADF0-1749-4E8B-9691-B44A5F8C0895}" type="datetime1">
               <a:rPr lang="en-US" smtClean="0"/>
-              <a:t>12/3/2017</a:t>
+              <a:t>12/10/2017</a:t>
             </a:fld>
             <a:endParaRPr lang="en-US"/>
           </a:p>
@@ -2486,7 +2488,7 @@
           <a:p>
             <a:fld id="{A8AF628A-A867-4937-BBE5-207DB6F9C51A}" type="datetime1">
               <a:rPr lang="en-US" smtClean="0"/>
-              <a:t>12/3/2017</a:t>
+              <a:t>12/10/2017</a:t>
             </a:fld>
             <a:endParaRPr lang="en-US"/>
           </a:p>
@@ -2779,7 +2781,7 @@
           <a:p>
             <a:fld id="{118BBB94-68E6-4675-A946-F1C5994EDBD7}" type="datetime1">
               <a:rPr lang="en-US" smtClean="0"/>
-              <a:t>12/3/2017</a:t>
+              <a:t>12/10/2017</a:t>
             </a:fld>
             <a:endParaRPr lang="en-US"/>
           </a:p>
@@ -3053,7 +3055,7 @@
           <a:p>
             <a:fld id="{DC3B8377-21E3-4835-B75D-4E2847E2750F}" type="datetime1">
               <a:rPr lang="en-US" smtClean="0"/>
-              <a:t>12/3/2017</a:t>
+              <a:t>12/10/2017</a:t>
             </a:fld>
             <a:endParaRPr lang="en-US"/>
           </a:p>
@@ -3268,7 +3270,7 @@
           <a:p>
             <a:fld id="{B0C4986D-6BE9-4264-908F-02DB36FD8D6C}" type="datetime1">
               <a:rPr lang="en-US" smtClean="0"/>
-              <a:t>12/3/2017</a:t>
+              <a:t>12/10/2017</a:t>
             </a:fld>
             <a:endParaRPr lang="en-US" dirty="0"/>
           </a:p>
@@ -3839,12 +3841,16 @@
               <a:rPr lang="en-US" dirty="0" smtClean="0"/>
               <a:t>Presenter: Hoanh Tran</a:t>
             </a:r>
+            <a:r>
+              <a:rPr lang="en-US" smtClean="0"/>
+              <a:t/>
+            </a:r>
             <a:br>
-              <a:rPr lang="en-US" dirty="0" smtClean="0"/>
+              <a:rPr lang="en-US" smtClean="0"/>
             </a:br>
             <a:r>
-              <a:rPr lang="en-US" dirty="0" smtClean="0"/>
-              <a:t>11/10/2017</a:t>
+              <a:rPr lang="en-US" smtClean="0"/>
+              <a:t>12/10/2017</a:t>
             </a:r>
             <a:endParaRPr lang="en-US" dirty="0"/>
           </a:p>
@@ -3867,7 +3873,7 @@
           <a:p>
             <a:fld id="{216C5678-EE20-4FA5-88E2-6E0BD67A2E26}" type="datetime1">
               <a:rPr lang="en-US" smtClean="0"/>
-              <a:t>12/3/2017</a:t>
+              <a:t>12/10/2017</a:t>
             </a:fld>
             <a:endParaRPr lang="en-US" dirty="0"/>
           </a:p>
@@ -3967,7 +3973,7 @@
           <a:p>
             <a:fld id="{216C5678-EE20-4FA5-88E2-6E0BD67A2E26}" type="datetime1">
               <a:rPr lang="en-US" smtClean="0"/>
-              <a:t>12/3/2017</a:t>
+              <a:t>12/10/2017</a:t>
             </a:fld>
             <a:endParaRPr lang="en-US" dirty="0"/>
           </a:p>
@@ -3992,6 +3998,2065 @@
               <a:rPr lang="en-US" smtClean="0"/>
               <a:pPr/>
               <a:t>10</a:t>
+            </a:fld>
+            <a:endParaRPr lang="en-US" dirty="0"/>
+          </a:p>
+        </p:txBody>
+      </p:sp>
+      <p:sp>
+        <p:nvSpPr>
+          <p:cNvPr id="6" name="Footer Placeholder 5"/>
+          <p:cNvSpPr>
+            <a:spLocks noGrp="1"/>
+          </p:cNvSpPr>
+          <p:nvPr>
+            <p:ph type="ftr" sz="quarter" idx="12"/>
+          </p:nvPr>
+        </p:nvSpPr>
+        <p:spPr/>
+        <p:txBody>
+          <a:bodyPr/>
+          <a:lstStyle/>
+          <a:p>
+            <a:r>
+              <a:rPr lang="en-US" smtClean="0"/>
+              <a:t>Footer Text</a:t>
+            </a:r>
+            <a:endParaRPr lang="en-US" dirty="0"/>
+          </a:p>
+        </p:txBody>
+      </p:sp>
+      <p:sp>
+        <p:nvSpPr>
+          <p:cNvPr id="7" name="Title 1"/>
+          <p:cNvSpPr>
+            <a:spLocks noGrp="1"/>
+          </p:cNvSpPr>
+          <p:nvPr>
+            <p:ph type="ctrTitle"/>
+          </p:nvPr>
+        </p:nvSpPr>
+        <p:spPr>
+          <a:xfrm>
+            <a:off x="381000" y="228600"/>
+            <a:ext cx="7772400" cy="685800"/>
+          </a:xfrm>
+        </p:spPr>
+        <p:txBody>
+          <a:bodyPr/>
+          <a:lstStyle/>
+          <a:p>
+            <a:pPr algn="l"/>
+            <a:r>
+              <a:rPr lang="en-US" sz="4000" dirty="0" smtClean="0"/>
+              <a:t>Sprite Images (</a:t>
+            </a:r>
+            <a:r>
+              <a:rPr lang="en-US" sz="4000" dirty="0" err="1" smtClean="0"/>
+              <a:t>cont</a:t>
+            </a:r>
+            <a:r>
+              <a:rPr lang="en-US" sz="4000" dirty="0" smtClean="0"/>
+              <a:t>)</a:t>
+            </a:r>
+            <a:endParaRPr lang="en-US" sz="4000" dirty="0"/>
+          </a:p>
+        </p:txBody>
+      </p:sp>
+      <p:sp>
+        <p:nvSpPr>
+          <p:cNvPr id="20" name="Subtitle 2"/>
+          <p:cNvSpPr txBox="1">
+            <a:spLocks/>
+          </p:cNvSpPr>
+          <p:nvPr/>
+        </p:nvSpPr>
+        <p:spPr>
+          <a:xfrm>
+            <a:off x="304800" y="914400"/>
+            <a:ext cx="8648053" cy="2514600"/>
+          </a:xfrm>
+          <a:prstGeom prst="rect">
+            <a:avLst/>
+          </a:prstGeom>
+        </p:spPr>
+        <p:txBody>
+          <a:bodyPr vert="horz" lIns="91440" tIns="45720" rIns="91440" bIns="45720" rtlCol="0">
+            <a:noAutofit/>
+          </a:bodyPr>
+          <a:lstStyle>
+            <a:lvl1pPr marL="0" indent="0" algn="ctr" defTabSz="914400" rtl="0" eaLnBrk="1" latinLnBrk="0" hangingPunct="1">
+              <a:spcBef>
+                <a:spcPct val="20000"/>
+              </a:spcBef>
+              <a:buFont typeface="Arial" pitchFamily="34" charset="0"/>
+              <a:buNone/>
+              <a:defRPr sz="2400" kern="1200">
+                <a:solidFill>
+                  <a:schemeClr val="tx1">
+                    <a:tint val="75000"/>
+                  </a:schemeClr>
+                </a:solidFill>
+                <a:latin typeface="+mj-lt"/>
+                <a:ea typeface="+mn-ea"/>
+                <a:cs typeface="+mn-cs"/>
+              </a:defRPr>
+            </a:lvl1pPr>
+            <a:lvl2pPr marL="457200" indent="0" algn="ctr" defTabSz="914400" rtl="0" eaLnBrk="1" latinLnBrk="0" hangingPunct="1">
+              <a:spcBef>
+                <a:spcPct val="20000"/>
+              </a:spcBef>
+              <a:buFont typeface="Courier New" pitchFamily="49" charset="0"/>
+              <a:buNone/>
+              <a:defRPr sz="1600" kern="1200">
+                <a:solidFill>
+                  <a:schemeClr val="tx1">
+                    <a:tint val="75000"/>
+                  </a:schemeClr>
+                </a:solidFill>
+                <a:latin typeface="+mj-lt"/>
+                <a:ea typeface="+mn-ea"/>
+                <a:cs typeface="+mn-cs"/>
+              </a:defRPr>
+            </a:lvl2pPr>
+            <a:lvl3pPr marL="914400" indent="0" algn="ctr" defTabSz="914400" rtl="0" eaLnBrk="1" latinLnBrk="0" hangingPunct="1">
+              <a:spcBef>
+                <a:spcPct val="20000"/>
+              </a:spcBef>
+              <a:buFont typeface="Arial" pitchFamily="34" charset="0"/>
+              <a:buNone/>
+              <a:defRPr sz="1600" kern="1200">
+                <a:solidFill>
+                  <a:schemeClr val="tx1">
+                    <a:tint val="75000"/>
+                  </a:schemeClr>
+                </a:solidFill>
+                <a:latin typeface="+mj-lt"/>
+                <a:ea typeface="+mn-ea"/>
+                <a:cs typeface="+mn-cs"/>
+              </a:defRPr>
+            </a:lvl3pPr>
+            <a:lvl4pPr marL="1371600" indent="0" algn="ctr" defTabSz="914400" rtl="0" eaLnBrk="1" latinLnBrk="0" hangingPunct="1">
+              <a:spcBef>
+                <a:spcPct val="20000"/>
+              </a:spcBef>
+              <a:buFont typeface="Courier New" pitchFamily="49" charset="0"/>
+              <a:buNone/>
+              <a:defRPr sz="1600" kern="1200">
+                <a:solidFill>
+                  <a:schemeClr val="tx1">
+                    <a:tint val="75000"/>
+                  </a:schemeClr>
+                </a:solidFill>
+                <a:latin typeface="+mj-lt"/>
+                <a:ea typeface="+mn-ea"/>
+                <a:cs typeface="+mn-cs"/>
+              </a:defRPr>
+            </a:lvl4pPr>
+            <a:lvl5pPr marL="1828800" indent="0" algn="ctr" defTabSz="914400" rtl="0" eaLnBrk="1" latinLnBrk="0" hangingPunct="1">
+              <a:spcBef>
+                <a:spcPct val="20000"/>
+              </a:spcBef>
+              <a:buFont typeface="Arial" pitchFamily="34" charset="0"/>
+              <a:buNone/>
+              <a:defRPr sz="1600" kern="1200">
+                <a:solidFill>
+                  <a:schemeClr val="tx1">
+                    <a:tint val="75000"/>
+                  </a:schemeClr>
+                </a:solidFill>
+                <a:latin typeface="+mj-lt"/>
+                <a:ea typeface="+mn-ea"/>
+                <a:cs typeface="+mn-cs"/>
+              </a:defRPr>
+            </a:lvl5pPr>
+            <a:lvl6pPr marL="2286000" indent="0" algn="ctr" defTabSz="914400" rtl="0" eaLnBrk="1" latinLnBrk="0" hangingPunct="1">
+              <a:spcBef>
+                <a:spcPct val="20000"/>
+              </a:spcBef>
+              <a:buFont typeface="Courier New" pitchFamily="49" charset="0"/>
+              <a:buNone/>
+              <a:defRPr sz="1600" kern="1200">
+                <a:solidFill>
+                  <a:schemeClr val="tx1">
+                    <a:tint val="75000"/>
+                  </a:schemeClr>
+                </a:solidFill>
+                <a:latin typeface="+mj-lt"/>
+                <a:ea typeface="+mn-ea"/>
+                <a:cs typeface="+mn-cs"/>
+              </a:defRPr>
+            </a:lvl6pPr>
+            <a:lvl7pPr marL="2743200" indent="0" algn="ctr" defTabSz="914400" rtl="0" eaLnBrk="1" latinLnBrk="0" hangingPunct="1">
+              <a:spcBef>
+                <a:spcPct val="20000"/>
+              </a:spcBef>
+              <a:buFont typeface="Arial" pitchFamily="34" charset="0"/>
+              <a:buNone/>
+              <a:defRPr sz="1600" kern="1200">
+                <a:solidFill>
+                  <a:schemeClr val="tx1">
+                    <a:tint val="75000"/>
+                  </a:schemeClr>
+                </a:solidFill>
+                <a:latin typeface="+mj-lt"/>
+                <a:ea typeface="+mn-ea"/>
+                <a:cs typeface="+mn-cs"/>
+              </a:defRPr>
+            </a:lvl7pPr>
+            <a:lvl8pPr marL="3200400" indent="0" algn="ctr" defTabSz="914400" rtl="0" eaLnBrk="1" latinLnBrk="0" hangingPunct="1">
+              <a:spcBef>
+                <a:spcPct val="20000"/>
+              </a:spcBef>
+              <a:buFont typeface="Courier New" pitchFamily="49" charset="0"/>
+              <a:buNone/>
+              <a:defRPr sz="1600" kern="1200">
+                <a:solidFill>
+                  <a:schemeClr val="tx1">
+                    <a:tint val="75000"/>
+                  </a:schemeClr>
+                </a:solidFill>
+                <a:latin typeface="+mj-lt"/>
+                <a:ea typeface="+mn-ea"/>
+                <a:cs typeface="+mn-cs"/>
+              </a:defRPr>
+            </a:lvl8pPr>
+            <a:lvl9pPr marL="3657600" indent="0" algn="ctr" defTabSz="914400" rtl="0" eaLnBrk="1" latinLnBrk="0" hangingPunct="1">
+              <a:spcBef>
+                <a:spcPct val="20000"/>
+              </a:spcBef>
+              <a:buFont typeface="Arial" pitchFamily="34" charset="0"/>
+              <a:buNone/>
+              <a:defRPr sz="1600" kern="1200">
+                <a:solidFill>
+                  <a:schemeClr val="tx1">
+                    <a:tint val="75000"/>
+                  </a:schemeClr>
+                </a:solidFill>
+                <a:latin typeface="+mj-lt"/>
+                <a:ea typeface="+mn-ea"/>
+                <a:cs typeface="+mn-cs"/>
+              </a:defRPr>
+            </a:lvl9pPr>
+          </a:lstStyle>
+          <a:p>
+            <a:pPr algn="l"/>
+            <a:r>
+              <a:rPr lang="en-US" sz="3200" dirty="0" smtClean="0"/>
+              <a:t>Reduce bandwidth usage from 3 HTTP requests to 1 request.</a:t>
+            </a:r>
+          </a:p>
+          <a:p>
+            <a:pPr algn="l"/>
+            <a:endParaRPr lang="en-US" altLang="en-US" sz="1400" dirty="0"/>
+          </a:p>
+          <a:p>
+            <a:pPr lvl="0" algn="l" eaLnBrk="0" fontAlgn="base" hangingPunct="0">
+              <a:spcBef>
+                <a:spcPct val="0"/>
+              </a:spcBef>
+              <a:spcAft>
+                <a:spcPct val="0"/>
+              </a:spcAft>
+            </a:pPr>
+            <a:r>
+              <a:rPr lang="en-US" altLang="en-US" sz="1800" dirty="0" smtClean="0">
+                <a:solidFill>
+                  <a:srgbClr val="000000"/>
+                </a:solidFill>
+                <a:latin typeface="Consolas" panose="020B0609020204030204" pitchFamily="49" charset="0"/>
+              </a:rPr>
+              <a:t>.</a:t>
+            </a:r>
+            <a:r>
+              <a:rPr lang="en-US" altLang="en-US" sz="1800" dirty="0" err="1" smtClean="0">
+                <a:solidFill>
+                  <a:srgbClr val="000000"/>
+                </a:solidFill>
+                <a:latin typeface="Consolas" panose="020B0609020204030204" pitchFamily="49" charset="0"/>
+              </a:rPr>
+              <a:t>usa</a:t>
+            </a:r>
+            <a:r>
+              <a:rPr lang="en-US" altLang="en-US" sz="1800" dirty="0" smtClean="0">
+                <a:solidFill>
+                  <a:srgbClr val="000000"/>
+                </a:solidFill>
+                <a:latin typeface="Consolas" panose="020B0609020204030204" pitchFamily="49" charset="0"/>
+              </a:rPr>
+              <a:t> { </a:t>
+            </a:r>
+            <a:r>
+              <a:rPr lang="en-US" altLang="en-US" sz="1800" b="1" dirty="0">
+                <a:solidFill>
+                  <a:srgbClr val="006699"/>
+                </a:solidFill>
+                <a:latin typeface="Consolas" panose="020B0609020204030204" pitchFamily="49" charset="0"/>
+              </a:rPr>
+              <a:t>display</a:t>
+            </a:r>
+            <a:r>
+              <a:rPr lang="en-US" altLang="en-US" sz="1800" dirty="0">
+                <a:solidFill>
+                  <a:srgbClr val="000000"/>
+                </a:solidFill>
+                <a:latin typeface="Consolas" panose="020B0609020204030204" pitchFamily="49" charset="0"/>
+              </a:rPr>
+              <a:t>: inline-</a:t>
+            </a:r>
+            <a:r>
+              <a:rPr lang="en-US" altLang="en-US" sz="1800" dirty="0">
+                <a:solidFill>
+                  <a:srgbClr val="009900"/>
+                </a:solidFill>
+                <a:latin typeface="Consolas" panose="020B0609020204030204" pitchFamily="49" charset="0"/>
+              </a:rPr>
+              <a:t>block</a:t>
+            </a:r>
+            <a:r>
+              <a:rPr lang="en-US" altLang="en-US" sz="1800" dirty="0">
+                <a:solidFill>
+                  <a:srgbClr val="000000"/>
+                </a:solidFill>
+                <a:latin typeface="Consolas" panose="020B0609020204030204" pitchFamily="49" charset="0"/>
+              </a:rPr>
+              <a:t>; </a:t>
+            </a:r>
+            <a:r>
+              <a:rPr lang="en-US" altLang="en-US" sz="1800" b="1" dirty="0">
+                <a:solidFill>
+                  <a:srgbClr val="006699"/>
+                </a:solidFill>
+                <a:latin typeface="Consolas" panose="020B0609020204030204" pitchFamily="49" charset="0"/>
+              </a:rPr>
+              <a:t>background</a:t>
+            </a:r>
+            <a:r>
+              <a:rPr lang="en-US" altLang="en-US" sz="1800" dirty="0">
+                <a:solidFill>
+                  <a:srgbClr val="000000"/>
+                </a:solidFill>
+                <a:latin typeface="Consolas" panose="020B0609020204030204" pitchFamily="49" charset="0"/>
+              </a:rPr>
+              <a:t>: </a:t>
+            </a:r>
+            <a:r>
+              <a:rPr lang="en-US" altLang="en-US" sz="1800" dirty="0" err="1" smtClean="0">
+                <a:solidFill>
+                  <a:srgbClr val="009900"/>
+                </a:solidFill>
+                <a:latin typeface="Consolas" panose="020B0609020204030204" pitchFamily="49" charset="0"/>
+              </a:rPr>
+              <a:t>url</a:t>
+            </a:r>
+            <a:r>
+              <a:rPr lang="en-US" altLang="en-US" sz="1800" dirty="0" smtClean="0">
+                <a:solidFill>
+                  <a:srgbClr val="000000"/>
+                </a:solidFill>
+                <a:latin typeface="Consolas" panose="020B0609020204030204" pitchFamily="49" charset="0"/>
+              </a:rPr>
+              <a:t>(‘</a:t>
+            </a:r>
+            <a:r>
+              <a:rPr lang="en-US" altLang="en-US" sz="1800" dirty="0" smtClean="0">
+                <a:solidFill>
+                  <a:srgbClr val="0000FF"/>
+                </a:solidFill>
+                <a:latin typeface="Consolas" panose="020B0609020204030204" pitchFamily="49" charset="0"/>
+              </a:rPr>
+              <a:t>usa.png'</a:t>
+            </a:r>
+            <a:r>
+              <a:rPr lang="en-US" altLang="en-US" sz="1800" dirty="0" smtClean="0">
+                <a:solidFill>
+                  <a:srgbClr val="000000"/>
+                </a:solidFill>
+                <a:latin typeface="Consolas" panose="020B0609020204030204" pitchFamily="49" charset="0"/>
+              </a:rPr>
+              <a:t>)</a:t>
+            </a:r>
+          </a:p>
+          <a:p>
+            <a:pPr algn="l" eaLnBrk="0" fontAlgn="base" hangingPunct="0">
+              <a:spcBef>
+                <a:spcPct val="0"/>
+              </a:spcBef>
+              <a:spcAft>
+                <a:spcPct val="0"/>
+              </a:spcAft>
+            </a:pPr>
+            <a:r>
+              <a:rPr lang="en-US" altLang="en-US" sz="1800" dirty="0" smtClean="0">
+                <a:solidFill>
+                  <a:srgbClr val="000000"/>
+                </a:solidFill>
+                <a:latin typeface="Consolas" panose="020B0609020204030204" pitchFamily="49" charset="0"/>
+              </a:rPr>
+              <a:t>.</a:t>
+            </a:r>
+            <a:r>
+              <a:rPr lang="en-US" altLang="en-US" sz="1800" dirty="0" err="1" smtClean="0">
+                <a:solidFill>
+                  <a:srgbClr val="000000"/>
+                </a:solidFill>
+                <a:latin typeface="Consolas" panose="020B0609020204030204" pitchFamily="49" charset="0"/>
+              </a:rPr>
+              <a:t>canada</a:t>
+            </a:r>
+            <a:r>
+              <a:rPr lang="en-US" altLang="en-US" sz="1800" dirty="0" smtClean="0">
+                <a:solidFill>
+                  <a:srgbClr val="000000"/>
+                </a:solidFill>
+                <a:latin typeface="Consolas" panose="020B0609020204030204" pitchFamily="49" charset="0"/>
+              </a:rPr>
+              <a:t> </a:t>
+            </a:r>
+            <a:r>
+              <a:rPr lang="en-US" altLang="en-US" sz="1800" dirty="0">
+                <a:solidFill>
+                  <a:srgbClr val="000000"/>
+                </a:solidFill>
+                <a:latin typeface="Consolas" panose="020B0609020204030204" pitchFamily="49" charset="0"/>
+              </a:rPr>
+              <a:t>{ </a:t>
+            </a:r>
+            <a:r>
+              <a:rPr lang="en-US" altLang="en-US" sz="1800" b="1" dirty="0">
+                <a:solidFill>
+                  <a:srgbClr val="006699"/>
+                </a:solidFill>
+                <a:latin typeface="Consolas" panose="020B0609020204030204" pitchFamily="49" charset="0"/>
+              </a:rPr>
+              <a:t>display</a:t>
+            </a:r>
+            <a:r>
+              <a:rPr lang="en-US" altLang="en-US" sz="1800" dirty="0">
+                <a:solidFill>
+                  <a:srgbClr val="000000"/>
+                </a:solidFill>
+                <a:latin typeface="Consolas" panose="020B0609020204030204" pitchFamily="49" charset="0"/>
+              </a:rPr>
+              <a:t>: inline-</a:t>
+            </a:r>
+            <a:r>
+              <a:rPr lang="en-US" altLang="en-US" sz="1800" dirty="0">
+                <a:solidFill>
+                  <a:srgbClr val="009900"/>
+                </a:solidFill>
+                <a:latin typeface="Consolas" panose="020B0609020204030204" pitchFamily="49" charset="0"/>
+              </a:rPr>
+              <a:t>block</a:t>
+            </a:r>
+            <a:r>
+              <a:rPr lang="en-US" altLang="en-US" sz="1800" dirty="0">
+                <a:solidFill>
+                  <a:srgbClr val="000000"/>
+                </a:solidFill>
+                <a:latin typeface="Consolas" panose="020B0609020204030204" pitchFamily="49" charset="0"/>
+              </a:rPr>
+              <a:t>; </a:t>
+            </a:r>
+            <a:r>
+              <a:rPr lang="en-US" altLang="en-US" sz="1800" b="1" dirty="0">
+                <a:solidFill>
+                  <a:srgbClr val="006699"/>
+                </a:solidFill>
+                <a:latin typeface="Consolas" panose="020B0609020204030204" pitchFamily="49" charset="0"/>
+              </a:rPr>
+              <a:t>background</a:t>
+            </a:r>
+            <a:r>
+              <a:rPr lang="en-US" altLang="en-US" sz="1800" dirty="0">
+                <a:solidFill>
+                  <a:srgbClr val="000000"/>
+                </a:solidFill>
+                <a:latin typeface="Consolas" panose="020B0609020204030204" pitchFamily="49" charset="0"/>
+              </a:rPr>
+              <a:t>: </a:t>
+            </a:r>
+            <a:r>
+              <a:rPr lang="en-US" altLang="en-US" sz="1800" dirty="0" err="1" smtClean="0">
+                <a:solidFill>
+                  <a:srgbClr val="009900"/>
+                </a:solidFill>
+                <a:latin typeface="Consolas" panose="020B0609020204030204" pitchFamily="49" charset="0"/>
+              </a:rPr>
+              <a:t>url</a:t>
+            </a:r>
+            <a:r>
+              <a:rPr lang="en-US" altLang="en-US" sz="1800" dirty="0" smtClean="0">
+                <a:solidFill>
+                  <a:srgbClr val="000000"/>
+                </a:solidFill>
+                <a:latin typeface="Consolas" panose="020B0609020204030204" pitchFamily="49" charset="0"/>
+              </a:rPr>
+              <a:t>(‘</a:t>
+            </a:r>
+            <a:r>
+              <a:rPr lang="en-US" altLang="en-US" sz="1800" dirty="0" smtClean="0">
+                <a:solidFill>
+                  <a:srgbClr val="0000FF"/>
+                </a:solidFill>
+                <a:latin typeface="Consolas" panose="020B0609020204030204" pitchFamily="49" charset="0"/>
+              </a:rPr>
+              <a:t>canada.png</a:t>
+            </a:r>
+            <a:r>
+              <a:rPr lang="en-US" altLang="en-US" sz="1800" dirty="0">
+                <a:solidFill>
+                  <a:srgbClr val="0000FF"/>
+                </a:solidFill>
+                <a:latin typeface="Consolas" panose="020B0609020204030204" pitchFamily="49" charset="0"/>
+              </a:rPr>
+              <a:t>'</a:t>
+            </a:r>
+            <a:r>
+              <a:rPr lang="en-US" altLang="en-US" sz="1800" dirty="0">
+                <a:solidFill>
+                  <a:srgbClr val="000000"/>
+                </a:solidFill>
+                <a:latin typeface="Consolas" panose="020B0609020204030204" pitchFamily="49" charset="0"/>
+              </a:rPr>
+              <a:t>)</a:t>
+            </a:r>
+            <a:endParaRPr lang="en-US" sz="1800" dirty="0"/>
+          </a:p>
+          <a:p>
+            <a:pPr algn="l" eaLnBrk="0" fontAlgn="base" hangingPunct="0">
+              <a:spcBef>
+                <a:spcPct val="0"/>
+              </a:spcBef>
+              <a:spcAft>
+                <a:spcPct val="0"/>
+              </a:spcAft>
+            </a:pPr>
+            <a:r>
+              <a:rPr lang="en-US" altLang="en-US" sz="1800" dirty="0" smtClean="0">
+                <a:solidFill>
+                  <a:srgbClr val="000000"/>
+                </a:solidFill>
+                <a:latin typeface="Consolas" panose="020B0609020204030204" pitchFamily="49" charset="0"/>
+              </a:rPr>
+              <a:t>.</a:t>
+            </a:r>
+            <a:r>
+              <a:rPr lang="en-US" altLang="en-US" sz="1800" dirty="0" err="1" smtClean="0">
+                <a:solidFill>
+                  <a:srgbClr val="000000"/>
+                </a:solidFill>
+                <a:latin typeface="Consolas" panose="020B0609020204030204" pitchFamily="49" charset="0"/>
+              </a:rPr>
+              <a:t>mexico</a:t>
+            </a:r>
+            <a:r>
+              <a:rPr lang="en-US" altLang="en-US" sz="1800" dirty="0" smtClean="0">
+                <a:solidFill>
+                  <a:srgbClr val="000000"/>
+                </a:solidFill>
+                <a:latin typeface="Consolas" panose="020B0609020204030204" pitchFamily="49" charset="0"/>
+              </a:rPr>
+              <a:t> </a:t>
+            </a:r>
+            <a:r>
+              <a:rPr lang="en-US" altLang="en-US" sz="1800" dirty="0">
+                <a:solidFill>
+                  <a:srgbClr val="000000"/>
+                </a:solidFill>
+                <a:latin typeface="Consolas" panose="020B0609020204030204" pitchFamily="49" charset="0"/>
+              </a:rPr>
+              <a:t>{ </a:t>
+            </a:r>
+            <a:r>
+              <a:rPr lang="en-US" altLang="en-US" sz="1800" b="1" dirty="0">
+                <a:solidFill>
+                  <a:srgbClr val="006699"/>
+                </a:solidFill>
+                <a:latin typeface="Consolas" panose="020B0609020204030204" pitchFamily="49" charset="0"/>
+              </a:rPr>
+              <a:t>display</a:t>
+            </a:r>
+            <a:r>
+              <a:rPr lang="en-US" altLang="en-US" sz="1800" dirty="0">
+                <a:solidFill>
+                  <a:srgbClr val="000000"/>
+                </a:solidFill>
+                <a:latin typeface="Consolas" panose="020B0609020204030204" pitchFamily="49" charset="0"/>
+              </a:rPr>
+              <a:t>: inline-</a:t>
+            </a:r>
+            <a:r>
+              <a:rPr lang="en-US" altLang="en-US" sz="1800" dirty="0">
+                <a:solidFill>
+                  <a:srgbClr val="009900"/>
+                </a:solidFill>
+                <a:latin typeface="Consolas" panose="020B0609020204030204" pitchFamily="49" charset="0"/>
+              </a:rPr>
+              <a:t>block</a:t>
+            </a:r>
+            <a:r>
+              <a:rPr lang="en-US" altLang="en-US" sz="1800" dirty="0">
+                <a:solidFill>
+                  <a:srgbClr val="000000"/>
+                </a:solidFill>
+                <a:latin typeface="Consolas" panose="020B0609020204030204" pitchFamily="49" charset="0"/>
+              </a:rPr>
+              <a:t>; </a:t>
+            </a:r>
+            <a:r>
+              <a:rPr lang="en-US" altLang="en-US" sz="1800" b="1" dirty="0">
+                <a:solidFill>
+                  <a:srgbClr val="006699"/>
+                </a:solidFill>
+                <a:latin typeface="Consolas" panose="020B0609020204030204" pitchFamily="49" charset="0"/>
+              </a:rPr>
+              <a:t>background</a:t>
+            </a:r>
+            <a:r>
+              <a:rPr lang="en-US" altLang="en-US" sz="1800" dirty="0">
+                <a:solidFill>
+                  <a:srgbClr val="000000"/>
+                </a:solidFill>
+                <a:latin typeface="Consolas" panose="020B0609020204030204" pitchFamily="49" charset="0"/>
+              </a:rPr>
+              <a:t>: </a:t>
+            </a:r>
+            <a:r>
+              <a:rPr lang="en-US" altLang="en-US" sz="1800" dirty="0" err="1" smtClean="0">
+                <a:solidFill>
+                  <a:srgbClr val="009900"/>
+                </a:solidFill>
+                <a:latin typeface="Consolas" panose="020B0609020204030204" pitchFamily="49" charset="0"/>
+              </a:rPr>
+              <a:t>url</a:t>
+            </a:r>
+            <a:r>
+              <a:rPr lang="en-US" altLang="en-US" sz="1800" dirty="0" smtClean="0">
+                <a:solidFill>
+                  <a:srgbClr val="000000"/>
+                </a:solidFill>
+                <a:latin typeface="Consolas" panose="020B0609020204030204" pitchFamily="49" charset="0"/>
+              </a:rPr>
+              <a:t>(</a:t>
+            </a:r>
+            <a:r>
+              <a:rPr lang="en-US" altLang="en-US" sz="1800" dirty="0" smtClean="0">
+                <a:solidFill>
+                  <a:srgbClr val="0000FF"/>
+                </a:solidFill>
+                <a:latin typeface="Consolas" panose="020B0609020204030204" pitchFamily="49" charset="0"/>
+              </a:rPr>
+              <a:t>‘mexico.png'</a:t>
+            </a:r>
+            <a:r>
+              <a:rPr lang="en-US" altLang="en-US" sz="1800" dirty="0" smtClean="0">
+                <a:solidFill>
+                  <a:srgbClr val="000000"/>
+                </a:solidFill>
+                <a:latin typeface="Consolas" panose="020B0609020204030204" pitchFamily="49" charset="0"/>
+              </a:rPr>
+              <a:t>)</a:t>
+            </a:r>
+          </a:p>
+          <a:p>
+            <a:pPr algn="l" eaLnBrk="0" fontAlgn="base" hangingPunct="0">
+              <a:spcBef>
+                <a:spcPct val="0"/>
+              </a:spcBef>
+              <a:spcAft>
+                <a:spcPct val="0"/>
+              </a:spcAft>
+            </a:pPr>
+            <a:endParaRPr lang="en-US" sz="1800" dirty="0">
+              <a:solidFill>
+                <a:srgbClr val="000000"/>
+              </a:solidFill>
+              <a:latin typeface="Consolas" panose="020B0609020204030204" pitchFamily="49" charset="0"/>
+            </a:endParaRPr>
+          </a:p>
+          <a:p>
+            <a:pPr algn="l" eaLnBrk="0" fontAlgn="base" hangingPunct="0">
+              <a:spcBef>
+                <a:spcPct val="0"/>
+              </a:spcBef>
+              <a:spcAft>
+                <a:spcPct val="0"/>
+              </a:spcAft>
+            </a:pPr>
+            <a:r>
+              <a:rPr lang="en-US" sz="1800" dirty="0" smtClean="0">
+                <a:solidFill>
+                  <a:srgbClr val="000000"/>
+                </a:solidFill>
+                <a:latin typeface="Consolas" panose="020B0609020204030204" pitchFamily="49" charset="0"/>
+              </a:rPr>
+              <a:t>&lt;div class=‘</a:t>
+            </a:r>
+            <a:r>
+              <a:rPr lang="en-US" sz="1800" dirty="0" err="1" smtClean="0">
+                <a:solidFill>
+                  <a:srgbClr val="000000"/>
+                </a:solidFill>
+                <a:latin typeface="Consolas" panose="020B0609020204030204" pitchFamily="49" charset="0"/>
+              </a:rPr>
+              <a:t>usa</a:t>
+            </a:r>
+            <a:r>
+              <a:rPr lang="en-US" sz="1800" dirty="0" smtClean="0">
+                <a:solidFill>
+                  <a:srgbClr val="000000"/>
+                </a:solidFill>
+                <a:latin typeface="Consolas" panose="020B0609020204030204" pitchFamily="49" charset="0"/>
+              </a:rPr>
+              <a:t>’&gt;</a:t>
+            </a:r>
+          </a:p>
+          <a:p>
+            <a:pPr algn="l" eaLnBrk="0" fontAlgn="base" hangingPunct="0">
+              <a:spcBef>
+                <a:spcPct val="0"/>
+              </a:spcBef>
+              <a:spcAft>
+                <a:spcPct val="0"/>
+              </a:spcAft>
+            </a:pPr>
+            <a:r>
+              <a:rPr lang="en-US" sz="1800" dirty="0">
+                <a:solidFill>
+                  <a:srgbClr val="000000"/>
+                </a:solidFill>
+                <a:latin typeface="Consolas" panose="020B0609020204030204" pitchFamily="49" charset="0"/>
+              </a:rPr>
+              <a:t> </a:t>
+            </a:r>
+          </a:p>
+          <a:p>
+            <a:pPr algn="l" eaLnBrk="0" fontAlgn="base" hangingPunct="0">
+              <a:spcBef>
+                <a:spcPct val="0"/>
+              </a:spcBef>
+              <a:spcAft>
+                <a:spcPct val="0"/>
+              </a:spcAft>
+            </a:pPr>
+            <a:endParaRPr lang="en-US" sz="1800" dirty="0" smtClean="0">
+              <a:solidFill>
+                <a:srgbClr val="000000"/>
+              </a:solidFill>
+              <a:latin typeface="Consolas" panose="020B0609020204030204" pitchFamily="49" charset="0"/>
+            </a:endParaRPr>
+          </a:p>
+          <a:p>
+            <a:pPr algn="l" eaLnBrk="0" fontAlgn="base" hangingPunct="0">
+              <a:spcBef>
+                <a:spcPct val="0"/>
+              </a:spcBef>
+              <a:spcAft>
+                <a:spcPct val="0"/>
+              </a:spcAft>
+            </a:pPr>
+            <a:endParaRPr lang="en-US" sz="1800" dirty="0">
+              <a:solidFill>
+                <a:srgbClr val="000000"/>
+              </a:solidFill>
+              <a:latin typeface="Consolas" panose="020B0609020204030204" pitchFamily="49" charset="0"/>
+            </a:endParaRPr>
+          </a:p>
+          <a:p>
+            <a:pPr algn="l" eaLnBrk="0" fontAlgn="base" hangingPunct="0">
+              <a:spcBef>
+                <a:spcPct val="0"/>
+              </a:spcBef>
+              <a:spcAft>
+                <a:spcPct val="0"/>
+              </a:spcAft>
+            </a:pPr>
+            <a:endParaRPr lang="en-US" sz="1800" dirty="0"/>
+          </a:p>
+          <a:p>
+            <a:pPr lvl="0" algn="l" eaLnBrk="0" fontAlgn="base" hangingPunct="0">
+              <a:spcBef>
+                <a:spcPct val="0"/>
+              </a:spcBef>
+              <a:spcAft>
+                <a:spcPct val="0"/>
+              </a:spcAft>
+            </a:pPr>
+            <a:endParaRPr lang="en-US" sz="1800" dirty="0" smtClean="0"/>
+          </a:p>
+          <a:p>
+            <a:pPr lvl="0" algn="l" eaLnBrk="0" fontAlgn="base" hangingPunct="0">
+              <a:spcBef>
+                <a:spcPct val="0"/>
+              </a:spcBef>
+              <a:spcAft>
+                <a:spcPct val="0"/>
+              </a:spcAft>
+            </a:pPr>
+            <a:endParaRPr lang="en-US" sz="1800" dirty="0" smtClean="0"/>
+          </a:p>
+          <a:p>
+            <a:pPr algn="l"/>
+            <a:endParaRPr lang="en-US" sz="3200" dirty="0"/>
+          </a:p>
+        </p:txBody>
+      </p:sp>
+      <p:sp>
+        <p:nvSpPr>
+          <p:cNvPr id="9" name="Rectangle 8"/>
+          <p:cNvSpPr/>
+          <p:nvPr/>
+        </p:nvSpPr>
+        <p:spPr>
+          <a:xfrm>
+            <a:off x="380999" y="4267200"/>
+            <a:ext cx="8571853" cy="1815882"/>
+          </a:xfrm>
+          <a:prstGeom prst="rect">
+            <a:avLst/>
+          </a:prstGeom>
+        </p:spPr>
+        <p:txBody>
+          <a:bodyPr wrap="square">
+            <a:spAutoFit/>
+          </a:bodyPr>
+          <a:lstStyle/>
+          <a:p>
+            <a:pPr lvl="0" eaLnBrk="0" fontAlgn="base" hangingPunct="0">
+              <a:spcBef>
+                <a:spcPct val="0"/>
+              </a:spcBef>
+              <a:spcAft>
+                <a:spcPct val="0"/>
+              </a:spcAft>
+            </a:pPr>
+            <a:r>
+              <a:rPr lang="en-US" altLang="en-US" sz="1600" dirty="0" smtClean="0">
+                <a:solidFill>
+                  <a:srgbClr val="000000"/>
+                </a:solidFill>
+                <a:latin typeface="Consolas" panose="020B0609020204030204" pitchFamily="49" charset="0"/>
+              </a:rPr>
+              <a:t>.</a:t>
+            </a:r>
+            <a:r>
+              <a:rPr lang="en-US" altLang="en-US" sz="1600" dirty="0" err="1" smtClean="0">
+                <a:solidFill>
+                  <a:srgbClr val="000000"/>
+                </a:solidFill>
+                <a:latin typeface="Consolas" panose="020B0609020204030204" pitchFamily="49" charset="0"/>
+              </a:rPr>
+              <a:t>usa</a:t>
+            </a:r>
+            <a:r>
+              <a:rPr lang="en-US" altLang="en-US" sz="1600" dirty="0" smtClean="0">
+                <a:solidFill>
+                  <a:srgbClr val="000000"/>
+                </a:solidFill>
+                <a:latin typeface="Consolas" panose="020B0609020204030204" pitchFamily="49" charset="0"/>
+              </a:rPr>
+              <a:t>, .</a:t>
+            </a:r>
+            <a:r>
+              <a:rPr lang="en-US" altLang="en-US" sz="1600" dirty="0" err="1" smtClean="0">
+                <a:solidFill>
+                  <a:srgbClr val="000000"/>
+                </a:solidFill>
+                <a:latin typeface="Consolas" panose="020B0609020204030204" pitchFamily="49" charset="0"/>
+              </a:rPr>
+              <a:t>canada</a:t>
+            </a:r>
+            <a:r>
+              <a:rPr lang="en-US" altLang="en-US" sz="1600" dirty="0">
+                <a:solidFill>
+                  <a:srgbClr val="000000"/>
+                </a:solidFill>
+                <a:latin typeface="Consolas" panose="020B0609020204030204" pitchFamily="49" charset="0"/>
+              </a:rPr>
+              <a:t>, </a:t>
+            </a:r>
+            <a:r>
+              <a:rPr lang="en-US" altLang="en-US" sz="1600" dirty="0" smtClean="0">
+                <a:solidFill>
+                  <a:srgbClr val="000000"/>
+                </a:solidFill>
+                <a:latin typeface="Consolas" panose="020B0609020204030204" pitchFamily="49" charset="0"/>
+              </a:rPr>
+              <a:t>.</a:t>
+            </a:r>
+            <a:r>
+              <a:rPr lang="en-US" altLang="en-US" sz="1600" dirty="0" err="1" smtClean="0">
+                <a:solidFill>
+                  <a:srgbClr val="000000"/>
+                </a:solidFill>
+                <a:latin typeface="Consolas" panose="020B0609020204030204" pitchFamily="49" charset="0"/>
+              </a:rPr>
+              <a:t>mexico</a:t>
+            </a:r>
+            <a:endParaRPr lang="en-US" altLang="en-US" sz="1600" dirty="0"/>
+          </a:p>
+          <a:p>
+            <a:pPr lvl="0" eaLnBrk="0" fontAlgn="base" hangingPunct="0">
+              <a:spcBef>
+                <a:spcPct val="0"/>
+              </a:spcBef>
+              <a:spcAft>
+                <a:spcPct val="0"/>
+              </a:spcAft>
+            </a:pPr>
+            <a:r>
+              <a:rPr lang="en-US" altLang="en-US" sz="1600" dirty="0">
+                <a:solidFill>
+                  <a:srgbClr val="000000"/>
+                </a:solidFill>
+                <a:latin typeface="Consolas" panose="020B0609020204030204" pitchFamily="49" charset="0"/>
+              </a:rPr>
+              <a:t>{ </a:t>
+            </a:r>
+            <a:r>
+              <a:rPr lang="en-US" altLang="en-US" sz="1600" b="1" dirty="0">
+                <a:solidFill>
+                  <a:srgbClr val="006699"/>
+                </a:solidFill>
+                <a:latin typeface="Consolas" panose="020B0609020204030204" pitchFamily="49" charset="0"/>
+              </a:rPr>
+              <a:t>display</a:t>
+            </a:r>
+            <a:r>
+              <a:rPr lang="en-US" altLang="en-US" sz="1600" dirty="0">
+                <a:solidFill>
+                  <a:srgbClr val="000000"/>
+                </a:solidFill>
+                <a:latin typeface="Consolas" panose="020B0609020204030204" pitchFamily="49" charset="0"/>
+              </a:rPr>
+              <a:t>: inline-</a:t>
+            </a:r>
+            <a:r>
+              <a:rPr lang="en-US" altLang="en-US" sz="1600" dirty="0">
+                <a:solidFill>
+                  <a:srgbClr val="009900"/>
+                </a:solidFill>
+                <a:latin typeface="Consolas" panose="020B0609020204030204" pitchFamily="49" charset="0"/>
+              </a:rPr>
+              <a:t>block</a:t>
+            </a:r>
+            <a:r>
+              <a:rPr lang="en-US" altLang="en-US" sz="1600" dirty="0">
+                <a:solidFill>
+                  <a:srgbClr val="000000"/>
+                </a:solidFill>
+                <a:latin typeface="Consolas" panose="020B0609020204030204" pitchFamily="49" charset="0"/>
+              </a:rPr>
+              <a:t>; </a:t>
+            </a:r>
+            <a:r>
+              <a:rPr lang="en-US" altLang="en-US" sz="1600" b="1" dirty="0">
+                <a:solidFill>
+                  <a:srgbClr val="006699"/>
+                </a:solidFill>
+                <a:latin typeface="Consolas" panose="020B0609020204030204" pitchFamily="49" charset="0"/>
+              </a:rPr>
+              <a:t>background</a:t>
+            </a:r>
+            <a:r>
+              <a:rPr lang="en-US" altLang="en-US" sz="1600" dirty="0">
+                <a:solidFill>
+                  <a:srgbClr val="000000"/>
+                </a:solidFill>
+                <a:latin typeface="Consolas" panose="020B0609020204030204" pitchFamily="49" charset="0"/>
+              </a:rPr>
+              <a:t>: </a:t>
+            </a:r>
+            <a:r>
+              <a:rPr lang="en-US" altLang="en-US" sz="1600" dirty="0" err="1">
+                <a:solidFill>
+                  <a:srgbClr val="009900"/>
+                </a:solidFill>
+                <a:latin typeface="Consolas" panose="020B0609020204030204" pitchFamily="49" charset="0"/>
+              </a:rPr>
+              <a:t>url</a:t>
+            </a:r>
+            <a:r>
+              <a:rPr lang="en-US" altLang="en-US" sz="1600" dirty="0" smtClean="0">
+                <a:solidFill>
+                  <a:srgbClr val="000000"/>
+                </a:solidFill>
+                <a:latin typeface="Consolas" panose="020B0609020204030204" pitchFamily="49" charset="0"/>
+              </a:rPr>
+              <a:t>(</a:t>
+            </a:r>
+            <a:r>
+              <a:rPr lang="en-US" altLang="en-US" sz="1600" dirty="0" smtClean="0">
+                <a:solidFill>
+                  <a:srgbClr val="0000FF"/>
+                </a:solidFill>
+                <a:latin typeface="Consolas" panose="020B0609020204030204" pitchFamily="49" charset="0"/>
+              </a:rPr>
+              <a:t>‘sprites.png</a:t>
+            </a:r>
+            <a:r>
+              <a:rPr lang="en-US" altLang="en-US" sz="1600" dirty="0">
+                <a:solidFill>
+                  <a:srgbClr val="0000FF"/>
+                </a:solidFill>
+                <a:latin typeface="Consolas" panose="020B0609020204030204" pitchFamily="49" charset="0"/>
+              </a:rPr>
+              <a:t>'</a:t>
+            </a:r>
+            <a:r>
+              <a:rPr lang="en-US" altLang="en-US" sz="1600" dirty="0">
+                <a:solidFill>
+                  <a:srgbClr val="000000"/>
+                </a:solidFill>
+                <a:latin typeface="Consolas" panose="020B0609020204030204" pitchFamily="49" charset="0"/>
+              </a:rPr>
+              <a:t>) </a:t>
+            </a:r>
+            <a:r>
+              <a:rPr lang="en-US" altLang="en-US" sz="1600" dirty="0">
+                <a:solidFill>
+                  <a:srgbClr val="009900"/>
+                </a:solidFill>
+                <a:latin typeface="Consolas" panose="020B0609020204030204" pitchFamily="49" charset="0"/>
+              </a:rPr>
+              <a:t>no-repeat</a:t>
+            </a:r>
+            <a:r>
+              <a:rPr lang="en-US" altLang="en-US" sz="1600" dirty="0">
+                <a:solidFill>
+                  <a:srgbClr val="000000"/>
+                </a:solidFill>
+                <a:latin typeface="Consolas" panose="020B0609020204030204" pitchFamily="49" charset="0"/>
+              </a:rPr>
+              <a:t>; </a:t>
+            </a:r>
+            <a:r>
+              <a:rPr lang="en-US" altLang="en-US" sz="1600" b="1" dirty="0">
+                <a:solidFill>
+                  <a:srgbClr val="006699"/>
+                </a:solidFill>
+                <a:latin typeface="Consolas" panose="020B0609020204030204" pitchFamily="49" charset="0"/>
+              </a:rPr>
+              <a:t>overflow</a:t>
+            </a:r>
+            <a:r>
+              <a:rPr lang="en-US" altLang="en-US" sz="1600" dirty="0">
+                <a:solidFill>
+                  <a:srgbClr val="000000"/>
+                </a:solidFill>
+                <a:latin typeface="Consolas" panose="020B0609020204030204" pitchFamily="49" charset="0"/>
+              </a:rPr>
+              <a:t>: </a:t>
+            </a:r>
+            <a:r>
+              <a:rPr lang="en-US" altLang="en-US" sz="1600" dirty="0">
+                <a:solidFill>
+                  <a:srgbClr val="009900"/>
+                </a:solidFill>
+                <a:latin typeface="Consolas" panose="020B0609020204030204" pitchFamily="49" charset="0"/>
+              </a:rPr>
+              <a:t>hidden</a:t>
+            </a:r>
+            <a:r>
+              <a:rPr lang="en-US" altLang="en-US" sz="1600" dirty="0">
+                <a:solidFill>
+                  <a:srgbClr val="000000"/>
+                </a:solidFill>
+                <a:latin typeface="Consolas" panose="020B0609020204030204" pitchFamily="49" charset="0"/>
+              </a:rPr>
+              <a:t>; </a:t>
+            </a:r>
+            <a:r>
+              <a:rPr lang="en-US" altLang="en-US" sz="1600" b="1" dirty="0">
+                <a:solidFill>
+                  <a:srgbClr val="006699"/>
+                </a:solidFill>
+                <a:latin typeface="Consolas" panose="020B0609020204030204" pitchFamily="49" charset="0"/>
+              </a:rPr>
+              <a:t>text-indent</a:t>
+            </a:r>
+            <a:r>
+              <a:rPr lang="en-US" altLang="en-US" sz="1600" dirty="0">
+                <a:solidFill>
+                  <a:srgbClr val="000000"/>
+                </a:solidFill>
+                <a:latin typeface="Consolas" panose="020B0609020204030204" pitchFamily="49" charset="0"/>
+              </a:rPr>
+              <a:t>: </a:t>
+            </a:r>
+            <a:r>
+              <a:rPr lang="en-US" altLang="en-US" sz="1600" dirty="0">
+                <a:solidFill>
+                  <a:srgbClr val="009900"/>
+                </a:solidFill>
+                <a:latin typeface="Consolas" panose="020B0609020204030204" pitchFamily="49" charset="0"/>
+              </a:rPr>
+              <a:t>-9999px</a:t>
+            </a:r>
+            <a:r>
+              <a:rPr lang="en-US" altLang="en-US" sz="1600" dirty="0">
+                <a:solidFill>
+                  <a:srgbClr val="000000"/>
+                </a:solidFill>
+                <a:latin typeface="Consolas" panose="020B0609020204030204" pitchFamily="49" charset="0"/>
+              </a:rPr>
+              <a:t>; </a:t>
+            </a:r>
+            <a:r>
+              <a:rPr lang="en-US" altLang="en-US" sz="1600" b="1" dirty="0">
+                <a:solidFill>
+                  <a:srgbClr val="006699"/>
+                </a:solidFill>
+                <a:latin typeface="Consolas" panose="020B0609020204030204" pitchFamily="49" charset="0"/>
+              </a:rPr>
+              <a:t>text-align</a:t>
+            </a:r>
+            <a:r>
+              <a:rPr lang="en-US" altLang="en-US" sz="1600" dirty="0">
+                <a:solidFill>
+                  <a:srgbClr val="000000"/>
+                </a:solidFill>
+                <a:latin typeface="Consolas" panose="020B0609020204030204" pitchFamily="49" charset="0"/>
+              </a:rPr>
+              <a:t>: </a:t>
+            </a:r>
+            <a:r>
+              <a:rPr lang="en-US" altLang="en-US" sz="1600" dirty="0">
+                <a:solidFill>
+                  <a:srgbClr val="009900"/>
+                </a:solidFill>
+                <a:latin typeface="Consolas" panose="020B0609020204030204" pitchFamily="49" charset="0"/>
+              </a:rPr>
+              <a:t>left</a:t>
+            </a:r>
+            <a:r>
+              <a:rPr lang="en-US" altLang="en-US" sz="1600" dirty="0">
+                <a:solidFill>
+                  <a:srgbClr val="000000"/>
+                </a:solidFill>
+                <a:latin typeface="Consolas" panose="020B0609020204030204" pitchFamily="49" charset="0"/>
+              </a:rPr>
+              <a:t>; }</a:t>
+            </a:r>
+            <a:endParaRPr lang="en-US" altLang="en-US" sz="1600" dirty="0"/>
+          </a:p>
+          <a:p>
+            <a:pPr lvl="0" eaLnBrk="0" fontAlgn="base" hangingPunct="0">
+              <a:spcBef>
+                <a:spcPct val="0"/>
+              </a:spcBef>
+              <a:spcAft>
+                <a:spcPct val="0"/>
+              </a:spcAft>
+            </a:pPr>
+            <a:endParaRPr lang="en-US" altLang="en-US" sz="1600" dirty="0"/>
+          </a:p>
+          <a:p>
+            <a:pPr lvl="0" eaLnBrk="0" fontAlgn="base" hangingPunct="0">
+              <a:spcBef>
+                <a:spcPct val="0"/>
+              </a:spcBef>
+              <a:spcAft>
+                <a:spcPct val="0"/>
+              </a:spcAft>
+            </a:pPr>
+            <a:r>
+              <a:rPr lang="en-US" altLang="en-US" sz="1600" dirty="0" smtClean="0">
+                <a:solidFill>
+                  <a:srgbClr val="000000"/>
+                </a:solidFill>
+                <a:latin typeface="Consolas" panose="020B0609020204030204" pitchFamily="49" charset="0"/>
+              </a:rPr>
+              <a:t>.</a:t>
+            </a:r>
+            <a:r>
+              <a:rPr lang="en-US" altLang="en-US" sz="1600" dirty="0" err="1" smtClean="0">
+                <a:solidFill>
+                  <a:srgbClr val="000000"/>
+                </a:solidFill>
+                <a:latin typeface="Consolas" panose="020B0609020204030204" pitchFamily="49" charset="0"/>
+              </a:rPr>
+              <a:t>usa</a:t>
+            </a:r>
+            <a:r>
+              <a:rPr lang="en-US" altLang="en-US" sz="1600" dirty="0" smtClean="0">
+                <a:solidFill>
+                  <a:srgbClr val="000000"/>
+                </a:solidFill>
+                <a:latin typeface="Consolas" panose="020B0609020204030204" pitchFamily="49" charset="0"/>
+              </a:rPr>
+              <a:t> </a:t>
+            </a:r>
+            <a:r>
+              <a:rPr lang="en-US" altLang="en-US" sz="1600" dirty="0">
+                <a:solidFill>
+                  <a:srgbClr val="000000"/>
+                </a:solidFill>
+                <a:latin typeface="Consolas" panose="020B0609020204030204" pitchFamily="49" charset="0"/>
+              </a:rPr>
+              <a:t>{ </a:t>
+            </a:r>
+            <a:r>
+              <a:rPr lang="en-US" altLang="en-US" sz="1600" b="1" dirty="0">
+                <a:solidFill>
+                  <a:srgbClr val="006699"/>
+                </a:solidFill>
+                <a:latin typeface="Consolas" panose="020B0609020204030204" pitchFamily="49" charset="0"/>
+              </a:rPr>
+              <a:t>background-position</a:t>
+            </a:r>
+            <a:r>
+              <a:rPr lang="en-US" altLang="en-US" sz="1600" dirty="0">
+                <a:solidFill>
+                  <a:srgbClr val="000000"/>
+                </a:solidFill>
+                <a:latin typeface="Consolas" panose="020B0609020204030204" pitchFamily="49" charset="0"/>
+              </a:rPr>
+              <a:t>: </a:t>
+            </a:r>
+            <a:r>
+              <a:rPr lang="en-US" altLang="en-US" sz="1600" dirty="0">
+                <a:solidFill>
+                  <a:srgbClr val="009900"/>
+                </a:solidFill>
+                <a:latin typeface="Consolas" panose="020B0609020204030204" pitchFamily="49" charset="0"/>
+              </a:rPr>
+              <a:t>-0px</a:t>
+            </a:r>
+            <a:r>
+              <a:rPr lang="en-US" altLang="en-US" sz="1600" dirty="0">
+                <a:solidFill>
+                  <a:srgbClr val="FFFFFF"/>
+                </a:solidFill>
+                <a:latin typeface="Consolas" panose="020B0609020204030204" pitchFamily="49" charset="0"/>
+              </a:rPr>
+              <a:t> </a:t>
+            </a:r>
+            <a:r>
+              <a:rPr lang="en-US" altLang="en-US" sz="1600" dirty="0">
+                <a:solidFill>
+                  <a:srgbClr val="009900"/>
+                </a:solidFill>
+                <a:latin typeface="Consolas" panose="020B0609020204030204" pitchFamily="49" charset="0"/>
+              </a:rPr>
+              <a:t>-0px</a:t>
+            </a:r>
+            <a:r>
+              <a:rPr lang="en-US" altLang="en-US" sz="1600" dirty="0">
+                <a:solidFill>
+                  <a:srgbClr val="000000"/>
+                </a:solidFill>
+                <a:latin typeface="Consolas" panose="020B0609020204030204" pitchFamily="49" charset="0"/>
+              </a:rPr>
+              <a:t>; </a:t>
+            </a:r>
+            <a:r>
+              <a:rPr lang="en-US" altLang="en-US" sz="1600" b="1" dirty="0">
+                <a:solidFill>
+                  <a:srgbClr val="006699"/>
+                </a:solidFill>
+                <a:latin typeface="Consolas" panose="020B0609020204030204" pitchFamily="49" charset="0"/>
+              </a:rPr>
+              <a:t>width</a:t>
+            </a:r>
+            <a:r>
+              <a:rPr lang="en-US" altLang="en-US" sz="1600" dirty="0">
+                <a:solidFill>
+                  <a:srgbClr val="000000"/>
+                </a:solidFill>
+                <a:latin typeface="Consolas" panose="020B0609020204030204" pitchFamily="49" charset="0"/>
+              </a:rPr>
+              <a:t>: </a:t>
+            </a:r>
+            <a:r>
+              <a:rPr lang="en-US" altLang="en-US" sz="1600" dirty="0">
+                <a:solidFill>
+                  <a:srgbClr val="009900"/>
+                </a:solidFill>
+                <a:latin typeface="Consolas" panose="020B0609020204030204" pitchFamily="49" charset="0"/>
+              </a:rPr>
+              <a:t>246px</a:t>
+            </a:r>
+            <a:r>
+              <a:rPr lang="en-US" altLang="en-US" sz="1600" dirty="0">
+                <a:solidFill>
+                  <a:srgbClr val="000000"/>
+                </a:solidFill>
+                <a:latin typeface="Consolas" panose="020B0609020204030204" pitchFamily="49" charset="0"/>
+              </a:rPr>
+              <a:t>; </a:t>
+            </a:r>
+            <a:r>
+              <a:rPr lang="en-US" altLang="en-US" sz="1600" b="1" dirty="0">
+                <a:solidFill>
+                  <a:srgbClr val="006699"/>
+                </a:solidFill>
+                <a:latin typeface="Consolas" panose="020B0609020204030204" pitchFamily="49" charset="0"/>
+              </a:rPr>
+              <a:t>height</a:t>
+            </a:r>
+            <a:r>
+              <a:rPr lang="en-US" altLang="en-US" sz="1600" dirty="0">
+                <a:solidFill>
+                  <a:srgbClr val="000000"/>
+                </a:solidFill>
+                <a:latin typeface="Consolas" panose="020B0609020204030204" pitchFamily="49" charset="0"/>
+              </a:rPr>
+              <a:t>: </a:t>
+            </a:r>
+            <a:r>
+              <a:rPr lang="en-US" altLang="en-US" sz="1600" dirty="0">
+                <a:solidFill>
+                  <a:srgbClr val="009900"/>
+                </a:solidFill>
+                <a:latin typeface="Consolas" panose="020B0609020204030204" pitchFamily="49" charset="0"/>
+              </a:rPr>
+              <a:t>130px</a:t>
+            </a:r>
+            <a:r>
+              <a:rPr lang="en-US" altLang="en-US" sz="1600" dirty="0">
+                <a:solidFill>
+                  <a:srgbClr val="000000"/>
+                </a:solidFill>
+                <a:latin typeface="Consolas" panose="020B0609020204030204" pitchFamily="49" charset="0"/>
+              </a:rPr>
+              <a:t>; }</a:t>
+            </a:r>
+            <a:endParaRPr lang="en-US" altLang="en-US" sz="1600" dirty="0"/>
+          </a:p>
+          <a:p>
+            <a:pPr lvl="0" eaLnBrk="0" fontAlgn="base" hangingPunct="0">
+              <a:spcBef>
+                <a:spcPct val="0"/>
+              </a:spcBef>
+              <a:spcAft>
+                <a:spcPct val="0"/>
+              </a:spcAft>
+            </a:pPr>
+            <a:r>
+              <a:rPr lang="en-US" altLang="en-US" sz="1600" dirty="0" smtClean="0">
+                <a:solidFill>
+                  <a:srgbClr val="000000"/>
+                </a:solidFill>
+                <a:latin typeface="Consolas" panose="020B0609020204030204" pitchFamily="49" charset="0"/>
+              </a:rPr>
+              <a:t>.</a:t>
+            </a:r>
+            <a:r>
+              <a:rPr lang="en-US" altLang="en-US" sz="1600" dirty="0" err="1" smtClean="0">
+                <a:solidFill>
+                  <a:srgbClr val="000000"/>
+                </a:solidFill>
+                <a:latin typeface="Consolas" panose="020B0609020204030204" pitchFamily="49" charset="0"/>
+              </a:rPr>
+              <a:t>canada</a:t>
+            </a:r>
+            <a:r>
+              <a:rPr lang="en-US" altLang="en-US" sz="1600" dirty="0" smtClean="0">
+                <a:solidFill>
+                  <a:srgbClr val="000000"/>
+                </a:solidFill>
+                <a:latin typeface="Consolas" panose="020B0609020204030204" pitchFamily="49" charset="0"/>
+              </a:rPr>
+              <a:t> </a:t>
+            </a:r>
+            <a:r>
+              <a:rPr lang="en-US" altLang="en-US" sz="1600" dirty="0">
+                <a:solidFill>
+                  <a:srgbClr val="000000"/>
+                </a:solidFill>
+                <a:latin typeface="Consolas" panose="020B0609020204030204" pitchFamily="49" charset="0"/>
+              </a:rPr>
+              <a:t>{ </a:t>
+            </a:r>
+            <a:r>
+              <a:rPr lang="en-US" altLang="en-US" sz="1600" b="1" dirty="0">
+                <a:solidFill>
+                  <a:srgbClr val="006699"/>
+                </a:solidFill>
+                <a:latin typeface="Consolas" panose="020B0609020204030204" pitchFamily="49" charset="0"/>
+              </a:rPr>
+              <a:t>background-position</a:t>
+            </a:r>
+            <a:r>
+              <a:rPr lang="en-US" altLang="en-US" sz="1600" dirty="0">
+                <a:solidFill>
+                  <a:srgbClr val="000000"/>
+                </a:solidFill>
+                <a:latin typeface="Consolas" panose="020B0609020204030204" pitchFamily="49" charset="0"/>
+              </a:rPr>
+              <a:t>: </a:t>
+            </a:r>
+            <a:r>
+              <a:rPr lang="en-US" altLang="en-US" sz="1600" dirty="0">
+                <a:solidFill>
+                  <a:srgbClr val="009900"/>
+                </a:solidFill>
+                <a:latin typeface="Consolas" panose="020B0609020204030204" pitchFamily="49" charset="0"/>
+              </a:rPr>
+              <a:t>-0px</a:t>
+            </a:r>
+            <a:r>
+              <a:rPr lang="en-US" altLang="en-US" sz="1600" dirty="0">
+                <a:solidFill>
+                  <a:srgbClr val="FFFFFF"/>
+                </a:solidFill>
+                <a:latin typeface="Consolas" panose="020B0609020204030204" pitchFamily="49" charset="0"/>
+              </a:rPr>
+              <a:t> </a:t>
+            </a:r>
+            <a:r>
+              <a:rPr lang="en-US" altLang="en-US" sz="1600" dirty="0">
+                <a:solidFill>
+                  <a:srgbClr val="009900"/>
+                </a:solidFill>
+                <a:latin typeface="Consolas" panose="020B0609020204030204" pitchFamily="49" charset="0"/>
+              </a:rPr>
+              <a:t>-130px</a:t>
+            </a:r>
+            <a:r>
+              <a:rPr lang="en-US" altLang="en-US" sz="1600" dirty="0">
+                <a:solidFill>
+                  <a:srgbClr val="000000"/>
+                </a:solidFill>
+                <a:latin typeface="Consolas" panose="020B0609020204030204" pitchFamily="49" charset="0"/>
+              </a:rPr>
+              <a:t>; </a:t>
+            </a:r>
+            <a:r>
+              <a:rPr lang="en-US" altLang="en-US" sz="1600" b="1" dirty="0">
+                <a:solidFill>
+                  <a:srgbClr val="006699"/>
+                </a:solidFill>
+                <a:latin typeface="Consolas" panose="020B0609020204030204" pitchFamily="49" charset="0"/>
+              </a:rPr>
+              <a:t>width</a:t>
+            </a:r>
+            <a:r>
+              <a:rPr lang="en-US" altLang="en-US" sz="1600" dirty="0">
+                <a:solidFill>
+                  <a:srgbClr val="000000"/>
+                </a:solidFill>
+                <a:latin typeface="Consolas" panose="020B0609020204030204" pitchFamily="49" charset="0"/>
+              </a:rPr>
+              <a:t>: </a:t>
+            </a:r>
+            <a:r>
+              <a:rPr lang="en-US" altLang="en-US" sz="1600" dirty="0">
+                <a:solidFill>
+                  <a:srgbClr val="009900"/>
+                </a:solidFill>
+                <a:latin typeface="Consolas" panose="020B0609020204030204" pitchFamily="49" charset="0"/>
+              </a:rPr>
+              <a:t>241px</a:t>
+            </a:r>
+            <a:r>
+              <a:rPr lang="en-US" altLang="en-US" sz="1600" dirty="0">
+                <a:solidFill>
+                  <a:srgbClr val="000000"/>
+                </a:solidFill>
+                <a:latin typeface="Consolas" panose="020B0609020204030204" pitchFamily="49" charset="0"/>
+              </a:rPr>
+              <a:t>; </a:t>
+            </a:r>
+            <a:r>
+              <a:rPr lang="en-US" altLang="en-US" sz="1600" b="1" dirty="0">
+                <a:solidFill>
+                  <a:srgbClr val="006699"/>
+                </a:solidFill>
+                <a:latin typeface="Consolas" panose="020B0609020204030204" pitchFamily="49" charset="0"/>
+              </a:rPr>
+              <a:t>height</a:t>
+            </a:r>
+            <a:r>
+              <a:rPr lang="en-US" altLang="en-US" sz="1600" dirty="0">
+                <a:solidFill>
+                  <a:srgbClr val="000000"/>
+                </a:solidFill>
+                <a:latin typeface="Consolas" panose="020B0609020204030204" pitchFamily="49" charset="0"/>
+              </a:rPr>
+              <a:t>: </a:t>
+            </a:r>
+            <a:r>
+              <a:rPr lang="en-US" altLang="en-US" sz="1600" dirty="0">
+                <a:solidFill>
+                  <a:srgbClr val="009900"/>
+                </a:solidFill>
+                <a:latin typeface="Consolas" panose="020B0609020204030204" pitchFamily="49" charset="0"/>
+              </a:rPr>
+              <a:t>124px</a:t>
+            </a:r>
+            <a:r>
+              <a:rPr lang="en-US" altLang="en-US" sz="1600" dirty="0">
+                <a:solidFill>
+                  <a:srgbClr val="000000"/>
+                </a:solidFill>
+                <a:latin typeface="Consolas" panose="020B0609020204030204" pitchFamily="49" charset="0"/>
+              </a:rPr>
+              <a:t>; }</a:t>
+            </a:r>
+            <a:endParaRPr lang="en-US" altLang="en-US" sz="1600" dirty="0"/>
+          </a:p>
+          <a:p>
+            <a:pPr lvl="0" eaLnBrk="0" fontAlgn="base" hangingPunct="0">
+              <a:spcBef>
+                <a:spcPct val="0"/>
+              </a:spcBef>
+              <a:spcAft>
+                <a:spcPct val="0"/>
+              </a:spcAft>
+            </a:pPr>
+            <a:r>
+              <a:rPr lang="en-US" altLang="en-US" sz="1600" dirty="0" smtClean="0">
+                <a:solidFill>
+                  <a:srgbClr val="000000"/>
+                </a:solidFill>
+                <a:latin typeface="Consolas" panose="020B0609020204030204" pitchFamily="49" charset="0"/>
+              </a:rPr>
+              <a:t>.</a:t>
+            </a:r>
+            <a:r>
+              <a:rPr lang="en-US" altLang="en-US" sz="1600" dirty="0" err="1" smtClean="0">
+                <a:solidFill>
+                  <a:srgbClr val="000000"/>
+                </a:solidFill>
+                <a:latin typeface="Consolas" panose="020B0609020204030204" pitchFamily="49" charset="0"/>
+              </a:rPr>
+              <a:t>mexico</a:t>
+            </a:r>
+            <a:r>
+              <a:rPr lang="en-US" altLang="en-US" sz="1600" dirty="0" smtClean="0">
+                <a:solidFill>
+                  <a:srgbClr val="000000"/>
+                </a:solidFill>
+                <a:latin typeface="Consolas" panose="020B0609020204030204" pitchFamily="49" charset="0"/>
+              </a:rPr>
+              <a:t> </a:t>
+            </a:r>
+            <a:r>
+              <a:rPr lang="en-US" altLang="en-US" sz="1600" dirty="0">
+                <a:solidFill>
+                  <a:srgbClr val="000000"/>
+                </a:solidFill>
+                <a:latin typeface="Consolas" panose="020B0609020204030204" pitchFamily="49" charset="0"/>
+              </a:rPr>
+              <a:t>{ </a:t>
+            </a:r>
+            <a:r>
+              <a:rPr lang="en-US" altLang="en-US" sz="1600" b="1" dirty="0">
+                <a:solidFill>
+                  <a:srgbClr val="006699"/>
+                </a:solidFill>
+                <a:latin typeface="Consolas" panose="020B0609020204030204" pitchFamily="49" charset="0"/>
+              </a:rPr>
+              <a:t>background-position</a:t>
+            </a:r>
+            <a:r>
+              <a:rPr lang="en-US" altLang="en-US" sz="1600" dirty="0">
+                <a:solidFill>
+                  <a:srgbClr val="000000"/>
+                </a:solidFill>
+                <a:latin typeface="Consolas" panose="020B0609020204030204" pitchFamily="49" charset="0"/>
+              </a:rPr>
+              <a:t>: </a:t>
+            </a:r>
+            <a:r>
+              <a:rPr lang="en-US" altLang="en-US" sz="1600" dirty="0">
+                <a:solidFill>
+                  <a:srgbClr val="009900"/>
+                </a:solidFill>
+                <a:latin typeface="Consolas" panose="020B0609020204030204" pitchFamily="49" charset="0"/>
+              </a:rPr>
+              <a:t>-0px</a:t>
+            </a:r>
+            <a:r>
+              <a:rPr lang="en-US" altLang="en-US" sz="1600" dirty="0">
+                <a:solidFill>
+                  <a:srgbClr val="FFFFFF"/>
+                </a:solidFill>
+                <a:latin typeface="Consolas" panose="020B0609020204030204" pitchFamily="49" charset="0"/>
+              </a:rPr>
+              <a:t> </a:t>
+            </a:r>
+            <a:r>
+              <a:rPr lang="en-US" altLang="en-US" sz="1600" dirty="0">
+                <a:solidFill>
+                  <a:srgbClr val="009900"/>
+                </a:solidFill>
+                <a:latin typeface="Consolas" panose="020B0609020204030204" pitchFamily="49" charset="0"/>
+              </a:rPr>
+              <a:t>-254px</a:t>
+            </a:r>
+            <a:r>
+              <a:rPr lang="en-US" altLang="en-US" sz="1600" dirty="0">
+                <a:solidFill>
+                  <a:srgbClr val="000000"/>
+                </a:solidFill>
+                <a:latin typeface="Consolas" panose="020B0609020204030204" pitchFamily="49" charset="0"/>
+              </a:rPr>
+              <a:t>; </a:t>
+            </a:r>
+            <a:r>
+              <a:rPr lang="en-US" altLang="en-US" sz="1600" b="1" dirty="0">
+                <a:solidFill>
+                  <a:srgbClr val="006699"/>
+                </a:solidFill>
+                <a:latin typeface="Consolas" panose="020B0609020204030204" pitchFamily="49" charset="0"/>
+              </a:rPr>
+              <a:t>width</a:t>
+            </a:r>
+            <a:r>
+              <a:rPr lang="en-US" altLang="en-US" sz="1600" dirty="0">
+                <a:solidFill>
+                  <a:srgbClr val="000000"/>
+                </a:solidFill>
+                <a:latin typeface="Consolas" panose="020B0609020204030204" pitchFamily="49" charset="0"/>
+              </a:rPr>
+              <a:t>: </a:t>
+            </a:r>
+            <a:r>
+              <a:rPr lang="en-US" altLang="en-US" sz="1600" dirty="0">
+                <a:solidFill>
+                  <a:srgbClr val="009900"/>
+                </a:solidFill>
+                <a:latin typeface="Consolas" panose="020B0609020204030204" pitchFamily="49" charset="0"/>
+              </a:rPr>
+              <a:t>238px</a:t>
+            </a:r>
+            <a:r>
+              <a:rPr lang="en-US" altLang="en-US" sz="1600" dirty="0">
+                <a:solidFill>
+                  <a:srgbClr val="000000"/>
+                </a:solidFill>
+                <a:latin typeface="Consolas" panose="020B0609020204030204" pitchFamily="49" charset="0"/>
+              </a:rPr>
+              <a:t>; </a:t>
+            </a:r>
+            <a:r>
+              <a:rPr lang="en-US" altLang="en-US" sz="1600" b="1" dirty="0">
+                <a:solidFill>
+                  <a:srgbClr val="006699"/>
+                </a:solidFill>
+                <a:latin typeface="Consolas" panose="020B0609020204030204" pitchFamily="49" charset="0"/>
+              </a:rPr>
+              <a:t>height</a:t>
+            </a:r>
+            <a:r>
+              <a:rPr lang="en-US" altLang="en-US" sz="1600" dirty="0">
+                <a:solidFill>
+                  <a:srgbClr val="000000"/>
+                </a:solidFill>
+                <a:latin typeface="Consolas" panose="020B0609020204030204" pitchFamily="49" charset="0"/>
+              </a:rPr>
+              <a:t>: </a:t>
+            </a:r>
+            <a:r>
+              <a:rPr lang="en-US" altLang="en-US" sz="1600" dirty="0">
+                <a:solidFill>
+                  <a:srgbClr val="009900"/>
+                </a:solidFill>
+                <a:latin typeface="Consolas" panose="020B0609020204030204" pitchFamily="49" charset="0"/>
+              </a:rPr>
+              <a:t>142px</a:t>
+            </a:r>
+            <a:r>
+              <a:rPr lang="en-US" altLang="en-US" sz="1600" dirty="0">
+                <a:solidFill>
+                  <a:srgbClr val="000000"/>
+                </a:solidFill>
+                <a:latin typeface="Consolas" panose="020B0609020204030204" pitchFamily="49" charset="0"/>
+              </a:rPr>
+              <a:t>; }</a:t>
+            </a:r>
+            <a:endParaRPr lang="en-US" altLang="en-US" sz="1600" dirty="0">
+              <a:latin typeface="Arial" panose="020B0604020202020204" pitchFamily="34" charset="0"/>
+            </a:endParaRPr>
+          </a:p>
+        </p:txBody>
+      </p:sp>
+      <p:sp>
+        <p:nvSpPr>
+          <p:cNvPr id="24" name="Subtitle 2"/>
+          <p:cNvSpPr txBox="1">
+            <a:spLocks/>
+          </p:cNvSpPr>
+          <p:nvPr/>
+        </p:nvSpPr>
+        <p:spPr>
+          <a:xfrm>
+            <a:off x="281354" y="3657600"/>
+            <a:ext cx="8648053" cy="2514600"/>
+          </a:xfrm>
+          <a:prstGeom prst="rect">
+            <a:avLst/>
+          </a:prstGeom>
+        </p:spPr>
+        <p:txBody>
+          <a:bodyPr vert="horz" lIns="91440" tIns="45720" rIns="91440" bIns="45720" rtlCol="0">
+            <a:noAutofit/>
+          </a:bodyPr>
+          <a:lstStyle>
+            <a:lvl1pPr marL="0" indent="0" algn="ctr" defTabSz="914400" rtl="0" eaLnBrk="1" latinLnBrk="0" hangingPunct="1">
+              <a:spcBef>
+                <a:spcPct val="20000"/>
+              </a:spcBef>
+              <a:buFont typeface="Arial" pitchFamily="34" charset="0"/>
+              <a:buNone/>
+              <a:defRPr sz="2400" kern="1200">
+                <a:solidFill>
+                  <a:schemeClr val="tx1">
+                    <a:tint val="75000"/>
+                  </a:schemeClr>
+                </a:solidFill>
+                <a:latin typeface="+mj-lt"/>
+                <a:ea typeface="+mn-ea"/>
+                <a:cs typeface="+mn-cs"/>
+              </a:defRPr>
+            </a:lvl1pPr>
+            <a:lvl2pPr marL="457200" indent="0" algn="ctr" defTabSz="914400" rtl="0" eaLnBrk="1" latinLnBrk="0" hangingPunct="1">
+              <a:spcBef>
+                <a:spcPct val="20000"/>
+              </a:spcBef>
+              <a:buFont typeface="Courier New" pitchFamily="49" charset="0"/>
+              <a:buNone/>
+              <a:defRPr sz="1600" kern="1200">
+                <a:solidFill>
+                  <a:schemeClr val="tx1">
+                    <a:tint val="75000"/>
+                  </a:schemeClr>
+                </a:solidFill>
+                <a:latin typeface="+mj-lt"/>
+                <a:ea typeface="+mn-ea"/>
+                <a:cs typeface="+mn-cs"/>
+              </a:defRPr>
+            </a:lvl2pPr>
+            <a:lvl3pPr marL="914400" indent="0" algn="ctr" defTabSz="914400" rtl="0" eaLnBrk="1" latinLnBrk="0" hangingPunct="1">
+              <a:spcBef>
+                <a:spcPct val="20000"/>
+              </a:spcBef>
+              <a:buFont typeface="Arial" pitchFamily="34" charset="0"/>
+              <a:buNone/>
+              <a:defRPr sz="1600" kern="1200">
+                <a:solidFill>
+                  <a:schemeClr val="tx1">
+                    <a:tint val="75000"/>
+                  </a:schemeClr>
+                </a:solidFill>
+                <a:latin typeface="+mj-lt"/>
+                <a:ea typeface="+mn-ea"/>
+                <a:cs typeface="+mn-cs"/>
+              </a:defRPr>
+            </a:lvl3pPr>
+            <a:lvl4pPr marL="1371600" indent="0" algn="ctr" defTabSz="914400" rtl="0" eaLnBrk="1" latinLnBrk="0" hangingPunct="1">
+              <a:spcBef>
+                <a:spcPct val="20000"/>
+              </a:spcBef>
+              <a:buFont typeface="Courier New" pitchFamily="49" charset="0"/>
+              <a:buNone/>
+              <a:defRPr sz="1600" kern="1200">
+                <a:solidFill>
+                  <a:schemeClr val="tx1">
+                    <a:tint val="75000"/>
+                  </a:schemeClr>
+                </a:solidFill>
+                <a:latin typeface="+mj-lt"/>
+                <a:ea typeface="+mn-ea"/>
+                <a:cs typeface="+mn-cs"/>
+              </a:defRPr>
+            </a:lvl4pPr>
+            <a:lvl5pPr marL="1828800" indent="0" algn="ctr" defTabSz="914400" rtl="0" eaLnBrk="1" latinLnBrk="0" hangingPunct="1">
+              <a:spcBef>
+                <a:spcPct val="20000"/>
+              </a:spcBef>
+              <a:buFont typeface="Arial" pitchFamily="34" charset="0"/>
+              <a:buNone/>
+              <a:defRPr sz="1600" kern="1200">
+                <a:solidFill>
+                  <a:schemeClr val="tx1">
+                    <a:tint val="75000"/>
+                  </a:schemeClr>
+                </a:solidFill>
+                <a:latin typeface="+mj-lt"/>
+                <a:ea typeface="+mn-ea"/>
+                <a:cs typeface="+mn-cs"/>
+              </a:defRPr>
+            </a:lvl5pPr>
+            <a:lvl6pPr marL="2286000" indent="0" algn="ctr" defTabSz="914400" rtl="0" eaLnBrk="1" latinLnBrk="0" hangingPunct="1">
+              <a:spcBef>
+                <a:spcPct val="20000"/>
+              </a:spcBef>
+              <a:buFont typeface="Courier New" pitchFamily="49" charset="0"/>
+              <a:buNone/>
+              <a:defRPr sz="1600" kern="1200">
+                <a:solidFill>
+                  <a:schemeClr val="tx1">
+                    <a:tint val="75000"/>
+                  </a:schemeClr>
+                </a:solidFill>
+                <a:latin typeface="+mj-lt"/>
+                <a:ea typeface="+mn-ea"/>
+                <a:cs typeface="+mn-cs"/>
+              </a:defRPr>
+            </a:lvl6pPr>
+            <a:lvl7pPr marL="2743200" indent="0" algn="ctr" defTabSz="914400" rtl="0" eaLnBrk="1" latinLnBrk="0" hangingPunct="1">
+              <a:spcBef>
+                <a:spcPct val="20000"/>
+              </a:spcBef>
+              <a:buFont typeface="Arial" pitchFamily="34" charset="0"/>
+              <a:buNone/>
+              <a:defRPr sz="1600" kern="1200">
+                <a:solidFill>
+                  <a:schemeClr val="tx1">
+                    <a:tint val="75000"/>
+                  </a:schemeClr>
+                </a:solidFill>
+                <a:latin typeface="+mj-lt"/>
+                <a:ea typeface="+mn-ea"/>
+                <a:cs typeface="+mn-cs"/>
+              </a:defRPr>
+            </a:lvl7pPr>
+            <a:lvl8pPr marL="3200400" indent="0" algn="ctr" defTabSz="914400" rtl="0" eaLnBrk="1" latinLnBrk="0" hangingPunct="1">
+              <a:spcBef>
+                <a:spcPct val="20000"/>
+              </a:spcBef>
+              <a:buFont typeface="Courier New" pitchFamily="49" charset="0"/>
+              <a:buNone/>
+              <a:defRPr sz="1600" kern="1200">
+                <a:solidFill>
+                  <a:schemeClr val="tx1">
+                    <a:tint val="75000"/>
+                  </a:schemeClr>
+                </a:solidFill>
+                <a:latin typeface="+mj-lt"/>
+                <a:ea typeface="+mn-ea"/>
+                <a:cs typeface="+mn-cs"/>
+              </a:defRPr>
+            </a:lvl8pPr>
+            <a:lvl9pPr marL="3657600" indent="0" algn="ctr" defTabSz="914400" rtl="0" eaLnBrk="1" latinLnBrk="0" hangingPunct="1">
+              <a:spcBef>
+                <a:spcPct val="20000"/>
+              </a:spcBef>
+              <a:buFont typeface="Arial" pitchFamily="34" charset="0"/>
+              <a:buNone/>
+              <a:defRPr sz="1600" kern="1200">
+                <a:solidFill>
+                  <a:schemeClr val="tx1">
+                    <a:tint val="75000"/>
+                  </a:schemeClr>
+                </a:solidFill>
+                <a:latin typeface="+mj-lt"/>
+                <a:ea typeface="+mn-ea"/>
+                <a:cs typeface="+mn-cs"/>
+              </a:defRPr>
+            </a:lvl9pPr>
+          </a:lstStyle>
+          <a:p>
+            <a:pPr algn="l"/>
+            <a:r>
+              <a:rPr lang="en-US" altLang="en-US" sz="3200" dirty="0" smtClean="0"/>
+              <a:t>With Sprites</a:t>
+            </a:r>
+            <a:endParaRPr lang="en-US" sz="3200" dirty="0"/>
+          </a:p>
+        </p:txBody>
+      </p:sp>
+      <p:sp>
+        <p:nvSpPr>
+          <p:cNvPr id="10" name="Oval Callout 9"/>
+          <p:cNvSpPr/>
+          <p:nvPr/>
+        </p:nvSpPr>
+        <p:spPr>
+          <a:xfrm>
+            <a:off x="4724017" y="3613150"/>
+            <a:ext cx="1676400" cy="654050"/>
+          </a:xfrm>
+          <a:prstGeom prst="wedgeEllipseCallout">
+            <a:avLst>
+              <a:gd name="adj1" fmla="val -16410"/>
+              <a:gd name="adj2" fmla="val 101545"/>
+            </a:avLst>
+          </a:prstGeom>
+          <a:solidFill>
+            <a:srgbClr val="FF9900"/>
+          </a:solidFill>
+        </p:spPr>
+        <p:style>
+          <a:lnRef idx="2">
+            <a:schemeClr val="accent1">
+              <a:shade val="50000"/>
+            </a:schemeClr>
+          </a:lnRef>
+          <a:fillRef idx="1">
+            <a:schemeClr val="accent1"/>
+          </a:fillRef>
+          <a:effectRef idx="0">
+            <a:schemeClr val="accent1"/>
+          </a:effectRef>
+          <a:fontRef idx="minor">
+            <a:schemeClr val="lt1"/>
+          </a:fontRef>
+        </p:style>
+        <p:txBody>
+          <a:bodyPr rtlCol="0" anchor="ctr"/>
+          <a:lstStyle/>
+          <a:p>
+            <a:pPr algn="ctr"/>
+            <a:r>
+              <a:rPr lang="en-US" dirty="0" smtClean="0">
+                <a:solidFill>
+                  <a:schemeClr val="tx1"/>
+                </a:solidFill>
+              </a:rPr>
+              <a:t>1 request</a:t>
+            </a:r>
+            <a:endParaRPr lang="en-US" dirty="0">
+              <a:solidFill>
+                <a:schemeClr val="tx1"/>
+              </a:solidFill>
+            </a:endParaRPr>
+          </a:p>
+        </p:txBody>
+      </p:sp>
+      <p:sp>
+        <p:nvSpPr>
+          <p:cNvPr id="25" name="Oval Callout 24"/>
+          <p:cNvSpPr/>
+          <p:nvPr/>
+        </p:nvSpPr>
+        <p:spPr>
+          <a:xfrm>
+            <a:off x="6866878" y="3514725"/>
+            <a:ext cx="1896122" cy="654050"/>
+          </a:xfrm>
+          <a:prstGeom prst="wedgeEllipseCallout">
+            <a:avLst>
+              <a:gd name="adj1" fmla="val -20833"/>
+              <a:gd name="adj2" fmla="val -127686"/>
+            </a:avLst>
+          </a:prstGeom>
+          <a:solidFill>
+            <a:srgbClr val="FF9900"/>
+          </a:solidFill>
+        </p:spPr>
+        <p:style>
+          <a:lnRef idx="2">
+            <a:schemeClr val="accent1">
+              <a:shade val="50000"/>
+            </a:schemeClr>
+          </a:lnRef>
+          <a:fillRef idx="1">
+            <a:schemeClr val="accent1"/>
+          </a:fillRef>
+          <a:effectRef idx="0">
+            <a:schemeClr val="accent1"/>
+          </a:effectRef>
+          <a:fontRef idx="minor">
+            <a:schemeClr val="lt1"/>
+          </a:fontRef>
+        </p:style>
+        <p:txBody>
+          <a:bodyPr rtlCol="0" anchor="ctr"/>
+          <a:lstStyle/>
+          <a:p>
+            <a:pPr algn="ctr"/>
+            <a:r>
+              <a:rPr lang="en-US" dirty="0">
+                <a:solidFill>
+                  <a:schemeClr val="tx1"/>
+                </a:solidFill>
+              </a:rPr>
+              <a:t>3</a:t>
+            </a:r>
+            <a:r>
+              <a:rPr lang="en-US" dirty="0" smtClean="0">
+                <a:solidFill>
+                  <a:schemeClr val="tx1"/>
+                </a:solidFill>
+              </a:rPr>
+              <a:t> requests</a:t>
+            </a:r>
+            <a:endParaRPr lang="en-US" dirty="0">
+              <a:solidFill>
+                <a:schemeClr val="tx1"/>
+              </a:solidFill>
+            </a:endParaRPr>
+          </a:p>
+        </p:txBody>
+      </p:sp>
+    </p:spTree>
+    <p:extLst>
+      <p:ext uri="{BB962C8B-B14F-4D97-AF65-F5344CB8AC3E}">
+        <p14:creationId xmlns:p14="http://schemas.microsoft.com/office/powerpoint/2010/main" val="1031601473"/>
+      </p:ext>
+    </p:extLst>
+  </p:cSld>
+  <p:clrMapOvr>
+    <a:masterClrMapping/>
+  </p:clrMapOvr>
+</p:sld>
+</file>
+
+<file path=ppt/slides/slide11.xml><?xml version="1.0" encoding="utf-8"?>
+<p:sld xmlns:a="http://schemas.openxmlformats.org/drawingml/2006/main" xmlns:r="http://schemas.openxmlformats.org/officeDocument/2006/relationships" xmlns:p="http://schemas.openxmlformats.org/presentationml/2006/main">
+  <p:cSld>
+    <p:spTree>
+      <p:nvGrpSpPr>
+        <p:cNvPr id="1" name=""/>
+        <p:cNvGrpSpPr/>
+        <p:nvPr/>
+      </p:nvGrpSpPr>
+      <p:grpSpPr>
+        <a:xfrm>
+          <a:off x="0" y="0"/>
+          <a:ext cx="0" cy="0"/>
+          <a:chOff x="0" y="0"/>
+          <a:chExt cx="0" cy="0"/>
+        </a:xfrm>
+      </p:grpSpPr>
+      <p:sp>
+        <p:nvSpPr>
+          <p:cNvPr id="4" name="Date Placeholder 3"/>
+          <p:cNvSpPr>
+            <a:spLocks noGrp="1"/>
+          </p:cNvSpPr>
+          <p:nvPr>
+            <p:ph type="dt" sz="half" idx="10"/>
+          </p:nvPr>
+        </p:nvSpPr>
+        <p:spPr/>
+        <p:txBody>
+          <a:bodyPr/>
+          <a:lstStyle/>
+          <a:p>
+            <a:fld id="{216C5678-EE20-4FA5-88E2-6E0BD67A2E26}" type="datetime1">
+              <a:rPr lang="en-US" smtClean="0"/>
+              <a:t>12/10/2017</a:t>
+            </a:fld>
+            <a:endParaRPr lang="en-US" dirty="0"/>
+          </a:p>
+        </p:txBody>
+      </p:sp>
+      <p:sp>
+        <p:nvSpPr>
+          <p:cNvPr id="5" name="Slide Number Placeholder 4"/>
+          <p:cNvSpPr>
+            <a:spLocks noGrp="1"/>
+          </p:cNvSpPr>
+          <p:nvPr>
+            <p:ph type="sldNum" sz="quarter" idx="11"/>
+          </p:nvPr>
+        </p:nvSpPr>
+        <p:spPr/>
+        <p:txBody>
+          <a:bodyPr/>
+          <a:lstStyle/>
+          <a:p>
+            <a:fld id="{BA9B540C-44DA-4F69-89C9-7C84606640D3}" type="slidenum">
+              <a:rPr lang="en-US" smtClean="0"/>
+              <a:pPr/>
+              <a:t>11</a:t>
             </a:fld>
             <a:endParaRPr lang="en-US" dirty="0"/>
           </a:p>
@@ -4308,7 +6373,7 @@
 </p:sld>
 </file>
 
-<file path=ppt/slides/slide11.xml><?xml version="1.0" encoding="utf-8"?>
+<file path=ppt/slides/slide12.xml><?xml version="1.0" encoding="utf-8"?>
 <p:sld xmlns:a="http://schemas.openxmlformats.org/drawingml/2006/main" xmlns:r="http://schemas.openxmlformats.org/officeDocument/2006/relationships" xmlns:p="http://schemas.openxmlformats.org/presentationml/2006/main">
   <p:cSld>
     <p:bg>
@@ -4348,7 +6413,7 @@
           <a:p>
             <a:fld id="{216C5678-EE20-4FA5-88E2-6E0BD67A2E26}" type="datetime1">
               <a:rPr lang="en-US" smtClean="0"/>
-              <a:t>12/3/2017</a:t>
+              <a:t>12/10/2017</a:t>
             </a:fld>
             <a:endParaRPr lang="en-US" dirty="0"/>
           </a:p>
@@ -4372,7 +6437,7 @@
             <a:fld id="{BA9B540C-44DA-4F69-89C9-7C84606640D3}" type="slidenum">
               <a:rPr lang="en-US" smtClean="0"/>
               <a:pPr/>
-              <a:t>11</a:t>
+              <a:t>12</a:t>
             </a:fld>
             <a:endParaRPr lang="en-US" dirty="0"/>
           </a:p>
@@ -4707,7 +6772,7 @@
 </p:sld>
 </file>
 
-<file path=ppt/slides/slide12.xml><?xml version="1.0" encoding="utf-8"?>
+<file path=ppt/slides/slide13.xml><?xml version="1.0" encoding="utf-8"?>
 <p:sld xmlns:a="http://schemas.openxmlformats.org/drawingml/2006/main" xmlns:r="http://schemas.openxmlformats.org/officeDocument/2006/relationships" xmlns:p="http://schemas.openxmlformats.org/presentationml/2006/main">
   <p:cSld>
     <p:spTree>
@@ -4741,7 +6806,7 @@
           <a:p>
             <a:fld id="{216C5678-EE20-4FA5-88E2-6E0BD67A2E26}" type="datetime1">
               <a:rPr lang="en-US" smtClean="0"/>
-              <a:t>12/3/2017</a:t>
+              <a:t>12/10/2017</a:t>
             </a:fld>
             <a:endParaRPr lang="en-US" dirty="0"/>
           </a:p>
@@ -4765,7 +6830,7 @@
             <a:fld id="{BA9B540C-44DA-4F69-89C9-7C84606640D3}" type="slidenum">
               <a:rPr lang="en-US" smtClean="0"/>
               <a:pPr/>
-              <a:t>12</a:t>
+              <a:t>13</a:t>
             </a:fld>
             <a:endParaRPr lang="en-US" dirty="0"/>
           </a:p>
@@ -4912,492 +6977,6 @@
 </p:sld>
 </file>
 
-<file path=ppt/slides/slide13.xml><?xml version="1.0" encoding="utf-8"?>
-<p:sld xmlns:a="http://schemas.openxmlformats.org/drawingml/2006/main" xmlns:r="http://schemas.openxmlformats.org/officeDocument/2006/relationships" xmlns:p="http://schemas.openxmlformats.org/presentationml/2006/main">
-  <p:cSld>
-    <p:spTree>
-      <p:nvGrpSpPr>
-        <p:cNvPr id="1" name=""/>
-        <p:cNvGrpSpPr/>
-        <p:nvPr/>
-      </p:nvGrpSpPr>
-      <p:grpSpPr>
-        <a:xfrm>
-          <a:off x="0" y="0"/>
-          <a:ext cx="0" cy="0"/>
-          <a:chOff x="0" y="0"/>
-          <a:chExt cx="0" cy="0"/>
-        </a:xfrm>
-      </p:grpSpPr>
-      <p:sp>
-        <p:nvSpPr>
-          <p:cNvPr id="4" name="Date Placeholder 3"/>
-          <p:cNvSpPr>
-            <a:spLocks noGrp="1"/>
-          </p:cNvSpPr>
-          <p:nvPr>
-            <p:ph type="dt" sz="half" idx="10"/>
-          </p:nvPr>
-        </p:nvSpPr>
-        <p:spPr/>
-        <p:txBody>
-          <a:bodyPr/>
-          <a:lstStyle/>
-          <a:p>
-            <a:fld id="{216C5678-EE20-4FA5-88E2-6E0BD67A2E26}" type="datetime1">
-              <a:rPr lang="en-US" smtClean="0"/>
-              <a:t>12/3/2017</a:t>
-            </a:fld>
-            <a:endParaRPr lang="en-US" dirty="0"/>
-          </a:p>
-        </p:txBody>
-      </p:sp>
-      <p:sp>
-        <p:nvSpPr>
-          <p:cNvPr id="5" name="Slide Number Placeholder 4"/>
-          <p:cNvSpPr>
-            <a:spLocks noGrp="1"/>
-          </p:cNvSpPr>
-          <p:nvPr>
-            <p:ph type="sldNum" sz="quarter" idx="11"/>
-          </p:nvPr>
-        </p:nvSpPr>
-        <p:spPr/>
-        <p:txBody>
-          <a:bodyPr/>
-          <a:lstStyle/>
-          <a:p>
-            <a:fld id="{BA9B540C-44DA-4F69-89C9-7C84606640D3}" type="slidenum">
-              <a:rPr lang="en-US" smtClean="0"/>
-              <a:pPr/>
-              <a:t>13</a:t>
-            </a:fld>
-            <a:endParaRPr lang="en-US" dirty="0"/>
-          </a:p>
-        </p:txBody>
-      </p:sp>
-      <p:sp>
-        <p:nvSpPr>
-          <p:cNvPr id="6" name="Footer Placeholder 5"/>
-          <p:cNvSpPr>
-            <a:spLocks noGrp="1"/>
-          </p:cNvSpPr>
-          <p:nvPr>
-            <p:ph type="ftr" sz="quarter" idx="12"/>
-          </p:nvPr>
-        </p:nvSpPr>
-        <p:spPr/>
-        <p:txBody>
-          <a:bodyPr/>
-          <a:lstStyle/>
-          <a:p>
-            <a:r>
-              <a:rPr lang="en-US" smtClean="0"/>
-              <a:t>Footer Text</a:t>
-            </a:r>
-            <a:endParaRPr lang="en-US" dirty="0"/>
-          </a:p>
-        </p:txBody>
-      </p:sp>
-      <p:sp>
-        <p:nvSpPr>
-          <p:cNvPr id="7" name="Title 1"/>
-          <p:cNvSpPr>
-            <a:spLocks noGrp="1"/>
-          </p:cNvSpPr>
-          <p:nvPr>
-            <p:ph type="ctrTitle"/>
-          </p:nvPr>
-        </p:nvSpPr>
-        <p:spPr>
-          <a:xfrm>
-            <a:off x="380999" y="228600"/>
-            <a:ext cx="8724253" cy="685800"/>
-          </a:xfrm>
-        </p:spPr>
-        <p:txBody>
-          <a:bodyPr/>
-          <a:lstStyle/>
-          <a:p>
-            <a:pPr algn="l"/>
-            <a:r>
-              <a:rPr lang="en-US" sz="4000" dirty="0"/>
-              <a:t>Content Delivery Network (</a:t>
-            </a:r>
-            <a:r>
-              <a:rPr lang="en-US" sz="4000" dirty="0" err="1"/>
-              <a:t>cont</a:t>
-            </a:r>
-            <a:r>
-              <a:rPr lang="en-US" sz="4000" dirty="0"/>
-              <a:t>) </a:t>
-            </a:r>
-          </a:p>
-        </p:txBody>
-      </p:sp>
-      <p:sp>
-        <p:nvSpPr>
-          <p:cNvPr id="15" name="Subtitle 2"/>
-          <p:cNvSpPr>
-            <a:spLocks noGrp="1"/>
-          </p:cNvSpPr>
-          <p:nvPr>
-            <p:ph type="subTitle" idx="1"/>
-          </p:nvPr>
-        </p:nvSpPr>
-        <p:spPr>
-          <a:xfrm>
-            <a:off x="363415" y="1066800"/>
-            <a:ext cx="8648053" cy="2057400"/>
-          </a:xfrm>
-        </p:spPr>
-        <p:txBody>
-          <a:bodyPr>
-            <a:noAutofit/>
-          </a:bodyPr>
-          <a:lstStyle/>
-          <a:p>
-            <a:pPr marL="457200" indent="-457200" algn="l">
-              <a:buFont typeface="Arial" panose="020B0604020202020204" pitchFamily="34" charset="0"/>
-              <a:buChar char="•"/>
-            </a:pPr>
-            <a:r>
-              <a:rPr lang="en-US" sz="3200" dirty="0" smtClean="0"/>
-              <a:t>Allow browser to cache resources if all resources come from the same domain (</a:t>
-            </a:r>
-            <a:r>
-              <a:rPr lang="en-US" sz="3200" dirty="0" err="1" smtClean="0"/>
-              <a:t>eg</a:t>
-            </a:r>
-            <a:r>
-              <a:rPr lang="en-US" sz="3200" dirty="0" smtClean="0"/>
-              <a:t> </a:t>
-            </a:r>
-            <a:r>
-              <a:rPr lang="en-US" sz="3200" dirty="0" smtClean="0">
-                <a:hlinkClick r:id="rId2"/>
-              </a:rPr>
-              <a:t>http://acme.com/cdn</a:t>
-            </a:r>
-            <a:r>
-              <a:rPr lang="en-US" sz="3200" dirty="0" smtClean="0"/>
-              <a:t>)</a:t>
-            </a:r>
-          </a:p>
-          <a:p>
-            <a:pPr algn="l"/>
-            <a:endParaRPr lang="en-US" dirty="0"/>
-          </a:p>
-          <a:p>
-            <a:pPr algn="l"/>
-            <a:endParaRPr lang="en-US" dirty="0"/>
-          </a:p>
-          <a:p>
-            <a:pPr algn="l"/>
-            <a:endParaRPr lang="en-US" sz="3200" dirty="0" smtClean="0"/>
-          </a:p>
-          <a:p>
-            <a:pPr marL="342900" indent="-342900" algn="l">
-              <a:buFont typeface="Arial" panose="020B0604020202020204" pitchFamily="34" charset="0"/>
-              <a:buChar char="•"/>
-            </a:pPr>
-            <a:endParaRPr lang="en-US" sz="3200" dirty="0"/>
-          </a:p>
-        </p:txBody>
-      </p:sp>
-      <p:sp>
-        <p:nvSpPr>
-          <p:cNvPr id="8" name="Subtitle 2"/>
-          <p:cNvSpPr txBox="1">
-            <a:spLocks/>
-          </p:cNvSpPr>
-          <p:nvPr/>
-        </p:nvSpPr>
-        <p:spPr>
-          <a:xfrm>
-            <a:off x="363415" y="2819400"/>
-            <a:ext cx="8648053" cy="5257800"/>
-          </a:xfrm>
-          <a:prstGeom prst="rect">
-            <a:avLst/>
-          </a:prstGeom>
-        </p:spPr>
-        <p:txBody>
-          <a:bodyPr vert="horz" lIns="91440" tIns="45720" rIns="91440" bIns="45720" rtlCol="0">
-            <a:noAutofit/>
-          </a:bodyPr>
-          <a:lstStyle>
-            <a:lvl1pPr marL="0" indent="0" algn="ctr" defTabSz="914400" rtl="0" eaLnBrk="1" latinLnBrk="0" hangingPunct="1">
-              <a:spcBef>
-                <a:spcPct val="20000"/>
-              </a:spcBef>
-              <a:buFont typeface="Arial" pitchFamily="34" charset="0"/>
-              <a:buNone/>
-              <a:defRPr sz="2400" kern="1200">
-                <a:solidFill>
-                  <a:schemeClr val="tx1">
-                    <a:tint val="75000"/>
-                  </a:schemeClr>
-                </a:solidFill>
-                <a:latin typeface="+mj-lt"/>
-                <a:ea typeface="+mn-ea"/>
-                <a:cs typeface="+mn-cs"/>
-              </a:defRPr>
-            </a:lvl1pPr>
-            <a:lvl2pPr marL="457200" indent="0" algn="ctr" defTabSz="914400" rtl="0" eaLnBrk="1" latinLnBrk="0" hangingPunct="1">
-              <a:spcBef>
-                <a:spcPct val="20000"/>
-              </a:spcBef>
-              <a:buFont typeface="Courier New" pitchFamily="49" charset="0"/>
-              <a:buNone/>
-              <a:defRPr sz="1600" kern="1200">
-                <a:solidFill>
-                  <a:schemeClr val="tx1">
-                    <a:tint val="75000"/>
-                  </a:schemeClr>
-                </a:solidFill>
-                <a:latin typeface="+mj-lt"/>
-                <a:ea typeface="+mn-ea"/>
-                <a:cs typeface="+mn-cs"/>
-              </a:defRPr>
-            </a:lvl2pPr>
-            <a:lvl3pPr marL="914400" indent="0" algn="ctr" defTabSz="914400" rtl="0" eaLnBrk="1" latinLnBrk="0" hangingPunct="1">
-              <a:spcBef>
-                <a:spcPct val="20000"/>
-              </a:spcBef>
-              <a:buFont typeface="Arial" pitchFamily="34" charset="0"/>
-              <a:buNone/>
-              <a:defRPr sz="1600" kern="1200">
-                <a:solidFill>
-                  <a:schemeClr val="tx1">
-                    <a:tint val="75000"/>
-                  </a:schemeClr>
-                </a:solidFill>
-                <a:latin typeface="+mj-lt"/>
-                <a:ea typeface="+mn-ea"/>
-                <a:cs typeface="+mn-cs"/>
-              </a:defRPr>
-            </a:lvl3pPr>
-            <a:lvl4pPr marL="1371600" indent="0" algn="ctr" defTabSz="914400" rtl="0" eaLnBrk="1" latinLnBrk="0" hangingPunct="1">
-              <a:spcBef>
-                <a:spcPct val="20000"/>
-              </a:spcBef>
-              <a:buFont typeface="Courier New" pitchFamily="49" charset="0"/>
-              <a:buNone/>
-              <a:defRPr sz="1600" kern="1200">
-                <a:solidFill>
-                  <a:schemeClr val="tx1">
-                    <a:tint val="75000"/>
-                  </a:schemeClr>
-                </a:solidFill>
-                <a:latin typeface="+mj-lt"/>
-                <a:ea typeface="+mn-ea"/>
-                <a:cs typeface="+mn-cs"/>
-              </a:defRPr>
-            </a:lvl4pPr>
-            <a:lvl5pPr marL="1828800" indent="0" algn="ctr" defTabSz="914400" rtl="0" eaLnBrk="1" latinLnBrk="0" hangingPunct="1">
-              <a:spcBef>
-                <a:spcPct val="20000"/>
-              </a:spcBef>
-              <a:buFont typeface="Arial" pitchFamily="34" charset="0"/>
-              <a:buNone/>
-              <a:defRPr sz="1600" kern="1200">
-                <a:solidFill>
-                  <a:schemeClr val="tx1">
-                    <a:tint val="75000"/>
-                  </a:schemeClr>
-                </a:solidFill>
-                <a:latin typeface="+mj-lt"/>
-                <a:ea typeface="+mn-ea"/>
-                <a:cs typeface="+mn-cs"/>
-              </a:defRPr>
-            </a:lvl5pPr>
-            <a:lvl6pPr marL="2286000" indent="0" algn="ctr" defTabSz="914400" rtl="0" eaLnBrk="1" latinLnBrk="0" hangingPunct="1">
-              <a:spcBef>
-                <a:spcPct val="20000"/>
-              </a:spcBef>
-              <a:buFont typeface="Courier New" pitchFamily="49" charset="0"/>
-              <a:buNone/>
-              <a:defRPr sz="1600" kern="1200">
-                <a:solidFill>
-                  <a:schemeClr val="tx1">
-                    <a:tint val="75000"/>
-                  </a:schemeClr>
-                </a:solidFill>
-                <a:latin typeface="+mj-lt"/>
-                <a:ea typeface="+mn-ea"/>
-                <a:cs typeface="+mn-cs"/>
-              </a:defRPr>
-            </a:lvl6pPr>
-            <a:lvl7pPr marL="2743200" indent="0" algn="ctr" defTabSz="914400" rtl="0" eaLnBrk="1" latinLnBrk="0" hangingPunct="1">
-              <a:spcBef>
-                <a:spcPct val="20000"/>
-              </a:spcBef>
-              <a:buFont typeface="Arial" pitchFamily="34" charset="0"/>
-              <a:buNone/>
-              <a:defRPr sz="1600" kern="1200">
-                <a:solidFill>
-                  <a:schemeClr val="tx1">
-                    <a:tint val="75000"/>
-                  </a:schemeClr>
-                </a:solidFill>
-                <a:latin typeface="+mj-lt"/>
-                <a:ea typeface="+mn-ea"/>
-                <a:cs typeface="+mn-cs"/>
-              </a:defRPr>
-            </a:lvl7pPr>
-            <a:lvl8pPr marL="3200400" indent="0" algn="ctr" defTabSz="914400" rtl="0" eaLnBrk="1" latinLnBrk="0" hangingPunct="1">
-              <a:spcBef>
-                <a:spcPct val="20000"/>
-              </a:spcBef>
-              <a:buFont typeface="Courier New" pitchFamily="49" charset="0"/>
-              <a:buNone/>
-              <a:defRPr sz="1600" kern="1200">
-                <a:solidFill>
-                  <a:schemeClr val="tx1">
-                    <a:tint val="75000"/>
-                  </a:schemeClr>
-                </a:solidFill>
-                <a:latin typeface="+mj-lt"/>
-                <a:ea typeface="+mn-ea"/>
-                <a:cs typeface="+mn-cs"/>
-              </a:defRPr>
-            </a:lvl8pPr>
-            <a:lvl9pPr marL="3657600" indent="0" algn="ctr" defTabSz="914400" rtl="0" eaLnBrk="1" latinLnBrk="0" hangingPunct="1">
-              <a:spcBef>
-                <a:spcPct val="20000"/>
-              </a:spcBef>
-              <a:buFont typeface="Arial" pitchFamily="34" charset="0"/>
-              <a:buNone/>
-              <a:defRPr sz="1600" kern="1200">
-                <a:solidFill>
-                  <a:schemeClr val="tx1">
-                    <a:tint val="75000"/>
-                  </a:schemeClr>
-                </a:solidFill>
-                <a:latin typeface="+mj-lt"/>
-                <a:ea typeface="+mn-ea"/>
-                <a:cs typeface="+mn-cs"/>
-              </a:defRPr>
-            </a:lvl9pPr>
-          </a:lstStyle>
-          <a:p>
-            <a:pPr algn="l"/>
-            <a:r>
-              <a:rPr lang="en-US" b="1" dirty="0" smtClean="0"/>
-              <a:t>Without CDN</a:t>
-            </a:r>
-            <a:endParaRPr lang="en-US" dirty="0" smtClean="0"/>
-          </a:p>
-          <a:p>
-            <a:pPr algn="l"/>
-            <a:r>
-              <a:rPr lang="en-US" dirty="0" smtClean="0"/>
-              <a:t>Widget1:  </a:t>
-            </a:r>
-            <a:r>
-              <a:rPr lang="en-US" dirty="0" smtClean="0">
-                <a:hlinkClick r:id="rId3"/>
-              </a:rPr>
-              <a:t>http://acme.com/widget1/image1.png</a:t>
-            </a:r>
-            <a:endParaRPr lang="en-US" dirty="0" smtClean="0"/>
-          </a:p>
-          <a:p>
-            <a:pPr algn="l"/>
-            <a:r>
-              <a:rPr lang="en-US" dirty="0" smtClean="0"/>
-              <a:t>Widget2:  </a:t>
-            </a:r>
-            <a:r>
-              <a:rPr lang="en-US" dirty="0" smtClean="0">
-                <a:hlinkClick r:id="rId4"/>
-              </a:rPr>
-              <a:t>http://acme.com/widget2/image1.png</a:t>
-            </a:r>
-            <a:endParaRPr lang="en-US" dirty="0" smtClean="0"/>
-          </a:p>
-          <a:p>
-            <a:pPr algn="l"/>
-            <a:endParaRPr lang="en-US" dirty="0" smtClean="0"/>
-          </a:p>
-          <a:p>
-            <a:pPr algn="l"/>
-            <a:r>
-              <a:rPr lang="en-US" b="1" dirty="0" smtClean="0"/>
-              <a:t>With CDN</a:t>
-            </a:r>
-            <a:endParaRPr lang="en-US" dirty="0" smtClean="0"/>
-          </a:p>
-          <a:p>
-            <a:pPr algn="l"/>
-            <a:r>
-              <a:rPr lang="en-US" dirty="0" smtClean="0"/>
-              <a:t>Widget1:  </a:t>
-            </a:r>
-            <a:r>
-              <a:rPr lang="en-US" dirty="0" smtClean="0">
-                <a:hlinkClick r:id="rId5"/>
-              </a:rPr>
-              <a:t>http://acme.com/cdn/image1.png</a:t>
-            </a:r>
-            <a:endParaRPr lang="en-US" dirty="0" smtClean="0"/>
-          </a:p>
-          <a:p>
-            <a:pPr algn="l"/>
-            <a:r>
-              <a:rPr lang="en-US" dirty="0" smtClean="0"/>
-              <a:t>Widget2:  </a:t>
-            </a:r>
-            <a:r>
-              <a:rPr lang="en-US" dirty="0" smtClean="0">
-                <a:hlinkClick r:id="rId5"/>
-              </a:rPr>
-              <a:t>http://acme.com/cdn/image1.png</a:t>
-            </a:r>
-            <a:r>
-              <a:rPr lang="en-US" dirty="0" smtClean="0"/>
-              <a:t> (browser caches this request)</a:t>
-            </a:r>
-          </a:p>
-          <a:p>
-            <a:pPr algn="l"/>
-            <a:endParaRPr lang="en-US" dirty="0" smtClean="0"/>
-          </a:p>
-          <a:p>
-            <a:pPr algn="l"/>
-            <a:endParaRPr lang="en-US" dirty="0" smtClean="0"/>
-          </a:p>
-          <a:p>
-            <a:pPr algn="l"/>
-            <a:endParaRPr lang="en-US" dirty="0" smtClean="0"/>
-          </a:p>
-          <a:p>
-            <a:pPr algn="l"/>
-            <a:endParaRPr lang="en-US" sz="3200" dirty="0" smtClean="0"/>
-          </a:p>
-          <a:p>
-            <a:pPr marL="342900" indent="-342900" algn="l">
-              <a:buFont typeface="Arial" pitchFamily="34" charset="0"/>
-              <a:buChar char="•"/>
-            </a:pPr>
-            <a:endParaRPr lang="en-US" sz="3200" dirty="0"/>
-          </a:p>
-        </p:txBody>
-      </p:sp>
-    </p:spTree>
-    <p:extLst>
-      <p:ext uri="{BB962C8B-B14F-4D97-AF65-F5344CB8AC3E}">
-        <p14:creationId xmlns:p14="http://schemas.microsoft.com/office/powerpoint/2010/main" val="1845488523"/>
-      </p:ext>
-    </p:extLst>
-  </p:cSld>
-  <p:clrMapOvr>
-    <a:masterClrMapping/>
-  </p:clrMapOvr>
-</p:sld>
-</file>
-
 <file path=ppt/slides/slide14.xml><?xml version="1.0" encoding="utf-8"?>
 <p:sld xmlns:a="http://schemas.openxmlformats.org/drawingml/2006/main" xmlns:r="http://schemas.openxmlformats.org/officeDocument/2006/relationships" xmlns:p="http://schemas.openxmlformats.org/presentationml/2006/main">
   <p:cSld>
@@ -5432,7 +7011,7 @@
           <a:p>
             <a:fld id="{216C5678-EE20-4FA5-88E2-6E0BD67A2E26}" type="datetime1">
               <a:rPr lang="en-US" smtClean="0"/>
-              <a:t>12/3/2017</a:t>
+              <a:t>12/10/2017</a:t>
             </a:fld>
             <a:endParaRPr lang="en-US" dirty="0"/>
           </a:p>
@@ -5457,6 +7036,492 @@
               <a:rPr lang="en-US" smtClean="0"/>
               <a:pPr/>
               <a:t>14</a:t>
+            </a:fld>
+            <a:endParaRPr lang="en-US" dirty="0"/>
+          </a:p>
+        </p:txBody>
+      </p:sp>
+      <p:sp>
+        <p:nvSpPr>
+          <p:cNvPr id="6" name="Footer Placeholder 5"/>
+          <p:cNvSpPr>
+            <a:spLocks noGrp="1"/>
+          </p:cNvSpPr>
+          <p:nvPr>
+            <p:ph type="ftr" sz="quarter" idx="12"/>
+          </p:nvPr>
+        </p:nvSpPr>
+        <p:spPr/>
+        <p:txBody>
+          <a:bodyPr/>
+          <a:lstStyle/>
+          <a:p>
+            <a:r>
+              <a:rPr lang="en-US" smtClean="0"/>
+              <a:t>Footer Text</a:t>
+            </a:r>
+            <a:endParaRPr lang="en-US" dirty="0"/>
+          </a:p>
+        </p:txBody>
+      </p:sp>
+      <p:sp>
+        <p:nvSpPr>
+          <p:cNvPr id="7" name="Title 1"/>
+          <p:cNvSpPr>
+            <a:spLocks noGrp="1"/>
+          </p:cNvSpPr>
+          <p:nvPr>
+            <p:ph type="ctrTitle"/>
+          </p:nvPr>
+        </p:nvSpPr>
+        <p:spPr>
+          <a:xfrm>
+            <a:off x="380999" y="228600"/>
+            <a:ext cx="8724253" cy="685800"/>
+          </a:xfrm>
+        </p:spPr>
+        <p:txBody>
+          <a:bodyPr/>
+          <a:lstStyle/>
+          <a:p>
+            <a:pPr algn="l"/>
+            <a:r>
+              <a:rPr lang="en-US" sz="4000" dirty="0"/>
+              <a:t>Content Delivery Network (</a:t>
+            </a:r>
+            <a:r>
+              <a:rPr lang="en-US" sz="4000" dirty="0" err="1"/>
+              <a:t>cont</a:t>
+            </a:r>
+            <a:r>
+              <a:rPr lang="en-US" sz="4000" dirty="0"/>
+              <a:t>) </a:t>
+            </a:r>
+          </a:p>
+        </p:txBody>
+      </p:sp>
+      <p:sp>
+        <p:nvSpPr>
+          <p:cNvPr id="15" name="Subtitle 2"/>
+          <p:cNvSpPr>
+            <a:spLocks noGrp="1"/>
+          </p:cNvSpPr>
+          <p:nvPr>
+            <p:ph type="subTitle" idx="1"/>
+          </p:nvPr>
+        </p:nvSpPr>
+        <p:spPr>
+          <a:xfrm>
+            <a:off x="363415" y="1066800"/>
+            <a:ext cx="8648053" cy="2057400"/>
+          </a:xfrm>
+        </p:spPr>
+        <p:txBody>
+          <a:bodyPr>
+            <a:noAutofit/>
+          </a:bodyPr>
+          <a:lstStyle/>
+          <a:p>
+            <a:pPr marL="457200" indent="-457200" algn="l">
+              <a:buFont typeface="Arial" panose="020B0604020202020204" pitchFamily="34" charset="0"/>
+              <a:buChar char="•"/>
+            </a:pPr>
+            <a:r>
+              <a:rPr lang="en-US" sz="3200" dirty="0" smtClean="0"/>
+              <a:t>Allow browser to cache resources if all resources come from the same domain (</a:t>
+            </a:r>
+            <a:r>
+              <a:rPr lang="en-US" sz="3200" dirty="0" err="1" smtClean="0"/>
+              <a:t>eg</a:t>
+            </a:r>
+            <a:r>
+              <a:rPr lang="en-US" sz="3200" dirty="0" smtClean="0"/>
+              <a:t> </a:t>
+            </a:r>
+            <a:r>
+              <a:rPr lang="en-US" sz="3200" dirty="0" smtClean="0">
+                <a:hlinkClick r:id="rId2"/>
+              </a:rPr>
+              <a:t>http://acme.com/cdn</a:t>
+            </a:r>
+            <a:r>
+              <a:rPr lang="en-US" sz="3200" dirty="0" smtClean="0"/>
+              <a:t>)</a:t>
+            </a:r>
+          </a:p>
+          <a:p>
+            <a:pPr algn="l"/>
+            <a:endParaRPr lang="en-US" dirty="0"/>
+          </a:p>
+          <a:p>
+            <a:pPr algn="l"/>
+            <a:endParaRPr lang="en-US" dirty="0"/>
+          </a:p>
+          <a:p>
+            <a:pPr algn="l"/>
+            <a:endParaRPr lang="en-US" sz="3200" dirty="0" smtClean="0"/>
+          </a:p>
+          <a:p>
+            <a:pPr marL="342900" indent="-342900" algn="l">
+              <a:buFont typeface="Arial" panose="020B0604020202020204" pitchFamily="34" charset="0"/>
+              <a:buChar char="•"/>
+            </a:pPr>
+            <a:endParaRPr lang="en-US" sz="3200" dirty="0"/>
+          </a:p>
+        </p:txBody>
+      </p:sp>
+      <p:sp>
+        <p:nvSpPr>
+          <p:cNvPr id="8" name="Subtitle 2"/>
+          <p:cNvSpPr txBox="1">
+            <a:spLocks/>
+          </p:cNvSpPr>
+          <p:nvPr/>
+        </p:nvSpPr>
+        <p:spPr>
+          <a:xfrm>
+            <a:off x="363415" y="2819400"/>
+            <a:ext cx="8648053" cy="5257800"/>
+          </a:xfrm>
+          <a:prstGeom prst="rect">
+            <a:avLst/>
+          </a:prstGeom>
+        </p:spPr>
+        <p:txBody>
+          <a:bodyPr vert="horz" lIns="91440" tIns="45720" rIns="91440" bIns="45720" rtlCol="0">
+            <a:noAutofit/>
+          </a:bodyPr>
+          <a:lstStyle>
+            <a:lvl1pPr marL="0" indent="0" algn="ctr" defTabSz="914400" rtl="0" eaLnBrk="1" latinLnBrk="0" hangingPunct="1">
+              <a:spcBef>
+                <a:spcPct val="20000"/>
+              </a:spcBef>
+              <a:buFont typeface="Arial" pitchFamily="34" charset="0"/>
+              <a:buNone/>
+              <a:defRPr sz="2400" kern="1200">
+                <a:solidFill>
+                  <a:schemeClr val="tx1">
+                    <a:tint val="75000"/>
+                  </a:schemeClr>
+                </a:solidFill>
+                <a:latin typeface="+mj-lt"/>
+                <a:ea typeface="+mn-ea"/>
+                <a:cs typeface="+mn-cs"/>
+              </a:defRPr>
+            </a:lvl1pPr>
+            <a:lvl2pPr marL="457200" indent="0" algn="ctr" defTabSz="914400" rtl="0" eaLnBrk="1" latinLnBrk="0" hangingPunct="1">
+              <a:spcBef>
+                <a:spcPct val="20000"/>
+              </a:spcBef>
+              <a:buFont typeface="Courier New" pitchFamily="49" charset="0"/>
+              <a:buNone/>
+              <a:defRPr sz="1600" kern="1200">
+                <a:solidFill>
+                  <a:schemeClr val="tx1">
+                    <a:tint val="75000"/>
+                  </a:schemeClr>
+                </a:solidFill>
+                <a:latin typeface="+mj-lt"/>
+                <a:ea typeface="+mn-ea"/>
+                <a:cs typeface="+mn-cs"/>
+              </a:defRPr>
+            </a:lvl2pPr>
+            <a:lvl3pPr marL="914400" indent="0" algn="ctr" defTabSz="914400" rtl="0" eaLnBrk="1" latinLnBrk="0" hangingPunct="1">
+              <a:spcBef>
+                <a:spcPct val="20000"/>
+              </a:spcBef>
+              <a:buFont typeface="Arial" pitchFamily="34" charset="0"/>
+              <a:buNone/>
+              <a:defRPr sz="1600" kern="1200">
+                <a:solidFill>
+                  <a:schemeClr val="tx1">
+                    <a:tint val="75000"/>
+                  </a:schemeClr>
+                </a:solidFill>
+                <a:latin typeface="+mj-lt"/>
+                <a:ea typeface="+mn-ea"/>
+                <a:cs typeface="+mn-cs"/>
+              </a:defRPr>
+            </a:lvl3pPr>
+            <a:lvl4pPr marL="1371600" indent="0" algn="ctr" defTabSz="914400" rtl="0" eaLnBrk="1" latinLnBrk="0" hangingPunct="1">
+              <a:spcBef>
+                <a:spcPct val="20000"/>
+              </a:spcBef>
+              <a:buFont typeface="Courier New" pitchFamily="49" charset="0"/>
+              <a:buNone/>
+              <a:defRPr sz="1600" kern="1200">
+                <a:solidFill>
+                  <a:schemeClr val="tx1">
+                    <a:tint val="75000"/>
+                  </a:schemeClr>
+                </a:solidFill>
+                <a:latin typeface="+mj-lt"/>
+                <a:ea typeface="+mn-ea"/>
+                <a:cs typeface="+mn-cs"/>
+              </a:defRPr>
+            </a:lvl4pPr>
+            <a:lvl5pPr marL="1828800" indent="0" algn="ctr" defTabSz="914400" rtl="0" eaLnBrk="1" latinLnBrk="0" hangingPunct="1">
+              <a:spcBef>
+                <a:spcPct val="20000"/>
+              </a:spcBef>
+              <a:buFont typeface="Arial" pitchFamily="34" charset="0"/>
+              <a:buNone/>
+              <a:defRPr sz="1600" kern="1200">
+                <a:solidFill>
+                  <a:schemeClr val="tx1">
+                    <a:tint val="75000"/>
+                  </a:schemeClr>
+                </a:solidFill>
+                <a:latin typeface="+mj-lt"/>
+                <a:ea typeface="+mn-ea"/>
+                <a:cs typeface="+mn-cs"/>
+              </a:defRPr>
+            </a:lvl5pPr>
+            <a:lvl6pPr marL="2286000" indent="0" algn="ctr" defTabSz="914400" rtl="0" eaLnBrk="1" latinLnBrk="0" hangingPunct="1">
+              <a:spcBef>
+                <a:spcPct val="20000"/>
+              </a:spcBef>
+              <a:buFont typeface="Courier New" pitchFamily="49" charset="0"/>
+              <a:buNone/>
+              <a:defRPr sz="1600" kern="1200">
+                <a:solidFill>
+                  <a:schemeClr val="tx1">
+                    <a:tint val="75000"/>
+                  </a:schemeClr>
+                </a:solidFill>
+                <a:latin typeface="+mj-lt"/>
+                <a:ea typeface="+mn-ea"/>
+                <a:cs typeface="+mn-cs"/>
+              </a:defRPr>
+            </a:lvl6pPr>
+            <a:lvl7pPr marL="2743200" indent="0" algn="ctr" defTabSz="914400" rtl="0" eaLnBrk="1" latinLnBrk="0" hangingPunct="1">
+              <a:spcBef>
+                <a:spcPct val="20000"/>
+              </a:spcBef>
+              <a:buFont typeface="Arial" pitchFamily="34" charset="0"/>
+              <a:buNone/>
+              <a:defRPr sz="1600" kern="1200">
+                <a:solidFill>
+                  <a:schemeClr val="tx1">
+                    <a:tint val="75000"/>
+                  </a:schemeClr>
+                </a:solidFill>
+                <a:latin typeface="+mj-lt"/>
+                <a:ea typeface="+mn-ea"/>
+                <a:cs typeface="+mn-cs"/>
+              </a:defRPr>
+            </a:lvl7pPr>
+            <a:lvl8pPr marL="3200400" indent="0" algn="ctr" defTabSz="914400" rtl="0" eaLnBrk="1" latinLnBrk="0" hangingPunct="1">
+              <a:spcBef>
+                <a:spcPct val="20000"/>
+              </a:spcBef>
+              <a:buFont typeface="Courier New" pitchFamily="49" charset="0"/>
+              <a:buNone/>
+              <a:defRPr sz="1600" kern="1200">
+                <a:solidFill>
+                  <a:schemeClr val="tx1">
+                    <a:tint val="75000"/>
+                  </a:schemeClr>
+                </a:solidFill>
+                <a:latin typeface="+mj-lt"/>
+                <a:ea typeface="+mn-ea"/>
+                <a:cs typeface="+mn-cs"/>
+              </a:defRPr>
+            </a:lvl8pPr>
+            <a:lvl9pPr marL="3657600" indent="0" algn="ctr" defTabSz="914400" rtl="0" eaLnBrk="1" latinLnBrk="0" hangingPunct="1">
+              <a:spcBef>
+                <a:spcPct val="20000"/>
+              </a:spcBef>
+              <a:buFont typeface="Arial" pitchFamily="34" charset="0"/>
+              <a:buNone/>
+              <a:defRPr sz="1600" kern="1200">
+                <a:solidFill>
+                  <a:schemeClr val="tx1">
+                    <a:tint val="75000"/>
+                  </a:schemeClr>
+                </a:solidFill>
+                <a:latin typeface="+mj-lt"/>
+                <a:ea typeface="+mn-ea"/>
+                <a:cs typeface="+mn-cs"/>
+              </a:defRPr>
+            </a:lvl9pPr>
+          </a:lstStyle>
+          <a:p>
+            <a:pPr algn="l"/>
+            <a:r>
+              <a:rPr lang="en-US" b="1" dirty="0" smtClean="0"/>
+              <a:t>Without CDN</a:t>
+            </a:r>
+            <a:endParaRPr lang="en-US" dirty="0" smtClean="0"/>
+          </a:p>
+          <a:p>
+            <a:pPr algn="l"/>
+            <a:r>
+              <a:rPr lang="en-US" dirty="0" smtClean="0"/>
+              <a:t>Widget1:  </a:t>
+            </a:r>
+            <a:r>
+              <a:rPr lang="en-US" dirty="0" smtClean="0">
+                <a:hlinkClick r:id="rId3"/>
+              </a:rPr>
+              <a:t>http://acme.com/widget1/image1.png</a:t>
+            </a:r>
+            <a:endParaRPr lang="en-US" dirty="0" smtClean="0"/>
+          </a:p>
+          <a:p>
+            <a:pPr algn="l"/>
+            <a:r>
+              <a:rPr lang="en-US" dirty="0" smtClean="0"/>
+              <a:t>Widget2:  </a:t>
+            </a:r>
+            <a:r>
+              <a:rPr lang="en-US" dirty="0" smtClean="0">
+                <a:hlinkClick r:id="rId4"/>
+              </a:rPr>
+              <a:t>http://acme.com/widget2/image1.png</a:t>
+            </a:r>
+            <a:endParaRPr lang="en-US" dirty="0" smtClean="0"/>
+          </a:p>
+          <a:p>
+            <a:pPr algn="l"/>
+            <a:endParaRPr lang="en-US" dirty="0" smtClean="0"/>
+          </a:p>
+          <a:p>
+            <a:pPr algn="l"/>
+            <a:r>
+              <a:rPr lang="en-US" b="1" dirty="0" smtClean="0"/>
+              <a:t>With CDN</a:t>
+            </a:r>
+            <a:endParaRPr lang="en-US" dirty="0" smtClean="0"/>
+          </a:p>
+          <a:p>
+            <a:pPr algn="l"/>
+            <a:r>
+              <a:rPr lang="en-US" dirty="0" smtClean="0"/>
+              <a:t>Widget1:  </a:t>
+            </a:r>
+            <a:r>
+              <a:rPr lang="en-US" dirty="0" smtClean="0">
+                <a:hlinkClick r:id="rId5"/>
+              </a:rPr>
+              <a:t>http://acme.com/cdn/image1.png</a:t>
+            </a:r>
+            <a:endParaRPr lang="en-US" dirty="0" smtClean="0"/>
+          </a:p>
+          <a:p>
+            <a:pPr algn="l"/>
+            <a:r>
+              <a:rPr lang="en-US" dirty="0" smtClean="0"/>
+              <a:t>Widget2:  </a:t>
+            </a:r>
+            <a:r>
+              <a:rPr lang="en-US" dirty="0" smtClean="0">
+                <a:hlinkClick r:id="rId5"/>
+              </a:rPr>
+              <a:t>http://acme.com/cdn/image1.png</a:t>
+            </a:r>
+            <a:r>
+              <a:rPr lang="en-US" dirty="0" smtClean="0"/>
+              <a:t> (browser caches this request)</a:t>
+            </a:r>
+          </a:p>
+          <a:p>
+            <a:pPr algn="l"/>
+            <a:endParaRPr lang="en-US" dirty="0" smtClean="0"/>
+          </a:p>
+          <a:p>
+            <a:pPr algn="l"/>
+            <a:endParaRPr lang="en-US" dirty="0" smtClean="0"/>
+          </a:p>
+          <a:p>
+            <a:pPr algn="l"/>
+            <a:endParaRPr lang="en-US" dirty="0" smtClean="0"/>
+          </a:p>
+          <a:p>
+            <a:pPr algn="l"/>
+            <a:endParaRPr lang="en-US" sz="3200" dirty="0" smtClean="0"/>
+          </a:p>
+          <a:p>
+            <a:pPr marL="342900" indent="-342900" algn="l">
+              <a:buFont typeface="Arial" pitchFamily="34" charset="0"/>
+              <a:buChar char="•"/>
+            </a:pPr>
+            <a:endParaRPr lang="en-US" sz="3200" dirty="0"/>
+          </a:p>
+        </p:txBody>
+      </p:sp>
+    </p:spTree>
+    <p:extLst>
+      <p:ext uri="{BB962C8B-B14F-4D97-AF65-F5344CB8AC3E}">
+        <p14:creationId xmlns:p14="http://schemas.microsoft.com/office/powerpoint/2010/main" val="1845488523"/>
+      </p:ext>
+    </p:extLst>
+  </p:cSld>
+  <p:clrMapOvr>
+    <a:masterClrMapping/>
+  </p:clrMapOvr>
+</p:sld>
+</file>
+
+<file path=ppt/slides/slide15.xml><?xml version="1.0" encoding="utf-8"?>
+<p:sld xmlns:a="http://schemas.openxmlformats.org/drawingml/2006/main" xmlns:r="http://schemas.openxmlformats.org/officeDocument/2006/relationships" xmlns:p="http://schemas.openxmlformats.org/presentationml/2006/main">
+  <p:cSld>
+    <p:spTree>
+      <p:nvGrpSpPr>
+        <p:cNvPr id="1" name=""/>
+        <p:cNvGrpSpPr/>
+        <p:nvPr/>
+      </p:nvGrpSpPr>
+      <p:grpSpPr>
+        <a:xfrm>
+          <a:off x="0" y="0"/>
+          <a:ext cx="0" cy="0"/>
+          <a:chOff x="0" y="0"/>
+          <a:chExt cx="0" cy="0"/>
+        </a:xfrm>
+      </p:grpSpPr>
+      <p:sp>
+        <p:nvSpPr>
+          <p:cNvPr id="4" name="Date Placeholder 3"/>
+          <p:cNvSpPr>
+            <a:spLocks noGrp="1"/>
+          </p:cNvSpPr>
+          <p:nvPr>
+            <p:ph type="dt" sz="half" idx="10"/>
+          </p:nvPr>
+        </p:nvSpPr>
+        <p:spPr/>
+        <p:txBody>
+          <a:bodyPr/>
+          <a:lstStyle/>
+          <a:p>
+            <a:fld id="{216C5678-EE20-4FA5-88E2-6E0BD67A2E26}" type="datetime1">
+              <a:rPr lang="en-US" smtClean="0"/>
+              <a:t>12/10/2017</a:t>
+            </a:fld>
+            <a:endParaRPr lang="en-US" dirty="0"/>
+          </a:p>
+        </p:txBody>
+      </p:sp>
+      <p:sp>
+        <p:nvSpPr>
+          <p:cNvPr id="5" name="Slide Number Placeholder 4"/>
+          <p:cNvSpPr>
+            <a:spLocks noGrp="1"/>
+          </p:cNvSpPr>
+          <p:nvPr>
+            <p:ph type="sldNum" sz="quarter" idx="11"/>
+          </p:nvPr>
+        </p:nvSpPr>
+        <p:spPr/>
+        <p:txBody>
+          <a:bodyPr/>
+          <a:lstStyle/>
+          <a:p>
+            <a:fld id="{BA9B540C-44DA-4F69-89C9-7C84606640D3}" type="slidenum">
+              <a:rPr lang="en-US" smtClean="0"/>
+              <a:pPr/>
+              <a:t>15</a:t>
             </a:fld>
             <a:endParaRPr lang="en-US" dirty="0"/>
           </a:p>
@@ -5714,7 +7779,7 @@
 </p:sld>
 </file>
 
-<file path=ppt/slides/slide15.xml><?xml version="1.0" encoding="utf-8"?>
+<file path=ppt/slides/slide16.xml><?xml version="1.0" encoding="utf-8"?>
 <p:sld xmlns:a="http://schemas.openxmlformats.org/drawingml/2006/main" xmlns:r="http://schemas.openxmlformats.org/officeDocument/2006/relationships" xmlns:p="http://schemas.openxmlformats.org/presentationml/2006/main">
   <p:cSld>
     <p:spTree>
@@ -5753,7 +7818,7 @@
           <a:p>
             <a:fld id="{216C5678-EE20-4FA5-88E2-6E0BD67A2E26}" type="datetime1">
               <a:rPr lang="en-US" smtClean="0"/>
-              <a:t>12/3/2017</a:t>
+              <a:t>12/10/2017</a:t>
             </a:fld>
             <a:endParaRPr lang="en-US" dirty="0"/>
           </a:p>
@@ -5782,7 +7847,7 @@
             <a:fld id="{BA9B540C-44DA-4F69-89C9-7C84606640D3}" type="slidenum">
               <a:rPr lang="en-US" smtClean="0"/>
               <a:pPr/>
-              <a:t>15</a:t>
+              <a:t>16</a:t>
             </a:fld>
             <a:endParaRPr lang="en-US" dirty="0"/>
           </a:p>
@@ -6435,249 +8500,6 @@
 </p:sld>
 </file>
 
-<file path=ppt/slides/slide16.xml><?xml version="1.0" encoding="utf-8"?>
-<p:sld xmlns:a="http://schemas.openxmlformats.org/drawingml/2006/main" xmlns:r="http://schemas.openxmlformats.org/officeDocument/2006/relationships" xmlns:p="http://schemas.openxmlformats.org/presentationml/2006/main">
-  <p:cSld>
-    <p:spTree>
-      <p:nvGrpSpPr>
-        <p:cNvPr id="1" name=""/>
-        <p:cNvGrpSpPr/>
-        <p:nvPr/>
-      </p:nvGrpSpPr>
-      <p:grpSpPr>
-        <a:xfrm>
-          <a:off x="0" y="0"/>
-          <a:ext cx="0" cy="0"/>
-          <a:chOff x="0" y="0"/>
-          <a:chExt cx="0" cy="0"/>
-        </a:xfrm>
-      </p:grpSpPr>
-      <p:sp>
-        <p:nvSpPr>
-          <p:cNvPr id="4" name="Date Placeholder 3"/>
-          <p:cNvSpPr>
-            <a:spLocks noGrp="1"/>
-          </p:cNvSpPr>
-          <p:nvPr>
-            <p:ph type="dt" sz="half" idx="10"/>
-          </p:nvPr>
-        </p:nvSpPr>
-        <p:spPr/>
-        <p:txBody>
-          <a:bodyPr/>
-          <a:lstStyle/>
-          <a:p>
-            <a:fld id="{216C5678-EE20-4FA5-88E2-6E0BD67A2E26}" type="datetime1">
-              <a:rPr lang="en-US" smtClean="0"/>
-              <a:t>12/3/2017</a:t>
-            </a:fld>
-            <a:endParaRPr lang="en-US" dirty="0"/>
-          </a:p>
-        </p:txBody>
-      </p:sp>
-      <p:sp>
-        <p:nvSpPr>
-          <p:cNvPr id="5" name="Slide Number Placeholder 4"/>
-          <p:cNvSpPr>
-            <a:spLocks noGrp="1"/>
-          </p:cNvSpPr>
-          <p:nvPr>
-            <p:ph type="sldNum" sz="quarter" idx="11"/>
-          </p:nvPr>
-        </p:nvSpPr>
-        <p:spPr/>
-        <p:txBody>
-          <a:bodyPr/>
-          <a:lstStyle/>
-          <a:p>
-            <a:fld id="{BA9B540C-44DA-4F69-89C9-7C84606640D3}" type="slidenum">
-              <a:rPr lang="en-US" smtClean="0"/>
-              <a:pPr/>
-              <a:t>16</a:t>
-            </a:fld>
-            <a:endParaRPr lang="en-US" dirty="0"/>
-          </a:p>
-        </p:txBody>
-      </p:sp>
-      <p:sp>
-        <p:nvSpPr>
-          <p:cNvPr id="6" name="Footer Placeholder 5"/>
-          <p:cNvSpPr>
-            <a:spLocks noGrp="1"/>
-          </p:cNvSpPr>
-          <p:nvPr>
-            <p:ph type="ftr" sz="quarter" idx="12"/>
-          </p:nvPr>
-        </p:nvSpPr>
-        <p:spPr/>
-        <p:txBody>
-          <a:bodyPr/>
-          <a:lstStyle/>
-          <a:p>
-            <a:r>
-              <a:rPr lang="en-US" smtClean="0"/>
-              <a:t>Footer Text</a:t>
-            </a:r>
-            <a:endParaRPr lang="en-US" dirty="0"/>
-          </a:p>
-        </p:txBody>
-      </p:sp>
-      <p:sp>
-        <p:nvSpPr>
-          <p:cNvPr id="7" name="Title 1"/>
-          <p:cNvSpPr>
-            <a:spLocks noGrp="1"/>
-          </p:cNvSpPr>
-          <p:nvPr>
-            <p:ph type="ctrTitle"/>
-          </p:nvPr>
-        </p:nvSpPr>
-        <p:spPr>
-          <a:xfrm>
-            <a:off x="380999" y="228600"/>
-            <a:ext cx="8724253" cy="685800"/>
-          </a:xfrm>
-        </p:spPr>
-        <p:txBody>
-          <a:bodyPr/>
-          <a:lstStyle/>
-          <a:p>
-            <a:pPr algn="l"/>
-            <a:r>
-              <a:rPr lang="en-US" sz="4000" dirty="0" smtClean="0"/>
-              <a:t>7. Image Compression &amp; </a:t>
-            </a:r>
-            <a:r>
-              <a:rPr lang="en-US" sz="4000" dirty="0"/>
-              <a:t>F</a:t>
-            </a:r>
-            <a:r>
-              <a:rPr lang="en-US" sz="4000" dirty="0" smtClean="0"/>
-              <a:t>ormat</a:t>
-            </a:r>
-            <a:endParaRPr lang="en-US" sz="4000" dirty="0"/>
-          </a:p>
-        </p:txBody>
-      </p:sp>
-      <p:sp>
-        <p:nvSpPr>
-          <p:cNvPr id="8" name="Subtitle 2"/>
-          <p:cNvSpPr>
-            <a:spLocks noGrp="1"/>
-          </p:cNvSpPr>
-          <p:nvPr>
-            <p:ph type="subTitle" idx="1"/>
-          </p:nvPr>
-        </p:nvSpPr>
-        <p:spPr>
-          <a:xfrm>
-            <a:off x="363415" y="914399"/>
-            <a:ext cx="8648053" cy="5334001"/>
-          </a:xfrm>
-        </p:spPr>
-        <p:txBody>
-          <a:bodyPr>
-            <a:noAutofit/>
-          </a:bodyPr>
-          <a:lstStyle/>
-          <a:p>
-            <a:pPr marL="457200" indent="-457200" algn="l">
-              <a:buFont typeface="Arial" panose="020B0604020202020204" pitchFamily="34" charset="0"/>
-              <a:buChar char="•"/>
-            </a:pPr>
-            <a:r>
-              <a:rPr lang="en-US" sz="3200" dirty="0" smtClean="0"/>
-              <a:t>Choose format that minimize size w/out degrading quality.</a:t>
-            </a:r>
-          </a:p>
-          <a:p>
-            <a:pPr marL="457200" indent="-457200" algn="l">
-              <a:buFont typeface="Arial" panose="020B0604020202020204" pitchFamily="34" charset="0"/>
-              <a:buChar char="•"/>
-            </a:pPr>
-            <a:r>
-              <a:rPr lang="en-US" sz="3200" dirty="0" smtClean="0"/>
-              <a:t>Poorly chosen high-res image results in wasted bandwidth, processing time and cache space.</a:t>
-            </a:r>
-          </a:p>
-          <a:p>
-            <a:pPr marL="457200" indent="-457200" algn="l">
-              <a:buFont typeface="Arial" panose="020B0604020202020204" pitchFamily="34" charset="0"/>
-              <a:buChar char="•"/>
-            </a:pPr>
-            <a:r>
-              <a:rPr lang="en-US" sz="3200" dirty="0" smtClean="0"/>
-              <a:t>Photos – JPEG, PNG (larger size)</a:t>
-            </a:r>
-          </a:p>
-          <a:p>
-            <a:pPr algn="l"/>
-            <a:r>
-              <a:rPr lang="en-US" sz="3200" dirty="0"/>
-              <a:t> </a:t>
-            </a:r>
-            <a:r>
-              <a:rPr lang="en-US" sz="3200" dirty="0" smtClean="0"/>
-              <a:t>   Low complexity – GIF (smaller size – use </a:t>
-            </a:r>
-          </a:p>
-          <a:p>
-            <a:pPr algn="l"/>
-            <a:r>
-              <a:rPr lang="en-US" sz="3200" dirty="0"/>
-              <a:t> </a:t>
-            </a:r>
-            <a:r>
-              <a:rPr lang="en-US" sz="3200" dirty="0" smtClean="0"/>
-              <a:t>                                          in thumbnail pic)</a:t>
-            </a:r>
-          </a:p>
-          <a:p>
-            <a:pPr algn="l"/>
-            <a:r>
-              <a:rPr lang="en-US" sz="3200" dirty="0"/>
-              <a:t> </a:t>
-            </a:r>
-            <a:r>
-              <a:rPr lang="en-US" sz="3200" dirty="0" smtClean="0"/>
-              <a:t>   Line Art - SVG</a:t>
-            </a:r>
-            <a:endParaRPr lang="en-US" sz="2000" dirty="0"/>
-          </a:p>
-          <a:p>
-            <a:pPr algn="l"/>
-            <a:endParaRPr lang="en-US" sz="2000" dirty="0" smtClean="0"/>
-          </a:p>
-          <a:p>
-            <a:pPr algn="l"/>
-            <a:endParaRPr lang="en-US" sz="3200" dirty="0" smtClean="0"/>
-          </a:p>
-          <a:p>
-            <a:pPr algn="l"/>
-            <a:endParaRPr lang="en-US" dirty="0"/>
-          </a:p>
-          <a:p>
-            <a:pPr marL="342900" indent="-342900" algn="l">
-              <a:buFont typeface="Arial" panose="020B0604020202020204" pitchFamily="34" charset="0"/>
-              <a:buChar char="•"/>
-            </a:pPr>
-            <a:endParaRPr lang="en-US" sz="3200" dirty="0"/>
-          </a:p>
-        </p:txBody>
-      </p:sp>
-    </p:spTree>
-    <p:extLst>
-      <p:ext uri="{BB962C8B-B14F-4D97-AF65-F5344CB8AC3E}">
-        <p14:creationId xmlns:p14="http://schemas.microsoft.com/office/powerpoint/2010/main" val="4017084757"/>
-      </p:ext>
-    </p:extLst>
-  </p:cSld>
-  <p:clrMapOvr>
-    <a:masterClrMapping/>
-  </p:clrMapOvr>
-</p:sld>
-</file>
-
 <file path=ppt/slides/slide17.xml><?xml version="1.0" encoding="utf-8"?>
 <p:sld xmlns:a="http://schemas.openxmlformats.org/drawingml/2006/main" xmlns:r="http://schemas.openxmlformats.org/officeDocument/2006/relationships" xmlns:p="http://schemas.openxmlformats.org/presentationml/2006/main">
   <p:cSld>
@@ -6697,6 +8519,29 @@
       </p:grpSpPr>
       <p:sp>
         <p:nvSpPr>
+          <p:cNvPr id="4" name="Date Placeholder 3"/>
+          <p:cNvSpPr>
+            <a:spLocks noGrp="1"/>
+          </p:cNvSpPr>
+          <p:nvPr>
+            <p:ph type="dt" sz="half" idx="10"/>
+          </p:nvPr>
+        </p:nvSpPr>
+        <p:spPr/>
+        <p:txBody>
+          <a:bodyPr/>
+          <a:lstStyle/>
+          <a:p>
+            <a:fld id="{216C5678-EE20-4FA5-88E2-6E0BD67A2E26}" type="datetime1">
+              <a:rPr lang="en-US" smtClean="0"/>
+              <a:t>12/10/2017</a:t>
+            </a:fld>
+            <a:endParaRPr lang="en-US" dirty="0"/>
+          </a:p>
+        </p:txBody>
+      </p:sp>
+      <p:sp>
+        <p:nvSpPr>
           <p:cNvPr id="5" name="Slide Number Placeholder 4"/>
           <p:cNvSpPr>
             <a:spLocks noGrp="1"/>
@@ -6705,12 +8550,7 @@
             <p:ph type="sldNum" sz="quarter" idx="11"/>
           </p:nvPr>
         </p:nvSpPr>
-        <p:spPr>
-          <a:xfrm>
-            <a:off x="8543278" y="6721475"/>
-            <a:ext cx="561975" cy="365125"/>
-          </a:xfrm>
-        </p:spPr>
+        <p:spPr/>
         <p:txBody>
           <a:bodyPr/>
           <a:lstStyle/>
@@ -6726,6 +8566,29 @@
       </p:sp>
       <p:sp>
         <p:nvSpPr>
+          <p:cNvPr id="6" name="Footer Placeholder 5"/>
+          <p:cNvSpPr>
+            <a:spLocks noGrp="1"/>
+          </p:cNvSpPr>
+          <p:nvPr>
+            <p:ph type="ftr" sz="quarter" idx="12"/>
+          </p:nvPr>
+        </p:nvSpPr>
+        <p:spPr/>
+        <p:txBody>
+          <a:bodyPr/>
+          <a:lstStyle/>
+          <a:p>
+            <a:r>
+              <a:rPr lang="en-US" smtClean="0"/>
+              <a:t>Footer Text</a:t>
+            </a:r>
+            <a:endParaRPr lang="en-US" dirty="0"/>
+          </a:p>
+        </p:txBody>
+      </p:sp>
+      <p:sp>
+        <p:nvSpPr>
           <p:cNvPr id="7" name="Title 1"/>
           <p:cNvSpPr>
             <a:spLocks noGrp="1"/>
@@ -6736,8 +8599,8 @@
         </p:nvSpPr>
         <p:spPr>
           <a:xfrm>
-            <a:off x="381000" y="228600"/>
-            <a:ext cx="7772400" cy="685800"/>
+            <a:off x="380999" y="228600"/>
+            <a:ext cx="8724253" cy="685800"/>
           </a:xfrm>
         </p:spPr>
         <p:txBody>
@@ -6746,8 +8609,16 @@
           <a:p>
             <a:pPr algn="l"/>
             <a:r>
-              <a:rPr lang="en-US" sz="4000" smtClean="0"/>
-              <a:t>8. Move CSS to &lt;HEAD&gt; section</a:t>
+              <a:rPr lang="en-US" sz="4000" dirty="0" smtClean="0"/>
+              <a:t>7. Image Compression &amp; </a:t>
+            </a:r>
+            <a:r>
+              <a:rPr lang="en-US" sz="4000" dirty="0"/>
+              <a:t>F</a:t>
+            </a:r>
+            <a:r>
+              <a:rPr lang="en-US" sz="4000" dirty="0" smtClean="0"/>
+              <a:t>ormat</a:t>
             </a:r>
             <a:endParaRPr lang="en-US" sz="4000" dirty="0"/>
           </a:p>
@@ -6766,7 +8637,7 @@
         <p:spPr>
           <a:xfrm>
             <a:off x="363415" y="914399"/>
-            <a:ext cx="8648053" cy="2971801"/>
+            <a:ext cx="8648053" cy="5334001"/>
           </a:xfrm>
         </p:spPr>
         <p:txBody>
@@ -6781,7 +8652,7 @@
             </a:pPr>
             <a:r>
               <a:rPr lang="en-US" sz="3200" dirty="0" smtClean="0"/>
-              <a:t>Enable progressive rendering.</a:t>
+              <a:t>Choose format that minimize size w/out degrading quality.</a:t>
             </a:r>
           </a:p>
           <a:p>
@@ -6791,9 +8662,8 @@
             </a:pPr>
             <a:r>
               <a:rPr lang="en-US" sz="3200" dirty="0" smtClean="0"/>
-              <a:t>Prevent browser from rendering HTML component twice.</a:t>
-            </a:r>
-            <a:endParaRPr lang="en-US" sz="3200" dirty="0"/>
+              <a:t>Poorly chosen high-res image results in wasted bandwidth, processing time and cache space.</a:t>
+            </a:r>
           </a:p>
           <a:p>
             <a:pPr marL="457200" indent="-457200" algn="l">
@@ -6802,17 +8672,40 @@
             </a:pPr>
             <a:r>
               <a:rPr lang="en-US" sz="3200" dirty="0" smtClean="0"/>
-              <a:t>Prevent page “flickering” when CSS is at the bottom.</a:t>
-            </a:r>
-          </a:p>
-          <a:p>
-            <a:pPr marL="457200" indent="-457200" algn="l">
-              <a:buFont typeface="Arial" panose="020B0604020202020204" pitchFamily="34" charset="0"/>
-              <a:buChar char="•"/>
-            </a:pPr>
+              <a:t>Photos – JPEG, PNG (larger size)</a:t>
+            </a:r>
+          </a:p>
+          <a:p>
+            <a:pPr algn="l"/>
+            <a:r>
+              <a:rPr lang="en-US" sz="3200" dirty="0"/>
+              <a:t> </a:t>
+            </a:r>
             <a:r>
               <a:rPr lang="en-US" sz="3200" dirty="0" smtClean="0"/>
-              <a:t>Prevent viewing of “poor layout” on slow network and page with lots of content.</a:t>
+              <a:t>   Low complexity – GIF (smaller size – use </a:t>
+            </a:r>
+          </a:p>
+          <a:p>
+            <a:pPr algn="l"/>
+            <a:r>
+              <a:rPr lang="en-US" sz="3200" dirty="0"/>
+              <a:t> </a:t>
+            </a:r>
+            <a:r>
+              <a:rPr lang="en-US" sz="3200" dirty="0" smtClean="0"/>
+              <a:t>                                          in thumbnail pic)</a:t>
+            </a:r>
+          </a:p>
+          <a:p>
+            <a:pPr algn="l"/>
+            <a:r>
+              <a:rPr lang="en-US" sz="3200" dirty="0"/>
+              <a:t> </a:t>
+            </a:r>
+            <a:r>
+              <a:rPr lang="en-US" sz="3200" dirty="0" smtClean="0"/>
+              <a:t>   Line Art - SVG</a:t>
             </a:r>
             <a:endParaRPr lang="en-US" sz="2000" dirty="0"/>
           </a:p>
@@ -6840,7 +8733,7 @@
     </p:spTree>
     <p:extLst>
       <p:ext uri="{BB962C8B-B14F-4D97-AF65-F5344CB8AC3E}">
-        <p14:creationId xmlns:p14="http://schemas.microsoft.com/office/powerpoint/2010/main" val="1997200173"/>
+        <p14:creationId xmlns:p14="http://schemas.microsoft.com/office/powerpoint/2010/main" val="4017084757"/>
       </p:ext>
     </p:extLst>
   </p:cSld>
@@ -6891,6 +8784,178 @@
               <a:rPr lang="en-US" smtClean="0"/>
               <a:pPr/>
               <a:t>18</a:t>
+            </a:fld>
+            <a:endParaRPr lang="en-US" dirty="0"/>
+          </a:p>
+        </p:txBody>
+      </p:sp>
+      <p:sp>
+        <p:nvSpPr>
+          <p:cNvPr id="7" name="Title 1"/>
+          <p:cNvSpPr>
+            <a:spLocks noGrp="1"/>
+          </p:cNvSpPr>
+          <p:nvPr>
+            <p:ph type="ctrTitle"/>
+          </p:nvPr>
+        </p:nvSpPr>
+        <p:spPr>
+          <a:xfrm>
+            <a:off x="381000" y="228600"/>
+            <a:ext cx="7772400" cy="685800"/>
+          </a:xfrm>
+        </p:spPr>
+        <p:txBody>
+          <a:bodyPr/>
+          <a:lstStyle/>
+          <a:p>
+            <a:pPr algn="l"/>
+            <a:r>
+              <a:rPr lang="en-US" sz="4000" smtClean="0"/>
+              <a:t>8. Move CSS to &lt;HEAD&gt; section</a:t>
+            </a:r>
+            <a:endParaRPr lang="en-US" sz="4000" dirty="0"/>
+          </a:p>
+        </p:txBody>
+      </p:sp>
+      <p:sp>
+        <p:nvSpPr>
+          <p:cNvPr id="8" name="Subtitle 2"/>
+          <p:cNvSpPr>
+            <a:spLocks noGrp="1"/>
+          </p:cNvSpPr>
+          <p:nvPr>
+            <p:ph type="subTitle" idx="1"/>
+          </p:nvPr>
+        </p:nvSpPr>
+        <p:spPr>
+          <a:xfrm>
+            <a:off x="363415" y="914399"/>
+            <a:ext cx="8648053" cy="2971801"/>
+          </a:xfrm>
+        </p:spPr>
+        <p:txBody>
+          <a:bodyPr>
+            <a:noAutofit/>
+          </a:bodyPr>
+          <a:lstStyle/>
+          <a:p>
+            <a:pPr marL="457200" indent="-457200" algn="l">
+              <a:buFont typeface="Arial" panose="020B0604020202020204" pitchFamily="34" charset="0"/>
+              <a:buChar char="•"/>
+            </a:pPr>
+            <a:r>
+              <a:rPr lang="en-US" sz="3200" dirty="0" smtClean="0"/>
+              <a:t>Enable progressive rendering.</a:t>
+            </a:r>
+          </a:p>
+          <a:p>
+            <a:pPr marL="457200" indent="-457200" algn="l">
+              <a:buFont typeface="Arial" panose="020B0604020202020204" pitchFamily="34" charset="0"/>
+              <a:buChar char="•"/>
+            </a:pPr>
+            <a:r>
+              <a:rPr lang="en-US" sz="3200" dirty="0" smtClean="0"/>
+              <a:t>Prevent browser from rendering HTML component twice.</a:t>
+            </a:r>
+            <a:endParaRPr lang="en-US" sz="3200" dirty="0"/>
+          </a:p>
+          <a:p>
+            <a:pPr marL="457200" indent="-457200" algn="l">
+              <a:buFont typeface="Arial" panose="020B0604020202020204" pitchFamily="34" charset="0"/>
+              <a:buChar char="•"/>
+            </a:pPr>
+            <a:r>
+              <a:rPr lang="en-US" sz="3200" dirty="0" smtClean="0"/>
+              <a:t>Prevent page “flickering” when CSS is at the bottom.</a:t>
+            </a:r>
+          </a:p>
+          <a:p>
+            <a:pPr marL="457200" indent="-457200" algn="l">
+              <a:buFont typeface="Arial" panose="020B0604020202020204" pitchFamily="34" charset="0"/>
+              <a:buChar char="•"/>
+            </a:pPr>
+            <a:r>
+              <a:rPr lang="en-US" sz="3200" dirty="0" smtClean="0"/>
+              <a:t>Prevent viewing of “poor layout” on slow network and page with lots of content.</a:t>
+            </a:r>
+            <a:endParaRPr lang="en-US" sz="2000" dirty="0"/>
+          </a:p>
+          <a:p>
+            <a:pPr algn="l"/>
+            <a:endParaRPr lang="en-US" sz="2000" dirty="0" smtClean="0"/>
+          </a:p>
+          <a:p>
+            <a:pPr algn="l"/>
+            <a:endParaRPr lang="en-US" sz="3200" dirty="0" smtClean="0"/>
+          </a:p>
+          <a:p>
+            <a:pPr algn="l"/>
+            <a:endParaRPr lang="en-US" dirty="0"/>
+          </a:p>
+          <a:p>
+            <a:pPr marL="342900" indent="-342900" algn="l">
+              <a:buFont typeface="Arial" panose="020B0604020202020204" pitchFamily="34" charset="0"/>
+              <a:buChar char="•"/>
+            </a:pPr>
+            <a:endParaRPr lang="en-US" sz="3200" dirty="0"/>
+          </a:p>
+        </p:txBody>
+      </p:sp>
+    </p:spTree>
+    <p:extLst>
+      <p:ext uri="{BB962C8B-B14F-4D97-AF65-F5344CB8AC3E}">
+        <p14:creationId xmlns:p14="http://schemas.microsoft.com/office/powerpoint/2010/main" val="1997200173"/>
+      </p:ext>
+    </p:extLst>
+  </p:cSld>
+  <p:clrMapOvr>
+    <a:masterClrMapping/>
+  </p:clrMapOvr>
+</p:sld>
+</file>
+
+<file path=ppt/slides/slide19.xml><?xml version="1.0" encoding="utf-8"?>
+<p:sld xmlns:a="http://schemas.openxmlformats.org/drawingml/2006/main" xmlns:r="http://schemas.openxmlformats.org/officeDocument/2006/relationships" xmlns:p="http://schemas.openxmlformats.org/presentationml/2006/main">
+  <p:cSld>
+    <p:spTree>
+      <p:nvGrpSpPr>
+        <p:cNvPr id="1" name=""/>
+        <p:cNvGrpSpPr/>
+        <p:nvPr/>
+      </p:nvGrpSpPr>
+      <p:grpSpPr>
+        <a:xfrm>
+          <a:off x="0" y="0"/>
+          <a:ext cx="0" cy="0"/>
+          <a:chOff x="0" y="0"/>
+          <a:chExt cx="0" cy="0"/>
+        </a:xfrm>
+      </p:grpSpPr>
+      <p:sp>
+        <p:nvSpPr>
+          <p:cNvPr id="5" name="Slide Number Placeholder 4"/>
+          <p:cNvSpPr>
+            <a:spLocks noGrp="1"/>
+          </p:cNvSpPr>
+          <p:nvPr>
+            <p:ph type="sldNum" sz="quarter" idx="11"/>
+          </p:nvPr>
+        </p:nvSpPr>
+        <p:spPr>
+          <a:xfrm>
+            <a:off x="8543278" y="6721475"/>
+            <a:ext cx="561975" cy="365125"/>
+          </a:xfrm>
+        </p:spPr>
+        <p:txBody>
+          <a:bodyPr/>
+          <a:lstStyle/>
+          <a:p>
+            <a:fld id="{BA9B540C-44DA-4F69-89C9-7C84606640D3}" type="slidenum">
+              <a:rPr lang="en-US" smtClean="0"/>
+              <a:pPr/>
+              <a:t>19</a:t>
             </a:fld>
             <a:endParaRPr lang="en-US" dirty="0"/>
           </a:p>
@@ -7098,250 +9163,6 @@
 </p:sld>
 </file>
 
-<file path=ppt/slides/slide19.xml><?xml version="1.0" encoding="utf-8"?>
-<p:sld xmlns:a="http://schemas.openxmlformats.org/drawingml/2006/main" xmlns:r="http://schemas.openxmlformats.org/officeDocument/2006/relationships" xmlns:p="http://schemas.openxmlformats.org/presentationml/2006/main">
-  <p:cSld>
-    <p:spTree>
-      <p:nvGrpSpPr>
-        <p:cNvPr id="1" name=""/>
-        <p:cNvGrpSpPr/>
-        <p:nvPr/>
-      </p:nvGrpSpPr>
-      <p:grpSpPr>
-        <a:xfrm>
-          <a:off x="0" y="0"/>
-          <a:ext cx="0" cy="0"/>
-          <a:chOff x="0" y="0"/>
-          <a:chExt cx="0" cy="0"/>
-        </a:xfrm>
-      </p:grpSpPr>
-      <p:sp>
-        <p:nvSpPr>
-          <p:cNvPr id="4" name="Date Placeholder 3"/>
-          <p:cNvSpPr>
-            <a:spLocks noGrp="1"/>
-          </p:cNvSpPr>
-          <p:nvPr>
-            <p:ph type="dt" sz="half" idx="10"/>
-          </p:nvPr>
-        </p:nvSpPr>
-        <p:spPr/>
-        <p:txBody>
-          <a:bodyPr/>
-          <a:lstStyle/>
-          <a:p>
-            <a:fld id="{216C5678-EE20-4FA5-88E2-6E0BD67A2E26}" type="datetime1">
-              <a:rPr lang="en-US" smtClean="0"/>
-              <a:t>12/3/2017</a:t>
-            </a:fld>
-            <a:endParaRPr lang="en-US" dirty="0"/>
-          </a:p>
-        </p:txBody>
-      </p:sp>
-      <p:sp>
-        <p:nvSpPr>
-          <p:cNvPr id="5" name="Slide Number Placeholder 4"/>
-          <p:cNvSpPr>
-            <a:spLocks noGrp="1"/>
-          </p:cNvSpPr>
-          <p:nvPr>
-            <p:ph type="sldNum" sz="quarter" idx="11"/>
-          </p:nvPr>
-        </p:nvSpPr>
-        <p:spPr/>
-        <p:txBody>
-          <a:bodyPr/>
-          <a:lstStyle/>
-          <a:p>
-            <a:fld id="{BA9B540C-44DA-4F69-89C9-7C84606640D3}" type="slidenum">
-              <a:rPr lang="en-US" smtClean="0"/>
-              <a:pPr/>
-              <a:t>19</a:t>
-            </a:fld>
-            <a:endParaRPr lang="en-US" dirty="0"/>
-          </a:p>
-        </p:txBody>
-      </p:sp>
-      <p:sp>
-        <p:nvSpPr>
-          <p:cNvPr id="6" name="Footer Placeholder 5"/>
-          <p:cNvSpPr>
-            <a:spLocks noGrp="1"/>
-          </p:cNvSpPr>
-          <p:nvPr>
-            <p:ph type="ftr" sz="quarter" idx="12"/>
-          </p:nvPr>
-        </p:nvSpPr>
-        <p:spPr/>
-        <p:txBody>
-          <a:bodyPr/>
-          <a:lstStyle/>
-          <a:p>
-            <a:r>
-              <a:rPr lang="en-US" smtClean="0"/>
-              <a:t>Footer Text</a:t>
-            </a:r>
-            <a:endParaRPr lang="en-US" dirty="0"/>
-          </a:p>
-        </p:txBody>
-      </p:sp>
-      <p:sp>
-        <p:nvSpPr>
-          <p:cNvPr id="7" name="Title 1"/>
-          <p:cNvSpPr>
-            <a:spLocks noGrp="1"/>
-          </p:cNvSpPr>
-          <p:nvPr>
-            <p:ph type="ctrTitle"/>
-          </p:nvPr>
-        </p:nvSpPr>
-        <p:spPr>
-          <a:xfrm>
-            <a:off x="381000" y="228600"/>
-            <a:ext cx="7772400" cy="685800"/>
-          </a:xfrm>
-        </p:spPr>
-        <p:txBody>
-          <a:bodyPr/>
-          <a:lstStyle/>
-          <a:p>
-            <a:pPr algn="l"/>
-            <a:r>
-              <a:rPr lang="en-US" sz="4000" dirty="0" smtClean="0"/>
-              <a:t>9. Load </a:t>
-            </a:r>
-            <a:r>
-              <a:rPr lang="en-US" sz="4000" dirty="0"/>
-              <a:t>optimized image early</a:t>
-            </a:r>
-            <a:r>
-              <a:rPr lang="en-US" sz="4000" dirty="0" smtClean="0"/>
-              <a:t>.</a:t>
-            </a:r>
-            <a:endParaRPr lang="en-US" sz="4000" dirty="0"/>
-          </a:p>
-        </p:txBody>
-      </p:sp>
-      <p:sp>
-        <p:nvSpPr>
-          <p:cNvPr id="8" name="Subtitle 2"/>
-          <p:cNvSpPr>
-            <a:spLocks noGrp="1"/>
-          </p:cNvSpPr>
-          <p:nvPr>
-            <p:ph type="subTitle" idx="1"/>
-          </p:nvPr>
-        </p:nvSpPr>
-        <p:spPr>
-          <a:xfrm>
-            <a:off x="363415" y="914399"/>
-            <a:ext cx="8648053" cy="4495801"/>
-          </a:xfrm>
-        </p:spPr>
-        <p:txBody>
-          <a:bodyPr>
-            <a:noAutofit/>
-          </a:bodyPr>
-          <a:lstStyle/>
-          <a:p>
-            <a:pPr marL="457200" indent="-457200" algn="l">
-              <a:buFont typeface="Arial" panose="020B0604020202020204" pitchFamily="34" charset="0"/>
-              <a:buChar char="•"/>
-            </a:pPr>
-            <a:r>
-              <a:rPr lang="en-US" sz="3200" dirty="0" smtClean="0"/>
-              <a:t>For image</a:t>
-            </a:r>
-            <a:r>
-              <a:rPr lang="en-US" sz="3200" dirty="0" smtClean="0"/>
-              <a:t>-intensive page, ensure</a:t>
-            </a:r>
-            <a:r>
-              <a:rPr lang="en-US" sz="3200" dirty="0"/>
-              <a:t> </a:t>
-            </a:r>
-            <a:r>
-              <a:rPr lang="en-US" sz="3200" dirty="0" smtClean="0"/>
-              <a:t>main images are optimized (</a:t>
-            </a:r>
-            <a:r>
-              <a:rPr lang="en-US" sz="3200" dirty="0" err="1" smtClean="0"/>
-              <a:t>eg</a:t>
-            </a:r>
-            <a:r>
-              <a:rPr lang="en-US" sz="3200" dirty="0" smtClean="0"/>
-              <a:t> gif or jpeg) and load quickly.</a:t>
-            </a:r>
-          </a:p>
-          <a:p>
-            <a:pPr marL="457200" indent="-457200" algn="l">
-              <a:buFont typeface="Arial" panose="020B0604020202020204" pitchFamily="34" charset="0"/>
-              <a:buChar char="•"/>
-            </a:pPr>
-            <a:r>
-              <a:rPr lang="en-US" sz="3200" dirty="0" smtClean="0"/>
-              <a:t>1-sec load time translates to users spend 20% more on the page.</a:t>
-            </a:r>
-          </a:p>
-          <a:p>
-            <a:pPr marL="457200" indent="-457200" algn="l">
-              <a:buFont typeface="Arial" panose="020B0604020202020204" pitchFamily="34" charset="0"/>
-              <a:buChar char="•"/>
-            </a:pPr>
-            <a:r>
-              <a:rPr lang="en-US" sz="3200" dirty="0" smtClean="0"/>
-              <a:t>8-sec load time means users will leave the blank page.</a:t>
-            </a:r>
-          </a:p>
-          <a:p>
-            <a:pPr marL="457200" indent="-457200" algn="l">
-              <a:buFont typeface="Arial" panose="020B0604020202020204" pitchFamily="34" charset="0"/>
-              <a:buChar char="•"/>
-            </a:pPr>
-            <a:r>
-              <a:rPr lang="en-US" sz="3200" dirty="0" smtClean="0"/>
-              <a:t>Remedy: using loading spinner </a:t>
-            </a:r>
-            <a:r>
-              <a:rPr lang="en-US" sz="3200" smtClean="0"/>
-              <a:t>for progress. </a:t>
-            </a:r>
-            <a:endParaRPr lang="en-US" sz="2000" dirty="0" smtClean="0"/>
-          </a:p>
-          <a:p>
-            <a:pPr algn="l"/>
-            <a:endParaRPr lang="en-US" sz="2000" dirty="0" smtClean="0"/>
-          </a:p>
-          <a:p>
-            <a:pPr algn="l"/>
-            <a:endParaRPr lang="en-US" sz="3200" dirty="0" smtClean="0"/>
-          </a:p>
-          <a:p>
-            <a:pPr algn="l"/>
-            <a:endParaRPr lang="en-US" dirty="0"/>
-          </a:p>
-          <a:p>
-            <a:pPr marL="342900" indent="-342900" algn="l">
-              <a:buFont typeface="Arial" panose="020B0604020202020204" pitchFamily="34" charset="0"/>
-              <a:buChar char="•"/>
-            </a:pPr>
-            <a:endParaRPr lang="en-US" sz="3200" dirty="0"/>
-          </a:p>
-        </p:txBody>
-      </p:sp>
-    </p:spTree>
-    <p:extLst>
-      <p:ext uri="{BB962C8B-B14F-4D97-AF65-F5344CB8AC3E}">
-        <p14:creationId xmlns:p14="http://schemas.microsoft.com/office/powerpoint/2010/main" val="2387659383"/>
-      </p:ext>
-    </p:extLst>
-  </p:cSld>
-  <p:clrMapOvr>
-    <a:masterClrMapping/>
-  </p:clrMapOvr>
-</p:sld>
-</file>
-
 <file path=ppt/slides/slide2.xml><?xml version="1.0" encoding="utf-8"?>
 <p:sld xmlns:a="http://schemas.openxmlformats.org/drawingml/2006/main" xmlns:r="http://schemas.openxmlformats.org/officeDocument/2006/relationships" xmlns:p="http://schemas.openxmlformats.org/presentationml/2006/main">
   <p:cSld>
@@ -7528,7 +9349,7 @@
           <a:p>
             <a:fld id="{216C5678-EE20-4FA5-88E2-6E0BD67A2E26}" type="datetime1">
               <a:rPr lang="en-US" smtClean="0"/>
-              <a:t>12/3/2017</a:t>
+              <a:t>12/10/2017</a:t>
             </a:fld>
             <a:endParaRPr lang="en-US" dirty="0"/>
           </a:p>
@@ -7628,7 +9449,7 @@
           <a:p>
             <a:fld id="{216C5678-EE20-4FA5-88E2-6E0BD67A2E26}" type="datetime1">
               <a:rPr lang="en-US" smtClean="0"/>
-              <a:t>12/3/2017</a:t>
+              <a:t>12/10/2017</a:t>
             </a:fld>
             <a:endParaRPr lang="en-US" dirty="0"/>
           </a:p>
@@ -7694,7 +9515,7 @@
         <p:spPr>
           <a:xfrm>
             <a:off x="381000" y="228600"/>
-            <a:ext cx="8915400" cy="1447800"/>
+            <a:ext cx="7772400" cy="685800"/>
           </a:xfrm>
         </p:spPr>
         <p:txBody>
@@ -7703,32 +9524,124 @@
           <a:p>
             <a:pPr algn="l"/>
             <a:r>
+              <a:rPr lang="en-US" sz="4000" dirty="0" smtClean="0"/>
+              <a:t>9. Load </a:t>
+            </a:r>
+            <a:r>
               <a:rPr lang="en-US" sz="4000" dirty="0"/>
-              <a:t/>
-            </a:r>
-            <a:br>
-              <a:rPr lang="en-US" sz="4000" dirty="0"/>
-            </a:br>
-            <a:r>
-              <a:rPr lang="en-US" sz="4000" dirty="0"/>
-              <a:t>10. Defer loading non-essential JS (AMD, </a:t>
-            </a:r>
-            <a:r>
-              <a:rPr lang="en-US" sz="4000" dirty="0" err="1"/>
-              <a:t>SystemJS</a:t>
+              <a:t>optimized image early</a:t>
             </a:r>
             <a:r>
               <a:rPr lang="en-US" sz="4000" dirty="0" smtClean="0"/>
-              <a:t>)</a:t>
+              <a:t>.</a:t>
             </a:r>
             <a:endParaRPr lang="en-US" sz="4000" dirty="0"/>
+          </a:p>
+        </p:txBody>
+      </p:sp>
+      <p:sp>
+        <p:nvSpPr>
+          <p:cNvPr id="8" name="Subtitle 2"/>
+          <p:cNvSpPr>
+            <a:spLocks noGrp="1"/>
+          </p:cNvSpPr>
+          <p:nvPr>
+            <p:ph type="subTitle" idx="1"/>
+          </p:nvPr>
+        </p:nvSpPr>
+        <p:spPr>
+          <a:xfrm>
+            <a:off x="363415" y="914399"/>
+            <a:ext cx="8648053" cy="4495801"/>
+          </a:xfrm>
+        </p:spPr>
+        <p:txBody>
+          <a:bodyPr>
+            <a:noAutofit/>
+          </a:bodyPr>
+          <a:lstStyle/>
+          <a:p>
+            <a:pPr marL="457200" indent="-457200" algn="l">
+              <a:buFont typeface="Arial" panose="020B0604020202020204" pitchFamily="34" charset="0"/>
+              <a:buChar char="•"/>
+            </a:pPr>
+            <a:r>
+              <a:rPr lang="en-US" sz="3200" dirty="0" smtClean="0"/>
+              <a:t>For image-intensive page, ensure</a:t>
+            </a:r>
+            <a:r>
+              <a:rPr lang="en-US" sz="3200" dirty="0"/>
+              <a:t> </a:t>
+            </a:r>
+            <a:r>
+              <a:rPr lang="en-US" sz="3200" dirty="0" smtClean="0"/>
+              <a:t>main images are optimized (</a:t>
+            </a:r>
+            <a:r>
+              <a:rPr lang="en-US" sz="3200" dirty="0" err="1" smtClean="0"/>
+              <a:t>eg</a:t>
+            </a:r>
+            <a:r>
+              <a:rPr lang="en-US" sz="3200" dirty="0" smtClean="0"/>
+              <a:t> gif or jpeg) and load quickly.</a:t>
+            </a:r>
+          </a:p>
+          <a:p>
+            <a:pPr marL="457200" indent="-457200" algn="l">
+              <a:buFont typeface="Arial" panose="020B0604020202020204" pitchFamily="34" charset="0"/>
+              <a:buChar char="•"/>
+            </a:pPr>
+            <a:r>
+              <a:rPr lang="en-US" sz="3200" dirty="0" smtClean="0"/>
+              <a:t>1-sec load time translates to users spend 20% more on the page.</a:t>
+            </a:r>
+          </a:p>
+          <a:p>
+            <a:pPr marL="457200" indent="-457200" algn="l">
+              <a:buFont typeface="Arial" panose="020B0604020202020204" pitchFamily="34" charset="0"/>
+              <a:buChar char="•"/>
+            </a:pPr>
+            <a:r>
+              <a:rPr lang="en-US" sz="3200" dirty="0" smtClean="0"/>
+              <a:t>8-sec load time means users will leave the blank page.</a:t>
+            </a:r>
+          </a:p>
+          <a:p>
+            <a:pPr marL="457200" indent="-457200" algn="l">
+              <a:buFont typeface="Arial" panose="020B0604020202020204" pitchFamily="34" charset="0"/>
+              <a:buChar char="•"/>
+            </a:pPr>
+            <a:r>
+              <a:rPr lang="en-US" sz="3200" dirty="0" smtClean="0"/>
+              <a:t>Remedy: using loading spinner for progress. </a:t>
+            </a:r>
+            <a:endParaRPr lang="en-US" sz="2000" dirty="0" smtClean="0"/>
+          </a:p>
+          <a:p>
+            <a:pPr algn="l"/>
+            <a:endParaRPr lang="en-US" sz="2000" dirty="0" smtClean="0"/>
+          </a:p>
+          <a:p>
+            <a:pPr algn="l"/>
+            <a:endParaRPr lang="en-US" sz="3200" dirty="0" smtClean="0"/>
+          </a:p>
+          <a:p>
+            <a:pPr algn="l"/>
+            <a:endParaRPr lang="en-US" dirty="0"/>
+          </a:p>
+          <a:p>
+            <a:pPr marL="342900" indent="-342900" algn="l">
+              <a:buFont typeface="Arial" panose="020B0604020202020204" pitchFamily="34" charset="0"/>
+              <a:buChar char="•"/>
+            </a:pPr>
+            <a:endParaRPr lang="en-US" sz="3200" dirty="0"/>
           </a:p>
         </p:txBody>
       </p:sp>
     </p:spTree>
     <p:extLst>
       <p:ext uri="{BB962C8B-B14F-4D97-AF65-F5344CB8AC3E}">
-        <p14:creationId xmlns:p14="http://schemas.microsoft.com/office/powerpoint/2010/main" val="2729324437"/>
+        <p14:creationId xmlns:p14="http://schemas.microsoft.com/office/powerpoint/2010/main" val="2387659383"/>
       </p:ext>
     </p:extLst>
   </p:cSld>
@@ -7757,6 +9670,578 @@
       </p:grpSpPr>
       <p:sp>
         <p:nvSpPr>
+          <p:cNvPr id="4" name="Date Placeholder 3"/>
+          <p:cNvSpPr>
+            <a:spLocks noGrp="1"/>
+          </p:cNvSpPr>
+          <p:nvPr>
+            <p:ph type="dt" sz="half" idx="10"/>
+          </p:nvPr>
+        </p:nvSpPr>
+        <p:spPr/>
+        <p:txBody>
+          <a:bodyPr/>
+          <a:lstStyle/>
+          <a:p>
+            <a:fld id="{216C5678-EE20-4FA5-88E2-6E0BD67A2E26}" type="datetime1">
+              <a:rPr lang="en-US" smtClean="0"/>
+              <a:t>12/10/2017</a:t>
+            </a:fld>
+            <a:endParaRPr lang="en-US" dirty="0"/>
+          </a:p>
+        </p:txBody>
+      </p:sp>
+      <p:sp>
+        <p:nvSpPr>
+          <p:cNvPr id="5" name="Slide Number Placeholder 4"/>
+          <p:cNvSpPr>
+            <a:spLocks noGrp="1"/>
+          </p:cNvSpPr>
+          <p:nvPr>
+            <p:ph type="sldNum" sz="quarter" idx="11"/>
+          </p:nvPr>
+        </p:nvSpPr>
+        <p:spPr/>
+        <p:txBody>
+          <a:bodyPr/>
+          <a:lstStyle/>
+          <a:p>
+            <a:fld id="{BA9B540C-44DA-4F69-89C9-7C84606640D3}" type="slidenum">
+              <a:rPr lang="en-US" smtClean="0"/>
+              <a:pPr/>
+              <a:t>21</a:t>
+            </a:fld>
+            <a:endParaRPr lang="en-US" dirty="0"/>
+          </a:p>
+        </p:txBody>
+      </p:sp>
+      <p:sp>
+        <p:nvSpPr>
+          <p:cNvPr id="6" name="Footer Placeholder 5"/>
+          <p:cNvSpPr>
+            <a:spLocks noGrp="1"/>
+          </p:cNvSpPr>
+          <p:nvPr>
+            <p:ph type="ftr" sz="quarter" idx="12"/>
+          </p:nvPr>
+        </p:nvSpPr>
+        <p:spPr/>
+        <p:txBody>
+          <a:bodyPr/>
+          <a:lstStyle/>
+          <a:p>
+            <a:r>
+              <a:rPr lang="en-US" smtClean="0"/>
+              <a:t>Footer Text</a:t>
+            </a:r>
+            <a:endParaRPr lang="en-US" dirty="0"/>
+          </a:p>
+        </p:txBody>
+      </p:sp>
+      <p:sp>
+        <p:nvSpPr>
+          <p:cNvPr id="7" name="Title 1"/>
+          <p:cNvSpPr>
+            <a:spLocks noGrp="1"/>
+          </p:cNvSpPr>
+          <p:nvPr>
+            <p:ph type="ctrTitle"/>
+          </p:nvPr>
+        </p:nvSpPr>
+        <p:spPr>
+          <a:xfrm>
+            <a:off x="304800" y="685800"/>
+            <a:ext cx="9372600" cy="1447800"/>
+          </a:xfrm>
+        </p:spPr>
+        <p:txBody>
+          <a:bodyPr/>
+          <a:lstStyle/>
+          <a:p>
+            <a:pPr algn="l"/>
+            <a:r>
+              <a:rPr lang="en-US" sz="4000" dirty="0"/>
+              <a:t/>
+            </a:r>
+            <a:br>
+              <a:rPr lang="en-US" sz="4000" dirty="0"/>
+            </a:br>
+            <a:r>
+              <a:rPr lang="en-US" sz="4000" dirty="0"/>
+              <a:t>10. Defer loading non-essential JS </a:t>
+            </a:r>
+            <a:r>
+              <a:rPr lang="en-US" sz="4000" dirty="0" smtClean="0"/>
+              <a:t/>
+            </a:r>
+            <a:br>
+              <a:rPr lang="en-US" sz="4000" dirty="0" smtClean="0"/>
+            </a:br>
+            <a:r>
+              <a:rPr lang="en-US" sz="4000" dirty="0" smtClean="0"/>
+              <a:t>(</a:t>
+            </a:r>
+            <a:r>
+              <a:rPr lang="en-US" sz="4000" dirty="0" err="1" smtClean="0"/>
+              <a:t>Async</a:t>
+            </a:r>
+            <a:r>
+              <a:rPr lang="en-US" sz="4000" dirty="0" smtClean="0"/>
+              <a:t> Module Definition (AMD), </a:t>
+            </a:r>
+            <a:r>
+              <a:rPr lang="en-US" sz="4000" dirty="0" err="1" smtClean="0"/>
+              <a:t>CommonJS</a:t>
+            </a:r>
+            <a:r>
+              <a:rPr lang="en-US" sz="4000" dirty="0" smtClean="0"/>
+              <a:t>, </a:t>
+            </a:r>
+            <a:r>
+              <a:rPr lang="en-US" sz="4000" dirty="0" err="1" smtClean="0"/>
+              <a:t>RequireJS</a:t>
+            </a:r>
+            <a:r>
+              <a:rPr lang="en-US" sz="4000" dirty="0" smtClean="0"/>
+              <a:t>, </a:t>
+            </a:r>
+            <a:r>
+              <a:rPr lang="en-US" sz="4000" dirty="0" err="1" smtClean="0"/>
+              <a:t>SystemJS</a:t>
+            </a:r>
+            <a:r>
+              <a:rPr lang="en-US" sz="4000" dirty="0" smtClean="0"/>
+              <a:t>)</a:t>
+            </a:r>
+            <a:endParaRPr lang="en-US" sz="4000" dirty="0"/>
+          </a:p>
+        </p:txBody>
+      </p:sp>
+      <p:sp>
+        <p:nvSpPr>
+          <p:cNvPr id="9" name="Subtitle 2"/>
+          <p:cNvSpPr>
+            <a:spLocks noGrp="1"/>
+          </p:cNvSpPr>
+          <p:nvPr>
+            <p:ph type="subTitle" idx="1"/>
+          </p:nvPr>
+        </p:nvSpPr>
+        <p:spPr>
+          <a:xfrm>
+            <a:off x="334108" y="2243259"/>
+            <a:ext cx="8648053" cy="2862141"/>
+          </a:xfrm>
+        </p:spPr>
+        <p:txBody>
+          <a:bodyPr>
+            <a:noAutofit/>
+          </a:bodyPr>
+          <a:lstStyle/>
+          <a:p>
+            <a:pPr marL="457200" indent="-457200" algn="l">
+              <a:buFont typeface="Arial" panose="020B0604020202020204" pitchFamily="34" charset="0"/>
+              <a:buChar char="•"/>
+            </a:pPr>
+            <a:r>
+              <a:rPr lang="en-US" sz="3200" dirty="0" smtClean="0"/>
+              <a:t>Load only needed JS up front.</a:t>
+            </a:r>
+          </a:p>
+          <a:p>
+            <a:pPr algn="l"/>
+            <a:r>
+              <a:rPr lang="en-US" sz="3200" dirty="0"/>
+              <a:t> </a:t>
+            </a:r>
+            <a:r>
+              <a:rPr lang="en-US" sz="3200" dirty="0" smtClean="0"/>
+              <a:t>   </a:t>
+            </a:r>
+            <a:r>
+              <a:rPr lang="en-US" sz="2800" dirty="0" err="1" smtClean="0"/>
+              <a:t>eg</a:t>
+            </a:r>
+            <a:r>
+              <a:rPr lang="en-US" sz="2800" dirty="0" smtClean="0"/>
+              <a:t>. Don’t need to load Drag &amp; Drop JS   </a:t>
+            </a:r>
+          </a:p>
+          <a:p>
+            <a:pPr algn="l"/>
+            <a:r>
+              <a:rPr lang="en-US" sz="2800" dirty="0"/>
+              <a:t> </a:t>
+            </a:r>
+            <a:r>
+              <a:rPr lang="en-US" sz="2800" dirty="0" smtClean="0"/>
+              <a:t>   until user </a:t>
+            </a:r>
+            <a:r>
+              <a:rPr lang="en-US" sz="2800" dirty="0" err="1" smtClean="0"/>
+              <a:t>intiate</a:t>
+            </a:r>
+            <a:r>
+              <a:rPr lang="en-US" sz="2800" dirty="0" smtClean="0"/>
+              <a:t> </a:t>
+            </a:r>
+            <a:r>
+              <a:rPr lang="en-US" sz="2800" dirty="0" err="1" smtClean="0"/>
+              <a:t>DnD</a:t>
+            </a:r>
+            <a:r>
+              <a:rPr lang="en-US" sz="2800" dirty="0" smtClean="0"/>
+              <a:t> operation.</a:t>
+            </a:r>
+            <a:endParaRPr lang="en-US" sz="2800" dirty="0" smtClean="0"/>
+          </a:p>
+          <a:p>
+            <a:pPr marL="457200" indent="-457200" algn="l">
+              <a:buFont typeface="Arial" panose="020B0604020202020204" pitchFamily="34" charset="0"/>
+              <a:buChar char="•"/>
+            </a:pPr>
+            <a:r>
+              <a:rPr lang="en-US" sz="3200" dirty="0" smtClean="0"/>
+              <a:t>Reduce number &lt;script&gt; tags to prevent up-front loading of scripts.</a:t>
+            </a:r>
+          </a:p>
+          <a:p>
+            <a:pPr marL="457200" indent="-457200" algn="l">
+              <a:buFont typeface="Arial" panose="020B0604020202020204" pitchFamily="34" charset="0"/>
+              <a:buChar char="•"/>
+            </a:pPr>
+            <a:r>
+              <a:rPr lang="en-US" sz="3200" dirty="0" smtClean="0"/>
+              <a:t>Used by Dojo, </a:t>
+            </a:r>
+            <a:r>
+              <a:rPr lang="en-US" sz="3200" dirty="0" err="1" smtClean="0"/>
+              <a:t>ExtJS</a:t>
+            </a:r>
+            <a:r>
+              <a:rPr lang="en-US" sz="3200" dirty="0" smtClean="0"/>
+              <a:t>, Angular2, etc.</a:t>
+            </a:r>
+            <a:endParaRPr lang="en-US" sz="2000" dirty="0" smtClean="0"/>
+          </a:p>
+          <a:p>
+            <a:pPr algn="l"/>
+            <a:endParaRPr lang="en-US" sz="2000" dirty="0" smtClean="0"/>
+          </a:p>
+          <a:p>
+            <a:pPr algn="l"/>
+            <a:endParaRPr lang="en-US" sz="3200" dirty="0" smtClean="0"/>
+          </a:p>
+          <a:p>
+            <a:pPr algn="l"/>
+            <a:endParaRPr lang="en-US" dirty="0"/>
+          </a:p>
+          <a:p>
+            <a:pPr marL="342900" indent="-342900" algn="l">
+              <a:buFont typeface="Arial" panose="020B0604020202020204" pitchFamily="34" charset="0"/>
+              <a:buChar char="•"/>
+            </a:pPr>
+            <a:endParaRPr lang="en-US" sz="3200" dirty="0"/>
+          </a:p>
+        </p:txBody>
+      </p:sp>
+    </p:spTree>
+    <p:extLst>
+      <p:ext uri="{BB962C8B-B14F-4D97-AF65-F5344CB8AC3E}">
+        <p14:creationId xmlns:p14="http://schemas.microsoft.com/office/powerpoint/2010/main" val="626198816"/>
+      </p:ext>
+    </p:extLst>
+  </p:cSld>
+  <p:clrMapOvr>
+    <a:masterClrMapping/>
+  </p:clrMapOvr>
+</p:sld>
+</file>
+
+<file path=ppt/slides/slide22.xml><?xml version="1.0" encoding="utf-8"?>
+<p:sld xmlns:a="http://schemas.openxmlformats.org/drawingml/2006/main" xmlns:r="http://schemas.openxmlformats.org/officeDocument/2006/relationships" xmlns:p="http://schemas.openxmlformats.org/presentationml/2006/main">
+  <p:cSld>
+    <p:spTree>
+      <p:nvGrpSpPr>
+        <p:cNvPr id="1" name=""/>
+        <p:cNvGrpSpPr/>
+        <p:nvPr/>
+      </p:nvGrpSpPr>
+      <p:grpSpPr>
+        <a:xfrm>
+          <a:off x="0" y="0"/>
+          <a:ext cx="0" cy="0"/>
+          <a:chOff x="0" y="0"/>
+          <a:chExt cx="0" cy="0"/>
+        </a:xfrm>
+      </p:grpSpPr>
+      <p:sp>
+        <p:nvSpPr>
+          <p:cNvPr id="4" name="Date Placeholder 3"/>
+          <p:cNvSpPr>
+            <a:spLocks noGrp="1"/>
+          </p:cNvSpPr>
+          <p:nvPr>
+            <p:ph type="dt" sz="half" idx="10"/>
+          </p:nvPr>
+        </p:nvSpPr>
+        <p:spPr/>
+        <p:txBody>
+          <a:bodyPr/>
+          <a:lstStyle/>
+          <a:p>
+            <a:fld id="{216C5678-EE20-4FA5-88E2-6E0BD67A2E26}" type="datetime1">
+              <a:rPr lang="en-US" smtClean="0"/>
+              <a:t>12/10/2017</a:t>
+            </a:fld>
+            <a:endParaRPr lang="en-US" dirty="0"/>
+          </a:p>
+        </p:txBody>
+      </p:sp>
+      <p:sp>
+        <p:nvSpPr>
+          <p:cNvPr id="5" name="Slide Number Placeholder 4"/>
+          <p:cNvSpPr>
+            <a:spLocks noGrp="1"/>
+          </p:cNvSpPr>
+          <p:nvPr>
+            <p:ph type="sldNum" sz="quarter" idx="11"/>
+          </p:nvPr>
+        </p:nvSpPr>
+        <p:spPr/>
+        <p:txBody>
+          <a:bodyPr/>
+          <a:lstStyle/>
+          <a:p>
+            <a:fld id="{BA9B540C-44DA-4F69-89C9-7C84606640D3}" type="slidenum">
+              <a:rPr lang="en-US" smtClean="0"/>
+              <a:pPr/>
+              <a:t>22</a:t>
+            </a:fld>
+            <a:endParaRPr lang="en-US" dirty="0"/>
+          </a:p>
+        </p:txBody>
+      </p:sp>
+      <p:sp>
+        <p:nvSpPr>
+          <p:cNvPr id="6" name="Footer Placeholder 5"/>
+          <p:cNvSpPr>
+            <a:spLocks noGrp="1"/>
+          </p:cNvSpPr>
+          <p:nvPr>
+            <p:ph type="ftr" sz="quarter" idx="12"/>
+          </p:nvPr>
+        </p:nvSpPr>
+        <p:spPr/>
+        <p:txBody>
+          <a:bodyPr/>
+          <a:lstStyle/>
+          <a:p>
+            <a:r>
+              <a:rPr lang="en-US" smtClean="0"/>
+              <a:t>Footer Text</a:t>
+            </a:r>
+            <a:endParaRPr lang="en-US" dirty="0"/>
+          </a:p>
+        </p:txBody>
+      </p:sp>
+      <p:sp>
+        <p:nvSpPr>
+          <p:cNvPr id="7" name="Title 1"/>
+          <p:cNvSpPr>
+            <a:spLocks noGrp="1"/>
+          </p:cNvSpPr>
+          <p:nvPr>
+            <p:ph type="ctrTitle"/>
+          </p:nvPr>
+        </p:nvSpPr>
+        <p:spPr>
+          <a:xfrm>
+            <a:off x="304800" y="152400"/>
+            <a:ext cx="9372600" cy="838200"/>
+          </a:xfrm>
+        </p:spPr>
+        <p:txBody>
+          <a:bodyPr/>
+          <a:lstStyle/>
+          <a:p>
+            <a:pPr algn="l"/>
+            <a:r>
+              <a:rPr lang="en-US" sz="4000" dirty="0" smtClean="0"/>
+              <a:t>Defer </a:t>
+            </a:r>
+            <a:r>
+              <a:rPr lang="en-US" sz="4000" dirty="0"/>
+              <a:t>loading non-essential JS </a:t>
+            </a:r>
+            <a:r>
+              <a:rPr lang="en-US" sz="4000" dirty="0" smtClean="0"/>
+              <a:t>(</a:t>
+            </a:r>
+            <a:r>
+              <a:rPr lang="en-US" sz="4000" dirty="0" err="1" smtClean="0"/>
+              <a:t>cont</a:t>
+            </a:r>
+            <a:r>
+              <a:rPr lang="en-US" sz="4000" dirty="0" smtClean="0"/>
+              <a:t>)</a:t>
+            </a:r>
+            <a:endParaRPr lang="en-US" sz="4000" dirty="0"/>
+          </a:p>
+        </p:txBody>
+      </p:sp>
+      <p:pic>
+        <p:nvPicPr>
+          <p:cNvPr id="3" name="Picture 2"/>
+          <p:cNvPicPr>
+            <a:picLocks noChangeAspect="1"/>
+          </p:cNvPicPr>
+          <p:nvPr/>
+        </p:nvPicPr>
+        <p:blipFill>
+          <a:blip r:embed="rId2"/>
+          <a:stretch>
+            <a:fillRect/>
+          </a:stretch>
+        </p:blipFill>
+        <p:spPr>
+          <a:xfrm>
+            <a:off x="457200" y="1999429"/>
+            <a:ext cx="2804403" cy="2690093"/>
+          </a:xfrm>
+          <a:prstGeom prst="rect">
+            <a:avLst/>
+          </a:prstGeom>
+          <a:effectLst>
+            <a:outerShdw blurRad="63500" sx="102000" sy="102000" algn="ctr" rotWithShape="0">
+              <a:prstClr val="black">
+                <a:alpha val="40000"/>
+              </a:prstClr>
+            </a:outerShdw>
+          </a:effectLst>
+        </p:spPr>
+      </p:pic>
+      <p:sp>
+        <p:nvSpPr>
+          <p:cNvPr id="12" name="Rectangle 11"/>
+          <p:cNvSpPr/>
+          <p:nvPr/>
+        </p:nvSpPr>
+        <p:spPr>
+          <a:xfrm>
+            <a:off x="301869" y="1186934"/>
+            <a:ext cx="2861681" cy="461665"/>
+          </a:xfrm>
+          <a:prstGeom prst="rect">
+            <a:avLst/>
+          </a:prstGeom>
+        </p:spPr>
+        <p:txBody>
+          <a:bodyPr wrap="none">
+            <a:spAutoFit/>
+          </a:bodyPr>
+          <a:lstStyle/>
+          <a:p>
+            <a:r>
+              <a:rPr lang="en-US" sz="2400" dirty="0" smtClean="0"/>
+              <a:t>Loading JS up front</a:t>
+            </a:r>
+            <a:endParaRPr lang="en-US" sz="2400" dirty="0"/>
+          </a:p>
+        </p:txBody>
+      </p:sp>
+      <p:sp>
+        <p:nvSpPr>
+          <p:cNvPr id="13" name="Rectangle 12"/>
+          <p:cNvSpPr/>
+          <p:nvPr/>
+        </p:nvSpPr>
+        <p:spPr>
+          <a:xfrm>
+            <a:off x="4478215" y="1186934"/>
+            <a:ext cx="3789820" cy="461665"/>
+          </a:xfrm>
+          <a:prstGeom prst="rect">
+            <a:avLst/>
+          </a:prstGeom>
+        </p:spPr>
+        <p:txBody>
+          <a:bodyPr wrap="none">
+            <a:spAutoFit/>
+          </a:bodyPr>
+          <a:lstStyle/>
+          <a:p>
+            <a:r>
+              <a:rPr lang="en-US" sz="2400" dirty="0" smtClean="0"/>
+              <a:t>Dynamic Module Loading</a:t>
+            </a:r>
+            <a:endParaRPr lang="en-US" sz="2400" dirty="0"/>
+          </a:p>
+        </p:txBody>
+      </p:sp>
+      <p:pic>
+        <p:nvPicPr>
+          <p:cNvPr id="14" name="Picture 13"/>
+          <p:cNvPicPr>
+            <a:picLocks noChangeAspect="1"/>
+          </p:cNvPicPr>
+          <p:nvPr/>
+        </p:nvPicPr>
+        <p:blipFill>
+          <a:blip r:embed="rId3"/>
+          <a:stretch>
+            <a:fillRect/>
+          </a:stretch>
+        </p:blipFill>
+        <p:spPr>
+          <a:xfrm>
+            <a:off x="4267200" y="1999429"/>
+            <a:ext cx="4404742" cy="4138019"/>
+          </a:xfrm>
+          <a:prstGeom prst="rect">
+            <a:avLst/>
+          </a:prstGeom>
+          <a:effectLst>
+            <a:outerShdw blurRad="63500" sx="102000" sy="102000" algn="ctr" rotWithShape="0">
+              <a:prstClr val="black">
+                <a:alpha val="40000"/>
+              </a:prstClr>
+            </a:outerShdw>
+          </a:effectLst>
+        </p:spPr>
+      </p:pic>
+    </p:spTree>
+    <p:extLst>
+      <p:ext uri="{BB962C8B-B14F-4D97-AF65-F5344CB8AC3E}">
+        <p14:creationId xmlns:p14="http://schemas.microsoft.com/office/powerpoint/2010/main" val="2729324437"/>
+      </p:ext>
+    </p:extLst>
+  </p:cSld>
+  <p:clrMapOvr>
+    <a:masterClrMapping/>
+  </p:clrMapOvr>
+</p:sld>
+</file>
+
+<file path=ppt/slides/slide23.xml><?xml version="1.0" encoding="utf-8"?>
+<p:sld xmlns:a="http://schemas.openxmlformats.org/drawingml/2006/main" xmlns:r="http://schemas.openxmlformats.org/officeDocument/2006/relationships" xmlns:p="http://schemas.openxmlformats.org/presentationml/2006/main">
+  <p:cSld>
+    <p:spTree>
+      <p:nvGrpSpPr>
+        <p:cNvPr id="1" name=""/>
+        <p:cNvGrpSpPr/>
+        <p:nvPr/>
+      </p:nvGrpSpPr>
+      <p:grpSpPr>
+        <a:xfrm>
+          <a:off x="0" y="0"/>
+          <a:ext cx="0" cy="0"/>
+          <a:chOff x="0" y="0"/>
+          <a:chExt cx="0" cy="0"/>
+        </a:xfrm>
+      </p:grpSpPr>
+      <p:sp>
+        <p:nvSpPr>
           <p:cNvPr id="2" name="Title 1"/>
           <p:cNvSpPr>
             <a:spLocks noGrp="1"/>
@@ -7812,34 +10297,8 @@
             </a:pPr>
             <a:r>
               <a:rPr lang="en-US" sz="3200" dirty="0" smtClean="0"/>
-              <a:t>Live-Server: </a:t>
-            </a:r>
-          </a:p>
-          <a:p>
-            <a:pPr marL="800100" lvl="1" indent="-342900" algn="l">
-              <a:buFontTx/>
-              <a:buChar char="-"/>
-            </a:pPr>
-            <a:r>
-              <a:rPr lang="en-US" sz="2400" dirty="0" smtClean="0"/>
-              <a:t>auto browser reload</a:t>
-            </a:r>
-          </a:p>
-          <a:p>
-            <a:pPr marL="800100" lvl="1" indent="-342900" algn="l">
-              <a:buFontTx/>
-              <a:buChar char="-"/>
-            </a:pPr>
-            <a:r>
-              <a:rPr lang="en-US" sz="2400" dirty="0" smtClean="0"/>
-              <a:t>Developer does not leave IDE</a:t>
-            </a:r>
-          </a:p>
-          <a:p>
-            <a:pPr marL="800100" lvl="1" indent="-342900" algn="l">
-              <a:buFontTx/>
-              <a:buChar char="-"/>
-            </a:pPr>
+              <a:t>Discuss 10 items that, as an aggregate, will improve page load time</a:t>
+            </a:r>
             <a:endParaRPr lang="en-US" sz="2400" dirty="0"/>
           </a:p>
         </p:txBody>
@@ -7861,7 +10320,7 @@
           <a:p>
             <a:fld id="{216C5678-EE20-4FA5-88E2-6E0BD67A2E26}" type="datetime1">
               <a:rPr lang="en-US" smtClean="0"/>
-              <a:t>12/3/2017</a:t>
+              <a:t>12/10/2017</a:t>
             </a:fld>
             <a:endParaRPr lang="en-US" dirty="0"/>
           </a:p>
@@ -7885,7 +10344,7 @@
             <a:fld id="{BA9B540C-44DA-4F69-89C9-7C84606640D3}" type="slidenum">
               <a:rPr lang="en-US" smtClean="0"/>
               <a:pPr/>
-              <a:t>21</a:t>
+              <a:t>23</a:t>
             </a:fld>
             <a:endParaRPr lang="en-US" dirty="0"/>
           </a:p>
@@ -7911,436 +10370,6 @@
               <a:t>Footer Text</a:t>
             </a:r>
             <a:endParaRPr lang="en-US" dirty="0"/>
-          </a:p>
-        </p:txBody>
-      </p:sp>
-      <p:sp>
-        <p:nvSpPr>
-          <p:cNvPr id="7" name="Subtitle 2"/>
-          <p:cNvSpPr txBox="1">
-            <a:spLocks/>
-          </p:cNvSpPr>
-          <p:nvPr/>
-        </p:nvSpPr>
-        <p:spPr>
-          <a:xfrm>
-            <a:off x="685800" y="2667000"/>
-            <a:ext cx="7315200" cy="1676400"/>
-          </a:xfrm>
-          <a:prstGeom prst="rect">
-            <a:avLst/>
-          </a:prstGeom>
-        </p:spPr>
-        <p:txBody>
-          <a:bodyPr vert="horz" lIns="91440" tIns="45720" rIns="91440" bIns="45720" rtlCol="0">
-            <a:noAutofit/>
-          </a:bodyPr>
-          <a:lstStyle>
-            <a:lvl1pPr marL="0" indent="0" algn="ctr" defTabSz="914400" rtl="0" eaLnBrk="1" latinLnBrk="0" hangingPunct="1">
-              <a:spcBef>
-                <a:spcPct val="20000"/>
-              </a:spcBef>
-              <a:buFont typeface="Arial" pitchFamily="34" charset="0"/>
-              <a:buNone/>
-              <a:defRPr sz="2400" kern="1200">
-                <a:solidFill>
-                  <a:schemeClr val="tx1">
-                    <a:tint val="75000"/>
-                  </a:schemeClr>
-                </a:solidFill>
-                <a:latin typeface="+mj-lt"/>
-                <a:ea typeface="+mn-ea"/>
-                <a:cs typeface="+mn-cs"/>
-              </a:defRPr>
-            </a:lvl1pPr>
-            <a:lvl2pPr marL="457200" indent="0" algn="ctr" defTabSz="914400" rtl="0" eaLnBrk="1" latinLnBrk="0" hangingPunct="1">
-              <a:spcBef>
-                <a:spcPct val="20000"/>
-              </a:spcBef>
-              <a:buFont typeface="Courier New" pitchFamily="49" charset="0"/>
-              <a:buNone/>
-              <a:defRPr sz="1600" kern="1200">
-                <a:solidFill>
-                  <a:schemeClr val="tx1">
-                    <a:tint val="75000"/>
-                  </a:schemeClr>
-                </a:solidFill>
-                <a:latin typeface="+mj-lt"/>
-                <a:ea typeface="+mn-ea"/>
-                <a:cs typeface="+mn-cs"/>
-              </a:defRPr>
-            </a:lvl2pPr>
-            <a:lvl3pPr marL="914400" indent="0" algn="ctr" defTabSz="914400" rtl="0" eaLnBrk="1" latinLnBrk="0" hangingPunct="1">
-              <a:spcBef>
-                <a:spcPct val="20000"/>
-              </a:spcBef>
-              <a:buFont typeface="Arial" pitchFamily="34" charset="0"/>
-              <a:buNone/>
-              <a:defRPr sz="1600" kern="1200">
-                <a:solidFill>
-                  <a:schemeClr val="tx1">
-                    <a:tint val="75000"/>
-                  </a:schemeClr>
-                </a:solidFill>
-                <a:latin typeface="+mj-lt"/>
-                <a:ea typeface="+mn-ea"/>
-                <a:cs typeface="+mn-cs"/>
-              </a:defRPr>
-            </a:lvl3pPr>
-            <a:lvl4pPr marL="1371600" indent="0" algn="ctr" defTabSz="914400" rtl="0" eaLnBrk="1" latinLnBrk="0" hangingPunct="1">
-              <a:spcBef>
-                <a:spcPct val="20000"/>
-              </a:spcBef>
-              <a:buFont typeface="Courier New" pitchFamily="49" charset="0"/>
-              <a:buNone/>
-              <a:defRPr sz="1600" kern="1200">
-                <a:solidFill>
-                  <a:schemeClr val="tx1">
-                    <a:tint val="75000"/>
-                  </a:schemeClr>
-                </a:solidFill>
-                <a:latin typeface="+mj-lt"/>
-                <a:ea typeface="+mn-ea"/>
-                <a:cs typeface="+mn-cs"/>
-              </a:defRPr>
-            </a:lvl4pPr>
-            <a:lvl5pPr marL="1828800" indent="0" algn="ctr" defTabSz="914400" rtl="0" eaLnBrk="1" latinLnBrk="0" hangingPunct="1">
-              <a:spcBef>
-                <a:spcPct val="20000"/>
-              </a:spcBef>
-              <a:buFont typeface="Arial" pitchFamily="34" charset="0"/>
-              <a:buNone/>
-              <a:defRPr sz="1600" kern="1200">
-                <a:solidFill>
-                  <a:schemeClr val="tx1">
-                    <a:tint val="75000"/>
-                  </a:schemeClr>
-                </a:solidFill>
-                <a:latin typeface="+mj-lt"/>
-                <a:ea typeface="+mn-ea"/>
-                <a:cs typeface="+mn-cs"/>
-              </a:defRPr>
-            </a:lvl5pPr>
-            <a:lvl6pPr marL="2286000" indent="0" algn="ctr" defTabSz="914400" rtl="0" eaLnBrk="1" latinLnBrk="0" hangingPunct="1">
-              <a:spcBef>
-                <a:spcPct val="20000"/>
-              </a:spcBef>
-              <a:buFont typeface="Courier New" pitchFamily="49" charset="0"/>
-              <a:buNone/>
-              <a:defRPr sz="1600" kern="1200">
-                <a:solidFill>
-                  <a:schemeClr val="tx1">
-                    <a:tint val="75000"/>
-                  </a:schemeClr>
-                </a:solidFill>
-                <a:latin typeface="+mj-lt"/>
-                <a:ea typeface="+mn-ea"/>
-                <a:cs typeface="+mn-cs"/>
-              </a:defRPr>
-            </a:lvl6pPr>
-            <a:lvl7pPr marL="2743200" indent="0" algn="ctr" defTabSz="914400" rtl="0" eaLnBrk="1" latinLnBrk="0" hangingPunct="1">
-              <a:spcBef>
-                <a:spcPct val="20000"/>
-              </a:spcBef>
-              <a:buFont typeface="Arial" pitchFamily="34" charset="0"/>
-              <a:buNone/>
-              <a:defRPr sz="1600" kern="1200">
-                <a:solidFill>
-                  <a:schemeClr val="tx1">
-                    <a:tint val="75000"/>
-                  </a:schemeClr>
-                </a:solidFill>
-                <a:latin typeface="+mj-lt"/>
-                <a:ea typeface="+mn-ea"/>
-                <a:cs typeface="+mn-cs"/>
-              </a:defRPr>
-            </a:lvl7pPr>
-            <a:lvl8pPr marL="3200400" indent="0" algn="ctr" defTabSz="914400" rtl="0" eaLnBrk="1" latinLnBrk="0" hangingPunct="1">
-              <a:spcBef>
-                <a:spcPct val="20000"/>
-              </a:spcBef>
-              <a:buFont typeface="Courier New" pitchFamily="49" charset="0"/>
-              <a:buNone/>
-              <a:defRPr sz="1600" kern="1200">
-                <a:solidFill>
-                  <a:schemeClr val="tx1">
-                    <a:tint val="75000"/>
-                  </a:schemeClr>
-                </a:solidFill>
-                <a:latin typeface="+mj-lt"/>
-                <a:ea typeface="+mn-ea"/>
-                <a:cs typeface="+mn-cs"/>
-              </a:defRPr>
-            </a:lvl8pPr>
-            <a:lvl9pPr marL="3657600" indent="0" algn="ctr" defTabSz="914400" rtl="0" eaLnBrk="1" latinLnBrk="0" hangingPunct="1">
-              <a:spcBef>
-                <a:spcPct val="20000"/>
-              </a:spcBef>
-              <a:buFont typeface="Arial" pitchFamily="34" charset="0"/>
-              <a:buNone/>
-              <a:defRPr sz="1600" kern="1200">
-                <a:solidFill>
-                  <a:schemeClr val="tx1">
-                    <a:tint val="75000"/>
-                  </a:schemeClr>
-                </a:solidFill>
-                <a:latin typeface="+mj-lt"/>
-                <a:ea typeface="+mn-ea"/>
-                <a:cs typeface="+mn-cs"/>
-              </a:defRPr>
-            </a:lvl9pPr>
-          </a:lstStyle>
-          <a:p>
-            <a:pPr marL="342900" indent="-342900" algn="l">
-              <a:buFont typeface="Arial" panose="020B0604020202020204" pitchFamily="34" charset="0"/>
-              <a:buChar char="•"/>
-            </a:pPr>
-            <a:r>
-              <a:rPr lang="en-US" sz="3200" dirty="0" smtClean="0"/>
-              <a:t>Browser-Sync: </a:t>
-            </a:r>
-          </a:p>
-          <a:p>
-            <a:pPr marL="800100" lvl="1" indent="-342900" algn="l">
-              <a:buFontTx/>
-              <a:buChar char="-"/>
-            </a:pPr>
-            <a:r>
-              <a:rPr lang="en-US" sz="2400" dirty="0" smtClean="0"/>
-              <a:t>Improve multi-browser testing.</a:t>
-            </a:r>
-          </a:p>
-          <a:p>
-            <a:pPr marL="800100" lvl="1" indent="-342900" algn="l">
-              <a:buFontTx/>
-              <a:buChar char="-"/>
-            </a:pPr>
-            <a:r>
-              <a:rPr lang="en-US" sz="2400" dirty="0" smtClean="0"/>
-              <a:t>Not 100% mature</a:t>
-            </a:r>
-          </a:p>
-          <a:p>
-            <a:pPr marL="800100" lvl="1" indent="-342900" algn="l">
-              <a:buFontTx/>
-              <a:buChar char="-"/>
-            </a:pPr>
-            <a:endParaRPr lang="en-US" sz="2400" dirty="0"/>
-          </a:p>
-        </p:txBody>
-      </p:sp>
-      <p:sp>
-        <p:nvSpPr>
-          <p:cNvPr id="8" name="Subtitle 2"/>
-          <p:cNvSpPr txBox="1">
-            <a:spLocks/>
-          </p:cNvSpPr>
-          <p:nvPr/>
-        </p:nvSpPr>
-        <p:spPr>
-          <a:xfrm>
-            <a:off x="661088" y="4451350"/>
-            <a:ext cx="7315200" cy="1676400"/>
-          </a:xfrm>
-          <a:prstGeom prst="rect">
-            <a:avLst/>
-          </a:prstGeom>
-        </p:spPr>
-        <p:txBody>
-          <a:bodyPr vert="horz" lIns="91440" tIns="45720" rIns="91440" bIns="45720" rtlCol="0">
-            <a:noAutofit/>
-          </a:bodyPr>
-          <a:lstStyle>
-            <a:lvl1pPr marL="0" indent="0" algn="ctr" defTabSz="914400" rtl="0" eaLnBrk="1" latinLnBrk="0" hangingPunct="1">
-              <a:spcBef>
-                <a:spcPct val="20000"/>
-              </a:spcBef>
-              <a:buFont typeface="Arial" pitchFamily="34" charset="0"/>
-              <a:buNone/>
-              <a:defRPr sz="2400" kern="1200">
-                <a:solidFill>
-                  <a:schemeClr val="tx1">
-                    <a:tint val="75000"/>
-                  </a:schemeClr>
-                </a:solidFill>
-                <a:latin typeface="+mj-lt"/>
-                <a:ea typeface="+mn-ea"/>
-                <a:cs typeface="+mn-cs"/>
-              </a:defRPr>
-            </a:lvl1pPr>
-            <a:lvl2pPr marL="457200" indent="0" algn="ctr" defTabSz="914400" rtl="0" eaLnBrk="1" latinLnBrk="0" hangingPunct="1">
-              <a:spcBef>
-                <a:spcPct val="20000"/>
-              </a:spcBef>
-              <a:buFont typeface="Courier New" pitchFamily="49" charset="0"/>
-              <a:buNone/>
-              <a:defRPr sz="1600" kern="1200">
-                <a:solidFill>
-                  <a:schemeClr val="tx1">
-                    <a:tint val="75000"/>
-                  </a:schemeClr>
-                </a:solidFill>
-                <a:latin typeface="+mj-lt"/>
-                <a:ea typeface="+mn-ea"/>
-                <a:cs typeface="+mn-cs"/>
-              </a:defRPr>
-            </a:lvl2pPr>
-            <a:lvl3pPr marL="914400" indent="0" algn="ctr" defTabSz="914400" rtl="0" eaLnBrk="1" latinLnBrk="0" hangingPunct="1">
-              <a:spcBef>
-                <a:spcPct val="20000"/>
-              </a:spcBef>
-              <a:buFont typeface="Arial" pitchFamily="34" charset="0"/>
-              <a:buNone/>
-              <a:defRPr sz="1600" kern="1200">
-                <a:solidFill>
-                  <a:schemeClr val="tx1">
-                    <a:tint val="75000"/>
-                  </a:schemeClr>
-                </a:solidFill>
-                <a:latin typeface="+mj-lt"/>
-                <a:ea typeface="+mn-ea"/>
-                <a:cs typeface="+mn-cs"/>
-              </a:defRPr>
-            </a:lvl3pPr>
-            <a:lvl4pPr marL="1371600" indent="0" algn="ctr" defTabSz="914400" rtl="0" eaLnBrk="1" latinLnBrk="0" hangingPunct="1">
-              <a:spcBef>
-                <a:spcPct val="20000"/>
-              </a:spcBef>
-              <a:buFont typeface="Courier New" pitchFamily="49" charset="0"/>
-              <a:buNone/>
-              <a:defRPr sz="1600" kern="1200">
-                <a:solidFill>
-                  <a:schemeClr val="tx1">
-                    <a:tint val="75000"/>
-                  </a:schemeClr>
-                </a:solidFill>
-                <a:latin typeface="+mj-lt"/>
-                <a:ea typeface="+mn-ea"/>
-                <a:cs typeface="+mn-cs"/>
-              </a:defRPr>
-            </a:lvl4pPr>
-            <a:lvl5pPr marL="1828800" indent="0" algn="ctr" defTabSz="914400" rtl="0" eaLnBrk="1" latinLnBrk="0" hangingPunct="1">
-              <a:spcBef>
-                <a:spcPct val="20000"/>
-              </a:spcBef>
-              <a:buFont typeface="Arial" pitchFamily="34" charset="0"/>
-              <a:buNone/>
-              <a:defRPr sz="1600" kern="1200">
-                <a:solidFill>
-                  <a:schemeClr val="tx1">
-                    <a:tint val="75000"/>
-                  </a:schemeClr>
-                </a:solidFill>
-                <a:latin typeface="+mj-lt"/>
-                <a:ea typeface="+mn-ea"/>
-                <a:cs typeface="+mn-cs"/>
-              </a:defRPr>
-            </a:lvl5pPr>
-            <a:lvl6pPr marL="2286000" indent="0" algn="ctr" defTabSz="914400" rtl="0" eaLnBrk="1" latinLnBrk="0" hangingPunct="1">
-              <a:spcBef>
-                <a:spcPct val="20000"/>
-              </a:spcBef>
-              <a:buFont typeface="Courier New" pitchFamily="49" charset="0"/>
-              <a:buNone/>
-              <a:defRPr sz="1600" kern="1200">
-                <a:solidFill>
-                  <a:schemeClr val="tx1">
-                    <a:tint val="75000"/>
-                  </a:schemeClr>
-                </a:solidFill>
-                <a:latin typeface="+mj-lt"/>
-                <a:ea typeface="+mn-ea"/>
-                <a:cs typeface="+mn-cs"/>
-              </a:defRPr>
-            </a:lvl6pPr>
-            <a:lvl7pPr marL="2743200" indent="0" algn="ctr" defTabSz="914400" rtl="0" eaLnBrk="1" latinLnBrk="0" hangingPunct="1">
-              <a:spcBef>
-                <a:spcPct val="20000"/>
-              </a:spcBef>
-              <a:buFont typeface="Arial" pitchFamily="34" charset="0"/>
-              <a:buNone/>
-              <a:defRPr sz="1600" kern="1200">
-                <a:solidFill>
-                  <a:schemeClr val="tx1">
-                    <a:tint val="75000"/>
-                  </a:schemeClr>
-                </a:solidFill>
-                <a:latin typeface="+mj-lt"/>
-                <a:ea typeface="+mn-ea"/>
-                <a:cs typeface="+mn-cs"/>
-              </a:defRPr>
-            </a:lvl7pPr>
-            <a:lvl8pPr marL="3200400" indent="0" algn="ctr" defTabSz="914400" rtl="0" eaLnBrk="1" latinLnBrk="0" hangingPunct="1">
-              <a:spcBef>
-                <a:spcPct val="20000"/>
-              </a:spcBef>
-              <a:buFont typeface="Courier New" pitchFamily="49" charset="0"/>
-              <a:buNone/>
-              <a:defRPr sz="1600" kern="1200">
-                <a:solidFill>
-                  <a:schemeClr val="tx1">
-                    <a:tint val="75000"/>
-                  </a:schemeClr>
-                </a:solidFill>
-                <a:latin typeface="+mj-lt"/>
-                <a:ea typeface="+mn-ea"/>
-                <a:cs typeface="+mn-cs"/>
-              </a:defRPr>
-            </a:lvl8pPr>
-            <a:lvl9pPr marL="3657600" indent="0" algn="ctr" defTabSz="914400" rtl="0" eaLnBrk="1" latinLnBrk="0" hangingPunct="1">
-              <a:spcBef>
-                <a:spcPct val="20000"/>
-              </a:spcBef>
-              <a:buFont typeface="Arial" pitchFamily="34" charset="0"/>
-              <a:buNone/>
-              <a:defRPr sz="1600" kern="1200">
-                <a:solidFill>
-                  <a:schemeClr val="tx1">
-                    <a:tint val="75000"/>
-                  </a:schemeClr>
-                </a:solidFill>
-                <a:latin typeface="+mj-lt"/>
-                <a:ea typeface="+mn-ea"/>
-                <a:cs typeface="+mn-cs"/>
-              </a:defRPr>
-            </a:lvl9pPr>
-          </a:lstStyle>
-          <a:p>
-            <a:pPr marL="342900" indent="-342900" algn="l">
-              <a:buFont typeface="Arial" panose="020B0604020202020204" pitchFamily="34" charset="0"/>
-              <a:buChar char="•"/>
-            </a:pPr>
-            <a:r>
-              <a:rPr lang="en-US" sz="3200" dirty="0" smtClean="0"/>
-              <a:t>JSON Server: </a:t>
-            </a:r>
-          </a:p>
-          <a:p>
-            <a:pPr marL="800100" lvl="1" indent="-342900" algn="l">
-              <a:buFontTx/>
-              <a:buChar char="-"/>
-            </a:pPr>
-            <a:r>
-              <a:rPr lang="en-US" sz="2400" dirty="0" smtClean="0"/>
-              <a:t>Quickly mock REST APIs</a:t>
-            </a:r>
-          </a:p>
-          <a:p>
-            <a:pPr marL="800100" lvl="1" indent="-342900" algn="l">
-              <a:buFontTx/>
-              <a:buChar char="-"/>
-            </a:pPr>
-            <a:r>
-              <a:rPr lang="en-US" sz="2400" dirty="0" smtClean="0"/>
-              <a:t>Allow UI and Service to be develop in parallel</a:t>
-            </a:r>
-          </a:p>
-          <a:p>
-            <a:pPr marL="800100" lvl="1" indent="-342900" algn="l">
-              <a:buFontTx/>
-              <a:buChar char="-"/>
-            </a:pPr>
-            <a:endParaRPr lang="en-US" sz="2400" dirty="0"/>
           </a:p>
         </p:txBody>
       </p:sp>
@@ -8415,6 +10444,18 @@
               <a:rPr lang="en-US" sz="3200" dirty="0" smtClean="0"/>
               <a:t>10. Defer loading non-essential JS (AMD, </a:t>
             </a:r>
+            <a:endParaRPr lang="en-US" sz="3200" dirty="0" smtClean="0"/>
+          </a:p>
+          <a:p>
+            <a:pPr algn="l"/>
+            <a:r>
+              <a:rPr lang="en-US" sz="3200" dirty="0"/>
+              <a:t> </a:t>
+            </a:r>
+            <a:r>
+              <a:rPr lang="en-US" sz="3200" dirty="0" smtClean="0"/>
+              <a:t>     </a:t>
+            </a:r>
             <a:r>
               <a:rPr lang="en-US" sz="3200" dirty="0" err="1" smtClean="0"/>
               <a:t>SystemJS</a:t>
@@ -8422,50 +10463,6 @@
             <a:r>
               <a:rPr lang="en-US" sz="3200" dirty="0" smtClean="0"/>
               <a:t>)</a:t>
-            </a:r>
-          </a:p>
-          <a:p>
-            <a:pPr algn="l"/>
-            <a:r>
-              <a:rPr lang="en-US" sz="3200" dirty="0" smtClean="0"/>
-              <a:t>11. Use Ajax for Progressive Loading</a:t>
-            </a:r>
-          </a:p>
-          <a:p>
-            <a:pPr algn="l"/>
-            <a:r>
-              <a:rPr lang="en-US" sz="3200" dirty="0" smtClean="0"/>
-              <a:t>12. Enable Cache Timeout.</a:t>
-            </a:r>
-          </a:p>
-          <a:p>
-            <a:pPr algn="l"/>
-            <a:r>
-              <a:rPr lang="en-US" sz="3200" dirty="0" smtClean="0"/>
-              <a:t>13. Use Progress Indicator</a:t>
-            </a:r>
-          </a:p>
-          <a:p>
-            <a:pPr algn="l"/>
-            <a:r>
-              <a:rPr lang="en-US" sz="3200" dirty="0" smtClean="0"/>
-              <a:t>14. Benchmark &amp; </a:t>
-            </a:r>
-            <a:r>
-              <a:rPr lang="en-US" sz="3200" dirty="0"/>
-              <a:t>l</a:t>
-            </a:r>
-            <a:r>
-              <a:rPr lang="en-US" sz="3200" dirty="0" smtClean="0"/>
-              <a:t>oad </a:t>
-            </a:r>
-            <a:r>
-              <a:rPr lang="en-US" sz="3200" dirty="0"/>
-              <a:t>t</a:t>
-            </a:r>
-            <a:r>
-              <a:rPr lang="en-US" sz="3200" dirty="0" smtClean="0"/>
-              <a:t>esting</a:t>
             </a:r>
           </a:p>
           <a:p>
@@ -8498,7 +10495,7 @@
           <a:p>
             <a:fld id="{216C5678-EE20-4FA5-88E2-6E0BD67A2E26}" type="datetime1">
               <a:rPr lang="en-US" smtClean="0"/>
-              <a:t>12/3/2017</a:t>
+              <a:t>12/10/2017</a:t>
             </a:fld>
             <a:endParaRPr lang="en-US" dirty="0"/>
           </a:p>
@@ -8598,7 +10595,7 @@
           <a:p>
             <a:fld id="{216C5678-EE20-4FA5-88E2-6E0BD67A2E26}" type="datetime1">
               <a:rPr lang="en-US" smtClean="0"/>
-              <a:t>12/3/2017</a:t>
+              <a:t>12/10/2017</a:t>
             </a:fld>
             <a:endParaRPr lang="en-US" dirty="0"/>
           </a:p>
@@ -8674,15 +10671,7 @@
             <a:pPr algn="l"/>
             <a:r>
               <a:rPr lang="en-US" sz="4000" dirty="0" smtClean="0"/>
-              <a:t>1. Consolidate </a:t>
-            </a:r>
-            <a:r>
-              <a:rPr lang="en-US" sz="4000" dirty="0"/>
-              <a:t>JS and </a:t>
-            </a:r>
-            <a:r>
-              <a:rPr lang="en-US" sz="4000" dirty="0" smtClean="0"/>
-              <a:t>CSS</a:t>
+              <a:t>Benefits</a:t>
             </a:r>
             <a:endParaRPr lang="en-US" sz="4000" dirty="0"/>
           </a:p>
@@ -8690,431 +10679,125 @@
       </p:sp>
       <p:sp>
         <p:nvSpPr>
-          <p:cNvPr id="8" name="Rectangle 7"/>
-          <p:cNvSpPr/>
-          <p:nvPr/>
+          <p:cNvPr id="19" name="Subtitle 2"/>
+          <p:cNvSpPr>
+            <a:spLocks noGrp="1"/>
+          </p:cNvSpPr>
+          <p:nvPr>
+            <p:ph type="subTitle" idx="1"/>
+          </p:nvPr>
         </p:nvSpPr>
         <p:spPr>
           <a:xfrm>
-            <a:off x="659165" y="1371600"/>
-            <a:ext cx="1398235" cy="457200"/>
+            <a:off x="304801" y="990600"/>
+            <a:ext cx="8800452" cy="5365750"/>
           </a:xfrm>
-          <a:prstGeom prst="rect">
-            <a:avLst/>
-          </a:prstGeom>
         </p:spPr>
-        <p:style>
-          <a:lnRef idx="2">
-            <a:schemeClr val="accent1">
-              <a:shade val="50000"/>
-            </a:schemeClr>
-          </a:lnRef>
-          <a:fillRef idx="1">
-            <a:schemeClr val="accent1"/>
-          </a:fillRef>
-          <a:effectRef idx="0">
-            <a:schemeClr val="accent1"/>
-          </a:effectRef>
-          <a:fontRef idx="minor">
-            <a:schemeClr val="lt1"/>
-          </a:fontRef>
-        </p:style>
-        <p:txBody>
-          <a:bodyPr rtlCol="0" anchor="ctr"/>
-          <a:lstStyle/>
-          <a:p>
-            <a:pPr algn="ctr"/>
-            <a:r>
-              <a:rPr lang="en-US" dirty="0" smtClean="0"/>
-              <a:t>Angular.js</a:t>
-            </a:r>
-            <a:endParaRPr lang="en-US" dirty="0"/>
-          </a:p>
-        </p:txBody>
-      </p:sp>
-      <p:sp>
-        <p:nvSpPr>
-          <p:cNvPr id="9" name="Rectangle 8"/>
-          <p:cNvSpPr/>
-          <p:nvPr/>
-        </p:nvSpPr>
-        <p:spPr>
-          <a:xfrm>
-            <a:off x="684917" y="2057400"/>
-            <a:ext cx="1398235" cy="457200"/>
-          </a:xfrm>
-          <a:prstGeom prst="rect">
-            <a:avLst/>
-          </a:prstGeom>
-        </p:spPr>
-        <p:style>
-          <a:lnRef idx="2">
-            <a:schemeClr val="accent1">
-              <a:shade val="50000"/>
-            </a:schemeClr>
-          </a:lnRef>
-          <a:fillRef idx="1">
-            <a:schemeClr val="accent1"/>
-          </a:fillRef>
-          <a:effectRef idx="0">
-            <a:schemeClr val="accent1"/>
-          </a:effectRef>
-          <a:fontRef idx="minor">
-            <a:schemeClr val="lt1"/>
-          </a:fontRef>
-        </p:style>
-        <p:txBody>
-          <a:bodyPr rtlCol="0" anchor="ctr"/>
-          <a:lstStyle/>
-          <a:p>
-            <a:pPr algn="ctr"/>
-            <a:r>
-              <a:rPr lang="en-US" dirty="0" smtClean="0"/>
-              <a:t>Jquery.js</a:t>
-            </a:r>
-            <a:endParaRPr lang="en-US" dirty="0"/>
-          </a:p>
-        </p:txBody>
-      </p:sp>
-      <p:sp>
-        <p:nvSpPr>
-          <p:cNvPr id="10" name="Rectangle 9"/>
-          <p:cNvSpPr/>
-          <p:nvPr/>
-        </p:nvSpPr>
-        <p:spPr>
-          <a:xfrm>
-            <a:off x="659165" y="2760785"/>
-            <a:ext cx="1398235" cy="457200"/>
-          </a:xfrm>
-          <a:prstGeom prst="rect">
-            <a:avLst/>
-          </a:prstGeom>
-        </p:spPr>
-        <p:style>
-          <a:lnRef idx="2">
-            <a:schemeClr val="accent1">
-              <a:shade val="50000"/>
-            </a:schemeClr>
-          </a:lnRef>
-          <a:fillRef idx="1">
-            <a:schemeClr val="accent1"/>
-          </a:fillRef>
-          <a:effectRef idx="0">
-            <a:schemeClr val="accent1"/>
-          </a:effectRef>
-          <a:fontRef idx="minor">
-            <a:schemeClr val="lt1"/>
-          </a:fontRef>
-        </p:style>
-        <p:txBody>
-          <a:bodyPr rtlCol="0" anchor="ctr"/>
-          <a:lstStyle/>
-          <a:p>
-            <a:pPr algn="ctr"/>
-            <a:r>
-              <a:rPr lang="en-US" dirty="0" smtClean="0"/>
-              <a:t>Bootstrap.js</a:t>
-            </a:r>
-            <a:endParaRPr lang="en-US" dirty="0"/>
-          </a:p>
-        </p:txBody>
-      </p:sp>
-      <p:sp>
-        <p:nvSpPr>
-          <p:cNvPr id="11" name="Rectangle 10"/>
-          <p:cNvSpPr/>
-          <p:nvPr/>
-        </p:nvSpPr>
-        <p:spPr>
-          <a:xfrm>
-            <a:off x="609600" y="3716215"/>
-            <a:ext cx="1600200" cy="457200"/>
-          </a:xfrm>
-          <a:prstGeom prst="rect">
-            <a:avLst/>
-          </a:prstGeom>
-        </p:spPr>
-        <p:style>
-          <a:lnRef idx="2">
-            <a:schemeClr val="accent1">
-              <a:shade val="50000"/>
-            </a:schemeClr>
-          </a:lnRef>
-          <a:fillRef idx="1">
-            <a:schemeClr val="accent1"/>
-          </a:fillRef>
-          <a:effectRef idx="0">
-            <a:schemeClr val="accent1"/>
-          </a:effectRef>
-          <a:fontRef idx="minor">
-            <a:schemeClr val="lt1"/>
-          </a:fontRef>
-        </p:style>
-        <p:txBody>
-          <a:bodyPr rtlCol="0" anchor="ctr"/>
-          <a:lstStyle/>
-          <a:p>
-            <a:pPr algn="ctr"/>
-            <a:r>
-              <a:rPr lang="en-US" dirty="0" smtClean="0"/>
-              <a:t>Bootstrap.css</a:t>
-            </a:r>
-            <a:endParaRPr lang="en-US" dirty="0"/>
-          </a:p>
-        </p:txBody>
-      </p:sp>
-      <p:sp>
-        <p:nvSpPr>
-          <p:cNvPr id="12" name="Rectangle 11"/>
-          <p:cNvSpPr/>
-          <p:nvPr/>
-        </p:nvSpPr>
-        <p:spPr>
-          <a:xfrm>
-            <a:off x="635352" y="4402015"/>
-            <a:ext cx="1574448" cy="457200"/>
-          </a:xfrm>
-          <a:prstGeom prst="rect">
-            <a:avLst/>
-          </a:prstGeom>
-        </p:spPr>
-        <p:style>
-          <a:lnRef idx="2">
-            <a:schemeClr val="accent1">
-              <a:shade val="50000"/>
-            </a:schemeClr>
-          </a:lnRef>
-          <a:fillRef idx="1">
-            <a:schemeClr val="accent1"/>
-          </a:fillRef>
-          <a:effectRef idx="0">
-            <a:schemeClr val="accent1"/>
-          </a:effectRef>
-          <a:fontRef idx="minor">
-            <a:schemeClr val="lt1"/>
-          </a:fontRef>
-        </p:style>
-        <p:txBody>
-          <a:bodyPr rtlCol="0" anchor="ctr"/>
-          <a:lstStyle/>
-          <a:p>
-            <a:pPr algn="ctr"/>
-            <a:r>
-              <a:rPr lang="en-US" dirty="0" smtClean="0"/>
-              <a:t>Myapp.css</a:t>
-            </a:r>
-            <a:endParaRPr lang="en-US" dirty="0"/>
-          </a:p>
-        </p:txBody>
-      </p:sp>
-      <p:sp>
-        <p:nvSpPr>
-          <p:cNvPr id="13" name="Rectangle 12"/>
-          <p:cNvSpPr/>
-          <p:nvPr/>
-        </p:nvSpPr>
-        <p:spPr>
-          <a:xfrm>
-            <a:off x="609600" y="5105400"/>
-            <a:ext cx="1600200" cy="457200"/>
-          </a:xfrm>
-          <a:prstGeom prst="rect">
-            <a:avLst/>
-          </a:prstGeom>
-        </p:spPr>
-        <p:style>
-          <a:lnRef idx="2">
-            <a:schemeClr val="accent1">
-              <a:shade val="50000"/>
-            </a:schemeClr>
-          </a:lnRef>
-          <a:fillRef idx="1">
-            <a:schemeClr val="accent1"/>
-          </a:fillRef>
-          <a:effectRef idx="0">
-            <a:schemeClr val="accent1"/>
-          </a:effectRef>
-          <a:fontRef idx="minor">
-            <a:schemeClr val="lt1"/>
-          </a:fontRef>
-        </p:style>
-        <p:txBody>
-          <a:bodyPr rtlCol="0" anchor="ctr"/>
-          <a:lstStyle/>
-          <a:p>
-            <a:pPr algn="ctr"/>
-            <a:r>
-              <a:rPr lang="en-US" dirty="0" smtClean="0"/>
-              <a:t>JSTree.css</a:t>
-            </a:r>
-            <a:endParaRPr lang="en-US" dirty="0"/>
-          </a:p>
-        </p:txBody>
-      </p:sp>
-      <p:sp>
-        <p:nvSpPr>
-          <p:cNvPr id="14" name="Right Brace 13"/>
-          <p:cNvSpPr/>
-          <p:nvPr/>
-        </p:nvSpPr>
-        <p:spPr>
-          <a:xfrm>
-            <a:off x="2737338" y="3706935"/>
-            <a:ext cx="381000" cy="1801935"/>
-          </a:xfrm>
-          <a:prstGeom prst="rightBrace">
-            <a:avLst/>
-          </a:prstGeom>
-          <a:ln w="25400"/>
-        </p:spPr>
-        <p:style>
-          <a:lnRef idx="1">
-            <a:schemeClr val="accent1"/>
-          </a:lnRef>
-          <a:fillRef idx="0">
-            <a:schemeClr val="accent1"/>
-          </a:fillRef>
-          <a:effectRef idx="0">
-            <a:schemeClr val="accent1"/>
-          </a:effectRef>
-          <a:fontRef idx="minor">
-            <a:schemeClr val="tx1"/>
-          </a:fontRef>
-        </p:style>
-        <p:txBody>
-          <a:bodyPr rtlCol="0" anchor="ctr"/>
-          <a:lstStyle/>
-          <a:p>
-            <a:pPr algn="ctr"/>
-            <a:endParaRPr lang="en-US"/>
-          </a:p>
-        </p:txBody>
-      </p:sp>
-      <p:sp>
-        <p:nvSpPr>
-          <p:cNvPr id="15" name="Rectangle 14"/>
-          <p:cNvSpPr/>
-          <p:nvPr/>
-        </p:nvSpPr>
-        <p:spPr>
-          <a:xfrm>
-            <a:off x="3200400" y="2086707"/>
-            <a:ext cx="1398235" cy="457200"/>
-          </a:xfrm>
-          <a:prstGeom prst="rect">
-            <a:avLst/>
-          </a:prstGeom>
-        </p:spPr>
-        <p:style>
-          <a:lnRef idx="2">
-            <a:schemeClr val="accent1">
-              <a:shade val="50000"/>
-            </a:schemeClr>
-          </a:lnRef>
-          <a:fillRef idx="1">
-            <a:schemeClr val="accent1"/>
-          </a:fillRef>
-          <a:effectRef idx="0">
-            <a:schemeClr val="accent1"/>
-          </a:effectRef>
-          <a:fontRef idx="minor">
-            <a:schemeClr val="lt1"/>
-          </a:fontRef>
-        </p:style>
-        <p:txBody>
-          <a:bodyPr rtlCol="0" anchor="ctr"/>
-          <a:lstStyle/>
-          <a:p>
-            <a:pPr algn="ctr"/>
-            <a:r>
-              <a:rPr lang="en-US" smtClean="0"/>
-              <a:t>Bundle.js</a:t>
-            </a:r>
-            <a:endParaRPr lang="en-US" dirty="0"/>
-          </a:p>
-        </p:txBody>
-      </p:sp>
-      <p:sp>
-        <p:nvSpPr>
-          <p:cNvPr id="16" name="Right Brace 15"/>
-          <p:cNvSpPr/>
-          <p:nvPr/>
-        </p:nvSpPr>
-        <p:spPr>
-          <a:xfrm>
-            <a:off x="2743200" y="1524000"/>
-            <a:ext cx="381000" cy="1801935"/>
-          </a:xfrm>
-          <a:prstGeom prst="rightBrace">
-            <a:avLst/>
-          </a:prstGeom>
-          <a:ln w="25400"/>
-        </p:spPr>
-        <p:style>
-          <a:lnRef idx="1">
-            <a:schemeClr val="accent1"/>
-          </a:lnRef>
-          <a:fillRef idx="0">
-            <a:schemeClr val="accent1"/>
-          </a:fillRef>
-          <a:effectRef idx="0">
-            <a:schemeClr val="accent1"/>
-          </a:effectRef>
-          <a:fontRef idx="minor">
-            <a:schemeClr val="tx1"/>
-          </a:fontRef>
-        </p:style>
-        <p:txBody>
-          <a:bodyPr rtlCol="0" anchor="ctr"/>
-          <a:lstStyle/>
-          <a:p>
-            <a:pPr algn="ctr"/>
-            <a:endParaRPr lang="en-US"/>
-          </a:p>
-        </p:txBody>
-      </p:sp>
-      <p:sp>
-        <p:nvSpPr>
-          <p:cNvPr id="17" name="Rectangle 16"/>
-          <p:cNvSpPr/>
-          <p:nvPr/>
-        </p:nvSpPr>
-        <p:spPr>
-          <a:xfrm>
-            <a:off x="3276600" y="4402015"/>
-            <a:ext cx="1398235" cy="457200"/>
-          </a:xfrm>
-          <a:prstGeom prst="rect">
-            <a:avLst/>
-          </a:prstGeom>
-        </p:spPr>
-        <p:style>
-          <a:lnRef idx="2">
-            <a:schemeClr val="accent1">
-              <a:shade val="50000"/>
-            </a:schemeClr>
-          </a:lnRef>
-          <a:fillRef idx="1">
-            <a:schemeClr val="accent1"/>
-          </a:fillRef>
-          <a:effectRef idx="0">
-            <a:schemeClr val="accent1"/>
-          </a:effectRef>
-          <a:fontRef idx="minor">
-            <a:schemeClr val="lt1"/>
-          </a:fontRef>
-        </p:style>
-        <p:txBody>
-          <a:bodyPr rtlCol="0" anchor="ctr"/>
-          <a:lstStyle/>
-          <a:p>
-            <a:pPr algn="ctr"/>
-            <a:r>
-              <a:rPr lang="en-US" dirty="0" smtClean="0"/>
-              <a:t>Bundle.css</a:t>
-            </a:r>
-            <a:endParaRPr lang="en-US" dirty="0"/>
+        <p:txBody>
+          <a:bodyPr>
+            <a:noAutofit/>
+          </a:bodyPr>
+          <a:lstStyle/>
+          <a:p>
+            <a:pPr marL="514350" indent="-514350" algn="l">
+              <a:buFont typeface="+mj-lt"/>
+              <a:buAutoNum type="arabicPeriod"/>
+            </a:pPr>
+            <a:r>
+              <a:rPr lang="en-US" sz="3200" dirty="0" smtClean="0"/>
+              <a:t>Prevent users from leaving the page prematurely.</a:t>
+            </a:r>
+          </a:p>
+          <a:p>
+            <a:pPr marL="514350" indent="-514350" algn="l">
+              <a:buFont typeface="+mj-lt"/>
+              <a:buAutoNum type="arabicPeriod"/>
+            </a:pPr>
+            <a:r>
+              <a:rPr lang="en-US" sz="3200" dirty="0" smtClean="0"/>
+              <a:t>Improve user experience (UX)</a:t>
+            </a:r>
+          </a:p>
+          <a:p>
+            <a:pPr marL="514350" indent="-514350" algn="l">
+              <a:buFont typeface="+mj-lt"/>
+              <a:buAutoNum type="arabicPeriod"/>
+            </a:pPr>
+            <a:r>
+              <a:rPr lang="en-US" sz="3200" dirty="0" smtClean="0"/>
+              <a:t>Case Study from Google 2006:</a:t>
+            </a:r>
+          </a:p>
+          <a:p>
+            <a:pPr algn="l"/>
+            <a:r>
+              <a:rPr lang="en-US" sz="3200" dirty="0"/>
+              <a:t> </a:t>
+            </a:r>
+            <a:r>
+              <a:rPr lang="en-US" sz="3200" dirty="0" smtClean="0"/>
+              <a:t>    </a:t>
+            </a:r>
+            <a:r>
+              <a:rPr lang="en-US" sz="2800" dirty="0" smtClean="0"/>
+              <a:t>* A page delay of 1 sec can hurt UX.</a:t>
+            </a:r>
+          </a:p>
+          <a:p>
+            <a:pPr algn="l"/>
+            <a:r>
+              <a:rPr lang="en-US" sz="2800" dirty="0"/>
+              <a:t> </a:t>
+            </a:r>
+            <a:r>
+              <a:rPr lang="en-US" sz="2800" dirty="0" smtClean="0"/>
+              <a:t>    * 10 search results/page is most optimal</a:t>
+            </a:r>
+          </a:p>
+          <a:p>
+            <a:pPr algn="l"/>
+            <a:r>
+              <a:rPr lang="en-US" sz="2800" dirty="0"/>
+              <a:t> </a:t>
+            </a:r>
+            <a:r>
+              <a:rPr lang="en-US" sz="2800" dirty="0" smtClean="0"/>
+              <a:t>    *  30 search results/page resulted in 20% </a:t>
+            </a:r>
+          </a:p>
+          <a:p>
+            <a:pPr algn="l"/>
+            <a:r>
+              <a:rPr lang="en-US" sz="2800" dirty="0"/>
+              <a:t> </a:t>
+            </a:r>
+            <a:r>
+              <a:rPr lang="en-US" sz="2800" dirty="0" smtClean="0"/>
+              <a:t>       drop in traffic and revenue.  </a:t>
+            </a:r>
+          </a:p>
+          <a:p>
+            <a:pPr algn="l"/>
+            <a:r>
+              <a:rPr lang="en-US" sz="2800" dirty="0"/>
+              <a:t> </a:t>
+            </a:r>
+            <a:r>
+              <a:rPr lang="en-US" sz="2800" dirty="0" smtClean="0"/>
+              <a:t>       This is b/c an extra 1/2 second to load.</a:t>
+            </a:r>
+            <a:endParaRPr lang="en-US" sz="2800" dirty="0" smtClean="0"/>
+          </a:p>
+          <a:p>
+            <a:pPr algn="l"/>
+            <a:endParaRPr lang="en-US" sz="3200" dirty="0" smtClean="0"/>
+          </a:p>
+          <a:p>
+            <a:pPr marL="342900" indent="-342900" algn="l">
+              <a:buFont typeface="Arial" panose="020B0604020202020204" pitchFamily="34" charset="0"/>
+              <a:buChar char="•"/>
+            </a:pPr>
+            <a:endParaRPr lang="en-US" sz="3200" dirty="0"/>
           </a:p>
         </p:txBody>
       </p:sp>
@@ -9165,7 +10848,7 @@
           <a:p>
             <a:fld id="{216C5678-EE20-4FA5-88E2-6E0BD67A2E26}" type="datetime1">
               <a:rPr lang="en-US" smtClean="0"/>
-              <a:t>12/3/2017</a:t>
+              <a:t>12/10/2017</a:t>
             </a:fld>
             <a:endParaRPr lang="en-US" dirty="0"/>
           </a:p>
@@ -9190,6 +10873,573 @@
               <a:rPr lang="en-US" smtClean="0"/>
               <a:pPr/>
               <a:t>5</a:t>
+            </a:fld>
+            <a:endParaRPr lang="en-US" dirty="0"/>
+          </a:p>
+        </p:txBody>
+      </p:sp>
+      <p:sp>
+        <p:nvSpPr>
+          <p:cNvPr id="6" name="Footer Placeholder 5"/>
+          <p:cNvSpPr>
+            <a:spLocks noGrp="1"/>
+          </p:cNvSpPr>
+          <p:nvPr>
+            <p:ph type="ftr" sz="quarter" idx="12"/>
+          </p:nvPr>
+        </p:nvSpPr>
+        <p:spPr/>
+        <p:txBody>
+          <a:bodyPr/>
+          <a:lstStyle/>
+          <a:p>
+            <a:r>
+              <a:rPr lang="en-US" smtClean="0"/>
+              <a:t>Footer Text</a:t>
+            </a:r>
+            <a:endParaRPr lang="en-US" dirty="0"/>
+          </a:p>
+        </p:txBody>
+      </p:sp>
+      <p:sp>
+        <p:nvSpPr>
+          <p:cNvPr id="7" name="Title 1"/>
+          <p:cNvSpPr>
+            <a:spLocks noGrp="1"/>
+          </p:cNvSpPr>
+          <p:nvPr>
+            <p:ph type="ctrTitle"/>
+          </p:nvPr>
+        </p:nvSpPr>
+        <p:spPr>
+          <a:xfrm>
+            <a:off x="381000" y="228600"/>
+            <a:ext cx="7772400" cy="685800"/>
+          </a:xfrm>
+        </p:spPr>
+        <p:txBody>
+          <a:bodyPr/>
+          <a:lstStyle/>
+          <a:p>
+            <a:pPr algn="l"/>
+            <a:r>
+              <a:rPr lang="en-US" sz="4000" dirty="0" smtClean="0"/>
+              <a:t>1. Consolidate </a:t>
+            </a:r>
+            <a:r>
+              <a:rPr lang="en-US" sz="4000" dirty="0"/>
+              <a:t>JS and </a:t>
+            </a:r>
+            <a:r>
+              <a:rPr lang="en-US" sz="4000" dirty="0" smtClean="0"/>
+              <a:t>CSS</a:t>
+            </a:r>
+            <a:endParaRPr lang="en-US" sz="4000" dirty="0"/>
+          </a:p>
+        </p:txBody>
+      </p:sp>
+      <p:sp>
+        <p:nvSpPr>
+          <p:cNvPr id="8" name="Rectangle 7"/>
+          <p:cNvSpPr/>
+          <p:nvPr/>
+        </p:nvSpPr>
+        <p:spPr>
+          <a:xfrm>
+            <a:off x="659165" y="1371600"/>
+            <a:ext cx="1398235" cy="457200"/>
+          </a:xfrm>
+          <a:prstGeom prst="rect">
+            <a:avLst/>
+          </a:prstGeom>
+        </p:spPr>
+        <p:style>
+          <a:lnRef idx="2">
+            <a:schemeClr val="accent1">
+              <a:shade val="50000"/>
+            </a:schemeClr>
+          </a:lnRef>
+          <a:fillRef idx="1">
+            <a:schemeClr val="accent1"/>
+          </a:fillRef>
+          <a:effectRef idx="0">
+            <a:schemeClr val="accent1"/>
+          </a:effectRef>
+          <a:fontRef idx="minor">
+            <a:schemeClr val="lt1"/>
+          </a:fontRef>
+        </p:style>
+        <p:txBody>
+          <a:bodyPr rtlCol="0" anchor="ctr"/>
+          <a:lstStyle/>
+          <a:p>
+            <a:pPr algn="ctr"/>
+            <a:r>
+              <a:rPr lang="en-US" dirty="0" smtClean="0"/>
+              <a:t>Angular.js</a:t>
+            </a:r>
+            <a:endParaRPr lang="en-US" dirty="0"/>
+          </a:p>
+        </p:txBody>
+      </p:sp>
+      <p:sp>
+        <p:nvSpPr>
+          <p:cNvPr id="9" name="Rectangle 8"/>
+          <p:cNvSpPr/>
+          <p:nvPr/>
+        </p:nvSpPr>
+        <p:spPr>
+          <a:xfrm>
+            <a:off x="684917" y="2057400"/>
+            <a:ext cx="1398235" cy="457200"/>
+          </a:xfrm>
+          <a:prstGeom prst="rect">
+            <a:avLst/>
+          </a:prstGeom>
+        </p:spPr>
+        <p:style>
+          <a:lnRef idx="2">
+            <a:schemeClr val="accent1">
+              <a:shade val="50000"/>
+            </a:schemeClr>
+          </a:lnRef>
+          <a:fillRef idx="1">
+            <a:schemeClr val="accent1"/>
+          </a:fillRef>
+          <a:effectRef idx="0">
+            <a:schemeClr val="accent1"/>
+          </a:effectRef>
+          <a:fontRef idx="minor">
+            <a:schemeClr val="lt1"/>
+          </a:fontRef>
+        </p:style>
+        <p:txBody>
+          <a:bodyPr rtlCol="0" anchor="ctr"/>
+          <a:lstStyle/>
+          <a:p>
+            <a:pPr algn="ctr"/>
+            <a:r>
+              <a:rPr lang="en-US" dirty="0" smtClean="0"/>
+              <a:t>Jquery.js</a:t>
+            </a:r>
+            <a:endParaRPr lang="en-US" dirty="0"/>
+          </a:p>
+        </p:txBody>
+      </p:sp>
+      <p:sp>
+        <p:nvSpPr>
+          <p:cNvPr id="10" name="Rectangle 9"/>
+          <p:cNvSpPr/>
+          <p:nvPr/>
+        </p:nvSpPr>
+        <p:spPr>
+          <a:xfrm>
+            <a:off x="659165" y="2760785"/>
+            <a:ext cx="1398235" cy="457200"/>
+          </a:xfrm>
+          <a:prstGeom prst="rect">
+            <a:avLst/>
+          </a:prstGeom>
+        </p:spPr>
+        <p:style>
+          <a:lnRef idx="2">
+            <a:schemeClr val="accent1">
+              <a:shade val="50000"/>
+            </a:schemeClr>
+          </a:lnRef>
+          <a:fillRef idx="1">
+            <a:schemeClr val="accent1"/>
+          </a:fillRef>
+          <a:effectRef idx="0">
+            <a:schemeClr val="accent1"/>
+          </a:effectRef>
+          <a:fontRef idx="minor">
+            <a:schemeClr val="lt1"/>
+          </a:fontRef>
+        </p:style>
+        <p:txBody>
+          <a:bodyPr rtlCol="0" anchor="ctr"/>
+          <a:lstStyle/>
+          <a:p>
+            <a:pPr algn="ctr"/>
+            <a:r>
+              <a:rPr lang="en-US" dirty="0" smtClean="0"/>
+              <a:t>Bootstrap.js</a:t>
+            </a:r>
+            <a:endParaRPr lang="en-US" dirty="0"/>
+          </a:p>
+        </p:txBody>
+      </p:sp>
+      <p:sp>
+        <p:nvSpPr>
+          <p:cNvPr id="11" name="Rectangle 10"/>
+          <p:cNvSpPr/>
+          <p:nvPr/>
+        </p:nvSpPr>
+        <p:spPr>
+          <a:xfrm>
+            <a:off x="609600" y="3716215"/>
+            <a:ext cx="1600200" cy="457200"/>
+          </a:xfrm>
+          <a:prstGeom prst="rect">
+            <a:avLst/>
+          </a:prstGeom>
+        </p:spPr>
+        <p:style>
+          <a:lnRef idx="2">
+            <a:schemeClr val="accent1">
+              <a:shade val="50000"/>
+            </a:schemeClr>
+          </a:lnRef>
+          <a:fillRef idx="1">
+            <a:schemeClr val="accent1"/>
+          </a:fillRef>
+          <a:effectRef idx="0">
+            <a:schemeClr val="accent1"/>
+          </a:effectRef>
+          <a:fontRef idx="minor">
+            <a:schemeClr val="lt1"/>
+          </a:fontRef>
+        </p:style>
+        <p:txBody>
+          <a:bodyPr rtlCol="0" anchor="ctr"/>
+          <a:lstStyle/>
+          <a:p>
+            <a:pPr algn="ctr"/>
+            <a:r>
+              <a:rPr lang="en-US" dirty="0" smtClean="0"/>
+              <a:t>Bootstrap.css</a:t>
+            </a:r>
+            <a:endParaRPr lang="en-US" dirty="0"/>
+          </a:p>
+        </p:txBody>
+      </p:sp>
+      <p:sp>
+        <p:nvSpPr>
+          <p:cNvPr id="12" name="Rectangle 11"/>
+          <p:cNvSpPr/>
+          <p:nvPr/>
+        </p:nvSpPr>
+        <p:spPr>
+          <a:xfrm>
+            <a:off x="635352" y="4402015"/>
+            <a:ext cx="1574448" cy="457200"/>
+          </a:xfrm>
+          <a:prstGeom prst="rect">
+            <a:avLst/>
+          </a:prstGeom>
+        </p:spPr>
+        <p:style>
+          <a:lnRef idx="2">
+            <a:schemeClr val="accent1">
+              <a:shade val="50000"/>
+            </a:schemeClr>
+          </a:lnRef>
+          <a:fillRef idx="1">
+            <a:schemeClr val="accent1"/>
+          </a:fillRef>
+          <a:effectRef idx="0">
+            <a:schemeClr val="accent1"/>
+          </a:effectRef>
+          <a:fontRef idx="minor">
+            <a:schemeClr val="lt1"/>
+          </a:fontRef>
+        </p:style>
+        <p:txBody>
+          <a:bodyPr rtlCol="0" anchor="ctr"/>
+          <a:lstStyle/>
+          <a:p>
+            <a:pPr algn="ctr"/>
+            <a:r>
+              <a:rPr lang="en-US" dirty="0" smtClean="0"/>
+              <a:t>Myapp.css</a:t>
+            </a:r>
+            <a:endParaRPr lang="en-US" dirty="0"/>
+          </a:p>
+        </p:txBody>
+      </p:sp>
+      <p:sp>
+        <p:nvSpPr>
+          <p:cNvPr id="13" name="Rectangle 12"/>
+          <p:cNvSpPr/>
+          <p:nvPr/>
+        </p:nvSpPr>
+        <p:spPr>
+          <a:xfrm>
+            <a:off x="609600" y="5105400"/>
+            <a:ext cx="1600200" cy="457200"/>
+          </a:xfrm>
+          <a:prstGeom prst="rect">
+            <a:avLst/>
+          </a:prstGeom>
+        </p:spPr>
+        <p:style>
+          <a:lnRef idx="2">
+            <a:schemeClr val="accent1">
+              <a:shade val="50000"/>
+            </a:schemeClr>
+          </a:lnRef>
+          <a:fillRef idx="1">
+            <a:schemeClr val="accent1"/>
+          </a:fillRef>
+          <a:effectRef idx="0">
+            <a:schemeClr val="accent1"/>
+          </a:effectRef>
+          <a:fontRef idx="minor">
+            <a:schemeClr val="lt1"/>
+          </a:fontRef>
+        </p:style>
+        <p:txBody>
+          <a:bodyPr rtlCol="0" anchor="ctr"/>
+          <a:lstStyle/>
+          <a:p>
+            <a:pPr algn="ctr"/>
+            <a:r>
+              <a:rPr lang="en-US" dirty="0" smtClean="0"/>
+              <a:t>JSTree.css</a:t>
+            </a:r>
+            <a:endParaRPr lang="en-US" dirty="0"/>
+          </a:p>
+        </p:txBody>
+      </p:sp>
+      <p:sp>
+        <p:nvSpPr>
+          <p:cNvPr id="14" name="Right Brace 13"/>
+          <p:cNvSpPr/>
+          <p:nvPr/>
+        </p:nvSpPr>
+        <p:spPr>
+          <a:xfrm>
+            <a:off x="2737338" y="3706935"/>
+            <a:ext cx="381000" cy="1801935"/>
+          </a:xfrm>
+          <a:prstGeom prst="rightBrace">
+            <a:avLst/>
+          </a:prstGeom>
+          <a:ln w="25400"/>
+        </p:spPr>
+        <p:style>
+          <a:lnRef idx="1">
+            <a:schemeClr val="accent1"/>
+          </a:lnRef>
+          <a:fillRef idx="0">
+            <a:schemeClr val="accent1"/>
+          </a:fillRef>
+          <a:effectRef idx="0">
+            <a:schemeClr val="accent1"/>
+          </a:effectRef>
+          <a:fontRef idx="minor">
+            <a:schemeClr val="tx1"/>
+          </a:fontRef>
+        </p:style>
+        <p:txBody>
+          <a:bodyPr rtlCol="0" anchor="ctr"/>
+          <a:lstStyle/>
+          <a:p>
+            <a:pPr algn="ctr"/>
+            <a:endParaRPr lang="en-US"/>
+          </a:p>
+        </p:txBody>
+      </p:sp>
+      <p:sp>
+        <p:nvSpPr>
+          <p:cNvPr id="15" name="Rectangle 14"/>
+          <p:cNvSpPr/>
+          <p:nvPr/>
+        </p:nvSpPr>
+        <p:spPr>
+          <a:xfrm>
+            <a:off x="3200400" y="2086707"/>
+            <a:ext cx="1398235" cy="457200"/>
+          </a:xfrm>
+          <a:prstGeom prst="rect">
+            <a:avLst/>
+          </a:prstGeom>
+        </p:spPr>
+        <p:style>
+          <a:lnRef idx="2">
+            <a:schemeClr val="accent1">
+              <a:shade val="50000"/>
+            </a:schemeClr>
+          </a:lnRef>
+          <a:fillRef idx="1">
+            <a:schemeClr val="accent1"/>
+          </a:fillRef>
+          <a:effectRef idx="0">
+            <a:schemeClr val="accent1"/>
+          </a:effectRef>
+          <a:fontRef idx="minor">
+            <a:schemeClr val="lt1"/>
+          </a:fontRef>
+        </p:style>
+        <p:txBody>
+          <a:bodyPr rtlCol="0" anchor="ctr"/>
+          <a:lstStyle/>
+          <a:p>
+            <a:pPr algn="ctr"/>
+            <a:r>
+              <a:rPr lang="en-US" smtClean="0"/>
+              <a:t>Bundle.js</a:t>
+            </a:r>
+            <a:endParaRPr lang="en-US" dirty="0"/>
+          </a:p>
+        </p:txBody>
+      </p:sp>
+      <p:sp>
+        <p:nvSpPr>
+          <p:cNvPr id="16" name="Right Brace 15"/>
+          <p:cNvSpPr/>
+          <p:nvPr/>
+        </p:nvSpPr>
+        <p:spPr>
+          <a:xfrm>
+            <a:off x="2743200" y="1524000"/>
+            <a:ext cx="381000" cy="1801935"/>
+          </a:xfrm>
+          <a:prstGeom prst="rightBrace">
+            <a:avLst/>
+          </a:prstGeom>
+          <a:ln w="25400"/>
+        </p:spPr>
+        <p:style>
+          <a:lnRef idx="1">
+            <a:schemeClr val="accent1"/>
+          </a:lnRef>
+          <a:fillRef idx="0">
+            <a:schemeClr val="accent1"/>
+          </a:fillRef>
+          <a:effectRef idx="0">
+            <a:schemeClr val="accent1"/>
+          </a:effectRef>
+          <a:fontRef idx="minor">
+            <a:schemeClr val="tx1"/>
+          </a:fontRef>
+        </p:style>
+        <p:txBody>
+          <a:bodyPr rtlCol="0" anchor="ctr"/>
+          <a:lstStyle/>
+          <a:p>
+            <a:pPr algn="ctr"/>
+            <a:endParaRPr lang="en-US"/>
+          </a:p>
+        </p:txBody>
+      </p:sp>
+      <p:sp>
+        <p:nvSpPr>
+          <p:cNvPr id="17" name="Rectangle 16"/>
+          <p:cNvSpPr/>
+          <p:nvPr/>
+        </p:nvSpPr>
+        <p:spPr>
+          <a:xfrm>
+            <a:off x="3276600" y="4402015"/>
+            <a:ext cx="1398235" cy="457200"/>
+          </a:xfrm>
+          <a:prstGeom prst="rect">
+            <a:avLst/>
+          </a:prstGeom>
+        </p:spPr>
+        <p:style>
+          <a:lnRef idx="2">
+            <a:schemeClr val="accent1">
+              <a:shade val="50000"/>
+            </a:schemeClr>
+          </a:lnRef>
+          <a:fillRef idx="1">
+            <a:schemeClr val="accent1"/>
+          </a:fillRef>
+          <a:effectRef idx="0">
+            <a:schemeClr val="accent1"/>
+          </a:effectRef>
+          <a:fontRef idx="minor">
+            <a:schemeClr val="lt1"/>
+          </a:fontRef>
+        </p:style>
+        <p:txBody>
+          <a:bodyPr rtlCol="0" anchor="ctr"/>
+          <a:lstStyle/>
+          <a:p>
+            <a:pPr algn="ctr"/>
+            <a:r>
+              <a:rPr lang="en-US" dirty="0" smtClean="0"/>
+              <a:t>Bundle.css</a:t>
+            </a:r>
+            <a:endParaRPr lang="en-US" dirty="0"/>
+          </a:p>
+        </p:txBody>
+      </p:sp>
+    </p:spTree>
+    <p:extLst>
+      <p:ext uri="{BB962C8B-B14F-4D97-AF65-F5344CB8AC3E}">
+        <p14:creationId xmlns:p14="http://schemas.microsoft.com/office/powerpoint/2010/main" val="1369628821"/>
+      </p:ext>
+    </p:extLst>
+  </p:cSld>
+  <p:clrMapOvr>
+    <a:masterClrMapping/>
+  </p:clrMapOvr>
+</p:sld>
+</file>
+
+<file path=ppt/slides/slide6.xml><?xml version="1.0" encoding="utf-8"?>
+<p:sld xmlns:a="http://schemas.openxmlformats.org/drawingml/2006/main" xmlns:r="http://schemas.openxmlformats.org/officeDocument/2006/relationships" xmlns:p="http://schemas.openxmlformats.org/presentationml/2006/main">
+  <p:cSld>
+    <p:spTree>
+      <p:nvGrpSpPr>
+        <p:cNvPr id="1" name=""/>
+        <p:cNvGrpSpPr/>
+        <p:nvPr/>
+      </p:nvGrpSpPr>
+      <p:grpSpPr>
+        <a:xfrm>
+          <a:off x="0" y="0"/>
+          <a:ext cx="0" cy="0"/>
+          <a:chOff x="0" y="0"/>
+          <a:chExt cx="0" cy="0"/>
+        </a:xfrm>
+      </p:grpSpPr>
+      <p:sp>
+        <p:nvSpPr>
+          <p:cNvPr id="4" name="Date Placeholder 3"/>
+          <p:cNvSpPr>
+            <a:spLocks noGrp="1"/>
+          </p:cNvSpPr>
+          <p:nvPr>
+            <p:ph type="dt" sz="half" idx="10"/>
+          </p:nvPr>
+        </p:nvSpPr>
+        <p:spPr/>
+        <p:txBody>
+          <a:bodyPr/>
+          <a:lstStyle/>
+          <a:p>
+            <a:fld id="{216C5678-EE20-4FA5-88E2-6E0BD67A2E26}" type="datetime1">
+              <a:rPr lang="en-US" smtClean="0"/>
+              <a:t>12/10/2017</a:t>
+            </a:fld>
+            <a:endParaRPr lang="en-US" dirty="0"/>
+          </a:p>
+        </p:txBody>
+      </p:sp>
+      <p:sp>
+        <p:nvSpPr>
+          <p:cNvPr id="5" name="Slide Number Placeholder 4"/>
+          <p:cNvSpPr>
+            <a:spLocks noGrp="1"/>
+          </p:cNvSpPr>
+          <p:nvPr>
+            <p:ph type="sldNum" sz="quarter" idx="11"/>
+          </p:nvPr>
+        </p:nvSpPr>
+        <p:spPr/>
+        <p:txBody>
+          <a:bodyPr/>
+          <a:lstStyle/>
+          <a:p>
+            <a:fld id="{BA9B540C-44DA-4F69-89C9-7C84606640D3}" type="slidenum">
+              <a:rPr lang="en-US" smtClean="0"/>
+              <a:pPr/>
+              <a:t>6</a:t>
             </a:fld>
             <a:endParaRPr lang="en-US" dirty="0"/>
           </a:p>
@@ -9635,276 +11885,6 @@
 </p:sld>
 </file>
 
-<file path=ppt/slides/slide6.xml><?xml version="1.0" encoding="utf-8"?>
-<p:sld xmlns:a="http://schemas.openxmlformats.org/drawingml/2006/main" xmlns:r="http://schemas.openxmlformats.org/officeDocument/2006/relationships" xmlns:p="http://schemas.openxmlformats.org/presentationml/2006/main">
-  <p:cSld>
-    <p:spTree>
-      <p:nvGrpSpPr>
-        <p:cNvPr id="1" name=""/>
-        <p:cNvGrpSpPr/>
-        <p:nvPr/>
-      </p:nvGrpSpPr>
-      <p:grpSpPr>
-        <a:xfrm>
-          <a:off x="0" y="0"/>
-          <a:ext cx="0" cy="0"/>
-          <a:chOff x="0" y="0"/>
-          <a:chExt cx="0" cy="0"/>
-        </a:xfrm>
-      </p:grpSpPr>
-      <p:sp>
-        <p:nvSpPr>
-          <p:cNvPr id="4" name="Date Placeholder 3"/>
-          <p:cNvSpPr>
-            <a:spLocks noGrp="1"/>
-          </p:cNvSpPr>
-          <p:nvPr>
-            <p:ph type="dt" sz="half" idx="10"/>
-          </p:nvPr>
-        </p:nvSpPr>
-        <p:spPr/>
-        <p:txBody>
-          <a:bodyPr/>
-          <a:lstStyle/>
-          <a:p>
-            <a:fld id="{216C5678-EE20-4FA5-88E2-6E0BD67A2E26}" type="datetime1">
-              <a:rPr lang="en-US" smtClean="0"/>
-              <a:t>12/3/2017</a:t>
-            </a:fld>
-            <a:endParaRPr lang="en-US" dirty="0"/>
-          </a:p>
-        </p:txBody>
-      </p:sp>
-      <p:sp>
-        <p:nvSpPr>
-          <p:cNvPr id="5" name="Slide Number Placeholder 4"/>
-          <p:cNvSpPr>
-            <a:spLocks noGrp="1"/>
-          </p:cNvSpPr>
-          <p:nvPr>
-            <p:ph type="sldNum" sz="quarter" idx="11"/>
-          </p:nvPr>
-        </p:nvSpPr>
-        <p:spPr/>
-        <p:txBody>
-          <a:bodyPr/>
-          <a:lstStyle/>
-          <a:p>
-            <a:fld id="{BA9B540C-44DA-4F69-89C9-7C84606640D3}" type="slidenum">
-              <a:rPr lang="en-US" smtClean="0"/>
-              <a:pPr/>
-              <a:t>6</a:t>
-            </a:fld>
-            <a:endParaRPr lang="en-US" dirty="0"/>
-          </a:p>
-        </p:txBody>
-      </p:sp>
-      <p:sp>
-        <p:nvSpPr>
-          <p:cNvPr id="6" name="Footer Placeholder 5"/>
-          <p:cNvSpPr>
-            <a:spLocks noGrp="1"/>
-          </p:cNvSpPr>
-          <p:nvPr>
-            <p:ph type="ftr" sz="quarter" idx="12"/>
-          </p:nvPr>
-        </p:nvSpPr>
-        <p:spPr/>
-        <p:txBody>
-          <a:bodyPr/>
-          <a:lstStyle/>
-          <a:p>
-            <a:r>
-              <a:rPr lang="en-US" smtClean="0"/>
-              <a:t>Footer Text</a:t>
-            </a:r>
-            <a:endParaRPr lang="en-US" dirty="0"/>
-          </a:p>
-        </p:txBody>
-      </p:sp>
-      <p:sp>
-        <p:nvSpPr>
-          <p:cNvPr id="7" name="Title 1"/>
-          <p:cNvSpPr>
-            <a:spLocks noGrp="1"/>
-          </p:cNvSpPr>
-          <p:nvPr>
-            <p:ph type="ctrTitle"/>
-          </p:nvPr>
-        </p:nvSpPr>
-        <p:spPr>
-          <a:xfrm>
-            <a:off x="381000" y="228600"/>
-            <a:ext cx="7772400" cy="685800"/>
-          </a:xfrm>
-        </p:spPr>
-        <p:txBody>
-          <a:bodyPr/>
-          <a:lstStyle/>
-          <a:p>
-            <a:pPr algn="l"/>
-            <a:r>
-              <a:rPr lang="en-US" sz="4000" dirty="0" smtClean="0"/>
-              <a:t>2. Enable Keep-</a:t>
-            </a:r>
-            <a:r>
-              <a:rPr lang="en-US" sz="4000" dirty="0" err="1" smtClean="0"/>
-              <a:t>Alives</a:t>
-            </a:r>
-            <a:endParaRPr lang="en-US" sz="4000" dirty="0"/>
-          </a:p>
-        </p:txBody>
-      </p:sp>
-      <p:sp>
-        <p:nvSpPr>
-          <p:cNvPr id="9" name="Subtitle 2"/>
-          <p:cNvSpPr>
-            <a:spLocks noGrp="1"/>
-          </p:cNvSpPr>
-          <p:nvPr>
-            <p:ph type="subTitle" idx="1"/>
-          </p:nvPr>
-        </p:nvSpPr>
-        <p:spPr>
-          <a:xfrm>
-            <a:off x="363415" y="838200"/>
-            <a:ext cx="8648053" cy="5257800"/>
-          </a:xfrm>
-        </p:spPr>
-        <p:txBody>
-          <a:bodyPr>
-            <a:noAutofit/>
-          </a:bodyPr>
-          <a:lstStyle/>
-          <a:p>
-            <a:pPr marL="457200" indent="-457200" algn="l">
-              <a:buFont typeface="Arial" panose="020B0604020202020204" pitchFamily="34" charset="0"/>
-              <a:buChar char="•"/>
-            </a:pPr>
-            <a:r>
-              <a:rPr lang="en-US" sz="3200" dirty="0" smtClean="0"/>
-              <a:t>Use the same TCP connection to serve several resources such as HTML, CSS, JS, images.</a:t>
-            </a:r>
-          </a:p>
-          <a:p>
-            <a:pPr marL="457200" indent="-457200" algn="l">
-              <a:buFont typeface="Arial" panose="020B0604020202020204" pitchFamily="34" charset="0"/>
-              <a:buChar char="•"/>
-            </a:pPr>
-            <a:r>
-              <a:rPr lang="en-US" sz="3200" dirty="0"/>
-              <a:t>Very useful for slow network as TCP connection is expensive.</a:t>
-            </a:r>
-          </a:p>
-          <a:p>
-            <a:pPr marL="457200" indent="-457200" algn="l">
-              <a:buFont typeface="Arial" panose="020B0604020202020204" pitchFamily="34" charset="0"/>
-              <a:buChar char="•"/>
-            </a:pPr>
-            <a:r>
-              <a:rPr lang="en-US" sz="3200" dirty="0" smtClean="0"/>
-              <a:t>Keep-alive </a:t>
-            </a:r>
-            <a:r>
-              <a:rPr lang="en-US" sz="3200" dirty="0"/>
-              <a:t>is enabled using the "Connection: Keep-Alive" HTTP </a:t>
-            </a:r>
-            <a:r>
-              <a:rPr lang="en-US" sz="3200" dirty="0" smtClean="0"/>
-              <a:t>header.</a:t>
-            </a:r>
-          </a:p>
-          <a:p>
-            <a:pPr marL="457200" indent="-457200" algn="l">
-              <a:buFont typeface="Arial" panose="020B0604020202020204" pitchFamily="34" charset="0"/>
-              <a:buChar char="•"/>
-            </a:pPr>
-            <a:r>
-              <a:rPr lang="en-US" sz="3200" dirty="0" smtClean="0"/>
-              <a:t>Apache Web Server configuration</a:t>
-            </a:r>
-          </a:p>
-          <a:p>
-            <a:pPr lvl="2" algn="l"/>
-            <a:r>
-              <a:rPr lang="en-US" sz="1800" dirty="0"/>
-              <a:t>#</a:t>
-            </a:r>
-            <a:br>
-              <a:rPr lang="en-US" sz="1800" dirty="0"/>
-            </a:br>
-            <a:r>
-              <a:rPr lang="en-US" sz="1800" dirty="0"/>
-              <a:t># </a:t>
-            </a:r>
-            <a:r>
-              <a:rPr lang="en-US" sz="1800" dirty="0" err="1"/>
-              <a:t>KeepAlive</a:t>
-            </a:r>
-            <a:r>
-              <a:rPr lang="en-US" sz="1800" dirty="0"/>
-              <a:t>: Whether or not to allow persistent connections (more than</a:t>
-            </a:r>
-            <a:br>
-              <a:rPr lang="en-US" sz="1800" dirty="0"/>
-            </a:br>
-            <a:r>
-              <a:rPr lang="en-US" sz="1800" dirty="0"/>
-              <a:t># one request per connection). Set to "Off" to deactivate.</a:t>
-            </a:r>
-            <a:br>
-              <a:rPr lang="en-US" sz="1800" dirty="0"/>
-            </a:br>
-            <a:r>
-              <a:rPr lang="en-US" sz="1800" dirty="0"/>
-              <a:t>#</a:t>
-            </a:r>
-            <a:br>
-              <a:rPr lang="en-US" sz="1800" dirty="0"/>
-            </a:br>
-            <a:r>
-              <a:rPr lang="en-US" sz="1800" b="1" dirty="0" err="1"/>
-              <a:t>KeepAlive</a:t>
-            </a:r>
-            <a:r>
-              <a:rPr lang="en-US" sz="1800" b="1" dirty="0"/>
-              <a:t> On</a:t>
-            </a:r>
-            <a:endParaRPr lang="en-US" sz="1800" b="1" dirty="0" smtClean="0"/>
-          </a:p>
-          <a:p>
-            <a:pPr marL="457200" indent="-457200" algn="l">
-              <a:buFont typeface="Arial" panose="020B0604020202020204" pitchFamily="34" charset="0"/>
-              <a:buChar char="•"/>
-            </a:pPr>
-            <a:endParaRPr lang="en-US" sz="3200" dirty="0"/>
-          </a:p>
-          <a:p>
-            <a:pPr algn="l"/>
-            <a:endParaRPr lang="en-US" sz="3200" dirty="0" smtClean="0"/>
-          </a:p>
-          <a:p>
-            <a:pPr marL="342900" indent="-342900" algn="l">
-              <a:buFont typeface="Arial" panose="020B0604020202020204" pitchFamily="34" charset="0"/>
-              <a:buChar char="•"/>
-            </a:pPr>
-            <a:endParaRPr lang="en-US" sz="3200" dirty="0"/>
-          </a:p>
-        </p:txBody>
-      </p:sp>
-    </p:spTree>
-    <p:extLst>
-      <p:ext uri="{BB962C8B-B14F-4D97-AF65-F5344CB8AC3E}">
-        <p14:creationId xmlns:p14="http://schemas.microsoft.com/office/powerpoint/2010/main" val="3005132926"/>
-      </p:ext>
-    </p:extLst>
-  </p:cSld>
-  <p:clrMapOvr>
-    <a:masterClrMapping/>
-  </p:clrMapOvr>
-</p:sld>
-</file>
-
 <file path=ppt/slides/slide7.xml><?xml version="1.0" encoding="utf-8"?>
 <p:sld xmlns:a="http://schemas.openxmlformats.org/drawingml/2006/main" xmlns:r="http://schemas.openxmlformats.org/officeDocument/2006/relationships" xmlns:p="http://schemas.openxmlformats.org/presentationml/2006/main">
   <p:cSld>
@@ -9939,7 +11919,7 @@
           <a:p>
             <a:fld id="{216C5678-EE20-4FA5-88E2-6E0BD67A2E26}" type="datetime1">
               <a:rPr lang="en-US" smtClean="0"/>
-              <a:t>12/3/2017</a:t>
+              <a:t>12/10/2017</a:t>
             </a:fld>
             <a:endParaRPr lang="en-US" dirty="0"/>
           </a:p>
@@ -9964,6 +11944,276 @@
               <a:rPr lang="en-US" smtClean="0"/>
               <a:pPr/>
               <a:t>7</a:t>
+            </a:fld>
+            <a:endParaRPr lang="en-US" dirty="0"/>
+          </a:p>
+        </p:txBody>
+      </p:sp>
+      <p:sp>
+        <p:nvSpPr>
+          <p:cNvPr id="6" name="Footer Placeholder 5"/>
+          <p:cNvSpPr>
+            <a:spLocks noGrp="1"/>
+          </p:cNvSpPr>
+          <p:nvPr>
+            <p:ph type="ftr" sz="quarter" idx="12"/>
+          </p:nvPr>
+        </p:nvSpPr>
+        <p:spPr/>
+        <p:txBody>
+          <a:bodyPr/>
+          <a:lstStyle/>
+          <a:p>
+            <a:r>
+              <a:rPr lang="en-US" smtClean="0"/>
+              <a:t>Footer Text</a:t>
+            </a:r>
+            <a:endParaRPr lang="en-US" dirty="0"/>
+          </a:p>
+        </p:txBody>
+      </p:sp>
+      <p:sp>
+        <p:nvSpPr>
+          <p:cNvPr id="7" name="Title 1"/>
+          <p:cNvSpPr>
+            <a:spLocks noGrp="1"/>
+          </p:cNvSpPr>
+          <p:nvPr>
+            <p:ph type="ctrTitle"/>
+          </p:nvPr>
+        </p:nvSpPr>
+        <p:spPr>
+          <a:xfrm>
+            <a:off x="381000" y="228600"/>
+            <a:ext cx="7772400" cy="685800"/>
+          </a:xfrm>
+        </p:spPr>
+        <p:txBody>
+          <a:bodyPr/>
+          <a:lstStyle/>
+          <a:p>
+            <a:pPr algn="l"/>
+            <a:r>
+              <a:rPr lang="en-US" sz="4000" dirty="0" smtClean="0"/>
+              <a:t>2. Enable Keep-</a:t>
+            </a:r>
+            <a:r>
+              <a:rPr lang="en-US" sz="4000" dirty="0" err="1" smtClean="0"/>
+              <a:t>Alives</a:t>
+            </a:r>
+            <a:endParaRPr lang="en-US" sz="4000" dirty="0"/>
+          </a:p>
+        </p:txBody>
+      </p:sp>
+      <p:sp>
+        <p:nvSpPr>
+          <p:cNvPr id="9" name="Subtitle 2"/>
+          <p:cNvSpPr>
+            <a:spLocks noGrp="1"/>
+          </p:cNvSpPr>
+          <p:nvPr>
+            <p:ph type="subTitle" idx="1"/>
+          </p:nvPr>
+        </p:nvSpPr>
+        <p:spPr>
+          <a:xfrm>
+            <a:off x="363415" y="838200"/>
+            <a:ext cx="8648053" cy="5257800"/>
+          </a:xfrm>
+        </p:spPr>
+        <p:txBody>
+          <a:bodyPr>
+            <a:noAutofit/>
+          </a:bodyPr>
+          <a:lstStyle/>
+          <a:p>
+            <a:pPr marL="457200" indent="-457200" algn="l">
+              <a:buFont typeface="Arial" panose="020B0604020202020204" pitchFamily="34" charset="0"/>
+              <a:buChar char="•"/>
+            </a:pPr>
+            <a:r>
+              <a:rPr lang="en-US" sz="3200" dirty="0" smtClean="0"/>
+              <a:t>Use the same TCP connection to serve several resources such as HTML, CSS, JS, images.</a:t>
+            </a:r>
+          </a:p>
+          <a:p>
+            <a:pPr marL="457200" indent="-457200" algn="l">
+              <a:buFont typeface="Arial" panose="020B0604020202020204" pitchFamily="34" charset="0"/>
+              <a:buChar char="•"/>
+            </a:pPr>
+            <a:r>
+              <a:rPr lang="en-US" sz="3200" dirty="0"/>
+              <a:t>Very useful for slow network as TCP connection is expensive.</a:t>
+            </a:r>
+          </a:p>
+          <a:p>
+            <a:pPr marL="457200" indent="-457200" algn="l">
+              <a:buFont typeface="Arial" panose="020B0604020202020204" pitchFamily="34" charset="0"/>
+              <a:buChar char="•"/>
+            </a:pPr>
+            <a:r>
+              <a:rPr lang="en-US" sz="3200" dirty="0" smtClean="0"/>
+              <a:t>Keep-alive </a:t>
+            </a:r>
+            <a:r>
+              <a:rPr lang="en-US" sz="3200" dirty="0"/>
+              <a:t>is enabled using the "Connection: Keep-Alive" HTTP </a:t>
+            </a:r>
+            <a:r>
+              <a:rPr lang="en-US" sz="3200" dirty="0" smtClean="0"/>
+              <a:t>header.</a:t>
+            </a:r>
+          </a:p>
+          <a:p>
+            <a:pPr marL="457200" indent="-457200" algn="l">
+              <a:buFont typeface="Arial" panose="020B0604020202020204" pitchFamily="34" charset="0"/>
+              <a:buChar char="•"/>
+            </a:pPr>
+            <a:r>
+              <a:rPr lang="en-US" sz="3200" dirty="0" smtClean="0"/>
+              <a:t>Apache Web Server configuration</a:t>
+            </a:r>
+          </a:p>
+          <a:p>
+            <a:pPr lvl="2" algn="l"/>
+            <a:r>
+              <a:rPr lang="en-US" sz="1800" dirty="0"/>
+              <a:t>#</a:t>
+            </a:r>
+            <a:br>
+              <a:rPr lang="en-US" sz="1800" dirty="0"/>
+            </a:br>
+            <a:r>
+              <a:rPr lang="en-US" sz="1800" dirty="0"/>
+              <a:t># </a:t>
+            </a:r>
+            <a:r>
+              <a:rPr lang="en-US" sz="1800" dirty="0" err="1"/>
+              <a:t>KeepAlive</a:t>
+            </a:r>
+            <a:r>
+              <a:rPr lang="en-US" sz="1800" dirty="0"/>
+              <a:t>: Whether or not to allow persistent connections (more than</a:t>
+            </a:r>
+            <a:br>
+              <a:rPr lang="en-US" sz="1800" dirty="0"/>
+            </a:br>
+            <a:r>
+              <a:rPr lang="en-US" sz="1800" dirty="0"/>
+              <a:t># one request per connection). Set to "Off" to deactivate.</a:t>
+            </a:r>
+            <a:br>
+              <a:rPr lang="en-US" sz="1800" dirty="0"/>
+            </a:br>
+            <a:r>
+              <a:rPr lang="en-US" sz="1800" dirty="0"/>
+              <a:t>#</a:t>
+            </a:r>
+            <a:br>
+              <a:rPr lang="en-US" sz="1800" dirty="0"/>
+            </a:br>
+            <a:r>
+              <a:rPr lang="en-US" sz="1800" b="1" dirty="0" err="1"/>
+              <a:t>KeepAlive</a:t>
+            </a:r>
+            <a:r>
+              <a:rPr lang="en-US" sz="1800" b="1" dirty="0"/>
+              <a:t> On</a:t>
+            </a:r>
+            <a:endParaRPr lang="en-US" sz="1800" b="1" dirty="0" smtClean="0"/>
+          </a:p>
+          <a:p>
+            <a:pPr marL="457200" indent="-457200" algn="l">
+              <a:buFont typeface="Arial" panose="020B0604020202020204" pitchFamily="34" charset="0"/>
+              <a:buChar char="•"/>
+            </a:pPr>
+            <a:endParaRPr lang="en-US" sz="3200" dirty="0"/>
+          </a:p>
+          <a:p>
+            <a:pPr algn="l"/>
+            <a:endParaRPr lang="en-US" sz="3200" dirty="0" smtClean="0"/>
+          </a:p>
+          <a:p>
+            <a:pPr marL="342900" indent="-342900" algn="l">
+              <a:buFont typeface="Arial" panose="020B0604020202020204" pitchFamily="34" charset="0"/>
+              <a:buChar char="•"/>
+            </a:pPr>
+            <a:endParaRPr lang="en-US" sz="3200" dirty="0"/>
+          </a:p>
+        </p:txBody>
+      </p:sp>
+    </p:spTree>
+    <p:extLst>
+      <p:ext uri="{BB962C8B-B14F-4D97-AF65-F5344CB8AC3E}">
+        <p14:creationId xmlns:p14="http://schemas.microsoft.com/office/powerpoint/2010/main" val="3005132926"/>
+      </p:ext>
+    </p:extLst>
+  </p:cSld>
+  <p:clrMapOvr>
+    <a:masterClrMapping/>
+  </p:clrMapOvr>
+</p:sld>
+</file>
+
+<file path=ppt/slides/slide8.xml><?xml version="1.0" encoding="utf-8"?>
+<p:sld xmlns:a="http://schemas.openxmlformats.org/drawingml/2006/main" xmlns:r="http://schemas.openxmlformats.org/officeDocument/2006/relationships" xmlns:p="http://schemas.openxmlformats.org/presentationml/2006/main">
+  <p:cSld>
+    <p:spTree>
+      <p:nvGrpSpPr>
+        <p:cNvPr id="1" name=""/>
+        <p:cNvGrpSpPr/>
+        <p:nvPr/>
+      </p:nvGrpSpPr>
+      <p:grpSpPr>
+        <a:xfrm>
+          <a:off x="0" y="0"/>
+          <a:ext cx="0" cy="0"/>
+          <a:chOff x="0" y="0"/>
+          <a:chExt cx="0" cy="0"/>
+        </a:xfrm>
+      </p:grpSpPr>
+      <p:sp>
+        <p:nvSpPr>
+          <p:cNvPr id="4" name="Date Placeholder 3"/>
+          <p:cNvSpPr>
+            <a:spLocks noGrp="1"/>
+          </p:cNvSpPr>
+          <p:nvPr>
+            <p:ph type="dt" sz="half" idx="10"/>
+          </p:nvPr>
+        </p:nvSpPr>
+        <p:spPr/>
+        <p:txBody>
+          <a:bodyPr/>
+          <a:lstStyle/>
+          <a:p>
+            <a:fld id="{216C5678-EE20-4FA5-88E2-6E0BD67A2E26}" type="datetime1">
+              <a:rPr lang="en-US" smtClean="0"/>
+              <a:t>12/10/2017</a:t>
+            </a:fld>
+            <a:endParaRPr lang="en-US" dirty="0"/>
+          </a:p>
+        </p:txBody>
+      </p:sp>
+      <p:sp>
+        <p:nvSpPr>
+          <p:cNvPr id="5" name="Slide Number Placeholder 4"/>
+          <p:cNvSpPr>
+            <a:spLocks noGrp="1"/>
+          </p:cNvSpPr>
+          <p:nvPr>
+            <p:ph type="sldNum" sz="quarter" idx="11"/>
+          </p:nvPr>
+        </p:nvSpPr>
+        <p:spPr/>
+        <p:txBody>
+          <a:bodyPr/>
+          <a:lstStyle/>
+          <a:p>
+            <a:fld id="{BA9B540C-44DA-4F69-89C9-7C84606640D3}" type="slidenum">
+              <a:rPr lang="en-US" smtClean="0"/>
+              <a:pPr/>
+              <a:t>8</a:t>
             </a:fld>
             <a:endParaRPr lang="en-US" dirty="0"/>
           </a:p>
@@ -10074,7 +12324,7 @@
 </p:sld>
 </file>
 
-<file path=ppt/slides/slide8.xml><?xml version="1.0" encoding="utf-8"?>
+<file path=ppt/slides/slide9.xml><?xml version="1.0" encoding="utf-8"?>
 <p:sld xmlns:a="http://schemas.openxmlformats.org/drawingml/2006/main" xmlns:r="http://schemas.openxmlformats.org/officeDocument/2006/relationships" xmlns:p="http://schemas.openxmlformats.org/presentationml/2006/main">
   <p:cSld>
     <p:spTree>
@@ -10108,7 +12358,7 @@
           <a:p>
             <a:fld id="{216C5678-EE20-4FA5-88E2-6E0BD67A2E26}" type="datetime1">
               <a:rPr lang="en-US" smtClean="0"/>
-              <a:t>12/3/2017</a:t>
+              <a:t>12/10/2017</a:t>
             </a:fld>
             <a:endParaRPr lang="en-US" dirty="0"/>
           </a:p>
@@ -10132,7 +12382,7 @@
             <a:fld id="{BA9B540C-44DA-4F69-89C9-7C84606640D3}" type="slidenum">
               <a:rPr lang="en-US" smtClean="0"/>
               <a:pPr/>
-              <a:t>8</a:t>
+              <a:t>9</a:t>
             </a:fld>
             <a:endParaRPr lang="en-US" dirty="0"/>
           </a:p>
@@ -10460,2065 +12710,6 @@
     <p:extLst>
       <p:ext uri="{BB962C8B-B14F-4D97-AF65-F5344CB8AC3E}">
         <p14:creationId xmlns:p14="http://schemas.microsoft.com/office/powerpoint/2010/main" val="3314295349"/>
-      </p:ext>
-    </p:extLst>
-  </p:cSld>
-  <p:clrMapOvr>
-    <a:masterClrMapping/>
-  </p:clrMapOvr>
-</p:sld>
-</file>
-
-<file path=ppt/slides/slide9.xml><?xml version="1.0" encoding="utf-8"?>
-<p:sld xmlns:a="http://schemas.openxmlformats.org/drawingml/2006/main" xmlns:r="http://schemas.openxmlformats.org/officeDocument/2006/relationships" xmlns:p="http://schemas.openxmlformats.org/presentationml/2006/main">
-  <p:cSld>
-    <p:spTree>
-      <p:nvGrpSpPr>
-        <p:cNvPr id="1" name=""/>
-        <p:cNvGrpSpPr/>
-        <p:nvPr/>
-      </p:nvGrpSpPr>
-      <p:grpSpPr>
-        <a:xfrm>
-          <a:off x="0" y="0"/>
-          <a:ext cx="0" cy="0"/>
-          <a:chOff x="0" y="0"/>
-          <a:chExt cx="0" cy="0"/>
-        </a:xfrm>
-      </p:grpSpPr>
-      <p:sp>
-        <p:nvSpPr>
-          <p:cNvPr id="4" name="Date Placeholder 3"/>
-          <p:cNvSpPr>
-            <a:spLocks noGrp="1"/>
-          </p:cNvSpPr>
-          <p:nvPr>
-            <p:ph type="dt" sz="half" idx="10"/>
-          </p:nvPr>
-        </p:nvSpPr>
-        <p:spPr/>
-        <p:txBody>
-          <a:bodyPr/>
-          <a:lstStyle/>
-          <a:p>
-            <a:fld id="{216C5678-EE20-4FA5-88E2-6E0BD67A2E26}" type="datetime1">
-              <a:rPr lang="en-US" smtClean="0"/>
-              <a:t>12/3/2017</a:t>
-            </a:fld>
-            <a:endParaRPr lang="en-US" dirty="0"/>
-          </a:p>
-        </p:txBody>
-      </p:sp>
-      <p:sp>
-        <p:nvSpPr>
-          <p:cNvPr id="5" name="Slide Number Placeholder 4"/>
-          <p:cNvSpPr>
-            <a:spLocks noGrp="1"/>
-          </p:cNvSpPr>
-          <p:nvPr>
-            <p:ph type="sldNum" sz="quarter" idx="11"/>
-          </p:nvPr>
-        </p:nvSpPr>
-        <p:spPr/>
-        <p:txBody>
-          <a:bodyPr/>
-          <a:lstStyle/>
-          <a:p>
-            <a:fld id="{BA9B540C-44DA-4F69-89C9-7C84606640D3}" type="slidenum">
-              <a:rPr lang="en-US" smtClean="0"/>
-              <a:pPr/>
-              <a:t>9</a:t>
-            </a:fld>
-            <a:endParaRPr lang="en-US" dirty="0"/>
-          </a:p>
-        </p:txBody>
-      </p:sp>
-      <p:sp>
-        <p:nvSpPr>
-          <p:cNvPr id="6" name="Footer Placeholder 5"/>
-          <p:cNvSpPr>
-            <a:spLocks noGrp="1"/>
-          </p:cNvSpPr>
-          <p:nvPr>
-            <p:ph type="ftr" sz="quarter" idx="12"/>
-          </p:nvPr>
-        </p:nvSpPr>
-        <p:spPr/>
-        <p:txBody>
-          <a:bodyPr/>
-          <a:lstStyle/>
-          <a:p>
-            <a:r>
-              <a:rPr lang="en-US" smtClean="0"/>
-              <a:t>Footer Text</a:t>
-            </a:r>
-            <a:endParaRPr lang="en-US" dirty="0"/>
-          </a:p>
-        </p:txBody>
-      </p:sp>
-      <p:sp>
-        <p:nvSpPr>
-          <p:cNvPr id="7" name="Title 1"/>
-          <p:cNvSpPr>
-            <a:spLocks noGrp="1"/>
-          </p:cNvSpPr>
-          <p:nvPr>
-            <p:ph type="ctrTitle"/>
-          </p:nvPr>
-        </p:nvSpPr>
-        <p:spPr>
-          <a:xfrm>
-            <a:off x="381000" y="228600"/>
-            <a:ext cx="7772400" cy="685800"/>
-          </a:xfrm>
-        </p:spPr>
-        <p:txBody>
-          <a:bodyPr/>
-          <a:lstStyle/>
-          <a:p>
-            <a:pPr algn="l"/>
-            <a:r>
-              <a:rPr lang="en-US" sz="4000" dirty="0" smtClean="0"/>
-              <a:t>Sprite Images (</a:t>
-            </a:r>
-            <a:r>
-              <a:rPr lang="en-US" sz="4000" dirty="0" err="1" smtClean="0"/>
-              <a:t>cont</a:t>
-            </a:r>
-            <a:r>
-              <a:rPr lang="en-US" sz="4000" dirty="0" smtClean="0"/>
-              <a:t>)</a:t>
-            </a:r>
-            <a:endParaRPr lang="en-US" sz="4000" dirty="0"/>
-          </a:p>
-        </p:txBody>
-      </p:sp>
-      <p:sp>
-        <p:nvSpPr>
-          <p:cNvPr id="20" name="Subtitle 2"/>
-          <p:cNvSpPr txBox="1">
-            <a:spLocks/>
-          </p:cNvSpPr>
-          <p:nvPr/>
-        </p:nvSpPr>
-        <p:spPr>
-          <a:xfrm>
-            <a:off x="304800" y="914400"/>
-            <a:ext cx="8648053" cy="2514600"/>
-          </a:xfrm>
-          <a:prstGeom prst="rect">
-            <a:avLst/>
-          </a:prstGeom>
-        </p:spPr>
-        <p:txBody>
-          <a:bodyPr vert="horz" lIns="91440" tIns="45720" rIns="91440" bIns="45720" rtlCol="0">
-            <a:noAutofit/>
-          </a:bodyPr>
-          <a:lstStyle>
-            <a:lvl1pPr marL="0" indent="0" algn="ctr" defTabSz="914400" rtl="0" eaLnBrk="1" latinLnBrk="0" hangingPunct="1">
-              <a:spcBef>
-                <a:spcPct val="20000"/>
-              </a:spcBef>
-              <a:buFont typeface="Arial" pitchFamily="34" charset="0"/>
-              <a:buNone/>
-              <a:defRPr sz="2400" kern="1200">
-                <a:solidFill>
-                  <a:schemeClr val="tx1">
-                    <a:tint val="75000"/>
-                  </a:schemeClr>
-                </a:solidFill>
-                <a:latin typeface="+mj-lt"/>
-                <a:ea typeface="+mn-ea"/>
-                <a:cs typeface="+mn-cs"/>
-              </a:defRPr>
-            </a:lvl1pPr>
-            <a:lvl2pPr marL="457200" indent="0" algn="ctr" defTabSz="914400" rtl="0" eaLnBrk="1" latinLnBrk="0" hangingPunct="1">
-              <a:spcBef>
-                <a:spcPct val="20000"/>
-              </a:spcBef>
-              <a:buFont typeface="Courier New" pitchFamily="49" charset="0"/>
-              <a:buNone/>
-              <a:defRPr sz="1600" kern="1200">
-                <a:solidFill>
-                  <a:schemeClr val="tx1">
-                    <a:tint val="75000"/>
-                  </a:schemeClr>
-                </a:solidFill>
-                <a:latin typeface="+mj-lt"/>
-                <a:ea typeface="+mn-ea"/>
-                <a:cs typeface="+mn-cs"/>
-              </a:defRPr>
-            </a:lvl2pPr>
-            <a:lvl3pPr marL="914400" indent="0" algn="ctr" defTabSz="914400" rtl="0" eaLnBrk="1" latinLnBrk="0" hangingPunct="1">
-              <a:spcBef>
-                <a:spcPct val="20000"/>
-              </a:spcBef>
-              <a:buFont typeface="Arial" pitchFamily="34" charset="0"/>
-              <a:buNone/>
-              <a:defRPr sz="1600" kern="1200">
-                <a:solidFill>
-                  <a:schemeClr val="tx1">
-                    <a:tint val="75000"/>
-                  </a:schemeClr>
-                </a:solidFill>
-                <a:latin typeface="+mj-lt"/>
-                <a:ea typeface="+mn-ea"/>
-                <a:cs typeface="+mn-cs"/>
-              </a:defRPr>
-            </a:lvl3pPr>
-            <a:lvl4pPr marL="1371600" indent="0" algn="ctr" defTabSz="914400" rtl="0" eaLnBrk="1" latinLnBrk="0" hangingPunct="1">
-              <a:spcBef>
-                <a:spcPct val="20000"/>
-              </a:spcBef>
-              <a:buFont typeface="Courier New" pitchFamily="49" charset="0"/>
-              <a:buNone/>
-              <a:defRPr sz="1600" kern="1200">
-                <a:solidFill>
-                  <a:schemeClr val="tx1">
-                    <a:tint val="75000"/>
-                  </a:schemeClr>
-                </a:solidFill>
-                <a:latin typeface="+mj-lt"/>
-                <a:ea typeface="+mn-ea"/>
-                <a:cs typeface="+mn-cs"/>
-              </a:defRPr>
-            </a:lvl4pPr>
-            <a:lvl5pPr marL="1828800" indent="0" algn="ctr" defTabSz="914400" rtl="0" eaLnBrk="1" latinLnBrk="0" hangingPunct="1">
-              <a:spcBef>
-                <a:spcPct val="20000"/>
-              </a:spcBef>
-              <a:buFont typeface="Arial" pitchFamily="34" charset="0"/>
-              <a:buNone/>
-              <a:defRPr sz="1600" kern="1200">
-                <a:solidFill>
-                  <a:schemeClr val="tx1">
-                    <a:tint val="75000"/>
-                  </a:schemeClr>
-                </a:solidFill>
-                <a:latin typeface="+mj-lt"/>
-                <a:ea typeface="+mn-ea"/>
-                <a:cs typeface="+mn-cs"/>
-              </a:defRPr>
-            </a:lvl5pPr>
-            <a:lvl6pPr marL="2286000" indent="0" algn="ctr" defTabSz="914400" rtl="0" eaLnBrk="1" latinLnBrk="0" hangingPunct="1">
-              <a:spcBef>
-                <a:spcPct val="20000"/>
-              </a:spcBef>
-              <a:buFont typeface="Courier New" pitchFamily="49" charset="0"/>
-              <a:buNone/>
-              <a:defRPr sz="1600" kern="1200">
-                <a:solidFill>
-                  <a:schemeClr val="tx1">
-                    <a:tint val="75000"/>
-                  </a:schemeClr>
-                </a:solidFill>
-                <a:latin typeface="+mj-lt"/>
-                <a:ea typeface="+mn-ea"/>
-                <a:cs typeface="+mn-cs"/>
-              </a:defRPr>
-            </a:lvl6pPr>
-            <a:lvl7pPr marL="2743200" indent="0" algn="ctr" defTabSz="914400" rtl="0" eaLnBrk="1" latinLnBrk="0" hangingPunct="1">
-              <a:spcBef>
-                <a:spcPct val="20000"/>
-              </a:spcBef>
-              <a:buFont typeface="Arial" pitchFamily="34" charset="0"/>
-              <a:buNone/>
-              <a:defRPr sz="1600" kern="1200">
-                <a:solidFill>
-                  <a:schemeClr val="tx1">
-                    <a:tint val="75000"/>
-                  </a:schemeClr>
-                </a:solidFill>
-                <a:latin typeface="+mj-lt"/>
-                <a:ea typeface="+mn-ea"/>
-                <a:cs typeface="+mn-cs"/>
-              </a:defRPr>
-            </a:lvl7pPr>
-            <a:lvl8pPr marL="3200400" indent="0" algn="ctr" defTabSz="914400" rtl="0" eaLnBrk="1" latinLnBrk="0" hangingPunct="1">
-              <a:spcBef>
-                <a:spcPct val="20000"/>
-              </a:spcBef>
-              <a:buFont typeface="Courier New" pitchFamily="49" charset="0"/>
-              <a:buNone/>
-              <a:defRPr sz="1600" kern="1200">
-                <a:solidFill>
-                  <a:schemeClr val="tx1">
-                    <a:tint val="75000"/>
-                  </a:schemeClr>
-                </a:solidFill>
-                <a:latin typeface="+mj-lt"/>
-                <a:ea typeface="+mn-ea"/>
-                <a:cs typeface="+mn-cs"/>
-              </a:defRPr>
-            </a:lvl8pPr>
-            <a:lvl9pPr marL="3657600" indent="0" algn="ctr" defTabSz="914400" rtl="0" eaLnBrk="1" latinLnBrk="0" hangingPunct="1">
-              <a:spcBef>
-                <a:spcPct val="20000"/>
-              </a:spcBef>
-              <a:buFont typeface="Arial" pitchFamily="34" charset="0"/>
-              <a:buNone/>
-              <a:defRPr sz="1600" kern="1200">
-                <a:solidFill>
-                  <a:schemeClr val="tx1">
-                    <a:tint val="75000"/>
-                  </a:schemeClr>
-                </a:solidFill>
-                <a:latin typeface="+mj-lt"/>
-                <a:ea typeface="+mn-ea"/>
-                <a:cs typeface="+mn-cs"/>
-              </a:defRPr>
-            </a:lvl9pPr>
-          </a:lstStyle>
-          <a:p>
-            <a:pPr algn="l"/>
-            <a:r>
-              <a:rPr lang="en-US" sz="3200" dirty="0" smtClean="0"/>
-              <a:t>Reduce bandwidth usage from 3 HTTP requests to 1 request.</a:t>
-            </a:r>
-          </a:p>
-          <a:p>
-            <a:pPr algn="l"/>
-            <a:endParaRPr lang="en-US" altLang="en-US" sz="1400" dirty="0"/>
-          </a:p>
-          <a:p>
-            <a:pPr lvl="0" algn="l" eaLnBrk="0" fontAlgn="base" hangingPunct="0">
-              <a:spcBef>
-                <a:spcPct val="0"/>
-              </a:spcBef>
-              <a:spcAft>
-                <a:spcPct val="0"/>
-              </a:spcAft>
-            </a:pPr>
-            <a:r>
-              <a:rPr lang="en-US" altLang="en-US" sz="1800" dirty="0" smtClean="0">
-                <a:solidFill>
-                  <a:srgbClr val="000000"/>
-                </a:solidFill>
-                <a:latin typeface="Consolas" panose="020B0609020204030204" pitchFamily="49" charset="0"/>
-              </a:rPr>
-              <a:t>.</a:t>
-            </a:r>
-            <a:r>
-              <a:rPr lang="en-US" altLang="en-US" sz="1800" dirty="0" err="1" smtClean="0">
-                <a:solidFill>
-                  <a:srgbClr val="000000"/>
-                </a:solidFill>
-                <a:latin typeface="Consolas" panose="020B0609020204030204" pitchFamily="49" charset="0"/>
-              </a:rPr>
-              <a:t>usa</a:t>
-            </a:r>
-            <a:r>
-              <a:rPr lang="en-US" altLang="en-US" sz="1800" dirty="0" smtClean="0">
-                <a:solidFill>
-                  <a:srgbClr val="000000"/>
-                </a:solidFill>
-                <a:latin typeface="Consolas" panose="020B0609020204030204" pitchFamily="49" charset="0"/>
-              </a:rPr>
-              <a:t> { </a:t>
-            </a:r>
-            <a:r>
-              <a:rPr lang="en-US" altLang="en-US" sz="1800" b="1" dirty="0">
-                <a:solidFill>
-                  <a:srgbClr val="006699"/>
-                </a:solidFill>
-                <a:latin typeface="Consolas" panose="020B0609020204030204" pitchFamily="49" charset="0"/>
-              </a:rPr>
-              <a:t>display</a:t>
-            </a:r>
-            <a:r>
-              <a:rPr lang="en-US" altLang="en-US" sz="1800" dirty="0">
-                <a:solidFill>
-                  <a:srgbClr val="000000"/>
-                </a:solidFill>
-                <a:latin typeface="Consolas" panose="020B0609020204030204" pitchFamily="49" charset="0"/>
-              </a:rPr>
-              <a:t>: inline-</a:t>
-            </a:r>
-            <a:r>
-              <a:rPr lang="en-US" altLang="en-US" sz="1800" dirty="0">
-                <a:solidFill>
-                  <a:srgbClr val="009900"/>
-                </a:solidFill>
-                <a:latin typeface="Consolas" panose="020B0609020204030204" pitchFamily="49" charset="0"/>
-              </a:rPr>
-              <a:t>block</a:t>
-            </a:r>
-            <a:r>
-              <a:rPr lang="en-US" altLang="en-US" sz="1800" dirty="0">
-                <a:solidFill>
-                  <a:srgbClr val="000000"/>
-                </a:solidFill>
-                <a:latin typeface="Consolas" panose="020B0609020204030204" pitchFamily="49" charset="0"/>
-              </a:rPr>
-              <a:t>; </a:t>
-            </a:r>
-            <a:r>
-              <a:rPr lang="en-US" altLang="en-US" sz="1800" b="1" dirty="0">
-                <a:solidFill>
-                  <a:srgbClr val="006699"/>
-                </a:solidFill>
-                <a:latin typeface="Consolas" panose="020B0609020204030204" pitchFamily="49" charset="0"/>
-              </a:rPr>
-              <a:t>background</a:t>
-            </a:r>
-            <a:r>
-              <a:rPr lang="en-US" altLang="en-US" sz="1800" dirty="0">
-                <a:solidFill>
-                  <a:srgbClr val="000000"/>
-                </a:solidFill>
-                <a:latin typeface="Consolas" panose="020B0609020204030204" pitchFamily="49" charset="0"/>
-              </a:rPr>
-              <a:t>: </a:t>
-            </a:r>
-            <a:r>
-              <a:rPr lang="en-US" altLang="en-US" sz="1800" dirty="0" err="1" smtClean="0">
-                <a:solidFill>
-                  <a:srgbClr val="009900"/>
-                </a:solidFill>
-                <a:latin typeface="Consolas" panose="020B0609020204030204" pitchFamily="49" charset="0"/>
-              </a:rPr>
-              <a:t>url</a:t>
-            </a:r>
-            <a:r>
-              <a:rPr lang="en-US" altLang="en-US" sz="1800" dirty="0" smtClean="0">
-                <a:solidFill>
-                  <a:srgbClr val="000000"/>
-                </a:solidFill>
-                <a:latin typeface="Consolas" panose="020B0609020204030204" pitchFamily="49" charset="0"/>
-              </a:rPr>
-              <a:t>(‘</a:t>
-            </a:r>
-            <a:r>
-              <a:rPr lang="en-US" altLang="en-US" sz="1800" dirty="0" smtClean="0">
-                <a:solidFill>
-                  <a:srgbClr val="0000FF"/>
-                </a:solidFill>
-                <a:latin typeface="Consolas" panose="020B0609020204030204" pitchFamily="49" charset="0"/>
-              </a:rPr>
-              <a:t>usa.png'</a:t>
-            </a:r>
-            <a:r>
-              <a:rPr lang="en-US" altLang="en-US" sz="1800" dirty="0" smtClean="0">
-                <a:solidFill>
-                  <a:srgbClr val="000000"/>
-                </a:solidFill>
-                <a:latin typeface="Consolas" panose="020B0609020204030204" pitchFamily="49" charset="0"/>
-              </a:rPr>
-              <a:t>)</a:t>
-            </a:r>
-          </a:p>
-          <a:p>
-            <a:pPr algn="l" eaLnBrk="0" fontAlgn="base" hangingPunct="0">
-              <a:spcBef>
-                <a:spcPct val="0"/>
-              </a:spcBef>
-              <a:spcAft>
-                <a:spcPct val="0"/>
-              </a:spcAft>
-            </a:pPr>
-            <a:r>
-              <a:rPr lang="en-US" altLang="en-US" sz="1800" dirty="0" smtClean="0">
-                <a:solidFill>
-                  <a:srgbClr val="000000"/>
-                </a:solidFill>
-                <a:latin typeface="Consolas" panose="020B0609020204030204" pitchFamily="49" charset="0"/>
-              </a:rPr>
-              <a:t>.</a:t>
-            </a:r>
-            <a:r>
-              <a:rPr lang="en-US" altLang="en-US" sz="1800" dirty="0" err="1" smtClean="0">
-                <a:solidFill>
-                  <a:srgbClr val="000000"/>
-                </a:solidFill>
-                <a:latin typeface="Consolas" panose="020B0609020204030204" pitchFamily="49" charset="0"/>
-              </a:rPr>
-              <a:t>canada</a:t>
-            </a:r>
-            <a:r>
-              <a:rPr lang="en-US" altLang="en-US" sz="1800" dirty="0" smtClean="0">
-                <a:solidFill>
-                  <a:srgbClr val="000000"/>
-                </a:solidFill>
-                <a:latin typeface="Consolas" panose="020B0609020204030204" pitchFamily="49" charset="0"/>
-              </a:rPr>
-              <a:t> </a:t>
-            </a:r>
-            <a:r>
-              <a:rPr lang="en-US" altLang="en-US" sz="1800" dirty="0">
-                <a:solidFill>
-                  <a:srgbClr val="000000"/>
-                </a:solidFill>
-                <a:latin typeface="Consolas" panose="020B0609020204030204" pitchFamily="49" charset="0"/>
-              </a:rPr>
-              <a:t>{ </a:t>
-            </a:r>
-            <a:r>
-              <a:rPr lang="en-US" altLang="en-US" sz="1800" b="1" dirty="0">
-                <a:solidFill>
-                  <a:srgbClr val="006699"/>
-                </a:solidFill>
-                <a:latin typeface="Consolas" panose="020B0609020204030204" pitchFamily="49" charset="0"/>
-              </a:rPr>
-              <a:t>display</a:t>
-            </a:r>
-            <a:r>
-              <a:rPr lang="en-US" altLang="en-US" sz="1800" dirty="0">
-                <a:solidFill>
-                  <a:srgbClr val="000000"/>
-                </a:solidFill>
-                <a:latin typeface="Consolas" panose="020B0609020204030204" pitchFamily="49" charset="0"/>
-              </a:rPr>
-              <a:t>: inline-</a:t>
-            </a:r>
-            <a:r>
-              <a:rPr lang="en-US" altLang="en-US" sz="1800" dirty="0">
-                <a:solidFill>
-                  <a:srgbClr val="009900"/>
-                </a:solidFill>
-                <a:latin typeface="Consolas" panose="020B0609020204030204" pitchFamily="49" charset="0"/>
-              </a:rPr>
-              <a:t>block</a:t>
-            </a:r>
-            <a:r>
-              <a:rPr lang="en-US" altLang="en-US" sz="1800" dirty="0">
-                <a:solidFill>
-                  <a:srgbClr val="000000"/>
-                </a:solidFill>
-                <a:latin typeface="Consolas" panose="020B0609020204030204" pitchFamily="49" charset="0"/>
-              </a:rPr>
-              <a:t>; </a:t>
-            </a:r>
-            <a:r>
-              <a:rPr lang="en-US" altLang="en-US" sz="1800" b="1" dirty="0">
-                <a:solidFill>
-                  <a:srgbClr val="006699"/>
-                </a:solidFill>
-                <a:latin typeface="Consolas" panose="020B0609020204030204" pitchFamily="49" charset="0"/>
-              </a:rPr>
-              <a:t>background</a:t>
-            </a:r>
-            <a:r>
-              <a:rPr lang="en-US" altLang="en-US" sz="1800" dirty="0">
-                <a:solidFill>
-                  <a:srgbClr val="000000"/>
-                </a:solidFill>
-                <a:latin typeface="Consolas" panose="020B0609020204030204" pitchFamily="49" charset="0"/>
-              </a:rPr>
-              <a:t>: </a:t>
-            </a:r>
-            <a:r>
-              <a:rPr lang="en-US" altLang="en-US" sz="1800" dirty="0" err="1" smtClean="0">
-                <a:solidFill>
-                  <a:srgbClr val="009900"/>
-                </a:solidFill>
-                <a:latin typeface="Consolas" panose="020B0609020204030204" pitchFamily="49" charset="0"/>
-              </a:rPr>
-              <a:t>url</a:t>
-            </a:r>
-            <a:r>
-              <a:rPr lang="en-US" altLang="en-US" sz="1800" dirty="0" smtClean="0">
-                <a:solidFill>
-                  <a:srgbClr val="000000"/>
-                </a:solidFill>
-                <a:latin typeface="Consolas" panose="020B0609020204030204" pitchFamily="49" charset="0"/>
-              </a:rPr>
-              <a:t>(‘</a:t>
-            </a:r>
-            <a:r>
-              <a:rPr lang="en-US" altLang="en-US" sz="1800" dirty="0" smtClean="0">
-                <a:solidFill>
-                  <a:srgbClr val="0000FF"/>
-                </a:solidFill>
-                <a:latin typeface="Consolas" panose="020B0609020204030204" pitchFamily="49" charset="0"/>
-              </a:rPr>
-              <a:t>canada.png</a:t>
-            </a:r>
-            <a:r>
-              <a:rPr lang="en-US" altLang="en-US" sz="1800" dirty="0">
-                <a:solidFill>
-                  <a:srgbClr val="0000FF"/>
-                </a:solidFill>
-                <a:latin typeface="Consolas" panose="020B0609020204030204" pitchFamily="49" charset="0"/>
-              </a:rPr>
-              <a:t>'</a:t>
-            </a:r>
-            <a:r>
-              <a:rPr lang="en-US" altLang="en-US" sz="1800" dirty="0">
-                <a:solidFill>
-                  <a:srgbClr val="000000"/>
-                </a:solidFill>
-                <a:latin typeface="Consolas" panose="020B0609020204030204" pitchFamily="49" charset="0"/>
-              </a:rPr>
-              <a:t>)</a:t>
-            </a:r>
-            <a:endParaRPr lang="en-US" sz="1800" dirty="0"/>
-          </a:p>
-          <a:p>
-            <a:pPr algn="l" eaLnBrk="0" fontAlgn="base" hangingPunct="0">
-              <a:spcBef>
-                <a:spcPct val="0"/>
-              </a:spcBef>
-              <a:spcAft>
-                <a:spcPct val="0"/>
-              </a:spcAft>
-            </a:pPr>
-            <a:r>
-              <a:rPr lang="en-US" altLang="en-US" sz="1800" dirty="0" smtClean="0">
-                <a:solidFill>
-                  <a:srgbClr val="000000"/>
-                </a:solidFill>
-                <a:latin typeface="Consolas" panose="020B0609020204030204" pitchFamily="49" charset="0"/>
-              </a:rPr>
-              <a:t>.</a:t>
-            </a:r>
-            <a:r>
-              <a:rPr lang="en-US" altLang="en-US" sz="1800" dirty="0" err="1" smtClean="0">
-                <a:solidFill>
-                  <a:srgbClr val="000000"/>
-                </a:solidFill>
-                <a:latin typeface="Consolas" panose="020B0609020204030204" pitchFamily="49" charset="0"/>
-              </a:rPr>
-              <a:t>mexico</a:t>
-            </a:r>
-            <a:r>
-              <a:rPr lang="en-US" altLang="en-US" sz="1800" dirty="0" smtClean="0">
-                <a:solidFill>
-                  <a:srgbClr val="000000"/>
-                </a:solidFill>
-                <a:latin typeface="Consolas" panose="020B0609020204030204" pitchFamily="49" charset="0"/>
-              </a:rPr>
-              <a:t> </a:t>
-            </a:r>
-            <a:r>
-              <a:rPr lang="en-US" altLang="en-US" sz="1800" dirty="0">
-                <a:solidFill>
-                  <a:srgbClr val="000000"/>
-                </a:solidFill>
-                <a:latin typeface="Consolas" panose="020B0609020204030204" pitchFamily="49" charset="0"/>
-              </a:rPr>
-              <a:t>{ </a:t>
-            </a:r>
-            <a:r>
-              <a:rPr lang="en-US" altLang="en-US" sz="1800" b="1" dirty="0">
-                <a:solidFill>
-                  <a:srgbClr val="006699"/>
-                </a:solidFill>
-                <a:latin typeface="Consolas" panose="020B0609020204030204" pitchFamily="49" charset="0"/>
-              </a:rPr>
-              <a:t>display</a:t>
-            </a:r>
-            <a:r>
-              <a:rPr lang="en-US" altLang="en-US" sz="1800" dirty="0">
-                <a:solidFill>
-                  <a:srgbClr val="000000"/>
-                </a:solidFill>
-                <a:latin typeface="Consolas" panose="020B0609020204030204" pitchFamily="49" charset="0"/>
-              </a:rPr>
-              <a:t>: inline-</a:t>
-            </a:r>
-            <a:r>
-              <a:rPr lang="en-US" altLang="en-US" sz="1800" dirty="0">
-                <a:solidFill>
-                  <a:srgbClr val="009900"/>
-                </a:solidFill>
-                <a:latin typeface="Consolas" panose="020B0609020204030204" pitchFamily="49" charset="0"/>
-              </a:rPr>
-              <a:t>block</a:t>
-            </a:r>
-            <a:r>
-              <a:rPr lang="en-US" altLang="en-US" sz="1800" dirty="0">
-                <a:solidFill>
-                  <a:srgbClr val="000000"/>
-                </a:solidFill>
-                <a:latin typeface="Consolas" panose="020B0609020204030204" pitchFamily="49" charset="0"/>
-              </a:rPr>
-              <a:t>; </a:t>
-            </a:r>
-            <a:r>
-              <a:rPr lang="en-US" altLang="en-US" sz="1800" b="1" dirty="0">
-                <a:solidFill>
-                  <a:srgbClr val="006699"/>
-                </a:solidFill>
-                <a:latin typeface="Consolas" panose="020B0609020204030204" pitchFamily="49" charset="0"/>
-              </a:rPr>
-              <a:t>background</a:t>
-            </a:r>
-            <a:r>
-              <a:rPr lang="en-US" altLang="en-US" sz="1800" dirty="0">
-                <a:solidFill>
-                  <a:srgbClr val="000000"/>
-                </a:solidFill>
-                <a:latin typeface="Consolas" panose="020B0609020204030204" pitchFamily="49" charset="0"/>
-              </a:rPr>
-              <a:t>: </a:t>
-            </a:r>
-            <a:r>
-              <a:rPr lang="en-US" altLang="en-US" sz="1800" dirty="0" err="1" smtClean="0">
-                <a:solidFill>
-                  <a:srgbClr val="009900"/>
-                </a:solidFill>
-                <a:latin typeface="Consolas" panose="020B0609020204030204" pitchFamily="49" charset="0"/>
-              </a:rPr>
-              <a:t>url</a:t>
-            </a:r>
-            <a:r>
-              <a:rPr lang="en-US" altLang="en-US" sz="1800" dirty="0" smtClean="0">
-                <a:solidFill>
-                  <a:srgbClr val="000000"/>
-                </a:solidFill>
-                <a:latin typeface="Consolas" panose="020B0609020204030204" pitchFamily="49" charset="0"/>
-              </a:rPr>
-              <a:t>(</a:t>
-            </a:r>
-            <a:r>
-              <a:rPr lang="en-US" altLang="en-US" sz="1800" dirty="0" smtClean="0">
-                <a:solidFill>
-                  <a:srgbClr val="0000FF"/>
-                </a:solidFill>
-                <a:latin typeface="Consolas" panose="020B0609020204030204" pitchFamily="49" charset="0"/>
-              </a:rPr>
-              <a:t>‘mexico.png'</a:t>
-            </a:r>
-            <a:r>
-              <a:rPr lang="en-US" altLang="en-US" sz="1800" dirty="0" smtClean="0">
-                <a:solidFill>
-                  <a:srgbClr val="000000"/>
-                </a:solidFill>
-                <a:latin typeface="Consolas" panose="020B0609020204030204" pitchFamily="49" charset="0"/>
-              </a:rPr>
-              <a:t>)</a:t>
-            </a:r>
-          </a:p>
-          <a:p>
-            <a:pPr algn="l" eaLnBrk="0" fontAlgn="base" hangingPunct="0">
-              <a:spcBef>
-                <a:spcPct val="0"/>
-              </a:spcBef>
-              <a:spcAft>
-                <a:spcPct val="0"/>
-              </a:spcAft>
-            </a:pPr>
-            <a:endParaRPr lang="en-US" sz="1800" dirty="0">
-              <a:solidFill>
-                <a:srgbClr val="000000"/>
-              </a:solidFill>
-              <a:latin typeface="Consolas" panose="020B0609020204030204" pitchFamily="49" charset="0"/>
-            </a:endParaRPr>
-          </a:p>
-          <a:p>
-            <a:pPr algn="l" eaLnBrk="0" fontAlgn="base" hangingPunct="0">
-              <a:spcBef>
-                <a:spcPct val="0"/>
-              </a:spcBef>
-              <a:spcAft>
-                <a:spcPct val="0"/>
-              </a:spcAft>
-            </a:pPr>
-            <a:r>
-              <a:rPr lang="en-US" sz="1800" dirty="0" smtClean="0">
-                <a:solidFill>
-                  <a:srgbClr val="000000"/>
-                </a:solidFill>
-                <a:latin typeface="Consolas" panose="020B0609020204030204" pitchFamily="49" charset="0"/>
-              </a:rPr>
-              <a:t>&lt;div class=‘</a:t>
-            </a:r>
-            <a:r>
-              <a:rPr lang="en-US" sz="1800" dirty="0" err="1" smtClean="0">
-                <a:solidFill>
-                  <a:srgbClr val="000000"/>
-                </a:solidFill>
-                <a:latin typeface="Consolas" panose="020B0609020204030204" pitchFamily="49" charset="0"/>
-              </a:rPr>
-              <a:t>usa</a:t>
-            </a:r>
-            <a:r>
-              <a:rPr lang="en-US" sz="1800" dirty="0" smtClean="0">
-                <a:solidFill>
-                  <a:srgbClr val="000000"/>
-                </a:solidFill>
-                <a:latin typeface="Consolas" panose="020B0609020204030204" pitchFamily="49" charset="0"/>
-              </a:rPr>
-              <a:t>’&gt;</a:t>
-            </a:r>
-          </a:p>
-          <a:p>
-            <a:pPr algn="l" eaLnBrk="0" fontAlgn="base" hangingPunct="0">
-              <a:spcBef>
-                <a:spcPct val="0"/>
-              </a:spcBef>
-              <a:spcAft>
-                <a:spcPct val="0"/>
-              </a:spcAft>
-            </a:pPr>
-            <a:r>
-              <a:rPr lang="en-US" sz="1800" dirty="0">
-                <a:solidFill>
-                  <a:srgbClr val="000000"/>
-                </a:solidFill>
-                <a:latin typeface="Consolas" panose="020B0609020204030204" pitchFamily="49" charset="0"/>
-              </a:rPr>
-              <a:t> </a:t>
-            </a:r>
-          </a:p>
-          <a:p>
-            <a:pPr algn="l" eaLnBrk="0" fontAlgn="base" hangingPunct="0">
-              <a:spcBef>
-                <a:spcPct val="0"/>
-              </a:spcBef>
-              <a:spcAft>
-                <a:spcPct val="0"/>
-              </a:spcAft>
-            </a:pPr>
-            <a:endParaRPr lang="en-US" sz="1800" dirty="0" smtClean="0">
-              <a:solidFill>
-                <a:srgbClr val="000000"/>
-              </a:solidFill>
-              <a:latin typeface="Consolas" panose="020B0609020204030204" pitchFamily="49" charset="0"/>
-            </a:endParaRPr>
-          </a:p>
-          <a:p>
-            <a:pPr algn="l" eaLnBrk="0" fontAlgn="base" hangingPunct="0">
-              <a:spcBef>
-                <a:spcPct val="0"/>
-              </a:spcBef>
-              <a:spcAft>
-                <a:spcPct val="0"/>
-              </a:spcAft>
-            </a:pPr>
-            <a:endParaRPr lang="en-US" sz="1800" dirty="0">
-              <a:solidFill>
-                <a:srgbClr val="000000"/>
-              </a:solidFill>
-              <a:latin typeface="Consolas" panose="020B0609020204030204" pitchFamily="49" charset="0"/>
-            </a:endParaRPr>
-          </a:p>
-          <a:p>
-            <a:pPr algn="l" eaLnBrk="0" fontAlgn="base" hangingPunct="0">
-              <a:spcBef>
-                <a:spcPct val="0"/>
-              </a:spcBef>
-              <a:spcAft>
-                <a:spcPct val="0"/>
-              </a:spcAft>
-            </a:pPr>
-            <a:endParaRPr lang="en-US" sz="1800" dirty="0"/>
-          </a:p>
-          <a:p>
-            <a:pPr lvl="0" algn="l" eaLnBrk="0" fontAlgn="base" hangingPunct="0">
-              <a:spcBef>
-                <a:spcPct val="0"/>
-              </a:spcBef>
-              <a:spcAft>
-                <a:spcPct val="0"/>
-              </a:spcAft>
-            </a:pPr>
-            <a:endParaRPr lang="en-US" sz="1800" dirty="0" smtClean="0"/>
-          </a:p>
-          <a:p>
-            <a:pPr lvl="0" algn="l" eaLnBrk="0" fontAlgn="base" hangingPunct="0">
-              <a:spcBef>
-                <a:spcPct val="0"/>
-              </a:spcBef>
-              <a:spcAft>
-                <a:spcPct val="0"/>
-              </a:spcAft>
-            </a:pPr>
-            <a:endParaRPr lang="en-US" sz="1800" dirty="0" smtClean="0"/>
-          </a:p>
-          <a:p>
-            <a:pPr algn="l"/>
-            <a:endParaRPr lang="en-US" sz="3200" dirty="0"/>
-          </a:p>
-        </p:txBody>
-      </p:sp>
-      <p:sp>
-        <p:nvSpPr>
-          <p:cNvPr id="9" name="Rectangle 8"/>
-          <p:cNvSpPr/>
-          <p:nvPr/>
-        </p:nvSpPr>
-        <p:spPr>
-          <a:xfrm>
-            <a:off x="380999" y="4267200"/>
-            <a:ext cx="8571853" cy="1815882"/>
-          </a:xfrm>
-          <a:prstGeom prst="rect">
-            <a:avLst/>
-          </a:prstGeom>
-        </p:spPr>
-        <p:txBody>
-          <a:bodyPr wrap="square">
-            <a:spAutoFit/>
-          </a:bodyPr>
-          <a:lstStyle/>
-          <a:p>
-            <a:pPr lvl="0" eaLnBrk="0" fontAlgn="base" hangingPunct="0">
-              <a:spcBef>
-                <a:spcPct val="0"/>
-              </a:spcBef>
-              <a:spcAft>
-                <a:spcPct val="0"/>
-              </a:spcAft>
-            </a:pPr>
-            <a:r>
-              <a:rPr lang="en-US" altLang="en-US" sz="1600" dirty="0" smtClean="0">
-                <a:solidFill>
-                  <a:srgbClr val="000000"/>
-                </a:solidFill>
-                <a:latin typeface="Consolas" panose="020B0609020204030204" pitchFamily="49" charset="0"/>
-              </a:rPr>
-              <a:t>.</a:t>
-            </a:r>
-            <a:r>
-              <a:rPr lang="en-US" altLang="en-US" sz="1600" dirty="0" err="1" smtClean="0">
-                <a:solidFill>
-                  <a:srgbClr val="000000"/>
-                </a:solidFill>
-                <a:latin typeface="Consolas" panose="020B0609020204030204" pitchFamily="49" charset="0"/>
-              </a:rPr>
-              <a:t>usa</a:t>
-            </a:r>
-            <a:r>
-              <a:rPr lang="en-US" altLang="en-US" sz="1600" dirty="0" smtClean="0">
-                <a:solidFill>
-                  <a:srgbClr val="000000"/>
-                </a:solidFill>
-                <a:latin typeface="Consolas" panose="020B0609020204030204" pitchFamily="49" charset="0"/>
-              </a:rPr>
-              <a:t>, .</a:t>
-            </a:r>
-            <a:r>
-              <a:rPr lang="en-US" altLang="en-US" sz="1600" dirty="0" err="1" smtClean="0">
-                <a:solidFill>
-                  <a:srgbClr val="000000"/>
-                </a:solidFill>
-                <a:latin typeface="Consolas" panose="020B0609020204030204" pitchFamily="49" charset="0"/>
-              </a:rPr>
-              <a:t>canada</a:t>
-            </a:r>
-            <a:r>
-              <a:rPr lang="en-US" altLang="en-US" sz="1600" dirty="0">
-                <a:solidFill>
-                  <a:srgbClr val="000000"/>
-                </a:solidFill>
-                <a:latin typeface="Consolas" panose="020B0609020204030204" pitchFamily="49" charset="0"/>
-              </a:rPr>
-              <a:t>, </a:t>
-            </a:r>
-            <a:r>
-              <a:rPr lang="en-US" altLang="en-US" sz="1600" dirty="0" smtClean="0">
-                <a:solidFill>
-                  <a:srgbClr val="000000"/>
-                </a:solidFill>
-                <a:latin typeface="Consolas" panose="020B0609020204030204" pitchFamily="49" charset="0"/>
-              </a:rPr>
-              <a:t>.</a:t>
-            </a:r>
-            <a:r>
-              <a:rPr lang="en-US" altLang="en-US" sz="1600" dirty="0" err="1" smtClean="0">
-                <a:solidFill>
-                  <a:srgbClr val="000000"/>
-                </a:solidFill>
-                <a:latin typeface="Consolas" panose="020B0609020204030204" pitchFamily="49" charset="0"/>
-              </a:rPr>
-              <a:t>mexico</a:t>
-            </a:r>
-            <a:endParaRPr lang="en-US" altLang="en-US" sz="1600" dirty="0"/>
-          </a:p>
-          <a:p>
-            <a:pPr lvl="0" eaLnBrk="0" fontAlgn="base" hangingPunct="0">
-              <a:spcBef>
-                <a:spcPct val="0"/>
-              </a:spcBef>
-              <a:spcAft>
-                <a:spcPct val="0"/>
-              </a:spcAft>
-            </a:pPr>
-            <a:r>
-              <a:rPr lang="en-US" altLang="en-US" sz="1600" dirty="0">
-                <a:solidFill>
-                  <a:srgbClr val="000000"/>
-                </a:solidFill>
-                <a:latin typeface="Consolas" panose="020B0609020204030204" pitchFamily="49" charset="0"/>
-              </a:rPr>
-              <a:t>{ </a:t>
-            </a:r>
-            <a:r>
-              <a:rPr lang="en-US" altLang="en-US" sz="1600" b="1" dirty="0">
-                <a:solidFill>
-                  <a:srgbClr val="006699"/>
-                </a:solidFill>
-                <a:latin typeface="Consolas" panose="020B0609020204030204" pitchFamily="49" charset="0"/>
-              </a:rPr>
-              <a:t>display</a:t>
-            </a:r>
-            <a:r>
-              <a:rPr lang="en-US" altLang="en-US" sz="1600" dirty="0">
-                <a:solidFill>
-                  <a:srgbClr val="000000"/>
-                </a:solidFill>
-                <a:latin typeface="Consolas" panose="020B0609020204030204" pitchFamily="49" charset="0"/>
-              </a:rPr>
-              <a:t>: inline-</a:t>
-            </a:r>
-            <a:r>
-              <a:rPr lang="en-US" altLang="en-US" sz="1600" dirty="0">
-                <a:solidFill>
-                  <a:srgbClr val="009900"/>
-                </a:solidFill>
-                <a:latin typeface="Consolas" panose="020B0609020204030204" pitchFamily="49" charset="0"/>
-              </a:rPr>
-              <a:t>block</a:t>
-            </a:r>
-            <a:r>
-              <a:rPr lang="en-US" altLang="en-US" sz="1600" dirty="0">
-                <a:solidFill>
-                  <a:srgbClr val="000000"/>
-                </a:solidFill>
-                <a:latin typeface="Consolas" panose="020B0609020204030204" pitchFamily="49" charset="0"/>
-              </a:rPr>
-              <a:t>; </a:t>
-            </a:r>
-            <a:r>
-              <a:rPr lang="en-US" altLang="en-US" sz="1600" b="1" dirty="0">
-                <a:solidFill>
-                  <a:srgbClr val="006699"/>
-                </a:solidFill>
-                <a:latin typeface="Consolas" panose="020B0609020204030204" pitchFamily="49" charset="0"/>
-              </a:rPr>
-              <a:t>background</a:t>
-            </a:r>
-            <a:r>
-              <a:rPr lang="en-US" altLang="en-US" sz="1600" dirty="0">
-                <a:solidFill>
-                  <a:srgbClr val="000000"/>
-                </a:solidFill>
-                <a:latin typeface="Consolas" panose="020B0609020204030204" pitchFamily="49" charset="0"/>
-              </a:rPr>
-              <a:t>: </a:t>
-            </a:r>
-            <a:r>
-              <a:rPr lang="en-US" altLang="en-US" sz="1600" dirty="0" err="1">
-                <a:solidFill>
-                  <a:srgbClr val="009900"/>
-                </a:solidFill>
-                <a:latin typeface="Consolas" panose="020B0609020204030204" pitchFamily="49" charset="0"/>
-              </a:rPr>
-              <a:t>url</a:t>
-            </a:r>
-            <a:r>
-              <a:rPr lang="en-US" altLang="en-US" sz="1600" dirty="0" smtClean="0">
-                <a:solidFill>
-                  <a:srgbClr val="000000"/>
-                </a:solidFill>
-                <a:latin typeface="Consolas" panose="020B0609020204030204" pitchFamily="49" charset="0"/>
-              </a:rPr>
-              <a:t>(</a:t>
-            </a:r>
-            <a:r>
-              <a:rPr lang="en-US" altLang="en-US" sz="1600" dirty="0" smtClean="0">
-                <a:solidFill>
-                  <a:srgbClr val="0000FF"/>
-                </a:solidFill>
-                <a:latin typeface="Consolas" panose="020B0609020204030204" pitchFamily="49" charset="0"/>
-              </a:rPr>
-              <a:t>‘sprites.png</a:t>
-            </a:r>
-            <a:r>
-              <a:rPr lang="en-US" altLang="en-US" sz="1600" dirty="0">
-                <a:solidFill>
-                  <a:srgbClr val="0000FF"/>
-                </a:solidFill>
-                <a:latin typeface="Consolas" panose="020B0609020204030204" pitchFamily="49" charset="0"/>
-              </a:rPr>
-              <a:t>'</a:t>
-            </a:r>
-            <a:r>
-              <a:rPr lang="en-US" altLang="en-US" sz="1600" dirty="0">
-                <a:solidFill>
-                  <a:srgbClr val="000000"/>
-                </a:solidFill>
-                <a:latin typeface="Consolas" panose="020B0609020204030204" pitchFamily="49" charset="0"/>
-              </a:rPr>
-              <a:t>) </a:t>
-            </a:r>
-            <a:r>
-              <a:rPr lang="en-US" altLang="en-US" sz="1600" dirty="0">
-                <a:solidFill>
-                  <a:srgbClr val="009900"/>
-                </a:solidFill>
-                <a:latin typeface="Consolas" panose="020B0609020204030204" pitchFamily="49" charset="0"/>
-              </a:rPr>
-              <a:t>no-repeat</a:t>
-            </a:r>
-            <a:r>
-              <a:rPr lang="en-US" altLang="en-US" sz="1600" dirty="0">
-                <a:solidFill>
-                  <a:srgbClr val="000000"/>
-                </a:solidFill>
-                <a:latin typeface="Consolas" panose="020B0609020204030204" pitchFamily="49" charset="0"/>
-              </a:rPr>
-              <a:t>; </a:t>
-            </a:r>
-            <a:r>
-              <a:rPr lang="en-US" altLang="en-US" sz="1600" b="1" dirty="0">
-                <a:solidFill>
-                  <a:srgbClr val="006699"/>
-                </a:solidFill>
-                <a:latin typeface="Consolas" panose="020B0609020204030204" pitchFamily="49" charset="0"/>
-              </a:rPr>
-              <a:t>overflow</a:t>
-            </a:r>
-            <a:r>
-              <a:rPr lang="en-US" altLang="en-US" sz="1600" dirty="0">
-                <a:solidFill>
-                  <a:srgbClr val="000000"/>
-                </a:solidFill>
-                <a:latin typeface="Consolas" panose="020B0609020204030204" pitchFamily="49" charset="0"/>
-              </a:rPr>
-              <a:t>: </a:t>
-            </a:r>
-            <a:r>
-              <a:rPr lang="en-US" altLang="en-US" sz="1600" dirty="0">
-                <a:solidFill>
-                  <a:srgbClr val="009900"/>
-                </a:solidFill>
-                <a:latin typeface="Consolas" panose="020B0609020204030204" pitchFamily="49" charset="0"/>
-              </a:rPr>
-              <a:t>hidden</a:t>
-            </a:r>
-            <a:r>
-              <a:rPr lang="en-US" altLang="en-US" sz="1600" dirty="0">
-                <a:solidFill>
-                  <a:srgbClr val="000000"/>
-                </a:solidFill>
-                <a:latin typeface="Consolas" panose="020B0609020204030204" pitchFamily="49" charset="0"/>
-              </a:rPr>
-              <a:t>; </a:t>
-            </a:r>
-            <a:r>
-              <a:rPr lang="en-US" altLang="en-US" sz="1600" b="1" dirty="0">
-                <a:solidFill>
-                  <a:srgbClr val="006699"/>
-                </a:solidFill>
-                <a:latin typeface="Consolas" panose="020B0609020204030204" pitchFamily="49" charset="0"/>
-              </a:rPr>
-              <a:t>text-indent</a:t>
-            </a:r>
-            <a:r>
-              <a:rPr lang="en-US" altLang="en-US" sz="1600" dirty="0">
-                <a:solidFill>
-                  <a:srgbClr val="000000"/>
-                </a:solidFill>
-                <a:latin typeface="Consolas" panose="020B0609020204030204" pitchFamily="49" charset="0"/>
-              </a:rPr>
-              <a:t>: </a:t>
-            </a:r>
-            <a:r>
-              <a:rPr lang="en-US" altLang="en-US" sz="1600" dirty="0">
-                <a:solidFill>
-                  <a:srgbClr val="009900"/>
-                </a:solidFill>
-                <a:latin typeface="Consolas" panose="020B0609020204030204" pitchFamily="49" charset="0"/>
-              </a:rPr>
-              <a:t>-9999px</a:t>
-            </a:r>
-            <a:r>
-              <a:rPr lang="en-US" altLang="en-US" sz="1600" dirty="0">
-                <a:solidFill>
-                  <a:srgbClr val="000000"/>
-                </a:solidFill>
-                <a:latin typeface="Consolas" panose="020B0609020204030204" pitchFamily="49" charset="0"/>
-              </a:rPr>
-              <a:t>; </a:t>
-            </a:r>
-            <a:r>
-              <a:rPr lang="en-US" altLang="en-US" sz="1600" b="1" dirty="0">
-                <a:solidFill>
-                  <a:srgbClr val="006699"/>
-                </a:solidFill>
-                <a:latin typeface="Consolas" panose="020B0609020204030204" pitchFamily="49" charset="0"/>
-              </a:rPr>
-              <a:t>text-align</a:t>
-            </a:r>
-            <a:r>
-              <a:rPr lang="en-US" altLang="en-US" sz="1600" dirty="0">
-                <a:solidFill>
-                  <a:srgbClr val="000000"/>
-                </a:solidFill>
-                <a:latin typeface="Consolas" panose="020B0609020204030204" pitchFamily="49" charset="0"/>
-              </a:rPr>
-              <a:t>: </a:t>
-            </a:r>
-            <a:r>
-              <a:rPr lang="en-US" altLang="en-US" sz="1600" dirty="0">
-                <a:solidFill>
-                  <a:srgbClr val="009900"/>
-                </a:solidFill>
-                <a:latin typeface="Consolas" panose="020B0609020204030204" pitchFamily="49" charset="0"/>
-              </a:rPr>
-              <a:t>left</a:t>
-            </a:r>
-            <a:r>
-              <a:rPr lang="en-US" altLang="en-US" sz="1600" dirty="0">
-                <a:solidFill>
-                  <a:srgbClr val="000000"/>
-                </a:solidFill>
-                <a:latin typeface="Consolas" panose="020B0609020204030204" pitchFamily="49" charset="0"/>
-              </a:rPr>
-              <a:t>; }</a:t>
-            </a:r>
-            <a:endParaRPr lang="en-US" altLang="en-US" sz="1600" dirty="0"/>
-          </a:p>
-          <a:p>
-            <a:pPr lvl="0" eaLnBrk="0" fontAlgn="base" hangingPunct="0">
-              <a:spcBef>
-                <a:spcPct val="0"/>
-              </a:spcBef>
-              <a:spcAft>
-                <a:spcPct val="0"/>
-              </a:spcAft>
-            </a:pPr>
-            <a:endParaRPr lang="en-US" altLang="en-US" sz="1600" dirty="0"/>
-          </a:p>
-          <a:p>
-            <a:pPr lvl="0" eaLnBrk="0" fontAlgn="base" hangingPunct="0">
-              <a:spcBef>
-                <a:spcPct val="0"/>
-              </a:spcBef>
-              <a:spcAft>
-                <a:spcPct val="0"/>
-              </a:spcAft>
-            </a:pPr>
-            <a:r>
-              <a:rPr lang="en-US" altLang="en-US" sz="1600" dirty="0" smtClean="0">
-                <a:solidFill>
-                  <a:srgbClr val="000000"/>
-                </a:solidFill>
-                <a:latin typeface="Consolas" panose="020B0609020204030204" pitchFamily="49" charset="0"/>
-              </a:rPr>
-              <a:t>.</a:t>
-            </a:r>
-            <a:r>
-              <a:rPr lang="en-US" altLang="en-US" sz="1600" dirty="0" err="1" smtClean="0">
-                <a:solidFill>
-                  <a:srgbClr val="000000"/>
-                </a:solidFill>
-                <a:latin typeface="Consolas" panose="020B0609020204030204" pitchFamily="49" charset="0"/>
-              </a:rPr>
-              <a:t>usa</a:t>
-            </a:r>
-            <a:r>
-              <a:rPr lang="en-US" altLang="en-US" sz="1600" dirty="0" smtClean="0">
-                <a:solidFill>
-                  <a:srgbClr val="000000"/>
-                </a:solidFill>
-                <a:latin typeface="Consolas" panose="020B0609020204030204" pitchFamily="49" charset="0"/>
-              </a:rPr>
-              <a:t> </a:t>
-            </a:r>
-            <a:r>
-              <a:rPr lang="en-US" altLang="en-US" sz="1600" dirty="0">
-                <a:solidFill>
-                  <a:srgbClr val="000000"/>
-                </a:solidFill>
-                <a:latin typeface="Consolas" panose="020B0609020204030204" pitchFamily="49" charset="0"/>
-              </a:rPr>
-              <a:t>{ </a:t>
-            </a:r>
-            <a:r>
-              <a:rPr lang="en-US" altLang="en-US" sz="1600" b="1" dirty="0">
-                <a:solidFill>
-                  <a:srgbClr val="006699"/>
-                </a:solidFill>
-                <a:latin typeface="Consolas" panose="020B0609020204030204" pitchFamily="49" charset="0"/>
-              </a:rPr>
-              <a:t>background-position</a:t>
-            </a:r>
-            <a:r>
-              <a:rPr lang="en-US" altLang="en-US" sz="1600" dirty="0">
-                <a:solidFill>
-                  <a:srgbClr val="000000"/>
-                </a:solidFill>
-                <a:latin typeface="Consolas" panose="020B0609020204030204" pitchFamily="49" charset="0"/>
-              </a:rPr>
-              <a:t>: </a:t>
-            </a:r>
-            <a:r>
-              <a:rPr lang="en-US" altLang="en-US" sz="1600" dirty="0">
-                <a:solidFill>
-                  <a:srgbClr val="009900"/>
-                </a:solidFill>
-                <a:latin typeface="Consolas" panose="020B0609020204030204" pitchFamily="49" charset="0"/>
-              </a:rPr>
-              <a:t>-0px</a:t>
-            </a:r>
-            <a:r>
-              <a:rPr lang="en-US" altLang="en-US" sz="1600" dirty="0">
-                <a:solidFill>
-                  <a:srgbClr val="FFFFFF"/>
-                </a:solidFill>
-                <a:latin typeface="Consolas" panose="020B0609020204030204" pitchFamily="49" charset="0"/>
-              </a:rPr>
-              <a:t> </a:t>
-            </a:r>
-            <a:r>
-              <a:rPr lang="en-US" altLang="en-US" sz="1600" dirty="0">
-                <a:solidFill>
-                  <a:srgbClr val="009900"/>
-                </a:solidFill>
-                <a:latin typeface="Consolas" panose="020B0609020204030204" pitchFamily="49" charset="0"/>
-              </a:rPr>
-              <a:t>-0px</a:t>
-            </a:r>
-            <a:r>
-              <a:rPr lang="en-US" altLang="en-US" sz="1600" dirty="0">
-                <a:solidFill>
-                  <a:srgbClr val="000000"/>
-                </a:solidFill>
-                <a:latin typeface="Consolas" panose="020B0609020204030204" pitchFamily="49" charset="0"/>
-              </a:rPr>
-              <a:t>; </a:t>
-            </a:r>
-            <a:r>
-              <a:rPr lang="en-US" altLang="en-US" sz="1600" b="1" dirty="0">
-                <a:solidFill>
-                  <a:srgbClr val="006699"/>
-                </a:solidFill>
-                <a:latin typeface="Consolas" panose="020B0609020204030204" pitchFamily="49" charset="0"/>
-              </a:rPr>
-              <a:t>width</a:t>
-            </a:r>
-            <a:r>
-              <a:rPr lang="en-US" altLang="en-US" sz="1600" dirty="0">
-                <a:solidFill>
-                  <a:srgbClr val="000000"/>
-                </a:solidFill>
-                <a:latin typeface="Consolas" panose="020B0609020204030204" pitchFamily="49" charset="0"/>
-              </a:rPr>
-              <a:t>: </a:t>
-            </a:r>
-            <a:r>
-              <a:rPr lang="en-US" altLang="en-US" sz="1600" dirty="0">
-                <a:solidFill>
-                  <a:srgbClr val="009900"/>
-                </a:solidFill>
-                <a:latin typeface="Consolas" panose="020B0609020204030204" pitchFamily="49" charset="0"/>
-              </a:rPr>
-              <a:t>246px</a:t>
-            </a:r>
-            <a:r>
-              <a:rPr lang="en-US" altLang="en-US" sz="1600" dirty="0">
-                <a:solidFill>
-                  <a:srgbClr val="000000"/>
-                </a:solidFill>
-                <a:latin typeface="Consolas" panose="020B0609020204030204" pitchFamily="49" charset="0"/>
-              </a:rPr>
-              <a:t>; </a:t>
-            </a:r>
-            <a:r>
-              <a:rPr lang="en-US" altLang="en-US" sz="1600" b="1" dirty="0">
-                <a:solidFill>
-                  <a:srgbClr val="006699"/>
-                </a:solidFill>
-                <a:latin typeface="Consolas" panose="020B0609020204030204" pitchFamily="49" charset="0"/>
-              </a:rPr>
-              <a:t>height</a:t>
-            </a:r>
-            <a:r>
-              <a:rPr lang="en-US" altLang="en-US" sz="1600" dirty="0">
-                <a:solidFill>
-                  <a:srgbClr val="000000"/>
-                </a:solidFill>
-                <a:latin typeface="Consolas" panose="020B0609020204030204" pitchFamily="49" charset="0"/>
-              </a:rPr>
-              <a:t>: </a:t>
-            </a:r>
-            <a:r>
-              <a:rPr lang="en-US" altLang="en-US" sz="1600" dirty="0">
-                <a:solidFill>
-                  <a:srgbClr val="009900"/>
-                </a:solidFill>
-                <a:latin typeface="Consolas" panose="020B0609020204030204" pitchFamily="49" charset="0"/>
-              </a:rPr>
-              <a:t>130px</a:t>
-            </a:r>
-            <a:r>
-              <a:rPr lang="en-US" altLang="en-US" sz="1600" dirty="0">
-                <a:solidFill>
-                  <a:srgbClr val="000000"/>
-                </a:solidFill>
-                <a:latin typeface="Consolas" panose="020B0609020204030204" pitchFamily="49" charset="0"/>
-              </a:rPr>
-              <a:t>; }</a:t>
-            </a:r>
-            <a:endParaRPr lang="en-US" altLang="en-US" sz="1600" dirty="0"/>
-          </a:p>
-          <a:p>
-            <a:pPr lvl="0" eaLnBrk="0" fontAlgn="base" hangingPunct="0">
-              <a:spcBef>
-                <a:spcPct val="0"/>
-              </a:spcBef>
-              <a:spcAft>
-                <a:spcPct val="0"/>
-              </a:spcAft>
-            </a:pPr>
-            <a:r>
-              <a:rPr lang="en-US" altLang="en-US" sz="1600" dirty="0" smtClean="0">
-                <a:solidFill>
-                  <a:srgbClr val="000000"/>
-                </a:solidFill>
-                <a:latin typeface="Consolas" panose="020B0609020204030204" pitchFamily="49" charset="0"/>
-              </a:rPr>
-              <a:t>.</a:t>
-            </a:r>
-            <a:r>
-              <a:rPr lang="en-US" altLang="en-US" sz="1600" dirty="0" err="1" smtClean="0">
-                <a:solidFill>
-                  <a:srgbClr val="000000"/>
-                </a:solidFill>
-                <a:latin typeface="Consolas" panose="020B0609020204030204" pitchFamily="49" charset="0"/>
-              </a:rPr>
-              <a:t>canada</a:t>
-            </a:r>
-            <a:r>
-              <a:rPr lang="en-US" altLang="en-US" sz="1600" dirty="0" smtClean="0">
-                <a:solidFill>
-                  <a:srgbClr val="000000"/>
-                </a:solidFill>
-                <a:latin typeface="Consolas" panose="020B0609020204030204" pitchFamily="49" charset="0"/>
-              </a:rPr>
-              <a:t> </a:t>
-            </a:r>
-            <a:r>
-              <a:rPr lang="en-US" altLang="en-US" sz="1600" dirty="0">
-                <a:solidFill>
-                  <a:srgbClr val="000000"/>
-                </a:solidFill>
-                <a:latin typeface="Consolas" panose="020B0609020204030204" pitchFamily="49" charset="0"/>
-              </a:rPr>
-              <a:t>{ </a:t>
-            </a:r>
-            <a:r>
-              <a:rPr lang="en-US" altLang="en-US" sz="1600" b="1" dirty="0">
-                <a:solidFill>
-                  <a:srgbClr val="006699"/>
-                </a:solidFill>
-                <a:latin typeface="Consolas" panose="020B0609020204030204" pitchFamily="49" charset="0"/>
-              </a:rPr>
-              <a:t>background-position</a:t>
-            </a:r>
-            <a:r>
-              <a:rPr lang="en-US" altLang="en-US" sz="1600" dirty="0">
-                <a:solidFill>
-                  <a:srgbClr val="000000"/>
-                </a:solidFill>
-                <a:latin typeface="Consolas" panose="020B0609020204030204" pitchFamily="49" charset="0"/>
-              </a:rPr>
-              <a:t>: </a:t>
-            </a:r>
-            <a:r>
-              <a:rPr lang="en-US" altLang="en-US" sz="1600" dirty="0">
-                <a:solidFill>
-                  <a:srgbClr val="009900"/>
-                </a:solidFill>
-                <a:latin typeface="Consolas" panose="020B0609020204030204" pitchFamily="49" charset="0"/>
-              </a:rPr>
-              <a:t>-0px</a:t>
-            </a:r>
-            <a:r>
-              <a:rPr lang="en-US" altLang="en-US" sz="1600" dirty="0">
-                <a:solidFill>
-                  <a:srgbClr val="FFFFFF"/>
-                </a:solidFill>
-                <a:latin typeface="Consolas" panose="020B0609020204030204" pitchFamily="49" charset="0"/>
-              </a:rPr>
-              <a:t> </a:t>
-            </a:r>
-            <a:r>
-              <a:rPr lang="en-US" altLang="en-US" sz="1600" dirty="0">
-                <a:solidFill>
-                  <a:srgbClr val="009900"/>
-                </a:solidFill>
-                <a:latin typeface="Consolas" panose="020B0609020204030204" pitchFamily="49" charset="0"/>
-              </a:rPr>
-              <a:t>-130px</a:t>
-            </a:r>
-            <a:r>
-              <a:rPr lang="en-US" altLang="en-US" sz="1600" dirty="0">
-                <a:solidFill>
-                  <a:srgbClr val="000000"/>
-                </a:solidFill>
-                <a:latin typeface="Consolas" panose="020B0609020204030204" pitchFamily="49" charset="0"/>
-              </a:rPr>
-              <a:t>; </a:t>
-            </a:r>
-            <a:r>
-              <a:rPr lang="en-US" altLang="en-US" sz="1600" b="1" dirty="0">
-                <a:solidFill>
-                  <a:srgbClr val="006699"/>
-                </a:solidFill>
-                <a:latin typeface="Consolas" panose="020B0609020204030204" pitchFamily="49" charset="0"/>
-              </a:rPr>
-              <a:t>width</a:t>
-            </a:r>
-            <a:r>
-              <a:rPr lang="en-US" altLang="en-US" sz="1600" dirty="0">
-                <a:solidFill>
-                  <a:srgbClr val="000000"/>
-                </a:solidFill>
-                <a:latin typeface="Consolas" panose="020B0609020204030204" pitchFamily="49" charset="0"/>
-              </a:rPr>
-              <a:t>: </a:t>
-            </a:r>
-            <a:r>
-              <a:rPr lang="en-US" altLang="en-US" sz="1600" dirty="0">
-                <a:solidFill>
-                  <a:srgbClr val="009900"/>
-                </a:solidFill>
-                <a:latin typeface="Consolas" panose="020B0609020204030204" pitchFamily="49" charset="0"/>
-              </a:rPr>
-              <a:t>241px</a:t>
-            </a:r>
-            <a:r>
-              <a:rPr lang="en-US" altLang="en-US" sz="1600" dirty="0">
-                <a:solidFill>
-                  <a:srgbClr val="000000"/>
-                </a:solidFill>
-                <a:latin typeface="Consolas" panose="020B0609020204030204" pitchFamily="49" charset="0"/>
-              </a:rPr>
-              <a:t>; </a:t>
-            </a:r>
-            <a:r>
-              <a:rPr lang="en-US" altLang="en-US" sz="1600" b="1" dirty="0">
-                <a:solidFill>
-                  <a:srgbClr val="006699"/>
-                </a:solidFill>
-                <a:latin typeface="Consolas" panose="020B0609020204030204" pitchFamily="49" charset="0"/>
-              </a:rPr>
-              <a:t>height</a:t>
-            </a:r>
-            <a:r>
-              <a:rPr lang="en-US" altLang="en-US" sz="1600" dirty="0">
-                <a:solidFill>
-                  <a:srgbClr val="000000"/>
-                </a:solidFill>
-                <a:latin typeface="Consolas" panose="020B0609020204030204" pitchFamily="49" charset="0"/>
-              </a:rPr>
-              <a:t>: </a:t>
-            </a:r>
-            <a:r>
-              <a:rPr lang="en-US" altLang="en-US" sz="1600" dirty="0">
-                <a:solidFill>
-                  <a:srgbClr val="009900"/>
-                </a:solidFill>
-                <a:latin typeface="Consolas" panose="020B0609020204030204" pitchFamily="49" charset="0"/>
-              </a:rPr>
-              <a:t>124px</a:t>
-            </a:r>
-            <a:r>
-              <a:rPr lang="en-US" altLang="en-US" sz="1600" dirty="0">
-                <a:solidFill>
-                  <a:srgbClr val="000000"/>
-                </a:solidFill>
-                <a:latin typeface="Consolas" panose="020B0609020204030204" pitchFamily="49" charset="0"/>
-              </a:rPr>
-              <a:t>; }</a:t>
-            </a:r>
-            <a:endParaRPr lang="en-US" altLang="en-US" sz="1600" dirty="0"/>
-          </a:p>
-          <a:p>
-            <a:pPr lvl="0" eaLnBrk="0" fontAlgn="base" hangingPunct="0">
-              <a:spcBef>
-                <a:spcPct val="0"/>
-              </a:spcBef>
-              <a:spcAft>
-                <a:spcPct val="0"/>
-              </a:spcAft>
-            </a:pPr>
-            <a:r>
-              <a:rPr lang="en-US" altLang="en-US" sz="1600" dirty="0" smtClean="0">
-                <a:solidFill>
-                  <a:srgbClr val="000000"/>
-                </a:solidFill>
-                <a:latin typeface="Consolas" panose="020B0609020204030204" pitchFamily="49" charset="0"/>
-              </a:rPr>
-              <a:t>.</a:t>
-            </a:r>
-            <a:r>
-              <a:rPr lang="en-US" altLang="en-US" sz="1600" dirty="0" err="1" smtClean="0">
-                <a:solidFill>
-                  <a:srgbClr val="000000"/>
-                </a:solidFill>
-                <a:latin typeface="Consolas" panose="020B0609020204030204" pitchFamily="49" charset="0"/>
-              </a:rPr>
-              <a:t>mexico</a:t>
-            </a:r>
-            <a:r>
-              <a:rPr lang="en-US" altLang="en-US" sz="1600" dirty="0" smtClean="0">
-                <a:solidFill>
-                  <a:srgbClr val="000000"/>
-                </a:solidFill>
-                <a:latin typeface="Consolas" panose="020B0609020204030204" pitchFamily="49" charset="0"/>
-              </a:rPr>
-              <a:t> </a:t>
-            </a:r>
-            <a:r>
-              <a:rPr lang="en-US" altLang="en-US" sz="1600" dirty="0">
-                <a:solidFill>
-                  <a:srgbClr val="000000"/>
-                </a:solidFill>
-                <a:latin typeface="Consolas" panose="020B0609020204030204" pitchFamily="49" charset="0"/>
-              </a:rPr>
-              <a:t>{ </a:t>
-            </a:r>
-            <a:r>
-              <a:rPr lang="en-US" altLang="en-US" sz="1600" b="1" dirty="0">
-                <a:solidFill>
-                  <a:srgbClr val="006699"/>
-                </a:solidFill>
-                <a:latin typeface="Consolas" panose="020B0609020204030204" pitchFamily="49" charset="0"/>
-              </a:rPr>
-              <a:t>background-position</a:t>
-            </a:r>
-            <a:r>
-              <a:rPr lang="en-US" altLang="en-US" sz="1600" dirty="0">
-                <a:solidFill>
-                  <a:srgbClr val="000000"/>
-                </a:solidFill>
-                <a:latin typeface="Consolas" panose="020B0609020204030204" pitchFamily="49" charset="0"/>
-              </a:rPr>
-              <a:t>: </a:t>
-            </a:r>
-            <a:r>
-              <a:rPr lang="en-US" altLang="en-US" sz="1600" dirty="0">
-                <a:solidFill>
-                  <a:srgbClr val="009900"/>
-                </a:solidFill>
-                <a:latin typeface="Consolas" panose="020B0609020204030204" pitchFamily="49" charset="0"/>
-              </a:rPr>
-              <a:t>-0px</a:t>
-            </a:r>
-            <a:r>
-              <a:rPr lang="en-US" altLang="en-US" sz="1600" dirty="0">
-                <a:solidFill>
-                  <a:srgbClr val="FFFFFF"/>
-                </a:solidFill>
-                <a:latin typeface="Consolas" panose="020B0609020204030204" pitchFamily="49" charset="0"/>
-              </a:rPr>
-              <a:t> </a:t>
-            </a:r>
-            <a:r>
-              <a:rPr lang="en-US" altLang="en-US" sz="1600" dirty="0">
-                <a:solidFill>
-                  <a:srgbClr val="009900"/>
-                </a:solidFill>
-                <a:latin typeface="Consolas" panose="020B0609020204030204" pitchFamily="49" charset="0"/>
-              </a:rPr>
-              <a:t>-254px</a:t>
-            </a:r>
-            <a:r>
-              <a:rPr lang="en-US" altLang="en-US" sz="1600" dirty="0">
-                <a:solidFill>
-                  <a:srgbClr val="000000"/>
-                </a:solidFill>
-                <a:latin typeface="Consolas" panose="020B0609020204030204" pitchFamily="49" charset="0"/>
-              </a:rPr>
-              <a:t>; </a:t>
-            </a:r>
-            <a:r>
-              <a:rPr lang="en-US" altLang="en-US" sz="1600" b="1" dirty="0">
-                <a:solidFill>
-                  <a:srgbClr val="006699"/>
-                </a:solidFill>
-                <a:latin typeface="Consolas" panose="020B0609020204030204" pitchFamily="49" charset="0"/>
-              </a:rPr>
-              <a:t>width</a:t>
-            </a:r>
-            <a:r>
-              <a:rPr lang="en-US" altLang="en-US" sz="1600" dirty="0">
-                <a:solidFill>
-                  <a:srgbClr val="000000"/>
-                </a:solidFill>
-                <a:latin typeface="Consolas" panose="020B0609020204030204" pitchFamily="49" charset="0"/>
-              </a:rPr>
-              <a:t>: </a:t>
-            </a:r>
-            <a:r>
-              <a:rPr lang="en-US" altLang="en-US" sz="1600" dirty="0">
-                <a:solidFill>
-                  <a:srgbClr val="009900"/>
-                </a:solidFill>
-                <a:latin typeface="Consolas" panose="020B0609020204030204" pitchFamily="49" charset="0"/>
-              </a:rPr>
-              <a:t>238px</a:t>
-            </a:r>
-            <a:r>
-              <a:rPr lang="en-US" altLang="en-US" sz="1600" dirty="0">
-                <a:solidFill>
-                  <a:srgbClr val="000000"/>
-                </a:solidFill>
-                <a:latin typeface="Consolas" panose="020B0609020204030204" pitchFamily="49" charset="0"/>
-              </a:rPr>
-              <a:t>; </a:t>
-            </a:r>
-            <a:r>
-              <a:rPr lang="en-US" altLang="en-US" sz="1600" b="1" dirty="0">
-                <a:solidFill>
-                  <a:srgbClr val="006699"/>
-                </a:solidFill>
-                <a:latin typeface="Consolas" panose="020B0609020204030204" pitchFamily="49" charset="0"/>
-              </a:rPr>
-              <a:t>height</a:t>
-            </a:r>
-            <a:r>
-              <a:rPr lang="en-US" altLang="en-US" sz="1600" dirty="0">
-                <a:solidFill>
-                  <a:srgbClr val="000000"/>
-                </a:solidFill>
-                <a:latin typeface="Consolas" panose="020B0609020204030204" pitchFamily="49" charset="0"/>
-              </a:rPr>
-              <a:t>: </a:t>
-            </a:r>
-            <a:r>
-              <a:rPr lang="en-US" altLang="en-US" sz="1600" dirty="0">
-                <a:solidFill>
-                  <a:srgbClr val="009900"/>
-                </a:solidFill>
-                <a:latin typeface="Consolas" panose="020B0609020204030204" pitchFamily="49" charset="0"/>
-              </a:rPr>
-              <a:t>142px</a:t>
-            </a:r>
-            <a:r>
-              <a:rPr lang="en-US" altLang="en-US" sz="1600" dirty="0">
-                <a:solidFill>
-                  <a:srgbClr val="000000"/>
-                </a:solidFill>
-                <a:latin typeface="Consolas" panose="020B0609020204030204" pitchFamily="49" charset="0"/>
-              </a:rPr>
-              <a:t>; }</a:t>
-            </a:r>
-            <a:endParaRPr lang="en-US" altLang="en-US" sz="1600" dirty="0">
-              <a:latin typeface="Arial" panose="020B0604020202020204" pitchFamily="34" charset="0"/>
-            </a:endParaRPr>
-          </a:p>
-        </p:txBody>
-      </p:sp>
-      <p:sp>
-        <p:nvSpPr>
-          <p:cNvPr id="24" name="Subtitle 2"/>
-          <p:cNvSpPr txBox="1">
-            <a:spLocks/>
-          </p:cNvSpPr>
-          <p:nvPr/>
-        </p:nvSpPr>
-        <p:spPr>
-          <a:xfrm>
-            <a:off x="281354" y="3657600"/>
-            <a:ext cx="8648053" cy="2514600"/>
-          </a:xfrm>
-          <a:prstGeom prst="rect">
-            <a:avLst/>
-          </a:prstGeom>
-        </p:spPr>
-        <p:txBody>
-          <a:bodyPr vert="horz" lIns="91440" tIns="45720" rIns="91440" bIns="45720" rtlCol="0">
-            <a:noAutofit/>
-          </a:bodyPr>
-          <a:lstStyle>
-            <a:lvl1pPr marL="0" indent="0" algn="ctr" defTabSz="914400" rtl="0" eaLnBrk="1" latinLnBrk="0" hangingPunct="1">
-              <a:spcBef>
-                <a:spcPct val="20000"/>
-              </a:spcBef>
-              <a:buFont typeface="Arial" pitchFamily="34" charset="0"/>
-              <a:buNone/>
-              <a:defRPr sz="2400" kern="1200">
-                <a:solidFill>
-                  <a:schemeClr val="tx1">
-                    <a:tint val="75000"/>
-                  </a:schemeClr>
-                </a:solidFill>
-                <a:latin typeface="+mj-lt"/>
-                <a:ea typeface="+mn-ea"/>
-                <a:cs typeface="+mn-cs"/>
-              </a:defRPr>
-            </a:lvl1pPr>
-            <a:lvl2pPr marL="457200" indent="0" algn="ctr" defTabSz="914400" rtl="0" eaLnBrk="1" latinLnBrk="0" hangingPunct="1">
-              <a:spcBef>
-                <a:spcPct val="20000"/>
-              </a:spcBef>
-              <a:buFont typeface="Courier New" pitchFamily="49" charset="0"/>
-              <a:buNone/>
-              <a:defRPr sz="1600" kern="1200">
-                <a:solidFill>
-                  <a:schemeClr val="tx1">
-                    <a:tint val="75000"/>
-                  </a:schemeClr>
-                </a:solidFill>
-                <a:latin typeface="+mj-lt"/>
-                <a:ea typeface="+mn-ea"/>
-                <a:cs typeface="+mn-cs"/>
-              </a:defRPr>
-            </a:lvl2pPr>
-            <a:lvl3pPr marL="914400" indent="0" algn="ctr" defTabSz="914400" rtl="0" eaLnBrk="1" latinLnBrk="0" hangingPunct="1">
-              <a:spcBef>
-                <a:spcPct val="20000"/>
-              </a:spcBef>
-              <a:buFont typeface="Arial" pitchFamily="34" charset="0"/>
-              <a:buNone/>
-              <a:defRPr sz="1600" kern="1200">
-                <a:solidFill>
-                  <a:schemeClr val="tx1">
-                    <a:tint val="75000"/>
-                  </a:schemeClr>
-                </a:solidFill>
-                <a:latin typeface="+mj-lt"/>
-                <a:ea typeface="+mn-ea"/>
-                <a:cs typeface="+mn-cs"/>
-              </a:defRPr>
-            </a:lvl3pPr>
-            <a:lvl4pPr marL="1371600" indent="0" algn="ctr" defTabSz="914400" rtl="0" eaLnBrk="1" latinLnBrk="0" hangingPunct="1">
-              <a:spcBef>
-                <a:spcPct val="20000"/>
-              </a:spcBef>
-              <a:buFont typeface="Courier New" pitchFamily="49" charset="0"/>
-              <a:buNone/>
-              <a:defRPr sz="1600" kern="1200">
-                <a:solidFill>
-                  <a:schemeClr val="tx1">
-                    <a:tint val="75000"/>
-                  </a:schemeClr>
-                </a:solidFill>
-                <a:latin typeface="+mj-lt"/>
-                <a:ea typeface="+mn-ea"/>
-                <a:cs typeface="+mn-cs"/>
-              </a:defRPr>
-            </a:lvl4pPr>
-            <a:lvl5pPr marL="1828800" indent="0" algn="ctr" defTabSz="914400" rtl="0" eaLnBrk="1" latinLnBrk="0" hangingPunct="1">
-              <a:spcBef>
-                <a:spcPct val="20000"/>
-              </a:spcBef>
-              <a:buFont typeface="Arial" pitchFamily="34" charset="0"/>
-              <a:buNone/>
-              <a:defRPr sz="1600" kern="1200">
-                <a:solidFill>
-                  <a:schemeClr val="tx1">
-                    <a:tint val="75000"/>
-                  </a:schemeClr>
-                </a:solidFill>
-                <a:latin typeface="+mj-lt"/>
-                <a:ea typeface="+mn-ea"/>
-                <a:cs typeface="+mn-cs"/>
-              </a:defRPr>
-            </a:lvl5pPr>
-            <a:lvl6pPr marL="2286000" indent="0" algn="ctr" defTabSz="914400" rtl="0" eaLnBrk="1" latinLnBrk="0" hangingPunct="1">
-              <a:spcBef>
-                <a:spcPct val="20000"/>
-              </a:spcBef>
-              <a:buFont typeface="Courier New" pitchFamily="49" charset="0"/>
-              <a:buNone/>
-              <a:defRPr sz="1600" kern="1200">
-                <a:solidFill>
-                  <a:schemeClr val="tx1">
-                    <a:tint val="75000"/>
-                  </a:schemeClr>
-                </a:solidFill>
-                <a:latin typeface="+mj-lt"/>
-                <a:ea typeface="+mn-ea"/>
-                <a:cs typeface="+mn-cs"/>
-              </a:defRPr>
-            </a:lvl6pPr>
-            <a:lvl7pPr marL="2743200" indent="0" algn="ctr" defTabSz="914400" rtl="0" eaLnBrk="1" latinLnBrk="0" hangingPunct="1">
-              <a:spcBef>
-                <a:spcPct val="20000"/>
-              </a:spcBef>
-              <a:buFont typeface="Arial" pitchFamily="34" charset="0"/>
-              <a:buNone/>
-              <a:defRPr sz="1600" kern="1200">
-                <a:solidFill>
-                  <a:schemeClr val="tx1">
-                    <a:tint val="75000"/>
-                  </a:schemeClr>
-                </a:solidFill>
-                <a:latin typeface="+mj-lt"/>
-                <a:ea typeface="+mn-ea"/>
-                <a:cs typeface="+mn-cs"/>
-              </a:defRPr>
-            </a:lvl7pPr>
-            <a:lvl8pPr marL="3200400" indent="0" algn="ctr" defTabSz="914400" rtl="0" eaLnBrk="1" latinLnBrk="0" hangingPunct="1">
-              <a:spcBef>
-                <a:spcPct val="20000"/>
-              </a:spcBef>
-              <a:buFont typeface="Courier New" pitchFamily="49" charset="0"/>
-              <a:buNone/>
-              <a:defRPr sz="1600" kern="1200">
-                <a:solidFill>
-                  <a:schemeClr val="tx1">
-                    <a:tint val="75000"/>
-                  </a:schemeClr>
-                </a:solidFill>
-                <a:latin typeface="+mj-lt"/>
-                <a:ea typeface="+mn-ea"/>
-                <a:cs typeface="+mn-cs"/>
-              </a:defRPr>
-            </a:lvl8pPr>
-            <a:lvl9pPr marL="3657600" indent="0" algn="ctr" defTabSz="914400" rtl="0" eaLnBrk="1" latinLnBrk="0" hangingPunct="1">
-              <a:spcBef>
-                <a:spcPct val="20000"/>
-              </a:spcBef>
-              <a:buFont typeface="Arial" pitchFamily="34" charset="0"/>
-              <a:buNone/>
-              <a:defRPr sz="1600" kern="1200">
-                <a:solidFill>
-                  <a:schemeClr val="tx1">
-                    <a:tint val="75000"/>
-                  </a:schemeClr>
-                </a:solidFill>
-                <a:latin typeface="+mj-lt"/>
-                <a:ea typeface="+mn-ea"/>
-                <a:cs typeface="+mn-cs"/>
-              </a:defRPr>
-            </a:lvl9pPr>
-          </a:lstStyle>
-          <a:p>
-            <a:pPr algn="l"/>
-            <a:r>
-              <a:rPr lang="en-US" altLang="en-US" sz="3200" dirty="0" smtClean="0"/>
-              <a:t>With Sprites</a:t>
-            </a:r>
-            <a:endParaRPr lang="en-US" sz="3200" dirty="0"/>
-          </a:p>
-        </p:txBody>
-      </p:sp>
-      <p:sp>
-        <p:nvSpPr>
-          <p:cNvPr id="10" name="Oval Callout 9"/>
-          <p:cNvSpPr/>
-          <p:nvPr/>
-        </p:nvSpPr>
-        <p:spPr>
-          <a:xfrm>
-            <a:off x="4724017" y="3613150"/>
-            <a:ext cx="1676400" cy="654050"/>
-          </a:xfrm>
-          <a:prstGeom prst="wedgeEllipseCallout">
-            <a:avLst>
-              <a:gd name="adj1" fmla="val -16410"/>
-              <a:gd name="adj2" fmla="val 101545"/>
-            </a:avLst>
-          </a:prstGeom>
-          <a:solidFill>
-            <a:srgbClr val="FF9900"/>
-          </a:solidFill>
-        </p:spPr>
-        <p:style>
-          <a:lnRef idx="2">
-            <a:schemeClr val="accent1">
-              <a:shade val="50000"/>
-            </a:schemeClr>
-          </a:lnRef>
-          <a:fillRef idx="1">
-            <a:schemeClr val="accent1"/>
-          </a:fillRef>
-          <a:effectRef idx="0">
-            <a:schemeClr val="accent1"/>
-          </a:effectRef>
-          <a:fontRef idx="minor">
-            <a:schemeClr val="lt1"/>
-          </a:fontRef>
-        </p:style>
-        <p:txBody>
-          <a:bodyPr rtlCol="0" anchor="ctr"/>
-          <a:lstStyle/>
-          <a:p>
-            <a:pPr algn="ctr"/>
-            <a:r>
-              <a:rPr lang="en-US" dirty="0" smtClean="0">
-                <a:solidFill>
-                  <a:schemeClr val="tx1"/>
-                </a:solidFill>
-              </a:rPr>
-              <a:t>1 request</a:t>
-            </a:r>
-            <a:endParaRPr lang="en-US" dirty="0">
-              <a:solidFill>
-                <a:schemeClr val="tx1"/>
-              </a:solidFill>
-            </a:endParaRPr>
-          </a:p>
-        </p:txBody>
-      </p:sp>
-      <p:sp>
-        <p:nvSpPr>
-          <p:cNvPr id="25" name="Oval Callout 24"/>
-          <p:cNvSpPr/>
-          <p:nvPr/>
-        </p:nvSpPr>
-        <p:spPr>
-          <a:xfrm>
-            <a:off x="6866878" y="3514725"/>
-            <a:ext cx="1896122" cy="654050"/>
-          </a:xfrm>
-          <a:prstGeom prst="wedgeEllipseCallout">
-            <a:avLst>
-              <a:gd name="adj1" fmla="val -20833"/>
-              <a:gd name="adj2" fmla="val -127686"/>
-            </a:avLst>
-          </a:prstGeom>
-          <a:solidFill>
-            <a:srgbClr val="FF9900"/>
-          </a:solidFill>
-        </p:spPr>
-        <p:style>
-          <a:lnRef idx="2">
-            <a:schemeClr val="accent1">
-              <a:shade val="50000"/>
-            </a:schemeClr>
-          </a:lnRef>
-          <a:fillRef idx="1">
-            <a:schemeClr val="accent1"/>
-          </a:fillRef>
-          <a:effectRef idx="0">
-            <a:schemeClr val="accent1"/>
-          </a:effectRef>
-          <a:fontRef idx="minor">
-            <a:schemeClr val="lt1"/>
-          </a:fontRef>
-        </p:style>
-        <p:txBody>
-          <a:bodyPr rtlCol="0" anchor="ctr"/>
-          <a:lstStyle/>
-          <a:p>
-            <a:pPr algn="ctr"/>
-            <a:r>
-              <a:rPr lang="en-US" dirty="0">
-                <a:solidFill>
-                  <a:schemeClr val="tx1"/>
-                </a:solidFill>
-              </a:rPr>
-              <a:t>3</a:t>
-            </a:r>
-            <a:r>
-              <a:rPr lang="en-US" dirty="0" smtClean="0">
-                <a:solidFill>
-                  <a:schemeClr val="tx1"/>
-                </a:solidFill>
-              </a:rPr>
-              <a:t> requests</a:t>
-            </a:r>
-            <a:endParaRPr lang="en-US" dirty="0">
-              <a:solidFill>
-                <a:schemeClr val="tx1"/>
-              </a:solidFill>
-            </a:endParaRPr>
-          </a:p>
-        </p:txBody>
-      </p:sp>
-    </p:spTree>
-    <p:extLst>
-      <p:ext uri="{BB962C8B-B14F-4D97-AF65-F5344CB8AC3E}">
-        <p14:creationId xmlns:p14="http://schemas.microsoft.com/office/powerpoint/2010/main" val="1031601473"/>
       </p:ext>
     </p:extLst>
   </p:cSld>
